--- a/FinalPresentation.pptx
+++ b/FinalPresentation.pptx
@@ -9193,7 +9193,7 @@
             <p:ph idx="1"/>
             <p:extLst>
               <p:ext uri="{D42A27DB-BD31-4B8C-83A1-F6EECF244321}">
-                <p14:modId xmlns:p14="http://schemas.microsoft.com/office/powerpoint/2010/main" val="1120453157"/>
+                <p14:modId xmlns:p14="http://schemas.microsoft.com/office/powerpoint/2010/main" val="3657642356"/>
               </p:ext>
             </p:extLst>
           </p:nvPr>
@@ -9395,7 +9395,7 @@
                             <a:schemeClr val="bg1"/>
                           </a:solidFill>
                         </a:rPr>
-                        <a:t>Rolling ASE (Training Size 91)</a:t>
+                        <a:t>Rolling ASE (Training Size 95)</a:t>
                       </a:r>
                     </a:p>
                   </a:txBody>
@@ -9569,7 +9569,7 @@
                       <a:pPr algn="ctr"/>
                       <a:r>
                         <a:rPr lang="en-US" dirty="0"/>
-                        <a:t>0.023</a:t>
+                        <a:t>0.152</a:t>
                       </a:r>
                     </a:p>
                   </a:txBody>
@@ -9725,7 +9725,7 @@
                       <a:pPr algn="ctr"/>
                       <a:r>
                         <a:rPr lang="en-US" dirty="0"/>
-                        <a:t>0.035</a:t>
+                        <a:t>0.133</a:t>
                       </a:r>
                     </a:p>
                   </a:txBody>
@@ -9876,9 +9876,10 @@
                     <a:p>
                       <a:pPr algn="ctr"/>
                       <a:r>
-                        <a:rPr lang="en-US" dirty="0"/>
-                        <a:t>0.070</a:t>
+                        <a:rPr lang="en-US"/>
+                        <a:t>0.071</a:t>
                       </a:r>
+                      <a:endParaRPr lang="en-US" dirty="0"/>
                     </a:p>
                   </a:txBody>
                   <a:tcPr>
@@ -10017,7 +10018,7 @@
                       <a:pPr algn="ctr"/>
                       <a:r>
                         <a:rPr lang="en-US" dirty="0"/>
-                        <a:t>0.187</a:t>
+                        <a:t>0.229</a:t>
                       </a:r>
                     </a:p>
                   </a:txBody>
@@ -10153,7 +10154,7 @@
                       <a:pPr algn="ctr"/>
                       <a:r>
                         <a:rPr lang="en-US" dirty="0"/>
-                        <a:t>0.446</a:t>
+                        <a:t>0.394</a:t>
                       </a:r>
                     </a:p>
                   </a:txBody>

--- a/FinalPresentation.pptx
+++ b/FinalPresentation.pptx
@@ -9193,7 +9193,7 @@
             <p:ph idx="1"/>
             <p:extLst>
               <p:ext uri="{D42A27DB-BD31-4B8C-83A1-F6EECF244321}">
-                <p14:modId xmlns:p14="http://schemas.microsoft.com/office/powerpoint/2010/main" val="3657642356"/>
+                <p14:modId xmlns:p14="http://schemas.microsoft.com/office/powerpoint/2010/main" val="2478829892"/>
               </p:ext>
             </p:extLst>
           </p:nvPr>
@@ -9449,7 +9449,7 @@
                       <a:pPr algn="ctr"/>
                       <a:r>
                         <a:rPr lang="en-US" dirty="0"/>
-                        <a:t>NN</a:t>
+                        <a:t>Ensemble</a:t>
                       </a:r>
                     </a:p>
                   </a:txBody>
@@ -9480,7 +9480,23 @@
                     <a:bodyPr/>
                     <a:lstStyle/>
                     <a:p>
-                      <a:pPr algn="ctr"/>
+                      <a:pPr marL="0" marR="0" lvl="0" indent="0" algn="ctr" defTabSz="685800" rtl="0" eaLnBrk="1" fontAlgn="auto" latinLnBrk="0" hangingPunct="1">
+                        <a:lnSpc>
+                          <a:spcPct val="100000"/>
+                        </a:lnSpc>
+                        <a:spcBef>
+                          <a:spcPts val="0"/>
+                        </a:spcBef>
+                        <a:spcAft>
+                          <a:spcPts val="0"/>
+                        </a:spcAft>
+                        <a:buClrTx/>
+                        <a:buSzTx/>
+                        <a:buFontTx/>
+                        <a:buNone/>
+                        <a:tabLst/>
+                        <a:defRPr/>
+                      </a:pPr>
                       <a:r>
                         <a:rPr lang="en-US" dirty="0"/>
                         <a:t>N/A</a:t>
@@ -9526,7 +9542,7 @@
                       <a:pPr algn="ctr"/>
                       <a:r>
                         <a:rPr lang="en-US" dirty="0"/>
-                        <a:t>0.063</a:t>
+                        <a:t>0.04</a:t>
                       </a:r>
                     </a:p>
                   </a:txBody>
@@ -9569,7 +9585,7 @@
                       <a:pPr algn="ctr"/>
                       <a:r>
                         <a:rPr lang="en-US" dirty="0"/>
-                        <a:t>0.152</a:t>
+                        <a:t>0.071</a:t>
                       </a:r>
                     </a:p>
                   </a:txBody>
@@ -9606,7 +9622,7 @@
                 </a:tc>
                 <a:extLst>
                   <a:ext uri="{0D108BD9-81ED-4DB2-BD59-A6C34878D82A}">
-                    <a16:rowId xmlns:a16="http://schemas.microsoft.com/office/drawing/2014/main" val="2792022408"/>
+                    <a16:rowId xmlns:a16="http://schemas.microsoft.com/office/drawing/2014/main" val="3200255482"/>
                   </a:ext>
                 </a:extLst>
               </a:tr>
@@ -9768,7 +9784,7 @@
                       <a:pPr algn="ctr"/>
                       <a:r>
                         <a:rPr lang="en-US" dirty="0"/>
-                        <a:t>Ensemble</a:t>
+                        <a:t>NN</a:t>
                       </a:r>
                     </a:p>
                   </a:txBody>
@@ -9790,23 +9806,7 @@
                     <a:bodyPr/>
                     <a:lstStyle/>
                     <a:p>
-                      <a:pPr marL="0" marR="0" lvl="0" indent="0" algn="ctr" defTabSz="685800" rtl="0" eaLnBrk="1" fontAlgn="auto" latinLnBrk="0" hangingPunct="1">
-                        <a:lnSpc>
-                          <a:spcPct val="100000"/>
-                        </a:lnSpc>
-                        <a:spcBef>
-                          <a:spcPts val="0"/>
-                        </a:spcBef>
-                        <a:spcAft>
-                          <a:spcPts val="0"/>
-                        </a:spcAft>
-                        <a:buClrTx/>
-                        <a:buSzTx/>
-                        <a:buFontTx/>
-                        <a:buNone/>
-                        <a:tabLst/>
-                        <a:defRPr/>
-                      </a:pPr>
+                      <a:pPr algn="ctr"/>
                       <a:r>
                         <a:rPr lang="en-US" dirty="0"/>
                         <a:t>N/A</a:t>
@@ -9843,7 +9843,7 @@
                       <a:pPr algn="ctr"/>
                       <a:r>
                         <a:rPr lang="en-US" dirty="0"/>
-                        <a:t>0.04</a:t>
+                        <a:t>0.063</a:t>
                       </a:r>
                     </a:p>
                   </a:txBody>
@@ -9876,10 +9876,9 @@
                     <a:p>
                       <a:pPr algn="ctr"/>
                       <a:r>
-                        <a:rPr lang="en-US"/>
-                        <a:t>0.071</a:t>
+                        <a:rPr lang="en-US" dirty="0"/>
+                        <a:t>0.152</a:t>
                       </a:r>
-                      <a:endParaRPr lang="en-US" dirty="0"/>
                     </a:p>
                   </a:txBody>
                   <a:tcPr>
@@ -9906,7 +9905,7 @@
                 </a:tc>
                 <a:extLst>
                   <a:ext uri="{0D108BD9-81ED-4DB2-BD59-A6C34878D82A}">
-                    <a16:rowId xmlns:a16="http://schemas.microsoft.com/office/drawing/2014/main" val="2105827256"/>
+                    <a16:rowId xmlns:a16="http://schemas.microsoft.com/office/drawing/2014/main" val="312971248"/>
                   </a:ext>
                 </a:extLst>
               </a:tr>
@@ -10846,7 +10845,7 @@
           <a:p>
             <a:r>
               <a:rPr lang="en-US" dirty="0"/>
-              <a:t>The Neural Network preformed the best as it had the lowest ASE</a:t>
+              <a:t>The Ensemble Model preformed the best as it had the lowest ASE</a:t>
             </a:r>
           </a:p>
           <a:p>

--- a/FinalPresentation.pptx
+++ b/FinalPresentation.pptx
@@ -224,7 +224,7 @@
           <a:p>
             <a:fld id="{8E246708-5236-45EB-B3C0-B1DB1B8B9C97}" type="datetimeFigureOut">
               <a:rPr lang="en-US" smtClean="0"/>
-              <a:t>4/10/2020</a:t>
+              <a:t>4/11/2020</a:t>
             </a:fld>
             <a:endParaRPr lang="en-US"/>
           </a:p>
@@ -2949,7 +2949,7 @@
           <a:p>
             <a:fld id="{10DB3CA5-5A6A-4F13-B96F-BC135ED97234}" type="datetimeFigureOut">
               <a:rPr lang="en-US" smtClean="0"/>
-              <a:t>4/10/2020</a:t>
+              <a:t>4/11/2020</a:t>
             </a:fld>
             <a:endParaRPr lang="en-US"/>
           </a:p>
@@ -3235,7 +3235,7 @@
           <a:p>
             <a:fld id="{10DB3CA5-5A6A-4F13-B96F-BC135ED97234}" type="datetimeFigureOut">
               <a:rPr lang="en-US" smtClean="0"/>
-              <a:t>4/10/2020</a:t>
+              <a:t>4/11/2020</a:t>
             </a:fld>
             <a:endParaRPr lang="en-US"/>
           </a:p>
@@ -3551,7 +3551,7 @@
           <a:p>
             <a:fld id="{10DB3CA5-5A6A-4F13-B96F-BC135ED97234}" type="datetimeFigureOut">
               <a:rPr lang="en-US" smtClean="0"/>
-              <a:t>4/10/2020</a:t>
+              <a:t>4/11/2020</a:t>
             </a:fld>
             <a:endParaRPr lang="en-US"/>
           </a:p>
@@ -3817,7 +3817,7 @@
           <a:p>
             <a:fld id="{10DB3CA5-5A6A-4F13-B96F-BC135ED97234}" type="datetimeFigureOut">
               <a:rPr lang="en-US" smtClean="0"/>
-              <a:t>4/10/2020</a:t>
+              <a:t>4/11/2020</a:t>
             </a:fld>
             <a:endParaRPr lang="en-US"/>
           </a:p>
@@ -4270,7 +4270,7 @@
           <a:p>
             <a:fld id="{10DB3CA5-5A6A-4F13-B96F-BC135ED97234}" type="datetimeFigureOut">
               <a:rPr lang="en-US" smtClean="0"/>
-              <a:t>4/10/2020</a:t>
+              <a:t>4/11/2020</a:t>
             </a:fld>
             <a:endParaRPr lang="en-US"/>
           </a:p>
@@ -4452,7 +4452,7 @@
           <a:p>
             <a:fld id="{10DB3CA5-5A6A-4F13-B96F-BC135ED97234}" type="datetimeFigureOut">
               <a:rPr lang="en-US" smtClean="0"/>
-              <a:t>4/10/2020</a:t>
+              <a:t>4/11/2020</a:t>
             </a:fld>
             <a:endParaRPr lang="en-US"/>
           </a:p>
@@ -4565,7 +4565,7 @@
           <a:p>
             <a:fld id="{10DB3CA5-5A6A-4F13-B96F-BC135ED97234}" type="datetimeFigureOut">
               <a:rPr lang="en-US" smtClean="0"/>
-              <a:t>4/10/2020</a:t>
+              <a:t>4/11/2020</a:t>
             </a:fld>
             <a:endParaRPr lang="en-US"/>
           </a:p>
@@ -4923,7 +4923,7 @@
           <a:p>
             <a:fld id="{10DB3CA5-5A6A-4F13-B96F-BC135ED97234}" type="datetimeFigureOut">
               <a:rPr lang="en-US" smtClean="0"/>
-              <a:t>4/10/2020</a:t>
+              <a:t>4/11/2020</a:t>
             </a:fld>
             <a:endParaRPr lang="en-US"/>
           </a:p>
@@ -5212,7 +5212,7 @@
           <a:p>
             <a:fld id="{10DB3CA5-5A6A-4F13-B96F-BC135ED97234}" type="datetimeFigureOut">
               <a:rPr lang="en-US" smtClean="0"/>
-              <a:t>4/10/2020</a:t>
+              <a:t>4/11/2020</a:t>
             </a:fld>
             <a:endParaRPr lang="en-US"/>
           </a:p>
@@ -5549,7 +5549,7 @@
           <a:p>
             <a:fld id="{10DB3CA5-5A6A-4F13-B96F-BC135ED97234}" type="datetimeFigureOut">
               <a:rPr lang="en-US" smtClean="0"/>
-              <a:t>4/10/2020</a:t>
+              <a:t>4/11/2020</a:t>
             </a:fld>
             <a:endParaRPr lang="en-US"/>
           </a:p>
@@ -5758,7 +5758,7 @@
           <a:p>
             <a:fld id="{10DB3CA5-5A6A-4F13-B96F-BC135ED97234}" type="datetimeFigureOut">
               <a:rPr lang="en-US" smtClean="0"/>
-              <a:t>4/10/2020</a:t>
+              <a:t>4/11/2020</a:t>
             </a:fld>
             <a:endParaRPr lang="en-US"/>
           </a:p>
@@ -7656,7 +7656,7 @@
           <a:p>
             <a:fld id="{10DB3CA5-5A6A-4F13-B96F-BC135ED97234}" type="datetimeFigureOut">
               <a:rPr lang="en-US" smtClean="0"/>
-              <a:t>4/10/2020</a:t>
+              <a:t>4/11/2020</a:t>
             </a:fld>
             <a:endParaRPr lang="en-US"/>
           </a:p>
@@ -9193,7 +9193,7 @@
             <p:ph idx="1"/>
             <p:extLst>
               <p:ext uri="{D42A27DB-BD31-4B8C-83A1-F6EECF244321}">
-                <p14:modId xmlns:p14="http://schemas.microsoft.com/office/powerpoint/2010/main" val="2478829892"/>
+                <p14:modId xmlns:p14="http://schemas.microsoft.com/office/powerpoint/2010/main" val="2226373809"/>
               </p:ext>
             </p:extLst>
           </p:nvPr>
@@ -9585,7 +9585,7 @@
                       <a:pPr algn="ctr"/>
                       <a:r>
                         <a:rPr lang="en-US" dirty="0"/>
-                        <a:t>0.071</a:t>
+                        <a:t>0.070</a:t>
                       </a:r>
                     </a:p>
                   </a:txBody>
@@ -9877,7 +9877,7 @@
                       <a:pPr algn="ctr"/>
                       <a:r>
                         <a:rPr lang="en-US" dirty="0"/>
-                        <a:t>0.152</a:t>
+                        <a:t>0.133</a:t>
                       </a:r>
                     </a:p>
                   </a:txBody>
@@ -9981,7 +9981,7 @@
                       <a:pPr algn="ctr"/>
                       <a:r>
                         <a:rPr lang="en-US" dirty="0"/>
-                        <a:t>0.130</a:t>
+                        <a:t>0.113</a:t>
                       </a:r>
                     </a:p>
                   </a:txBody>
@@ -10017,7 +10017,7 @@
                       <a:pPr algn="ctr"/>
                       <a:r>
                         <a:rPr lang="en-US" dirty="0"/>
-                        <a:t>0.229</a:t>
+                        <a:t>0.185</a:t>
                       </a:r>
                     </a:p>
                   </a:txBody>

--- a/FinalPresentation.pptx
+++ b/FinalPresentation.pptx
@@ -12,8 +12,8 @@
     <p:sldId id="580" r:id="rId3"/>
     <p:sldId id="593" r:id="rId4"/>
     <p:sldId id="260" r:id="rId5"/>
-    <p:sldId id="621" r:id="rId6"/>
-    <p:sldId id="609" r:id="rId7"/>
+    <p:sldId id="609" r:id="rId6"/>
+    <p:sldId id="621" r:id="rId7"/>
     <p:sldId id="605" r:id="rId8"/>
     <p:sldId id="612" r:id="rId9"/>
     <p:sldId id="603" r:id="rId10"/>
@@ -913,8 +913,8 @@
               <a:buChar char="-"/>
             </a:pPr>
             <a:r>
-              <a:rPr lang="en-US" dirty="0" err="1"/>
-              <a:t>Ensembel</a:t>
+              <a:rPr lang="en-US" dirty="0" smtClean="0"/>
+              <a:t>Ensemble</a:t>
             </a:r>
             <a:endParaRPr lang="en-US" dirty="0"/>
           </a:p>
@@ -942,13 +942,8 @@
             </a:pPr>
             <a:r>
               <a:rPr lang="en-US" dirty="0"/>
-              <a:t>This allows for more accurate ASEs as </a:t>
-            </a:r>
-            <a:r>
-              <a:rPr lang="en-US"/>
-              <a:t>they will </a:t>
-            </a:r>
-            <a:endParaRPr lang="en-US" dirty="0"/>
+              <a:t>This allows for more accurate ASEs as they will </a:t>
+            </a:r>
           </a:p>
           <a:p>
             <a:endParaRPr lang="en-US" dirty="0"/>
@@ -1545,14 +1540,89 @@
           <a:p>
             <a:r>
               <a:rPr lang="en-US" dirty="0"/>
-              <a:t>Stocks that were between $5-$50 that had spectral densities with exponentially damping were selected as their serial correlation structures can be captured easily with signal plus noise models</a:t>
-            </a:r>
-          </a:p>
-          <a:p>
+              <a:t>For our analysis we selected a non-stationary process</a:t>
+            </a:r>
+          </a:p>
+          <a:p>
+            <a:pPr marL="171450" indent="-171450">
+              <a:buFontTx/>
+              <a:buChar char="-"/>
+            </a:pPr>
             <a:r>
               <a:rPr lang="en-US" dirty="0"/>
-              <a:t>Additional features were created to capture the variation between open/close and high/low prices by subtracting the opening/high price from the close/low price</a:t>
-            </a:r>
+              <a:t>The preprocessing of the data allowed us to target data that would be non-stationary</a:t>
+            </a:r>
+          </a:p>
+          <a:p>
+            <a:pPr marL="171450" indent="-171450">
+              <a:buFontTx/>
+              <a:buChar char="-"/>
+            </a:pPr>
+            <a:r>
+              <a:rPr lang="en-US" dirty="0"/>
+              <a:t>This process resulted in us selecting Arch Capital Group Ltd. Stocks for analysis</a:t>
+            </a:r>
+          </a:p>
+          <a:p>
+            <a:pPr marL="171450" indent="-171450">
+              <a:buFontTx/>
+              <a:buChar char="-"/>
+            </a:pPr>
+            <a:endParaRPr lang="en-US" dirty="0"/>
+          </a:p>
+          <a:p>
+            <a:pPr marL="0" indent="0">
+              <a:buFontTx/>
+              <a:buNone/>
+            </a:pPr>
+            <a:r>
+              <a:rPr lang="en-US" dirty="0"/>
+              <a:t>We then checked the:</a:t>
+            </a:r>
+          </a:p>
+          <a:p>
+            <a:pPr marL="171450" indent="-171450">
+              <a:buFontTx/>
+              <a:buChar char="-"/>
+            </a:pPr>
+            <a:r>
+              <a:rPr lang="en-US" dirty="0"/>
+              <a:t>Realizations</a:t>
+            </a:r>
+          </a:p>
+          <a:p>
+            <a:pPr marL="171450" indent="-171450">
+              <a:buFontTx/>
+              <a:buChar char="-"/>
+            </a:pPr>
+            <a:r>
+              <a:rPr lang="en-US" dirty="0"/>
+              <a:t>ACFs</a:t>
+            </a:r>
+          </a:p>
+          <a:p>
+            <a:pPr marL="171450" indent="-171450">
+              <a:buFontTx/>
+              <a:buChar char="-"/>
+            </a:pPr>
+            <a:r>
+              <a:rPr lang="en-US" dirty="0"/>
+              <a:t>And Spectral Densities to confirm that the data was non-stationary</a:t>
+            </a:r>
+          </a:p>
+          <a:p>
+            <a:pPr marL="171450" indent="-171450">
+              <a:buFontTx/>
+              <a:buChar char="-"/>
+            </a:pPr>
+            <a:endParaRPr lang="en-US" dirty="0"/>
+          </a:p>
+          <a:p>
+            <a:pPr marL="0" indent="0">
+              <a:buFontTx/>
+              <a:buNone/>
+            </a:pPr>
+            <a:endParaRPr lang="en-US" dirty="0"/>
           </a:p>
         </p:txBody>
       </p:sp>
@@ -1582,7 +1652,7 @@
     </p:spTree>
     <p:extLst>
       <p:ext uri="{BB962C8B-B14F-4D97-AF65-F5344CB8AC3E}">
-        <p14:creationId xmlns:p14="http://schemas.microsoft.com/office/powerpoint/2010/main" val="3652259482"/>
+        <p14:creationId xmlns:p14="http://schemas.microsoft.com/office/powerpoint/2010/main" val="240688670"/>
       </p:ext>
     </p:extLst>
   </p:cSld>
@@ -1638,89 +1708,14 @@
           <a:p>
             <a:r>
               <a:rPr lang="en-US" dirty="0"/>
-              <a:t>For our analysis we selected a non-stationary process</a:t>
-            </a:r>
-          </a:p>
-          <a:p>
-            <a:pPr marL="171450" indent="-171450">
-              <a:buFontTx/>
-              <a:buChar char="-"/>
-            </a:pPr>
+              <a:t>Stocks that were between $5-$50 that had spectral densities with exponentially damping were selected as their serial correlation structures can be captured easily with signal plus noise models</a:t>
+            </a:r>
+          </a:p>
+          <a:p>
             <a:r>
               <a:rPr lang="en-US" dirty="0"/>
-              <a:t>The preprocessing of the data allowed us to target data that would be non-stationary</a:t>
-            </a:r>
-          </a:p>
-          <a:p>
-            <a:pPr marL="171450" indent="-171450">
-              <a:buFontTx/>
-              <a:buChar char="-"/>
-            </a:pPr>
-            <a:r>
-              <a:rPr lang="en-US" dirty="0"/>
-              <a:t>This process resulted in us selecting Arch Capital Group Ltd. Stocks for analysis</a:t>
-            </a:r>
-          </a:p>
-          <a:p>
-            <a:pPr marL="171450" indent="-171450">
-              <a:buFontTx/>
-              <a:buChar char="-"/>
-            </a:pPr>
-            <a:endParaRPr lang="en-US" dirty="0"/>
-          </a:p>
-          <a:p>
-            <a:pPr marL="0" indent="0">
-              <a:buFontTx/>
-              <a:buNone/>
-            </a:pPr>
-            <a:r>
-              <a:rPr lang="en-US" dirty="0"/>
-              <a:t>We then checked the:</a:t>
-            </a:r>
-          </a:p>
-          <a:p>
-            <a:pPr marL="171450" indent="-171450">
-              <a:buFontTx/>
-              <a:buChar char="-"/>
-            </a:pPr>
-            <a:r>
-              <a:rPr lang="en-US" dirty="0"/>
-              <a:t>Realizations</a:t>
-            </a:r>
-          </a:p>
-          <a:p>
-            <a:pPr marL="171450" indent="-171450">
-              <a:buFontTx/>
-              <a:buChar char="-"/>
-            </a:pPr>
-            <a:r>
-              <a:rPr lang="en-US" dirty="0"/>
-              <a:t>ACFs</a:t>
-            </a:r>
-          </a:p>
-          <a:p>
-            <a:pPr marL="171450" indent="-171450">
-              <a:buFontTx/>
-              <a:buChar char="-"/>
-            </a:pPr>
-            <a:r>
-              <a:rPr lang="en-US" dirty="0"/>
-              <a:t>And Spectral Densities to confirm that the data was non-stationary</a:t>
-            </a:r>
-          </a:p>
-          <a:p>
-            <a:pPr marL="171450" indent="-171450">
-              <a:buFontTx/>
-              <a:buChar char="-"/>
-            </a:pPr>
-            <a:endParaRPr lang="en-US" dirty="0"/>
-          </a:p>
-          <a:p>
-            <a:pPr marL="0" indent="0">
-              <a:buFontTx/>
-              <a:buNone/>
-            </a:pPr>
-            <a:endParaRPr lang="en-US" dirty="0"/>
+              <a:t>Additional features were created to capture the variation between open/close and high/low prices by subtracting the opening/high price from the close/low price</a:t>
+            </a:r>
           </a:p>
         </p:txBody>
       </p:sp>
@@ -1750,7 +1745,7 @@
     </p:spTree>
     <p:extLst>
       <p:ext uri="{BB962C8B-B14F-4D97-AF65-F5344CB8AC3E}">
-        <p14:creationId xmlns:p14="http://schemas.microsoft.com/office/powerpoint/2010/main" val="240688670"/>
+        <p14:creationId xmlns:p14="http://schemas.microsoft.com/office/powerpoint/2010/main" val="3652259482"/>
       </p:ext>
     </p:extLst>
   </p:cSld>
@@ -2824,7 +2819,7 @@
           <p:cNvPr id="2" name="Title 1">
             <a:extLst>
               <a:ext uri="{FF2B5EF4-FFF2-40B4-BE49-F238E27FC236}">
-                <a16:creationId xmlns:a16="http://schemas.microsoft.com/office/drawing/2014/main" id="{96E13C99-700B-4438-ABD5-1133F6AC2A81}"/>
+                <a16:creationId xmlns:a16="http://schemas.microsoft.com/office/drawing/2014/main" xmlns="" id="{96E13C99-700B-4438-ABD5-1133F6AC2A81}"/>
               </a:ext>
             </a:extLst>
           </p:cNvPr>
@@ -2861,7 +2856,7 @@
           <p:cNvPr id="3" name="Subtitle 2">
             <a:extLst>
               <a:ext uri="{FF2B5EF4-FFF2-40B4-BE49-F238E27FC236}">
-                <a16:creationId xmlns:a16="http://schemas.microsoft.com/office/drawing/2014/main" id="{A00A5ABD-AADB-45D0-B064-7926BD74465C}"/>
+                <a16:creationId xmlns:a16="http://schemas.microsoft.com/office/drawing/2014/main" xmlns="" id="{A00A5ABD-AADB-45D0-B064-7926BD74465C}"/>
               </a:ext>
             </a:extLst>
           </p:cNvPr>
@@ -2931,7 +2926,7 @@
           <p:cNvPr id="4" name="Date Placeholder 3">
             <a:extLst>
               <a:ext uri="{FF2B5EF4-FFF2-40B4-BE49-F238E27FC236}">
-                <a16:creationId xmlns:a16="http://schemas.microsoft.com/office/drawing/2014/main" id="{5E179944-20A4-4290-8F3C-2DD9B8A6E290}"/>
+                <a16:creationId xmlns:a16="http://schemas.microsoft.com/office/drawing/2014/main" xmlns="" id="{5E179944-20A4-4290-8F3C-2DD9B8A6E290}"/>
               </a:ext>
             </a:extLst>
           </p:cNvPr>
@@ -2960,7 +2955,7 @@
           <p:cNvPr id="5" name="Footer Placeholder 4">
             <a:extLst>
               <a:ext uri="{FF2B5EF4-FFF2-40B4-BE49-F238E27FC236}">
-                <a16:creationId xmlns:a16="http://schemas.microsoft.com/office/drawing/2014/main" id="{5B519308-76AF-4B54-8506-B03D3949262E}"/>
+                <a16:creationId xmlns:a16="http://schemas.microsoft.com/office/drawing/2014/main" xmlns="" id="{5B519308-76AF-4B54-8506-B03D3949262E}"/>
               </a:ext>
             </a:extLst>
           </p:cNvPr>
@@ -2985,7 +2980,7 @@
           <p:cNvPr id="6" name="Slide Number Placeholder 5">
             <a:extLst>
               <a:ext uri="{FF2B5EF4-FFF2-40B4-BE49-F238E27FC236}">
-                <a16:creationId xmlns:a16="http://schemas.microsoft.com/office/drawing/2014/main" id="{C43CAC2D-C9E1-4558-8DCE-EDD3EC0E544B}"/>
+                <a16:creationId xmlns:a16="http://schemas.microsoft.com/office/drawing/2014/main" xmlns="" id="{C43CAC2D-C9E1-4558-8DCE-EDD3EC0E544B}"/>
               </a:ext>
             </a:extLst>
           </p:cNvPr>
@@ -3014,7 +3009,7 @@
           <p:cNvPr id="7" name="Straight Connector 6">
             <a:extLst>
               <a:ext uri="{FF2B5EF4-FFF2-40B4-BE49-F238E27FC236}">
-                <a16:creationId xmlns:a16="http://schemas.microsoft.com/office/drawing/2014/main" id="{0EC62AA3-1D21-4324-A662-F148648192A0}"/>
+                <a16:creationId xmlns:a16="http://schemas.microsoft.com/office/drawing/2014/main" xmlns="" id="{0EC62AA3-1D21-4324-A662-F148648192A0}"/>
               </a:ext>
             </a:extLst>
           </p:cNvPr>
@@ -3055,7 +3050,7 @@
           <p:cNvPr id="8" name="Picture 2" descr="C:\Users\njones\Dropbox (2U)\Work\Designing Slides\SMU\Design Brief\logo\logo_datasci_SMU.png">
             <a:extLst>
               <a:ext uri="{FF2B5EF4-FFF2-40B4-BE49-F238E27FC236}">
-                <a16:creationId xmlns:a16="http://schemas.microsoft.com/office/drawing/2014/main" id="{3AE5E602-45DD-41AF-A5AE-5B60603FE5A1}"/>
+                <a16:creationId xmlns:a16="http://schemas.microsoft.com/office/drawing/2014/main" xmlns="" id="{3AE5E602-45DD-41AF-A5AE-5B60603FE5A1}"/>
               </a:ext>
             </a:extLst>
           </p:cNvPr>
@@ -3132,7 +3127,7 @@
           <p:cNvPr id="2" name="Title 1">
             <a:extLst>
               <a:ext uri="{FF2B5EF4-FFF2-40B4-BE49-F238E27FC236}">
-                <a16:creationId xmlns:a16="http://schemas.microsoft.com/office/drawing/2014/main" id="{62762E2A-B5CA-42B4-BF42-DC3370648494}"/>
+                <a16:creationId xmlns:a16="http://schemas.microsoft.com/office/drawing/2014/main" xmlns="" id="{62762E2A-B5CA-42B4-BF42-DC3370648494}"/>
               </a:ext>
             </a:extLst>
           </p:cNvPr>
@@ -3160,7 +3155,7 @@
           <p:cNvPr id="3" name="Content Placeholder 2">
             <a:extLst>
               <a:ext uri="{FF2B5EF4-FFF2-40B4-BE49-F238E27FC236}">
-                <a16:creationId xmlns:a16="http://schemas.microsoft.com/office/drawing/2014/main" id="{14797549-3E35-46D3-8E19-14B57BC0D0E2}"/>
+                <a16:creationId xmlns:a16="http://schemas.microsoft.com/office/drawing/2014/main" xmlns="" id="{14797549-3E35-46D3-8E19-14B57BC0D0E2}"/>
               </a:ext>
             </a:extLst>
           </p:cNvPr>
@@ -3217,7 +3212,7 @@
           <p:cNvPr id="4" name="Date Placeholder 3">
             <a:extLst>
               <a:ext uri="{FF2B5EF4-FFF2-40B4-BE49-F238E27FC236}">
-                <a16:creationId xmlns:a16="http://schemas.microsoft.com/office/drawing/2014/main" id="{8DB2B248-1A85-4FFE-8A2D-FC080CB6C3BA}"/>
+                <a16:creationId xmlns:a16="http://schemas.microsoft.com/office/drawing/2014/main" xmlns="" id="{8DB2B248-1A85-4FFE-8A2D-FC080CB6C3BA}"/>
               </a:ext>
             </a:extLst>
           </p:cNvPr>
@@ -3246,7 +3241,7 @@
           <p:cNvPr id="5" name="Footer Placeholder 4">
             <a:extLst>
               <a:ext uri="{FF2B5EF4-FFF2-40B4-BE49-F238E27FC236}">
-                <a16:creationId xmlns:a16="http://schemas.microsoft.com/office/drawing/2014/main" id="{24A12DB7-FDB3-446D-AD35-5BAD38B70BCD}"/>
+                <a16:creationId xmlns:a16="http://schemas.microsoft.com/office/drawing/2014/main" xmlns="" id="{24A12DB7-FDB3-446D-AD35-5BAD38B70BCD}"/>
               </a:ext>
             </a:extLst>
           </p:cNvPr>
@@ -3271,7 +3266,7 @@
           <p:cNvPr id="6" name="Slide Number Placeholder 5">
             <a:extLst>
               <a:ext uri="{FF2B5EF4-FFF2-40B4-BE49-F238E27FC236}">
-                <a16:creationId xmlns:a16="http://schemas.microsoft.com/office/drawing/2014/main" id="{51A84FAD-99F7-4AE0-BA7D-0091A660B553}"/>
+                <a16:creationId xmlns:a16="http://schemas.microsoft.com/office/drawing/2014/main" xmlns="" id="{51A84FAD-99F7-4AE0-BA7D-0091A660B553}"/>
               </a:ext>
             </a:extLst>
           </p:cNvPr>
@@ -3300,7 +3295,7 @@
           <p:cNvPr id="7" name="Straight Connector 6">
             <a:extLst>
               <a:ext uri="{FF2B5EF4-FFF2-40B4-BE49-F238E27FC236}">
-                <a16:creationId xmlns:a16="http://schemas.microsoft.com/office/drawing/2014/main" id="{D2E47137-8587-46AF-9FD1-E3C0CBF87382}"/>
+                <a16:creationId xmlns:a16="http://schemas.microsoft.com/office/drawing/2014/main" xmlns="" id="{D2E47137-8587-46AF-9FD1-E3C0CBF87382}"/>
               </a:ext>
             </a:extLst>
           </p:cNvPr>
@@ -3371,7 +3366,7 @@
           <p:cNvPr id="2" name="Title 1">
             <a:extLst>
               <a:ext uri="{FF2B5EF4-FFF2-40B4-BE49-F238E27FC236}">
-                <a16:creationId xmlns:a16="http://schemas.microsoft.com/office/drawing/2014/main" id="{C017A7B2-5DCA-4838-895A-842DDB1AD45E}"/>
+                <a16:creationId xmlns:a16="http://schemas.microsoft.com/office/drawing/2014/main" xmlns="" id="{C017A7B2-5DCA-4838-895A-842DDB1AD45E}"/>
               </a:ext>
             </a:extLst>
           </p:cNvPr>
@@ -3408,7 +3403,7 @@
           <p:cNvPr id="3" name="Text Placeholder 2">
             <a:extLst>
               <a:ext uri="{FF2B5EF4-FFF2-40B4-BE49-F238E27FC236}">
-                <a16:creationId xmlns:a16="http://schemas.microsoft.com/office/drawing/2014/main" id="{DF559FE1-0C55-447D-B6C7-9D1F874F5C09}"/>
+                <a16:creationId xmlns:a16="http://schemas.microsoft.com/office/drawing/2014/main" xmlns="" id="{DF559FE1-0C55-447D-B6C7-9D1F874F5C09}"/>
               </a:ext>
             </a:extLst>
           </p:cNvPr>
@@ -3533,7 +3528,7 @@
           <p:cNvPr id="4" name="Date Placeholder 3">
             <a:extLst>
               <a:ext uri="{FF2B5EF4-FFF2-40B4-BE49-F238E27FC236}">
-                <a16:creationId xmlns:a16="http://schemas.microsoft.com/office/drawing/2014/main" id="{F1B7C85C-1BF1-4950-B43A-59AD5269A9F0}"/>
+                <a16:creationId xmlns:a16="http://schemas.microsoft.com/office/drawing/2014/main" xmlns="" id="{F1B7C85C-1BF1-4950-B43A-59AD5269A9F0}"/>
               </a:ext>
             </a:extLst>
           </p:cNvPr>
@@ -3562,7 +3557,7 @@
           <p:cNvPr id="5" name="Footer Placeholder 4">
             <a:extLst>
               <a:ext uri="{FF2B5EF4-FFF2-40B4-BE49-F238E27FC236}">
-                <a16:creationId xmlns:a16="http://schemas.microsoft.com/office/drawing/2014/main" id="{568F2E04-3CB8-4938-AF27-5931DF06D740}"/>
+                <a16:creationId xmlns:a16="http://schemas.microsoft.com/office/drawing/2014/main" xmlns="" id="{568F2E04-3CB8-4938-AF27-5931DF06D740}"/>
               </a:ext>
             </a:extLst>
           </p:cNvPr>
@@ -3587,7 +3582,7 @@
           <p:cNvPr id="6" name="Slide Number Placeholder 5">
             <a:extLst>
               <a:ext uri="{FF2B5EF4-FFF2-40B4-BE49-F238E27FC236}">
-                <a16:creationId xmlns:a16="http://schemas.microsoft.com/office/drawing/2014/main" id="{293CBD6E-211B-4A03-AF4D-6181280D8199}"/>
+                <a16:creationId xmlns:a16="http://schemas.microsoft.com/office/drawing/2014/main" xmlns="" id="{293CBD6E-211B-4A03-AF4D-6181280D8199}"/>
               </a:ext>
             </a:extLst>
           </p:cNvPr>
@@ -3647,7 +3642,7 @@
           <p:cNvPr id="2" name="Title 1">
             <a:extLst>
               <a:ext uri="{FF2B5EF4-FFF2-40B4-BE49-F238E27FC236}">
-                <a16:creationId xmlns:a16="http://schemas.microsoft.com/office/drawing/2014/main" id="{3C4CF13E-51F4-4B90-8092-1994733A6395}"/>
+                <a16:creationId xmlns:a16="http://schemas.microsoft.com/office/drawing/2014/main" xmlns="" id="{3C4CF13E-51F4-4B90-8092-1994733A6395}"/>
               </a:ext>
             </a:extLst>
           </p:cNvPr>
@@ -3675,7 +3670,7 @@
           <p:cNvPr id="3" name="Content Placeholder 2">
             <a:extLst>
               <a:ext uri="{FF2B5EF4-FFF2-40B4-BE49-F238E27FC236}">
-                <a16:creationId xmlns:a16="http://schemas.microsoft.com/office/drawing/2014/main" id="{DF22BCDD-C476-4DA0-973D-B2CAB9467A5F}"/>
+                <a16:creationId xmlns:a16="http://schemas.microsoft.com/office/drawing/2014/main" xmlns="" id="{DF22BCDD-C476-4DA0-973D-B2CAB9467A5F}"/>
               </a:ext>
             </a:extLst>
           </p:cNvPr>
@@ -3737,7 +3732,7 @@
           <p:cNvPr id="4" name="Content Placeholder 3">
             <a:extLst>
               <a:ext uri="{FF2B5EF4-FFF2-40B4-BE49-F238E27FC236}">
-                <a16:creationId xmlns:a16="http://schemas.microsoft.com/office/drawing/2014/main" id="{C9405961-7FE0-4A2E-86ED-2FE8BE9AA1A0}"/>
+                <a16:creationId xmlns:a16="http://schemas.microsoft.com/office/drawing/2014/main" xmlns="" id="{C9405961-7FE0-4A2E-86ED-2FE8BE9AA1A0}"/>
               </a:ext>
             </a:extLst>
           </p:cNvPr>
@@ -3799,7 +3794,7 @@
           <p:cNvPr id="5" name="Date Placeholder 4">
             <a:extLst>
               <a:ext uri="{FF2B5EF4-FFF2-40B4-BE49-F238E27FC236}">
-                <a16:creationId xmlns:a16="http://schemas.microsoft.com/office/drawing/2014/main" id="{485BD408-AF47-4882-97A4-F63E724B77FC}"/>
+                <a16:creationId xmlns:a16="http://schemas.microsoft.com/office/drawing/2014/main" xmlns="" id="{485BD408-AF47-4882-97A4-F63E724B77FC}"/>
               </a:ext>
             </a:extLst>
           </p:cNvPr>
@@ -3828,7 +3823,7 @@
           <p:cNvPr id="6" name="Footer Placeholder 5">
             <a:extLst>
               <a:ext uri="{FF2B5EF4-FFF2-40B4-BE49-F238E27FC236}">
-                <a16:creationId xmlns:a16="http://schemas.microsoft.com/office/drawing/2014/main" id="{D0693D62-073D-4844-8649-2A5910B15359}"/>
+                <a16:creationId xmlns:a16="http://schemas.microsoft.com/office/drawing/2014/main" xmlns="" id="{D0693D62-073D-4844-8649-2A5910B15359}"/>
               </a:ext>
             </a:extLst>
           </p:cNvPr>
@@ -3853,7 +3848,7 @@
           <p:cNvPr id="7" name="Slide Number Placeholder 6">
             <a:extLst>
               <a:ext uri="{FF2B5EF4-FFF2-40B4-BE49-F238E27FC236}">
-                <a16:creationId xmlns:a16="http://schemas.microsoft.com/office/drawing/2014/main" id="{7F2AB4B2-7B06-4F2F-AA1F-0B481AA8C360}"/>
+                <a16:creationId xmlns:a16="http://schemas.microsoft.com/office/drawing/2014/main" xmlns="" id="{7F2AB4B2-7B06-4F2F-AA1F-0B481AA8C360}"/>
               </a:ext>
             </a:extLst>
           </p:cNvPr>
@@ -3882,7 +3877,7 @@
           <p:cNvPr id="8" name="Straight Connector 7">
             <a:extLst>
               <a:ext uri="{FF2B5EF4-FFF2-40B4-BE49-F238E27FC236}">
-                <a16:creationId xmlns:a16="http://schemas.microsoft.com/office/drawing/2014/main" id="{6130423A-8A35-4D2F-859E-5DF2142AEB4D}"/>
+                <a16:creationId xmlns:a16="http://schemas.microsoft.com/office/drawing/2014/main" xmlns="" id="{6130423A-8A35-4D2F-859E-5DF2142AEB4D}"/>
               </a:ext>
             </a:extLst>
           </p:cNvPr>
@@ -3953,7 +3948,7 @@
           <p:cNvPr id="2" name="Title 1">
             <a:extLst>
               <a:ext uri="{FF2B5EF4-FFF2-40B4-BE49-F238E27FC236}">
-                <a16:creationId xmlns:a16="http://schemas.microsoft.com/office/drawing/2014/main" id="{7144F659-6DA8-409E-8B64-1F77EF8562BF}"/>
+                <a16:creationId xmlns:a16="http://schemas.microsoft.com/office/drawing/2014/main" xmlns="" id="{7144F659-6DA8-409E-8B64-1F77EF8562BF}"/>
               </a:ext>
             </a:extLst>
           </p:cNvPr>
@@ -3986,7 +3981,7 @@
           <p:cNvPr id="3" name="Text Placeholder 2">
             <a:extLst>
               <a:ext uri="{FF2B5EF4-FFF2-40B4-BE49-F238E27FC236}">
-                <a16:creationId xmlns:a16="http://schemas.microsoft.com/office/drawing/2014/main" id="{C358C77B-FE05-48CC-9BDF-0D5BF396C5F0}"/>
+                <a16:creationId xmlns:a16="http://schemas.microsoft.com/office/drawing/2014/main" xmlns="" id="{C358C77B-FE05-48CC-9BDF-0D5BF396C5F0}"/>
               </a:ext>
             </a:extLst>
           </p:cNvPr>
@@ -4057,7 +4052,7 @@
           <p:cNvPr id="4" name="Content Placeholder 3">
             <a:extLst>
               <a:ext uri="{FF2B5EF4-FFF2-40B4-BE49-F238E27FC236}">
-                <a16:creationId xmlns:a16="http://schemas.microsoft.com/office/drawing/2014/main" id="{E41F2205-FC3B-4060-80E0-DA742A0BA989}"/>
+                <a16:creationId xmlns:a16="http://schemas.microsoft.com/office/drawing/2014/main" xmlns="" id="{E41F2205-FC3B-4060-80E0-DA742A0BA989}"/>
               </a:ext>
             </a:extLst>
           </p:cNvPr>
@@ -4119,7 +4114,7 @@
           <p:cNvPr id="5" name="Text Placeholder 4">
             <a:extLst>
               <a:ext uri="{FF2B5EF4-FFF2-40B4-BE49-F238E27FC236}">
-                <a16:creationId xmlns:a16="http://schemas.microsoft.com/office/drawing/2014/main" id="{C4E4CA06-C864-46EF-B8F0-236C8E63CE3E}"/>
+                <a16:creationId xmlns:a16="http://schemas.microsoft.com/office/drawing/2014/main" xmlns="" id="{C4E4CA06-C864-46EF-B8F0-236C8E63CE3E}"/>
               </a:ext>
             </a:extLst>
           </p:cNvPr>
@@ -4190,7 +4185,7 @@
           <p:cNvPr id="6" name="Content Placeholder 5">
             <a:extLst>
               <a:ext uri="{FF2B5EF4-FFF2-40B4-BE49-F238E27FC236}">
-                <a16:creationId xmlns:a16="http://schemas.microsoft.com/office/drawing/2014/main" id="{634CA3E9-B83C-400E-A4F9-1F7E0FE1A724}"/>
+                <a16:creationId xmlns:a16="http://schemas.microsoft.com/office/drawing/2014/main" xmlns="" id="{634CA3E9-B83C-400E-A4F9-1F7E0FE1A724}"/>
               </a:ext>
             </a:extLst>
           </p:cNvPr>
@@ -4252,7 +4247,7 @@
           <p:cNvPr id="7" name="Date Placeholder 6">
             <a:extLst>
               <a:ext uri="{FF2B5EF4-FFF2-40B4-BE49-F238E27FC236}">
-                <a16:creationId xmlns:a16="http://schemas.microsoft.com/office/drawing/2014/main" id="{416B7495-F980-4E4F-A1AA-BEA448EBC5BB}"/>
+                <a16:creationId xmlns:a16="http://schemas.microsoft.com/office/drawing/2014/main" xmlns="" id="{416B7495-F980-4E4F-A1AA-BEA448EBC5BB}"/>
               </a:ext>
             </a:extLst>
           </p:cNvPr>
@@ -4281,7 +4276,7 @@
           <p:cNvPr id="8" name="Footer Placeholder 7">
             <a:extLst>
               <a:ext uri="{FF2B5EF4-FFF2-40B4-BE49-F238E27FC236}">
-                <a16:creationId xmlns:a16="http://schemas.microsoft.com/office/drawing/2014/main" id="{2A41ABE2-6179-4E88-B875-6A3C6A0CF2CF}"/>
+                <a16:creationId xmlns:a16="http://schemas.microsoft.com/office/drawing/2014/main" xmlns="" id="{2A41ABE2-6179-4E88-B875-6A3C6A0CF2CF}"/>
               </a:ext>
             </a:extLst>
           </p:cNvPr>
@@ -4306,7 +4301,7 @@
           <p:cNvPr id="9" name="Slide Number Placeholder 8">
             <a:extLst>
               <a:ext uri="{FF2B5EF4-FFF2-40B4-BE49-F238E27FC236}">
-                <a16:creationId xmlns:a16="http://schemas.microsoft.com/office/drawing/2014/main" id="{CDD045FA-1884-4059-9051-E53A8607DE2E}"/>
+                <a16:creationId xmlns:a16="http://schemas.microsoft.com/office/drawing/2014/main" xmlns="" id="{CDD045FA-1884-4059-9051-E53A8607DE2E}"/>
               </a:ext>
             </a:extLst>
           </p:cNvPr>
@@ -4335,7 +4330,7 @@
           <p:cNvPr id="10" name="Straight Connector 9">
             <a:extLst>
               <a:ext uri="{FF2B5EF4-FFF2-40B4-BE49-F238E27FC236}">
-                <a16:creationId xmlns:a16="http://schemas.microsoft.com/office/drawing/2014/main" id="{1D4E4AE4-42BB-4247-9A9A-B642E6994745}"/>
+                <a16:creationId xmlns:a16="http://schemas.microsoft.com/office/drawing/2014/main" xmlns="" id="{1D4E4AE4-42BB-4247-9A9A-B642E6994745}"/>
               </a:ext>
             </a:extLst>
           </p:cNvPr>
@@ -4406,7 +4401,7 @@
           <p:cNvPr id="2" name="Title 1">
             <a:extLst>
               <a:ext uri="{FF2B5EF4-FFF2-40B4-BE49-F238E27FC236}">
-                <a16:creationId xmlns:a16="http://schemas.microsoft.com/office/drawing/2014/main" id="{6F7EB8E5-A929-4F2E-87F8-B1BF4055C3DC}"/>
+                <a16:creationId xmlns:a16="http://schemas.microsoft.com/office/drawing/2014/main" xmlns="" id="{6F7EB8E5-A929-4F2E-87F8-B1BF4055C3DC}"/>
               </a:ext>
             </a:extLst>
           </p:cNvPr>
@@ -4434,7 +4429,7 @@
           <p:cNvPr id="3" name="Date Placeholder 2">
             <a:extLst>
               <a:ext uri="{FF2B5EF4-FFF2-40B4-BE49-F238E27FC236}">
-                <a16:creationId xmlns:a16="http://schemas.microsoft.com/office/drawing/2014/main" id="{B9B4D636-CFD1-408F-BB1C-F8F56960EF73}"/>
+                <a16:creationId xmlns:a16="http://schemas.microsoft.com/office/drawing/2014/main" xmlns="" id="{B9B4D636-CFD1-408F-BB1C-F8F56960EF73}"/>
               </a:ext>
             </a:extLst>
           </p:cNvPr>
@@ -4463,7 +4458,7 @@
           <p:cNvPr id="4" name="Footer Placeholder 3">
             <a:extLst>
               <a:ext uri="{FF2B5EF4-FFF2-40B4-BE49-F238E27FC236}">
-                <a16:creationId xmlns:a16="http://schemas.microsoft.com/office/drawing/2014/main" id="{9D1B00F6-1555-48FA-80AB-DFFE7122BCD6}"/>
+                <a16:creationId xmlns:a16="http://schemas.microsoft.com/office/drawing/2014/main" xmlns="" id="{9D1B00F6-1555-48FA-80AB-DFFE7122BCD6}"/>
               </a:ext>
             </a:extLst>
           </p:cNvPr>
@@ -4488,7 +4483,7 @@
           <p:cNvPr id="5" name="Slide Number Placeholder 4">
             <a:extLst>
               <a:ext uri="{FF2B5EF4-FFF2-40B4-BE49-F238E27FC236}">
-                <a16:creationId xmlns:a16="http://schemas.microsoft.com/office/drawing/2014/main" id="{CC6C2D28-2E3C-4475-922E-9E6E3F7B81EF}"/>
+                <a16:creationId xmlns:a16="http://schemas.microsoft.com/office/drawing/2014/main" xmlns="" id="{CC6C2D28-2E3C-4475-922E-9E6E3F7B81EF}"/>
               </a:ext>
             </a:extLst>
           </p:cNvPr>
@@ -4547,7 +4542,7 @@
           <p:cNvPr id="2" name="Date Placeholder 1">
             <a:extLst>
               <a:ext uri="{FF2B5EF4-FFF2-40B4-BE49-F238E27FC236}">
-                <a16:creationId xmlns:a16="http://schemas.microsoft.com/office/drawing/2014/main" id="{FF033503-9E53-412D-B439-820FCB965B16}"/>
+                <a16:creationId xmlns:a16="http://schemas.microsoft.com/office/drawing/2014/main" xmlns="" id="{FF033503-9E53-412D-B439-820FCB965B16}"/>
               </a:ext>
             </a:extLst>
           </p:cNvPr>
@@ -4576,7 +4571,7 @@
           <p:cNvPr id="3" name="Footer Placeholder 2">
             <a:extLst>
               <a:ext uri="{FF2B5EF4-FFF2-40B4-BE49-F238E27FC236}">
-                <a16:creationId xmlns:a16="http://schemas.microsoft.com/office/drawing/2014/main" id="{5661269A-6A46-4710-9D0E-82E244722132}"/>
+                <a16:creationId xmlns:a16="http://schemas.microsoft.com/office/drawing/2014/main" xmlns="" id="{5661269A-6A46-4710-9D0E-82E244722132}"/>
               </a:ext>
             </a:extLst>
           </p:cNvPr>
@@ -4601,7 +4596,7 @@
           <p:cNvPr id="4" name="Slide Number Placeholder 3">
             <a:extLst>
               <a:ext uri="{FF2B5EF4-FFF2-40B4-BE49-F238E27FC236}">
-                <a16:creationId xmlns:a16="http://schemas.microsoft.com/office/drawing/2014/main" id="{ADBE1E59-5C51-42CE-A8C0-83A6ECA72292}"/>
+                <a16:creationId xmlns:a16="http://schemas.microsoft.com/office/drawing/2014/main" xmlns="" id="{ADBE1E59-5C51-42CE-A8C0-83A6ECA72292}"/>
               </a:ext>
             </a:extLst>
           </p:cNvPr>
@@ -4630,7 +4625,7 @@
           <p:cNvPr id="5" name="Picture 2" descr="C:\Users\njones\Dropbox (2U)\Work\Designing Slides\SMU\Design Brief\logo\logo_datasci_SMU.png">
             <a:extLst>
               <a:ext uri="{FF2B5EF4-FFF2-40B4-BE49-F238E27FC236}">
-                <a16:creationId xmlns:a16="http://schemas.microsoft.com/office/drawing/2014/main" id="{CAB93218-3890-43BA-AC23-AD4892919D43}"/>
+                <a16:creationId xmlns:a16="http://schemas.microsoft.com/office/drawing/2014/main" xmlns="" id="{CAB93218-3890-43BA-AC23-AD4892919D43}"/>
               </a:ext>
             </a:extLst>
           </p:cNvPr>
@@ -4707,7 +4702,7 @@
           <p:cNvPr id="2" name="Title 1">
             <a:extLst>
               <a:ext uri="{FF2B5EF4-FFF2-40B4-BE49-F238E27FC236}">
-                <a16:creationId xmlns:a16="http://schemas.microsoft.com/office/drawing/2014/main" id="{9573BD60-4815-46DA-A10F-BC3CEC304006}"/>
+                <a16:creationId xmlns:a16="http://schemas.microsoft.com/office/drawing/2014/main" xmlns="" id="{9573BD60-4815-46DA-A10F-BC3CEC304006}"/>
               </a:ext>
             </a:extLst>
           </p:cNvPr>
@@ -4744,7 +4739,7 @@
           <p:cNvPr id="3" name="Content Placeholder 2">
             <a:extLst>
               <a:ext uri="{FF2B5EF4-FFF2-40B4-BE49-F238E27FC236}">
-                <a16:creationId xmlns:a16="http://schemas.microsoft.com/office/drawing/2014/main" id="{71D465B9-7198-4E83-BE88-50835B2C5C07}"/>
+                <a16:creationId xmlns:a16="http://schemas.microsoft.com/office/drawing/2014/main" xmlns="" id="{71D465B9-7198-4E83-BE88-50835B2C5C07}"/>
               </a:ext>
             </a:extLst>
           </p:cNvPr>
@@ -4834,7 +4829,7 @@
           <p:cNvPr id="4" name="Text Placeholder 3">
             <a:extLst>
               <a:ext uri="{FF2B5EF4-FFF2-40B4-BE49-F238E27FC236}">
-                <a16:creationId xmlns:a16="http://schemas.microsoft.com/office/drawing/2014/main" id="{C642147F-9934-4613-B8FD-60859FC5F452}"/>
+                <a16:creationId xmlns:a16="http://schemas.microsoft.com/office/drawing/2014/main" xmlns="" id="{C642147F-9934-4613-B8FD-60859FC5F452}"/>
               </a:ext>
             </a:extLst>
           </p:cNvPr>
@@ -4905,7 +4900,7 @@
           <p:cNvPr id="5" name="Date Placeholder 4">
             <a:extLst>
               <a:ext uri="{FF2B5EF4-FFF2-40B4-BE49-F238E27FC236}">
-                <a16:creationId xmlns:a16="http://schemas.microsoft.com/office/drawing/2014/main" id="{110D8999-2373-432C-A3F1-9DD328941D40}"/>
+                <a16:creationId xmlns:a16="http://schemas.microsoft.com/office/drawing/2014/main" xmlns="" id="{110D8999-2373-432C-A3F1-9DD328941D40}"/>
               </a:ext>
             </a:extLst>
           </p:cNvPr>
@@ -4934,7 +4929,7 @@
           <p:cNvPr id="6" name="Footer Placeholder 5">
             <a:extLst>
               <a:ext uri="{FF2B5EF4-FFF2-40B4-BE49-F238E27FC236}">
-                <a16:creationId xmlns:a16="http://schemas.microsoft.com/office/drawing/2014/main" id="{3B0C47CF-EFEC-4439-BAAF-E5E5F16BC9E1}"/>
+                <a16:creationId xmlns:a16="http://schemas.microsoft.com/office/drawing/2014/main" xmlns="" id="{3B0C47CF-EFEC-4439-BAAF-E5E5F16BC9E1}"/>
               </a:ext>
             </a:extLst>
           </p:cNvPr>
@@ -4959,7 +4954,7 @@
           <p:cNvPr id="7" name="Slide Number Placeholder 6">
             <a:extLst>
               <a:ext uri="{FF2B5EF4-FFF2-40B4-BE49-F238E27FC236}">
-                <a16:creationId xmlns:a16="http://schemas.microsoft.com/office/drawing/2014/main" id="{94CD92CB-45E7-4B48-BBBC-02927AA80F7F}"/>
+                <a16:creationId xmlns:a16="http://schemas.microsoft.com/office/drawing/2014/main" xmlns="" id="{94CD92CB-45E7-4B48-BBBC-02927AA80F7F}"/>
               </a:ext>
             </a:extLst>
           </p:cNvPr>
@@ -5019,7 +5014,7 @@
           <p:cNvPr id="2" name="Title 1">
             <a:extLst>
               <a:ext uri="{FF2B5EF4-FFF2-40B4-BE49-F238E27FC236}">
-                <a16:creationId xmlns:a16="http://schemas.microsoft.com/office/drawing/2014/main" id="{26915001-53DE-4A30-998C-24CBE25E97BF}"/>
+                <a16:creationId xmlns:a16="http://schemas.microsoft.com/office/drawing/2014/main" xmlns="" id="{26915001-53DE-4A30-998C-24CBE25E97BF}"/>
               </a:ext>
             </a:extLst>
           </p:cNvPr>
@@ -5056,7 +5051,7 @@
           <p:cNvPr id="3" name="Picture Placeholder 2">
             <a:extLst>
               <a:ext uri="{FF2B5EF4-FFF2-40B4-BE49-F238E27FC236}">
-                <a16:creationId xmlns:a16="http://schemas.microsoft.com/office/drawing/2014/main" id="{172169E9-E64D-48A6-AA98-7101F22F3980}"/>
+                <a16:creationId xmlns:a16="http://schemas.microsoft.com/office/drawing/2014/main" xmlns="" id="{172169E9-E64D-48A6-AA98-7101F22F3980}"/>
               </a:ext>
             </a:extLst>
           </p:cNvPr>
@@ -5123,7 +5118,7 @@
           <p:cNvPr id="4" name="Text Placeholder 3">
             <a:extLst>
               <a:ext uri="{FF2B5EF4-FFF2-40B4-BE49-F238E27FC236}">
-                <a16:creationId xmlns:a16="http://schemas.microsoft.com/office/drawing/2014/main" id="{7FD77A60-F242-4108-9478-EB9DF7BA2910}"/>
+                <a16:creationId xmlns:a16="http://schemas.microsoft.com/office/drawing/2014/main" xmlns="" id="{7FD77A60-F242-4108-9478-EB9DF7BA2910}"/>
               </a:ext>
             </a:extLst>
           </p:cNvPr>
@@ -5194,7 +5189,7 @@
           <p:cNvPr id="5" name="Date Placeholder 4">
             <a:extLst>
               <a:ext uri="{FF2B5EF4-FFF2-40B4-BE49-F238E27FC236}">
-                <a16:creationId xmlns:a16="http://schemas.microsoft.com/office/drawing/2014/main" id="{625B6853-EBC4-4762-9AA2-AE81A41E507F}"/>
+                <a16:creationId xmlns:a16="http://schemas.microsoft.com/office/drawing/2014/main" xmlns="" id="{625B6853-EBC4-4762-9AA2-AE81A41E507F}"/>
               </a:ext>
             </a:extLst>
           </p:cNvPr>
@@ -5223,7 +5218,7 @@
           <p:cNvPr id="6" name="Footer Placeholder 5">
             <a:extLst>
               <a:ext uri="{FF2B5EF4-FFF2-40B4-BE49-F238E27FC236}">
-                <a16:creationId xmlns:a16="http://schemas.microsoft.com/office/drawing/2014/main" id="{E2A2A058-73DA-4FDD-AC4A-4915D297ABFA}"/>
+                <a16:creationId xmlns:a16="http://schemas.microsoft.com/office/drawing/2014/main" xmlns="" id="{E2A2A058-73DA-4FDD-AC4A-4915D297ABFA}"/>
               </a:ext>
             </a:extLst>
           </p:cNvPr>
@@ -5248,7 +5243,7 @@
           <p:cNvPr id="7" name="Slide Number Placeholder 6">
             <a:extLst>
               <a:ext uri="{FF2B5EF4-FFF2-40B4-BE49-F238E27FC236}">
-                <a16:creationId xmlns:a16="http://schemas.microsoft.com/office/drawing/2014/main" id="{D3B7569D-CD12-4DBC-9165-688CD7CD8A00}"/>
+                <a16:creationId xmlns:a16="http://schemas.microsoft.com/office/drawing/2014/main" xmlns="" id="{D3B7569D-CD12-4DBC-9165-688CD7CD8A00}"/>
               </a:ext>
             </a:extLst>
           </p:cNvPr>
@@ -5446,7 +5441,7 @@
           <p:cNvPr id="2" name="Title 1">
             <a:extLst>
               <a:ext uri="{FF2B5EF4-FFF2-40B4-BE49-F238E27FC236}">
-                <a16:creationId xmlns:a16="http://schemas.microsoft.com/office/drawing/2014/main" id="{3D2A5C66-BD54-4A52-AF54-2608618BF659}"/>
+                <a16:creationId xmlns:a16="http://schemas.microsoft.com/office/drawing/2014/main" xmlns="" id="{3D2A5C66-BD54-4A52-AF54-2608618BF659}"/>
               </a:ext>
             </a:extLst>
           </p:cNvPr>
@@ -5474,7 +5469,7 @@
           <p:cNvPr id="3" name="Vertical Text Placeholder 2">
             <a:extLst>
               <a:ext uri="{FF2B5EF4-FFF2-40B4-BE49-F238E27FC236}">
-                <a16:creationId xmlns:a16="http://schemas.microsoft.com/office/drawing/2014/main" id="{0E69D13B-2CE3-439F-8A73-2189BC181B17}"/>
+                <a16:creationId xmlns:a16="http://schemas.microsoft.com/office/drawing/2014/main" xmlns="" id="{0E69D13B-2CE3-439F-8A73-2189BC181B17}"/>
               </a:ext>
             </a:extLst>
           </p:cNvPr>
@@ -5531,7 +5526,7 @@
           <p:cNvPr id="4" name="Date Placeholder 3">
             <a:extLst>
               <a:ext uri="{FF2B5EF4-FFF2-40B4-BE49-F238E27FC236}">
-                <a16:creationId xmlns:a16="http://schemas.microsoft.com/office/drawing/2014/main" id="{3DB0E91A-0699-4658-99EF-C95E38F1A62D}"/>
+                <a16:creationId xmlns:a16="http://schemas.microsoft.com/office/drawing/2014/main" xmlns="" id="{3DB0E91A-0699-4658-99EF-C95E38F1A62D}"/>
               </a:ext>
             </a:extLst>
           </p:cNvPr>
@@ -5560,7 +5555,7 @@
           <p:cNvPr id="5" name="Footer Placeholder 4">
             <a:extLst>
               <a:ext uri="{FF2B5EF4-FFF2-40B4-BE49-F238E27FC236}">
-                <a16:creationId xmlns:a16="http://schemas.microsoft.com/office/drawing/2014/main" id="{9498F090-EE59-46FD-B1FE-AB64D31AEFF1}"/>
+                <a16:creationId xmlns:a16="http://schemas.microsoft.com/office/drawing/2014/main" xmlns="" id="{9498F090-EE59-46FD-B1FE-AB64D31AEFF1}"/>
               </a:ext>
             </a:extLst>
           </p:cNvPr>
@@ -5585,7 +5580,7 @@
           <p:cNvPr id="6" name="Slide Number Placeholder 5">
             <a:extLst>
               <a:ext uri="{FF2B5EF4-FFF2-40B4-BE49-F238E27FC236}">
-                <a16:creationId xmlns:a16="http://schemas.microsoft.com/office/drawing/2014/main" id="{21EC4754-AD1B-4E50-BF97-709F2F9726A6}"/>
+                <a16:creationId xmlns:a16="http://schemas.microsoft.com/office/drawing/2014/main" xmlns="" id="{21EC4754-AD1B-4E50-BF97-709F2F9726A6}"/>
               </a:ext>
             </a:extLst>
           </p:cNvPr>
@@ -5645,7 +5640,7 @@
           <p:cNvPr id="2" name="Vertical Title 1">
             <a:extLst>
               <a:ext uri="{FF2B5EF4-FFF2-40B4-BE49-F238E27FC236}">
-                <a16:creationId xmlns:a16="http://schemas.microsoft.com/office/drawing/2014/main" id="{325E064C-BB38-4CB8-B44D-6D8A27B86DFA}"/>
+                <a16:creationId xmlns:a16="http://schemas.microsoft.com/office/drawing/2014/main" xmlns="" id="{325E064C-BB38-4CB8-B44D-6D8A27B86DFA}"/>
               </a:ext>
             </a:extLst>
           </p:cNvPr>
@@ -5678,7 +5673,7 @@
           <p:cNvPr id="3" name="Vertical Text Placeholder 2">
             <a:extLst>
               <a:ext uri="{FF2B5EF4-FFF2-40B4-BE49-F238E27FC236}">
-                <a16:creationId xmlns:a16="http://schemas.microsoft.com/office/drawing/2014/main" id="{498DCB24-0599-415D-92BA-60F26AC5C9E9}"/>
+                <a16:creationId xmlns:a16="http://schemas.microsoft.com/office/drawing/2014/main" xmlns="" id="{498DCB24-0599-415D-92BA-60F26AC5C9E9}"/>
               </a:ext>
             </a:extLst>
           </p:cNvPr>
@@ -5740,7 +5735,7 @@
           <p:cNvPr id="4" name="Date Placeholder 3">
             <a:extLst>
               <a:ext uri="{FF2B5EF4-FFF2-40B4-BE49-F238E27FC236}">
-                <a16:creationId xmlns:a16="http://schemas.microsoft.com/office/drawing/2014/main" id="{02236383-1701-4F8A-9085-1738E079AA0F}"/>
+                <a16:creationId xmlns:a16="http://schemas.microsoft.com/office/drawing/2014/main" xmlns="" id="{02236383-1701-4F8A-9085-1738E079AA0F}"/>
               </a:ext>
             </a:extLst>
           </p:cNvPr>
@@ -5769,7 +5764,7 @@
           <p:cNvPr id="5" name="Footer Placeholder 4">
             <a:extLst>
               <a:ext uri="{FF2B5EF4-FFF2-40B4-BE49-F238E27FC236}">
-                <a16:creationId xmlns:a16="http://schemas.microsoft.com/office/drawing/2014/main" id="{3A440648-90BE-4647-8C47-20DB553BC392}"/>
+                <a16:creationId xmlns:a16="http://schemas.microsoft.com/office/drawing/2014/main" xmlns="" id="{3A440648-90BE-4647-8C47-20DB553BC392}"/>
               </a:ext>
             </a:extLst>
           </p:cNvPr>
@@ -5794,7 +5789,7 @@
           <p:cNvPr id="6" name="Slide Number Placeholder 5">
             <a:extLst>
               <a:ext uri="{FF2B5EF4-FFF2-40B4-BE49-F238E27FC236}">
-                <a16:creationId xmlns:a16="http://schemas.microsoft.com/office/drawing/2014/main" id="{977B9881-7621-4848-8B79-4DACBFACC92F}"/>
+                <a16:creationId xmlns:a16="http://schemas.microsoft.com/office/drawing/2014/main" xmlns="" id="{977B9881-7621-4848-8B79-4DACBFACC92F}"/>
               </a:ext>
             </a:extLst>
           </p:cNvPr>
@@ -7515,7 +7510,7 @@
           <p:cNvPr id="2" name="Title Placeholder 1">
             <a:extLst>
               <a:ext uri="{FF2B5EF4-FFF2-40B4-BE49-F238E27FC236}">
-                <a16:creationId xmlns:a16="http://schemas.microsoft.com/office/drawing/2014/main" id="{0D542255-984A-411B-8206-B6A43FF677D3}"/>
+                <a16:creationId xmlns:a16="http://schemas.microsoft.com/office/drawing/2014/main" xmlns="" id="{0D542255-984A-411B-8206-B6A43FF677D3}"/>
               </a:ext>
             </a:extLst>
           </p:cNvPr>
@@ -7553,7 +7548,7 @@
           <p:cNvPr id="3" name="Text Placeholder 2">
             <a:extLst>
               <a:ext uri="{FF2B5EF4-FFF2-40B4-BE49-F238E27FC236}">
-                <a16:creationId xmlns:a16="http://schemas.microsoft.com/office/drawing/2014/main" id="{016234EA-EB5E-4A6A-90BD-9C1FE1FD8D0C}"/>
+                <a16:creationId xmlns:a16="http://schemas.microsoft.com/office/drawing/2014/main" xmlns="" id="{016234EA-EB5E-4A6A-90BD-9C1FE1FD8D0C}"/>
               </a:ext>
             </a:extLst>
           </p:cNvPr>
@@ -7620,7 +7615,7 @@
           <p:cNvPr id="4" name="Date Placeholder 3">
             <a:extLst>
               <a:ext uri="{FF2B5EF4-FFF2-40B4-BE49-F238E27FC236}">
-                <a16:creationId xmlns:a16="http://schemas.microsoft.com/office/drawing/2014/main" id="{9B966B8B-C053-4C75-9465-DD9D0ADE44FD}"/>
+                <a16:creationId xmlns:a16="http://schemas.microsoft.com/office/drawing/2014/main" xmlns="" id="{9B966B8B-C053-4C75-9465-DD9D0ADE44FD}"/>
               </a:ext>
             </a:extLst>
           </p:cNvPr>
@@ -7667,7 +7662,7 @@
           <p:cNvPr id="5" name="Footer Placeholder 4">
             <a:extLst>
               <a:ext uri="{FF2B5EF4-FFF2-40B4-BE49-F238E27FC236}">
-                <a16:creationId xmlns:a16="http://schemas.microsoft.com/office/drawing/2014/main" id="{FB5E2A8D-E1E3-4EC8-A675-F4B69202AA4B}"/>
+                <a16:creationId xmlns:a16="http://schemas.microsoft.com/office/drawing/2014/main" xmlns="" id="{FB5E2A8D-E1E3-4EC8-A675-F4B69202AA4B}"/>
               </a:ext>
             </a:extLst>
           </p:cNvPr>
@@ -7710,7 +7705,7 @@
           <p:cNvPr id="6" name="Slide Number Placeholder 5">
             <a:extLst>
               <a:ext uri="{FF2B5EF4-FFF2-40B4-BE49-F238E27FC236}">
-                <a16:creationId xmlns:a16="http://schemas.microsoft.com/office/drawing/2014/main" id="{91F26CB0-E05A-4E9B-BDDD-2DDD382CE575}"/>
+                <a16:creationId xmlns:a16="http://schemas.microsoft.com/office/drawing/2014/main" xmlns="" id="{91F26CB0-E05A-4E9B-BDDD-2DDD382CE575}"/>
               </a:ext>
             </a:extLst>
           </p:cNvPr>
@@ -7757,7 +7752,7 @@
           <p:cNvPr id="7" name="Rectangle 6">
             <a:extLst>
               <a:ext uri="{FF2B5EF4-FFF2-40B4-BE49-F238E27FC236}">
-                <a16:creationId xmlns:a16="http://schemas.microsoft.com/office/drawing/2014/main" id="{BE0AD535-A34F-4B45-A2C9-B967B1057F6C}"/>
+                <a16:creationId xmlns:a16="http://schemas.microsoft.com/office/drawing/2014/main" xmlns="" id="{BE0AD535-A34F-4B45-A2C9-B967B1057F6C}"/>
               </a:ext>
             </a:extLst>
           </p:cNvPr>
@@ -7811,7 +7806,7 @@
           <p:cNvPr id="8" name="Rectangle 7">
             <a:extLst>
               <a:ext uri="{FF2B5EF4-FFF2-40B4-BE49-F238E27FC236}">
-                <a16:creationId xmlns:a16="http://schemas.microsoft.com/office/drawing/2014/main" id="{CFCA9BB1-D63A-4E13-9B3D-57C9E8B4D423}"/>
+                <a16:creationId xmlns:a16="http://schemas.microsoft.com/office/drawing/2014/main" xmlns="" id="{CFCA9BB1-D63A-4E13-9B3D-57C9E8B4D423}"/>
               </a:ext>
             </a:extLst>
           </p:cNvPr>
@@ -8187,7 +8182,7 @@
           <p:cNvPr id="2" name="Title 1">
             <a:extLst>
               <a:ext uri="{FF2B5EF4-FFF2-40B4-BE49-F238E27FC236}">
-                <a16:creationId xmlns:a16="http://schemas.microsoft.com/office/drawing/2014/main" id="{415649E1-0182-6342-BE54-103E4D478F60}"/>
+                <a16:creationId xmlns:a16="http://schemas.microsoft.com/office/drawing/2014/main" xmlns="" id="{415649E1-0182-6342-BE54-103E4D478F60}"/>
               </a:ext>
             </a:extLst>
           </p:cNvPr>
@@ -8288,7 +8283,7 @@
           <p:cNvPr id="2" name="Title 1">
             <a:extLst>
               <a:ext uri="{FF2B5EF4-FFF2-40B4-BE49-F238E27FC236}">
-                <a16:creationId xmlns:a16="http://schemas.microsoft.com/office/drawing/2014/main" id="{FDEBE078-1C38-49CE-8E97-43A8D563A5D8}"/>
+                <a16:creationId xmlns:a16="http://schemas.microsoft.com/office/drawing/2014/main" xmlns="" id="{FDEBE078-1C38-49CE-8E97-43A8D563A5D8}"/>
               </a:ext>
             </a:extLst>
           </p:cNvPr>
@@ -8316,7 +8311,7 @@
           <p:cNvPr id="24" name="Content Placeholder 23">
             <a:extLst>
               <a:ext uri="{FF2B5EF4-FFF2-40B4-BE49-F238E27FC236}">
-                <a16:creationId xmlns:a16="http://schemas.microsoft.com/office/drawing/2014/main" id="{04476466-D3B3-4652-9ED3-2F6B3E113B7E}"/>
+                <a16:creationId xmlns:a16="http://schemas.microsoft.com/office/drawing/2014/main" xmlns="" id="{04476466-D3B3-4652-9ED3-2F6B3E113B7E}"/>
               </a:ext>
             </a:extLst>
           </p:cNvPr>
@@ -8360,7 +8355,7 @@
           <p:cNvPr id="25" name="Content Placeholder 4">
             <a:extLst>
               <a:ext uri="{FF2B5EF4-FFF2-40B4-BE49-F238E27FC236}">
-                <a16:creationId xmlns:a16="http://schemas.microsoft.com/office/drawing/2014/main" id="{F75CF71A-6B34-4679-AD9E-4876F2A64D87}"/>
+                <a16:creationId xmlns:a16="http://schemas.microsoft.com/office/drawing/2014/main" xmlns="" id="{F75CF71A-6B34-4679-AD9E-4876F2A64D87}"/>
               </a:ext>
             </a:extLst>
           </p:cNvPr>
@@ -8390,7 +8385,7 @@
           <p:cNvPr id="26" name="Content Placeholder 19" descr="A picture containing table, bird&#10;&#10;Description automatically generated">
             <a:extLst>
               <a:ext uri="{FF2B5EF4-FFF2-40B4-BE49-F238E27FC236}">
-                <a16:creationId xmlns:a16="http://schemas.microsoft.com/office/drawing/2014/main" id="{3FD9897A-2BC4-4F91-ABCB-4ED24A4643E0}"/>
+                <a16:creationId xmlns:a16="http://schemas.microsoft.com/office/drawing/2014/main" xmlns="" id="{3FD9897A-2BC4-4F91-ABCB-4ED24A4643E0}"/>
               </a:ext>
             </a:extLst>
           </p:cNvPr>
@@ -8420,7 +8415,7 @@
           <p:cNvPr id="27" name="TextBox 26">
             <a:extLst>
               <a:ext uri="{FF2B5EF4-FFF2-40B4-BE49-F238E27FC236}">
-                <a16:creationId xmlns:a16="http://schemas.microsoft.com/office/drawing/2014/main" id="{7E39D82B-7C13-415E-BFC5-AED29E5D07DD}"/>
+                <a16:creationId xmlns:a16="http://schemas.microsoft.com/office/drawing/2014/main" xmlns="" id="{7E39D82B-7C13-415E-BFC5-AED29E5D07DD}"/>
               </a:ext>
             </a:extLst>
           </p:cNvPr>
@@ -8491,7 +8486,7 @@
           <p:cNvPr id="2" name="Title 1">
             <a:extLst>
               <a:ext uri="{FF2B5EF4-FFF2-40B4-BE49-F238E27FC236}">
-                <a16:creationId xmlns:a16="http://schemas.microsoft.com/office/drawing/2014/main" id="{7AE7E75F-E5D0-4D7E-A151-0938E8483110}"/>
+                <a16:creationId xmlns:a16="http://schemas.microsoft.com/office/drawing/2014/main" xmlns="" id="{7AE7E75F-E5D0-4D7E-A151-0938E8483110}"/>
               </a:ext>
             </a:extLst>
           </p:cNvPr>
@@ -8519,7 +8514,7 @@
           <p:cNvPr id="4" name="Content Placeholder 3">
             <a:extLst>
               <a:ext uri="{FF2B5EF4-FFF2-40B4-BE49-F238E27FC236}">
-                <a16:creationId xmlns:a16="http://schemas.microsoft.com/office/drawing/2014/main" id="{C524D586-9BA9-4A57-B217-9DE56CA9FACB}"/>
+                <a16:creationId xmlns:a16="http://schemas.microsoft.com/office/drawing/2014/main" xmlns="" id="{C524D586-9BA9-4A57-B217-9DE56CA9FACB}"/>
               </a:ext>
             </a:extLst>
           </p:cNvPr>
@@ -8563,7 +8558,7 @@
           <p:cNvPr id="8" name="Content Placeholder 4">
             <a:extLst>
               <a:ext uri="{FF2B5EF4-FFF2-40B4-BE49-F238E27FC236}">
-                <a16:creationId xmlns:a16="http://schemas.microsoft.com/office/drawing/2014/main" id="{29B27657-3457-4BAC-A548-F63216B62298}"/>
+                <a16:creationId xmlns:a16="http://schemas.microsoft.com/office/drawing/2014/main" xmlns="" id="{29B27657-3457-4BAC-A548-F63216B62298}"/>
               </a:ext>
             </a:extLst>
           </p:cNvPr>
@@ -8595,7 +8590,7 @@
           <p:cNvPr id="9" name="TextBox 8">
             <a:extLst>
               <a:ext uri="{FF2B5EF4-FFF2-40B4-BE49-F238E27FC236}">
-                <a16:creationId xmlns:a16="http://schemas.microsoft.com/office/drawing/2014/main" id="{8AD713BD-B152-4CE4-8AC3-2BD741AB17AC}"/>
+                <a16:creationId xmlns:a16="http://schemas.microsoft.com/office/drawing/2014/main" xmlns="" id="{8AD713BD-B152-4CE4-8AC3-2BD741AB17AC}"/>
               </a:ext>
             </a:extLst>
           </p:cNvPr>
@@ -8638,7 +8633,7 @@
               <p:cNvPr id="10" name="Rectangle 9">
                 <a:extLst>
                   <a:ext uri="{FF2B5EF4-FFF2-40B4-BE49-F238E27FC236}">
-                    <a16:creationId xmlns:a16="http://schemas.microsoft.com/office/drawing/2014/main" id="{F6FF6F98-D5ED-4298-A490-03FBEB6CF1BC}"/>
+                    <a16:creationId xmlns:a16="http://schemas.microsoft.com/office/drawing/2014/main" xmlns="" id="{F6FF6F98-D5ED-4298-A490-03FBEB6CF1BC}"/>
                   </a:ext>
                 </a:extLst>
               </p:cNvPr>
@@ -9055,7 +9050,7 @@
           <p:cNvPr id="11" name="Rectangle 10">
             <a:extLst>
               <a:ext uri="{FF2B5EF4-FFF2-40B4-BE49-F238E27FC236}">
-                <a16:creationId xmlns:a16="http://schemas.microsoft.com/office/drawing/2014/main" id="{44FC85B3-FD68-4E12-99DB-F0E1101D6599}"/>
+                <a16:creationId xmlns:a16="http://schemas.microsoft.com/office/drawing/2014/main" xmlns="" id="{44FC85B3-FD68-4E12-99DB-F0E1101D6599}"/>
               </a:ext>
             </a:extLst>
           </p:cNvPr>
@@ -9090,7 +9085,7 @@
           <p:cNvPr id="12" name="Rectangle 11">
             <a:extLst>
               <a:ext uri="{FF2B5EF4-FFF2-40B4-BE49-F238E27FC236}">
-                <a16:creationId xmlns:a16="http://schemas.microsoft.com/office/drawing/2014/main" id="{A2DE9F2D-08F2-4AE4-AF7E-CA9C1AEE02CF}"/>
+                <a16:creationId xmlns:a16="http://schemas.microsoft.com/office/drawing/2014/main" xmlns="" id="{A2DE9F2D-08F2-4AE4-AF7E-CA9C1AEE02CF}"/>
               </a:ext>
             </a:extLst>
           </p:cNvPr>
@@ -9154,7 +9149,7 @@
           <p:cNvPr id="2" name="Title 1">
             <a:extLst>
               <a:ext uri="{FF2B5EF4-FFF2-40B4-BE49-F238E27FC236}">
-                <a16:creationId xmlns:a16="http://schemas.microsoft.com/office/drawing/2014/main" id="{35AF407F-225A-4172-B3D9-88A68FDB32F8}"/>
+                <a16:creationId xmlns:a16="http://schemas.microsoft.com/office/drawing/2014/main" xmlns="" id="{35AF407F-225A-4172-B3D9-88A68FDB32F8}"/>
               </a:ext>
             </a:extLst>
           </p:cNvPr>
@@ -9182,7 +9177,7 @@
           <p:cNvPr id="4" name="Table 5">
             <a:extLst>
               <a:ext uri="{FF2B5EF4-FFF2-40B4-BE49-F238E27FC236}">
-                <a16:creationId xmlns:a16="http://schemas.microsoft.com/office/drawing/2014/main" id="{3A315912-E693-4369-A3C8-9B67BF129049}"/>
+                <a16:creationId xmlns:a16="http://schemas.microsoft.com/office/drawing/2014/main" xmlns="" id="{3A315912-E693-4369-A3C8-9B67BF129049}"/>
               </a:ext>
             </a:extLst>
           </p:cNvPr>
@@ -9193,14 +9188,14 @@
             <p:ph idx="1"/>
             <p:extLst>
               <p:ext uri="{D42A27DB-BD31-4B8C-83A1-F6EECF244321}">
-                <p14:modId xmlns:p14="http://schemas.microsoft.com/office/powerpoint/2010/main" val="2226373809"/>
+                <p14:modId xmlns:p14="http://schemas.microsoft.com/office/powerpoint/2010/main" val="2608959252"/>
               </p:ext>
             </p:extLst>
           </p:nvPr>
         </p:nvGraphicFramePr>
         <p:xfrm>
           <a:off x="2212108" y="2399886"/>
-          <a:ext cx="4729193" cy="2694940"/>
+          <a:ext cx="4729193" cy="2611120"/>
         </p:xfrm>
         <a:graphic>
           <a:graphicData uri="http://schemas.openxmlformats.org/drawingml/2006/table">
@@ -9212,28 +9207,28 @@
                 <a:gridCol w="1189355">
                   <a:extLst>
                     <a:ext uri="{9D8B030D-6E8A-4147-A177-3AD203B41FA5}">
-                      <a16:colId xmlns:a16="http://schemas.microsoft.com/office/drawing/2014/main" val="3685785100"/>
+                      <a16:colId xmlns:a16="http://schemas.microsoft.com/office/drawing/2014/main" xmlns="" val="3685785100"/>
                     </a:ext>
                   </a:extLst>
                 </a:gridCol>
                 <a:gridCol w="1179946">
                   <a:extLst>
                     <a:ext uri="{9D8B030D-6E8A-4147-A177-3AD203B41FA5}">
-                      <a16:colId xmlns:a16="http://schemas.microsoft.com/office/drawing/2014/main" val="3097926865"/>
+                      <a16:colId xmlns:a16="http://schemas.microsoft.com/office/drawing/2014/main" xmlns="" val="3097926865"/>
                     </a:ext>
                   </a:extLst>
                 </a:gridCol>
                 <a:gridCol w="1179946">
                   <a:extLst>
                     <a:ext uri="{9D8B030D-6E8A-4147-A177-3AD203B41FA5}">
-                      <a16:colId xmlns:a16="http://schemas.microsoft.com/office/drawing/2014/main" val="167857884"/>
+                      <a16:colId xmlns:a16="http://schemas.microsoft.com/office/drawing/2014/main" xmlns="" val="167857884"/>
                     </a:ext>
                   </a:extLst>
                 </a:gridCol>
                 <a:gridCol w="1179946">
                   <a:extLst>
                     <a:ext uri="{9D8B030D-6E8A-4147-A177-3AD203B41FA5}">
-                      <a16:colId xmlns:a16="http://schemas.microsoft.com/office/drawing/2014/main" val="3538674640"/>
+                      <a16:colId xmlns:a16="http://schemas.microsoft.com/office/drawing/2014/main" xmlns="" val="3538674640"/>
                     </a:ext>
                   </a:extLst>
                 </a:gridCol>
@@ -9436,7 +9431,7 @@
                 </a:tc>
                 <a:extLst>
                   <a:ext uri="{0D108BD9-81ED-4DB2-BD59-A6C34878D82A}">
-                    <a16:rowId xmlns:a16="http://schemas.microsoft.com/office/drawing/2014/main" val="3869851288"/>
+                    <a16:rowId xmlns:a16="http://schemas.microsoft.com/office/drawing/2014/main" xmlns="" val="3869851288"/>
                   </a:ext>
                 </a:extLst>
               </a:tr>
@@ -9446,14 +9441,20 @@
                     <a:bodyPr/>
                     <a:lstStyle/>
                     <a:p>
-                      <a:pPr algn="ctr"/>
+                      <a:pPr algn="ctr" rtl="0" fontAlgn="ctr"/>
                       <a:r>
-                        <a:rPr lang="en-US" dirty="0"/>
+                        <a:rPr lang="en-US" sz="1350" b="0" i="0" u="none" strike="noStrike">
+                          <a:solidFill>
+                            <a:srgbClr val="000000"/>
+                          </a:solidFill>
+                          <a:effectLst/>
+                          <a:latin typeface="Calibri" panose="020F0502020204030204" pitchFamily="34" charset="0"/>
+                        </a:rPr>
                         <a:t>Ensemble</a:t>
                       </a:r>
                     </a:p>
                   </a:txBody>
-                  <a:tcPr>
+                  <a:tcPr marL="7620" marR="7620" marT="7620" marB="0" anchor="ctr">
                     <a:lnR w="3175" cap="flat" cmpd="sng" algn="ctr">
                       <a:solidFill>
                         <a:schemeClr val="tx1"/>
@@ -9480,30 +9481,20 @@
                     <a:bodyPr/>
                     <a:lstStyle/>
                     <a:p>
-                      <a:pPr marL="0" marR="0" lvl="0" indent="0" algn="ctr" defTabSz="685800" rtl="0" eaLnBrk="1" fontAlgn="auto" latinLnBrk="0" hangingPunct="1">
-                        <a:lnSpc>
-                          <a:spcPct val="100000"/>
-                        </a:lnSpc>
-                        <a:spcBef>
-                          <a:spcPts val="0"/>
-                        </a:spcBef>
-                        <a:spcAft>
-                          <a:spcPts val="0"/>
-                        </a:spcAft>
-                        <a:buClrTx/>
-                        <a:buSzTx/>
-                        <a:buFontTx/>
-                        <a:buNone/>
-                        <a:tabLst/>
-                        <a:defRPr/>
-                      </a:pPr>
+                      <a:pPr algn="ctr" rtl="0" fontAlgn="ctr"/>
                       <a:r>
-                        <a:rPr lang="en-US" dirty="0"/>
+                        <a:rPr lang="en-US" sz="1350" b="0" i="0" u="none" strike="noStrike">
+                          <a:solidFill>
+                            <a:srgbClr val="000000"/>
+                          </a:solidFill>
+                          <a:effectLst/>
+                          <a:latin typeface="Calibri" panose="020F0502020204030204" pitchFamily="34" charset="0"/>
+                        </a:rPr>
                         <a:t>N/A</a:t>
                       </a:r>
                     </a:p>
                   </a:txBody>
-                  <a:tcPr>
+                  <a:tcPr marL="7620" marR="7620" marT="7620" marB="0" anchor="ctr">
                     <a:lnL w="3175" cap="flat" cmpd="sng" algn="ctr">
                       <a:solidFill>
                         <a:schemeClr val="tx1"/>
@@ -9539,14 +9530,20 @@
                     <a:bodyPr/>
                     <a:lstStyle/>
                     <a:p>
-                      <a:pPr algn="ctr"/>
+                      <a:pPr algn="ctr" rtl="0" fontAlgn="ctr"/>
                       <a:r>
-                        <a:rPr lang="en-US" dirty="0"/>
-                        <a:t>0.04</a:t>
+                        <a:rPr lang="en-US" sz="1350" b="0" i="0" u="none" strike="noStrike">
+                          <a:solidFill>
+                            <a:srgbClr val="000000"/>
+                          </a:solidFill>
+                          <a:effectLst/>
+                          <a:latin typeface="Calibri" panose="020F0502020204030204" pitchFamily="34" charset="0"/>
+                        </a:rPr>
+                        <a:t>0.07</a:t>
                       </a:r>
                     </a:p>
                   </a:txBody>
-                  <a:tcPr>
+                  <a:tcPr marL="7620" marR="7620" marT="7620" marB="0" anchor="ctr">
                     <a:lnL w="3175" cap="flat" cmpd="sng" algn="ctr">
                       <a:solidFill>
                         <a:schemeClr val="tx1"/>
@@ -9582,14 +9579,20 @@
                     <a:bodyPr/>
                     <a:lstStyle/>
                     <a:p>
-                      <a:pPr algn="ctr"/>
+                      <a:pPr algn="ctr" rtl="0" fontAlgn="ctr"/>
                       <a:r>
-                        <a:rPr lang="en-US" dirty="0"/>
-                        <a:t>0.070</a:t>
+                        <a:rPr lang="en-US" sz="1350" b="0" i="0" u="none" strike="noStrike">
+                          <a:solidFill>
+                            <a:srgbClr val="000000"/>
+                          </a:solidFill>
+                          <a:effectLst/>
+                          <a:latin typeface="Calibri" panose="020F0502020204030204" pitchFamily="34" charset="0"/>
+                        </a:rPr>
+                        <a:t>0.138</a:t>
                       </a:r>
                     </a:p>
                   </a:txBody>
-                  <a:tcPr>
+                  <a:tcPr marL="7620" marR="7620" marT="7620" marB="0" anchor="ctr">
                     <a:lnL w="3175" cap="flat" cmpd="sng" algn="ctr">
                       <a:solidFill>
                         <a:schemeClr val="tx1"/>
@@ -9622,7 +9625,7 @@
                 </a:tc>
                 <a:extLst>
                   <a:ext uri="{0D108BD9-81ED-4DB2-BD59-A6C34878D82A}">
-                    <a16:rowId xmlns:a16="http://schemas.microsoft.com/office/drawing/2014/main" val="3200255482"/>
+                    <a16:rowId xmlns:a16="http://schemas.microsoft.com/office/drawing/2014/main" xmlns="" val="3200255482"/>
                   </a:ext>
                 </a:extLst>
               </a:tr>
@@ -9632,21 +9635,20 @@
                     <a:bodyPr/>
                     <a:lstStyle/>
                     <a:p>
-                      <a:pPr algn="ctr"/>
+                      <a:pPr algn="ctr" rtl="0" fontAlgn="ctr"/>
                       <a:r>
-                        <a:rPr lang="en-US" dirty="0"/>
-                        <a:t>Signal + Noise</a:t>
-                      </a:r>
-                    </a:p>
-                    <a:p>
-                      <a:pPr algn="ctr"/>
-                      <a:r>
-                        <a:rPr lang="en-US" dirty="0"/>
-                        <a:t>ARMA (2,1)</a:t>
+                        <a:rPr lang="en-US" sz="1350" b="0" i="0" u="none" strike="noStrike">
+                          <a:solidFill>
+                            <a:srgbClr val="000000"/>
+                          </a:solidFill>
+                          <a:effectLst/>
+                          <a:latin typeface="Calibri" panose="020F0502020204030204" pitchFamily="34" charset="0"/>
+                        </a:rPr>
+                        <a:t>NN</a:t>
                       </a:r>
                     </a:p>
                   </a:txBody>
-                  <a:tcPr>
+                  <a:tcPr marL="7620" marR="7620" marT="7620" marB="0" anchor="ctr">
                     <a:lnR w="3175" cap="flat" cmpd="sng" algn="ctr">
                       <a:solidFill>
                         <a:schemeClr val="tx1"/>
@@ -9666,14 +9668,20 @@
                     <a:bodyPr/>
                     <a:lstStyle/>
                     <a:p>
-                      <a:pPr algn="ctr"/>
+                      <a:pPr algn="ctr" rtl="0" fontAlgn="ctr"/>
                       <a:r>
-                        <a:rPr lang="en-US" dirty="0"/>
-                        <a:t>-2.079</a:t>
+                        <a:rPr lang="en-US" sz="1350" b="0" i="0" u="none" strike="noStrike">
+                          <a:solidFill>
+                            <a:srgbClr val="000000"/>
+                          </a:solidFill>
+                          <a:effectLst/>
+                          <a:latin typeface="Calibri" panose="020F0502020204030204" pitchFamily="34" charset="0"/>
+                        </a:rPr>
+                        <a:t>N/A</a:t>
                       </a:r>
                     </a:p>
                   </a:txBody>
-                  <a:tcPr>
+                  <a:tcPr marL="7620" marR="7620" marT="7620" marB="0" anchor="ctr">
                     <a:lnL w="3175" cap="flat" cmpd="sng" algn="ctr">
                       <a:solidFill>
                         <a:schemeClr val="tx1"/>
@@ -9702,14 +9710,20 @@
                     <a:bodyPr/>
                     <a:lstStyle/>
                     <a:p>
-                      <a:pPr algn="ctr"/>
+                      <a:pPr algn="ctr" rtl="0" fontAlgn="ctr"/>
                       <a:r>
-                        <a:rPr lang="en-US" dirty="0"/>
-                        <a:t>0.134</a:t>
+                        <a:rPr lang="en-US" sz="1350" b="0" i="0" u="none" strike="noStrike">
+                          <a:solidFill>
+                            <a:srgbClr val="000000"/>
+                          </a:solidFill>
+                          <a:effectLst/>
+                          <a:latin typeface="Calibri" panose="020F0502020204030204" pitchFamily="34" charset="0"/>
+                        </a:rPr>
+                        <a:t>0.063</a:t>
                       </a:r>
                     </a:p>
                   </a:txBody>
-                  <a:tcPr>
+                  <a:tcPr marL="7620" marR="7620" marT="7620" marB="0" anchor="ctr">
                     <a:lnL w="3175" cap="flat" cmpd="sng" algn="ctr">
                       <a:solidFill>
                         <a:schemeClr val="tx1"/>
@@ -9738,14 +9752,20 @@
                     <a:bodyPr/>
                     <a:lstStyle/>
                     <a:p>
-                      <a:pPr algn="ctr"/>
+                      <a:pPr algn="ctr" rtl="0" fontAlgn="ctr"/>
                       <a:r>
-                        <a:rPr lang="en-US" dirty="0"/>
-                        <a:t>0.133</a:t>
+                        <a:rPr lang="en-US" sz="1350" b="0" i="0" u="none" strike="noStrike">
+                          <a:solidFill>
+                            <a:srgbClr val="000000"/>
+                          </a:solidFill>
+                          <a:effectLst/>
+                          <a:latin typeface="Calibri" panose="020F0502020204030204" pitchFamily="34" charset="0"/>
+                        </a:rPr>
+                        <a:t>0.142</a:t>
                       </a:r>
                     </a:p>
                   </a:txBody>
-                  <a:tcPr>
+                  <a:tcPr marL="7620" marR="7620" marT="7620" marB="0" anchor="ctr">
                     <a:lnL w="3175" cap="flat" cmpd="sng" algn="ctr">
                       <a:solidFill>
                         <a:schemeClr val="tx1"/>
@@ -9771,7 +9791,7 @@
                 </a:tc>
                 <a:extLst>
                   <a:ext uri="{0D108BD9-81ED-4DB2-BD59-A6C34878D82A}">
-                    <a16:rowId xmlns:a16="http://schemas.microsoft.com/office/drawing/2014/main" val="3226780701"/>
+                    <a16:rowId xmlns:a16="http://schemas.microsoft.com/office/drawing/2014/main" xmlns="" val="3226780701"/>
                   </a:ext>
                 </a:extLst>
               </a:tr>
@@ -9781,14 +9801,39 @@
                     <a:bodyPr/>
                     <a:lstStyle/>
                     <a:p>
-                      <a:pPr algn="ctr"/>
+                      <a:pPr algn="ctr" rtl="0" fontAlgn="ctr"/>
                       <a:r>
-                        <a:rPr lang="en-US" dirty="0"/>
-                        <a:t>NN</a:t>
+                        <a:rPr lang="en-US" sz="1350" b="0" i="0" u="none" strike="noStrike" dirty="0">
+                          <a:solidFill>
+                            <a:srgbClr val="000000"/>
+                          </a:solidFill>
+                          <a:effectLst/>
+                          <a:latin typeface="Calibri" panose="020F0502020204030204" pitchFamily="34" charset="0"/>
+                        </a:rPr>
+                        <a:t>Signal + Noise</a:t>
+                      </a:r>
+                      <a:br>
+                        <a:rPr lang="en-US" sz="1350" b="0" i="0" u="none" strike="noStrike" dirty="0">
+                          <a:solidFill>
+                            <a:srgbClr val="000000"/>
+                          </a:solidFill>
+                          <a:effectLst/>
+                          <a:latin typeface="Calibri" panose="020F0502020204030204" pitchFamily="34" charset="0"/>
+                        </a:rPr>
+                      </a:br>
+                      <a:r>
+                        <a:rPr lang="en-US" sz="1350" b="0" i="0" u="none" strike="noStrike" dirty="0">
+                          <a:solidFill>
+                            <a:srgbClr val="000000"/>
+                          </a:solidFill>
+                          <a:effectLst/>
+                          <a:latin typeface="Calibri" panose="020F0502020204030204" pitchFamily="34" charset="0"/>
+                        </a:rPr>
+                        <a:t>ARMA (2,1)</a:t>
                       </a:r>
                     </a:p>
                   </a:txBody>
-                  <a:tcPr>
+                  <a:tcPr marL="7620" marR="7620" marT="7620" marB="0" anchor="ctr">
                     <a:lnR w="3175" cap="flat" cmpd="sng" algn="ctr">
                       <a:solidFill>
                         <a:schemeClr val="tx1"/>
@@ -9806,14 +9851,20 @@
                     <a:bodyPr/>
                     <a:lstStyle/>
                     <a:p>
-                      <a:pPr algn="ctr"/>
+                      <a:pPr algn="ctr" rtl="0" fontAlgn="ctr"/>
                       <a:r>
-                        <a:rPr lang="en-US" dirty="0"/>
-                        <a:t>N/A</a:t>
+                        <a:rPr lang="en-US" sz="1350" b="0" i="0" u="none" strike="noStrike" dirty="0">
+                          <a:solidFill>
+                            <a:srgbClr val="000000"/>
+                          </a:solidFill>
+                          <a:effectLst/>
+                          <a:latin typeface="Calibri" panose="020F0502020204030204" pitchFamily="34" charset="0"/>
+                        </a:rPr>
+                        <a:t>-2.079</a:t>
                       </a:r>
                     </a:p>
                   </a:txBody>
-                  <a:tcPr>
+                  <a:tcPr marL="7620" marR="7620" marT="7620" marB="0" anchor="ctr">
                     <a:lnL w="3175" cap="flat" cmpd="sng" algn="ctr">
                       <a:solidFill>
                         <a:schemeClr val="tx1"/>
@@ -9840,14 +9891,20 @@
                     <a:bodyPr/>
                     <a:lstStyle/>
                     <a:p>
-                      <a:pPr algn="ctr"/>
+                      <a:pPr algn="ctr" rtl="0" fontAlgn="ctr"/>
                       <a:r>
-                        <a:rPr lang="en-US" dirty="0"/>
-                        <a:t>0.063</a:t>
+                        <a:rPr lang="en-US" sz="1350" b="0" i="0" u="none" strike="noStrike" dirty="0">
+                          <a:solidFill>
+                            <a:srgbClr val="000000"/>
+                          </a:solidFill>
+                          <a:effectLst/>
+                          <a:latin typeface="Calibri" panose="020F0502020204030204" pitchFamily="34" charset="0"/>
+                        </a:rPr>
+                        <a:t>0.134</a:t>
                       </a:r>
                     </a:p>
                   </a:txBody>
-                  <a:tcPr>
+                  <a:tcPr marL="7620" marR="7620" marT="7620" marB="0" anchor="ctr">
                     <a:lnL w="3175" cap="flat" cmpd="sng" algn="ctr">
                       <a:solidFill>
                         <a:schemeClr val="tx1"/>
@@ -9874,14 +9931,20 @@
                     <a:bodyPr/>
                     <a:lstStyle/>
                     <a:p>
-                      <a:pPr algn="ctr"/>
+                      <a:pPr algn="ctr" rtl="0" fontAlgn="ctr"/>
                       <a:r>
-                        <a:rPr lang="en-US" dirty="0"/>
+                        <a:rPr lang="en-US" sz="1350" b="0" i="0" u="none" strike="noStrike" dirty="0">
+                          <a:solidFill>
+                            <a:srgbClr val="000000"/>
+                          </a:solidFill>
+                          <a:effectLst/>
+                          <a:latin typeface="Calibri" panose="020F0502020204030204" pitchFamily="34" charset="0"/>
+                        </a:rPr>
                         <a:t>0.133</a:t>
                       </a:r>
                     </a:p>
                   </a:txBody>
-                  <a:tcPr>
+                  <a:tcPr marL="7620" marR="7620" marT="7620" marB="0" anchor="ctr">
                     <a:lnL w="3175" cap="flat" cmpd="sng" algn="ctr">
                       <a:solidFill>
                         <a:schemeClr val="tx1"/>
@@ -9905,7 +9968,7 @@
                 </a:tc>
                 <a:extLst>
                   <a:ext uri="{0D108BD9-81ED-4DB2-BD59-A6C34878D82A}">
-                    <a16:rowId xmlns:a16="http://schemas.microsoft.com/office/drawing/2014/main" val="312971248"/>
+                    <a16:rowId xmlns:a16="http://schemas.microsoft.com/office/drawing/2014/main" xmlns="" val="312971248"/>
                   </a:ext>
                 </a:extLst>
               </a:tr>
@@ -9915,14 +9978,20 @@
                     <a:bodyPr/>
                     <a:lstStyle/>
                     <a:p>
-                      <a:pPr algn="ctr"/>
+                      <a:pPr algn="ctr" rtl="0" fontAlgn="ctr"/>
                       <a:r>
-                        <a:rPr lang="en-US" dirty="0"/>
+                        <a:rPr lang="en-US" sz="1350" b="0" i="0" u="none" strike="noStrike">
+                          <a:solidFill>
+                            <a:srgbClr val="000000"/>
+                          </a:solidFill>
+                          <a:effectLst/>
+                          <a:latin typeface="Calibri" panose="020F0502020204030204" pitchFamily="34" charset="0"/>
+                        </a:rPr>
                         <a:t>VAR</a:t>
                       </a:r>
                     </a:p>
                   </a:txBody>
-                  <a:tcPr>
+                  <a:tcPr marL="7620" marR="7620" marT="7620" marB="0" anchor="ctr">
                     <a:lnR w="3175" cap="flat" cmpd="sng" algn="ctr">
                       <a:solidFill>
                         <a:schemeClr val="tx1"/>
@@ -9942,14 +10011,20 @@
                     <a:bodyPr/>
                     <a:lstStyle/>
                     <a:p>
-                      <a:pPr algn="ctr"/>
+                      <a:pPr algn="ctr" rtl="0" fontAlgn="ctr"/>
                       <a:r>
-                        <a:rPr lang="en-US" dirty="0"/>
+                        <a:rPr lang="en-US" sz="1350" b="0" i="0" u="none" strike="noStrike">
+                          <a:solidFill>
+                            <a:srgbClr val="000000"/>
+                          </a:solidFill>
+                          <a:effectLst/>
+                          <a:latin typeface="Calibri" panose="020F0502020204030204" pitchFamily="34" charset="0"/>
+                        </a:rPr>
                         <a:t>-2.275</a:t>
                       </a:r>
                     </a:p>
                   </a:txBody>
-                  <a:tcPr>
+                  <a:tcPr marL="7620" marR="7620" marT="7620" marB="0" anchor="ctr">
                     <a:lnL w="3175" cap="flat" cmpd="sng" algn="ctr">
                       <a:solidFill>
                         <a:schemeClr val="tx1"/>
@@ -9978,14 +10053,20 @@
                     <a:bodyPr/>
                     <a:lstStyle/>
                     <a:p>
-                      <a:pPr algn="ctr"/>
+                      <a:pPr algn="ctr" rtl="0" fontAlgn="ctr"/>
                       <a:r>
-                        <a:rPr lang="en-US" dirty="0"/>
+                        <a:rPr lang="en-US" sz="1350" b="0" i="0" u="none" strike="noStrike">
+                          <a:solidFill>
+                            <a:srgbClr val="000000"/>
+                          </a:solidFill>
+                          <a:effectLst/>
+                          <a:latin typeface="Calibri" panose="020F0502020204030204" pitchFamily="34" charset="0"/>
+                        </a:rPr>
                         <a:t>0.113</a:t>
                       </a:r>
                     </a:p>
                   </a:txBody>
-                  <a:tcPr>
+                  <a:tcPr marL="7620" marR="7620" marT="7620" marB="0" anchor="ctr">
                     <a:lnL w="3175" cap="flat" cmpd="sng" algn="ctr">
                       <a:solidFill>
                         <a:schemeClr val="tx1"/>
@@ -10014,14 +10095,20 @@
                     <a:bodyPr/>
                     <a:lstStyle/>
                     <a:p>
-                      <a:pPr algn="ctr"/>
+                      <a:pPr algn="ctr" rtl="0" fontAlgn="ctr"/>
                       <a:r>
-                        <a:rPr lang="en-US" dirty="0"/>
-                        <a:t>0.185</a:t>
+                        <a:rPr lang="en-US" sz="1350" b="0" i="0" u="none" strike="noStrike">
+                          <a:solidFill>
+                            <a:srgbClr val="000000"/>
+                          </a:solidFill>
+                          <a:effectLst/>
+                          <a:latin typeface="Calibri" panose="020F0502020204030204" pitchFamily="34" charset="0"/>
+                        </a:rPr>
+                        <a:t>0.187</a:t>
                       </a:r>
                     </a:p>
                   </a:txBody>
-                  <a:tcPr>
+                  <a:tcPr marL="7620" marR="7620" marT="7620" marB="0" anchor="ctr">
                     <a:lnL w="3175" cap="flat" cmpd="sng" algn="ctr">
                       <a:solidFill>
                         <a:schemeClr val="tx1"/>
@@ -10047,7 +10134,7 @@
                 </a:tc>
                 <a:extLst>
                   <a:ext uri="{0D108BD9-81ED-4DB2-BD59-A6C34878D82A}">
-                    <a16:rowId xmlns:a16="http://schemas.microsoft.com/office/drawing/2014/main" val="191879003"/>
+                    <a16:rowId xmlns:a16="http://schemas.microsoft.com/office/drawing/2014/main" xmlns="" val="191879003"/>
                   </a:ext>
                 </a:extLst>
               </a:tr>
@@ -10057,14 +10144,20 @@
                     <a:bodyPr/>
                     <a:lstStyle/>
                     <a:p>
-                      <a:pPr algn="ctr"/>
+                      <a:pPr algn="ctr" rtl="0" fontAlgn="ctr"/>
                       <a:r>
-                        <a:rPr lang="en-US" dirty="0"/>
+                        <a:rPr lang="en-US" sz="1350" b="0" i="0" u="none" strike="noStrike">
+                          <a:solidFill>
+                            <a:srgbClr val="000000"/>
+                          </a:solidFill>
+                          <a:effectLst/>
+                          <a:latin typeface="Calibri" panose="020F0502020204030204" pitchFamily="34" charset="0"/>
+                        </a:rPr>
                         <a:t>ARIMA(5,1,0)</a:t>
                       </a:r>
                     </a:p>
                   </a:txBody>
-                  <a:tcPr>
+                  <a:tcPr marL="7620" marR="7620" marT="7620" marB="0" anchor="ctr">
                     <a:lnR w="3175" cap="flat" cmpd="sng" algn="ctr">
                       <a:solidFill>
                         <a:schemeClr val="tx1"/>
@@ -10082,14 +10175,20 @@
                     <a:bodyPr/>
                     <a:lstStyle/>
                     <a:p>
-                      <a:pPr algn="ctr"/>
+                      <a:pPr algn="ctr" rtl="0" fontAlgn="ctr"/>
                       <a:r>
-                        <a:rPr lang="en-US" dirty="0"/>
+                        <a:rPr lang="en-US" sz="1350" b="0" i="0" u="none" strike="noStrike">
+                          <a:solidFill>
+                            <a:srgbClr val="000000"/>
+                          </a:solidFill>
+                          <a:effectLst/>
+                          <a:latin typeface="Calibri" panose="020F0502020204030204" pitchFamily="34" charset="0"/>
+                        </a:rPr>
                         <a:t>-2.002</a:t>
                       </a:r>
                     </a:p>
                   </a:txBody>
-                  <a:tcPr>
+                  <a:tcPr marL="7620" marR="7620" marT="7620" marB="0" anchor="ctr">
                     <a:lnL w="3175" cap="flat" cmpd="sng" algn="ctr">
                       <a:solidFill>
                         <a:schemeClr val="tx1"/>
@@ -10116,14 +10215,20 @@
                     <a:bodyPr/>
                     <a:lstStyle/>
                     <a:p>
-                      <a:pPr algn="ctr"/>
+                      <a:pPr algn="ctr" rtl="0" fontAlgn="ctr"/>
                       <a:r>
-                        <a:rPr lang="en-US" dirty="0"/>
+                        <a:rPr lang="en-US" sz="1350" b="0" i="0" u="none" strike="noStrike">
+                          <a:solidFill>
+                            <a:srgbClr val="000000"/>
+                          </a:solidFill>
+                          <a:effectLst/>
+                          <a:latin typeface="Calibri" panose="020F0502020204030204" pitchFamily="34" charset="0"/>
+                        </a:rPr>
                         <a:t>0.203</a:t>
                       </a:r>
                     </a:p>
                   </a:txBody>
-                  <a:tcPr>
+                  <a:tcPr marL="7620" marR="7620" marT="7620" marB="0" anchor="ctr">
                     <a:lnL w="3175" cap="flat" cmpd="sng" algn="ctr">
                       <a:solidFill>
                         <a:schemeClr val="tx1"/>
@@ -10150,14 +10255,20 @@
                     <a:bodyPr/>
                     <a:lstStyle/>
                     <a:p>
-                      <a:pPr algn="ctr"/>
+                      <a:pPr algn="ctr" rtl="0" fontAlgn="ctr"/>
                       <a:r>
-                        <a:rPr lang="en-US" dirty="0"/>
+                        <a:rPr lang="en-US" sz="1350" b="0" i="0" u="none" strike="noStrike" dirty="0">
+                          <a:solidFill>
+                            <a:srgbClr val="000000"/>
+                          </a:solidFill>
+                          <a:effectLst/>
+                          <a:latin typeface="Calibri" panose="020F0502020204030204" pitchFamily="34" charset="0"/>
+                        </a:rPr>
                         <a:t>0.394</a:t>
                       </a:r>
                     </a:p>
                   </a:txBody>
-                  <a:tcPr>
+                  <a:tcPr marL="7620" marR="7620" marT="7620" marB="0" anchor="ctr">
                     <a:lnL w="3175" cap="flat" cmpd="sng" algn="ctr">
                       <a:solidFill>
                         <a:schemeClr val="tx1"/>
@@ -10181,7 +10292,7 @@
                 </a:tc>
                 <a:extLst>
                   <a:ext uri="{0D108BD9-81ED-4DB2-BD59-A6C34878D82A}">
-                    <a16:rowId xmlns:a16="http://schemas.microsoft.com/office/drawing/2014/main" val="2562414764"/>
+                    <a16:rowId xmlns:a16="http://schemas.microsoft.com/office/drawing/2014/main" xmlns="" val="2562414764"/>
                   </a:ext>
                 </a:extLst>
               </a:tr>
@@ -10194,7 +10305,7 @@
           <p:cNvPr id="5" name="TextBox 4">
             <a:extLst>
               <a:ext uri="{FF2B5EF4-FFF2-40B4-BE49-F238E27FC236}">
-                <a16:creationId xmlns:a16="http://schemas.microsoft.com/office/drawing/2014/main" id="{BE7A8CB2-192E-4525-8763-FC5AB9C2D432}"/>
+                <a16:creationId xmlns:a16="http://schemas.microsoft.com/office/drawing/2014/main" xmlns="" id="{BE7A8CB2-192E-4525-8763-FC5AB9C2D432}"/>
               </a:ext>
             </a:extLst>
           </p:cNvPr>
@@ -10229,7 +10340,7 @@
           <p:cNvPr id="11" name="TextBox 10">
             <a:extLst>
               <a:ext uri="{FF2B5EF4-FFF2-40B4-BE49-F238E27FC236}">
-                <a16:creationId xmlns:a16="http://schemas.microsoft.com/office/drawing/2014/main" id="{88680CFF-5F04-44CE-9A64-4414B7233E89}"/>
+                <a16:creationId xmlns:a16="http://schemas.microsoft.com/office/drawing/2014/main" xmlns="" id="{88680CFF-5F04-44CE-9A64-4414B7233E89}"/>
               </a:ext>
             </a:extLst>
           </p:cNvPr>
@@ -10308,7 +10419,7 @@
           <p:cNvPr id="2" name="Title 1">
             <a:extLst>
               <a:ext uri="{FF2B5EF4-FFF2-40B4-BE49-F238E27FC236}">
-                <a16:creationId xmlns:a16="http://schemas.microsoft.com/office/drawing/2014/main" id="{35AF407F-225A-4172-B3D9-88A68FDB32F8}"/>
+                <a16:creationId xmlns:a16="http://schemas.microsoft.com/office/drawing/2014/main" xmlns="" id="{35AF407F-225A-4172-B3D9-88A68FDB32F8}"/>
               </a:ext>
             </a:extLst>
           </p:cNvPr>
@@ -10336,7 +10447,7 @@
           <p:cNvPr id="7" name="TextBox 6">
             <a:extLst>
               <a:ext uri="{FF2B5EF4-FFF2-40B4-BE49-F238E27FC236}">
-                <a16:creationId xmlns:a16="http://schemas.microsoft.com/office/drawing/2014/main" id="{049991B8-0F7A-43D4-868B-CB72E066B2A6}"/>
+                <a16:creationId xmlns:a16="http://schemas.microsoft.com/office/drawing/2014/main" xmlns="" id="{049991B8-0F7A-43D4-868B-CB72E066B2A6}"/>
               </a:ext>
             </a:extLst>
           </p:cNvPr>
@@ -10377,7 +10488,7 @@
           <p:cNvPr id="6" name="Picture 5">
             <a:extLst>
               <a:ext uri="{FF2B5EF4-FFF2-40B4-BE49-F238E27FC236}">
-                <a16:creationId xmlns:a16="http://schemas.microsoft.com/office/drawing/2014/main" id="{20712D6C-C9E1-43B1-A8D2-B44E9187BD27}"/>
+                <a16:creationId xmlns:a16="http://schemas.microsoft.com/office/drawing/2014/main" xmlns="" id="{20712D6C-C9E1-43B1-A8D2-B44E9187BD27}"/>
               </a:ext>
             </a:extLst>
           </p:cNvPr>
@@ -10407,7 +10518,7 @@
           <p:cNvPr id="8" name="TextBox 7">
             <a:extLst>
               <a:ext uri="{FF2B5EF4-FFF2-40B4-BE49-F238E27FC236}">
-                <a16:creationId xmlns:a16="http://schemas.microsoft.com/office/drawing/2014/main" id="{A738AA6E-AA86-45DC-B995-F3282AE8BCD8}"/>
+                <a16:creationId xmlns:a16="http://schemas.microsoft.com/office/drawing/2014/main" xmlns="" id="{A738AA6E-AA86-45DC-B995-F3282AE8BCD8}"/>
               </a:ext>
             </a:extLst>
           </p:cNvPr>
@@ -10448,7 +10559,7 @@
           <p:cNvPr id="10" name="Picture 9">
             <a:extLst>
               <a:ext uri="{FF2B5EF4-FFF2-40B4-BE49-F238E27FC236}">
-                <a16:creationId xmlns:a16="http://schemas.microsoft.com/office/drawing/2014/main" id="{9F933DFF-4D95-4FA7-B4AD-C10B1458679B}"/>
+                <a16:creationId xmlns:a16="http://schemas.microsoft.com/office/drawing/2014/main" xmlns="" id="{9F933DFF-4D95-4FA7-B4AD-C10B1458679B}"/>
               </a:ext>
             </a:extLst>
           </p:cNvPr>
@@ -10478,7 +10589,7 @@
           <p:cNvPr id="11" name="Picture 10">
             <a:extLst>
               <a:ext uri="{FF2B5EF4-FFF2-40B4-BE49-F238E27FC236}">
-                <a16:creationId xmlns:a16="http://schemas.microsoft.com/office/drawing/2014/main" id="{C132A209-8528-4560-BF30-16EFDE28AAEA}"/>
+                <a16:creationId xmlns:a16="http://schemas.microsoft.com/office/drawing/2014/main" xmlns="" id="{C132A209-8528-4560-BF30-16EFDE28AAEA}"/>
               </a:ext>
             </a:extLst>
           </p:cNvPr>
@@ -10496,7 +10607,7 @@
         <p:spPr>
           <a:xfrm>
             <a:off x="4518659" y="1442554"/>
-            <a:ext cx="3856625" cy="2748446"/>
+            <a:ext cx="3856625" cy="2560913"/>
           </a:xfrm>
           <a:prstGeom prst="rect">
             <a:avLst/>
@@ -10508,7 +10619,7 @@
           <p:cNvPr id="12" name="TextBox 11">
             <a:extLst>
               <a:ext uri="{FF2B5EF4-FFF2-40B4-BE49-F238E27FC236}">
-                <a16:creationId xmlns:a16="http://schemas.microsoft.com/office/drawing/2014/main" id="{9711FA6D-AA16-4DE5-A48A-ACED9D875198}"/>
+                <a16:creationId xmlns:a16="http://schemas.microsoft.com/office/drawing/2014/main" xmlns="" id="{9711FA6D-AA16-4DE5-A48A-ACED9D875198}"/>
               </a:ext>
             </a:extLst>
           </p:cNvPr>
@@ -10544,6 +10655,30 @@
           </a:p>
         </p:txBody>
       </p:sp>
+      <p:pic>
+        <p:nvPicPr>
+          <p:cNvPr id="4" name="Picture 3"/>
+          <p:cNvPicPr>
+            <a:picLocks noChangeAspect="1"/>
+          </p:cNvPicPr>
+          <p:nvPr/>
+        </p:nvPicPr>
+        <p:blipFill>
+          <a:blip r:embed="rId6"/>
+          <a:stretch>
+            <a:fillRect/>
+          </a:stretch>
+        </p:blipFill>
+        <p:spPr>
+          <a:xfrm>
+            <a:off x="4061289" y="1713861"/>
+            <a:ext cx="4313995" cy="2476311"/>
+          </a:xfrm>
+          <a:prstGeom prst="rect">
+            <a:avLst/>
+          </a:prstGeom>
+        </p:spPr>
+      </p:pic>
     </p:spTree>
     <p:extLst>
       <p:ext uri="{BB962C8B-B14F-4D97-AF65-F5344CB8AC3E}">
@@ -10587,7 +10722,7 @@
           <p:cNvPr id="2" name="Title 1">
             <a:extLst>
               <a:ext uri="{FF2B5EF4-FFF2-40B4-BE49-F238E27FC236}">
-                <a16:creationId xmlns:a16="http://schemas.microsoft.com/office/drawing/2014/main" id="{35AF407F-225A-4172-B3D9-88A68FDB32F8}"/>
+                <a16:creationId xmlns:a16="http://schemas.microsoft.com/office/drawing/2014/main" xmlns="" id="{35AF407F-225A-4172-B3D9-88A68FDB32F8}"/>
               </a:ext>
             </a:extLst>
           </p:cNvPr>
@@ -10615,7 +10750,7 @@
           <p:cNvPr id="7" name="TextBox 6">
             <a:extLst>
               <a:ext uri="{FF2B5EF4-FFF2-40B4-BE49-F238E27FC236}">
-                <a16:creationId xmlns:a16="http://schemas.microsoft.com/office/drawing/2014/main" id="{049991B8-0F7A-43D4-868B-CB72E066B2A6}"/>
+                <a16:creationId xmlns:a16="http://schemas.microsoft.com/office/drawing/2014/main" xmlns="" id="{049991B8-0F7A-43D4-868B-CB72E066B2A6}"/>
               </a:ext>
             </a:extLst>
           </p:cNvPr>
@@ -10656,7 +10791,7 @@
           <p:cNvPr id="8" name="TextBox 7">
             <a:extLst>
               <a:ext uri="{FF2B5EF4-FFF2-40B4-BE49-F238E27FC236}">
-                <a16:creationId xmlns:a16="http://schemas.microsoft.com/office/drawing/2014/main" id="{A738AA6E-AA86-45DC-B995-F3282AE8BCD8}"/>
+                <a16:creationId xmlns:a16="http://schemas.microsoft.com/office/drawing/2014/main" xmlns="" id="{A738AA6E-AA86-45DC-B995-F3282AE8BCD8}"/>
               </a:ext>
             </a:extLst>
           </p:cNvPr>
@@ -10697,7 +10832,7 @@
           <p:cNvPr id="16" name="Content Placeholder 15">
             <a:extLst>
               <a:ext uri="{FF2B5EF4-FFF2-40B4-BE49-F238E27FC236}">
-                <a16:creationId xmlns:a16="http://schemas.microsoft.com/office/drawing/2014/main" id="{D22B554A-C587-49D2-96E2-B4D8923D1862}"/>
+                <a16:creationId xmlns:a16="http://schemas.microsoft.com/office/drawing/2014/main" xmlns="" id="{D22B554A-C587-49D2-96E2-B4D8923D1862}"/>
               </a:ext>
             </a:extLst>
           </p:cNvPr>
@@ -10729,7 +10864,7 @@
           <p:cNvPr id="6" name="Content Placeholder 5">
             <a:extLst>
               <a:ext uri="{FF2B5EF4-FFF2-40B4-BE49-F238E27FC236}">
-                <a16:creationId xmlns:a16="http://schemas.microsoft.com/office/drawing/2014/main" id="{7F95BA3B-4788-43C9-8827-DDDFAC652316}"/>
+                <a16:creationId xmlns:a16="http://schemas.microsoft.com/office/drawing/2014/main" xmlns="" id="{7F95BA3B-4788-43C9-8827-DDDFAC652316}"/>
               </a:ext>
             </a:extLst>
           </p:cNvPr>
@@ -10799,7 +10934,7 @@
           <p:cNvPr id="5" name="Title 4">
             <a:extLst>
               <a:ext uri="{FF2B5EF4-FFF2-40B4-BE49-F238E27FC236}">
-                <a16:creationId xmlns:a16="http://schemas.microsoft.com/office/drawing/2014/main" id="{0B94A83C-3031-4E46-8370-8A64014F2000}"/>
+                <a16:creationId xmlns:a16="http://schemas.microsoft.com/office/drawing/2014/main" xmlns="" id="{0B94A83C-3031-4E46-8370-8A64014F2000}"/>
               </a:ext>
             </a:extLst>
           </p:cNvPr>
@@ -10827,7 +10962,7 @@
           <p:cNvPr id="6" name="Content Placeholder 5">
             <a:extLst>
               <a:ext uri="{FF2B5EF4-FFF2-40B4-BE49-F238E27FC236}">
-                <a16:creationId xmlns:a16="http://schemas.microsoft.com/office/drawing/2014/main" id="{195F6A7F-CBC3-4950-8263-2E25C6ACEA11}"/>
+                <a16:creationId xmlns:a16="http://schemas.microsoft.com/office/drawing/2014/main" xmlns="" id="{195F6A7F-CBC3-4950-8263-2E25C6ACEA11}"/>
               </a:ext>
             </a:extLst>
           </p:cNvPr>
@@ -10891,7 +11026,7 @@
           <p:cNvPr id="2" name="Title 1">
             <a:extLst>
               <a:ext uri="{FF2B5EF4-FFF2-40B4-BE49-F238E27FC236}">
-                <a16:creationId xmlns:a16="http://schemas.microsoft.com/office/drawing/2014/main" id="{5B931770-76C9-F749-9B7D-08A4A1F13896}"/>
+                <a16:creationId xmlns:a16="http://schemas.microsoft.com/office/drawing/2014/main" xmlns="" id="{5B931770-76C9-F749-9B7D-08A4A1F13896}"/>
               </a:ext>
             </a:extLst>
           </p:cNvPr>
@@ -10919,7 +11054,7 @@
           <p:cNvPr id="30" name="TextBox 29">
             <a:extLst>
               <a:ext uri="{FF2B5EF4-FFF2-40B4-BE49-F238E27FC236}">
-                <a16:creationId xmlns:a16="http://schemas.microsoft.com/office/drawing/2014/main" id="{43A13C87-2B73-4493-9185-1D2D5B834571}"/>
+                <a16:creationId xmlns:a16="http://schemas.microsoft.com/office/drawing/2014/main" xmlns="" id="{43A13C87-2B73-4493-9185-1D2D5B834571}"/>
               </a:ext>
             </a:extLst>
           </p:cNvPr>
@@ -10954,7 +11089,7 @@
           <p:cNvPr id="31" name="TextBox 30">
             <a:extLst>
               <a:ext uri="{FF2B5EF4-FFF2-40B4-BE49-F238E27FC236}">
-                <a16:creationId xmlns:a16="http://schemas.microsoft.com/office/drawing/2014/main" id="{781EAA0D-ECA2-42B0-8DB9-97F33B55C9FE}"/>
+                <a16:creationId xmlns:a16="http://schemas.microsoft.com/office/drawing/2014/main" xmlns="" id="{781EAA0D-ECA2-42B0-8DB9-97F33B55C9FE}"/>
               </a:ext>
             </a:extLst>
           </p:cNvPr>
@@ -10989,7 +11124,7 @@
           <p:cNvPr id="33" name="TextBox 32">
             <a:extLst>
               <a:ext uri="{FF2B5EF4-FFF2-40B4-BE49-F238E27FC236}">
-                <a16:creationId xmlns:a16="http://schemas.microsoft.com/office/drawing/2014/main" id="{EC2EA415-AFEF-434C-A691-8BCD28411A91}"/>
+                <a16:creationId xmlns:a16="http://schemas.microsoft.com/office/drawing/2014/main" xmlns="" id="{EC2EA415-AFEF-434C-A691-8BCD28411A91}"/>
               </a:ext>
             </a:extLst>
           </p:cNvPr>
@@ -11024,7 +11159,7 @@
           <p:cNvPr id="4" name="Graphic 3" descr="Magnifying glass">
             <a:extLst>
               <a:ext uri="{FF2B5EF4-FFF2-40B4-BE49-F238E27FC236}">
-                <a16:creationId xmlns:a16="http://schemas.microsoft.com/office/drawing/2014/main" id="{396C3828-42E6-41FF-B176-5EB81CF5EC90}"/>
+                <a16:creationId xmlns:a16="http://schemas.microsoft.com/office/drawing/2014/main" xmlns="" id="{396C3828-42E6-41FF-B176-5EB81CF5EC90}"/>
               </a:ext>
             </a:extLst>
           </p:cNvPr>
@@ -11037,7 +11172,7 @@
           <a:blip r:embed="rId3">
             <a:extLst>
               <a:ext uri="{96DAC541-7B7A-43D3-8B79-37D633B846F1}">
-                <asvg:svgBlip xmlns:asvg="http://schemas.microsoft.com/office/drawing/2016/SVG/main" r:embed="rId4"/>
+                <asvg:svgBlip xmlns:asvg="http://schemas.microsoft.com/office/drawing/2016/SVG/main" xmlns="" r:embed="rId4"/>
               </a:ext>
             </a:extLst>
           </a:blip>
@@ -11060,7 +11195,7 @@
           <p:cNvPr id="22" name="TextBox 21">
             <a:extLst>
               <a:ext uri="{FF2B5EF4-FFF2-40B4-BE49-F238E27FC236}">
-                <a16:creationId xmlns:a16="http://schemas.microsoft.com/office/drawing/2014/main" id="{D408EBB5-8E36-4986-833F-FEF2D86F3F9D}"/>
+                <a16:creationId xmlns:a16="http://schemas.microsoft.com/office/drawing/2014/main" xmlns="" id="{D408EBB5-8E36-4986-833F-FEF2D86F3F9D}"/>
               </a:ext>
             </a:extLst>
           </p:cNvPr>
@@ -11095,7 +11230,7 @@
           <p:cNvPr id="16" name="Graphic 15" descr="Presentation with pie chart">
             <a:extLst>
               <a:ext uri="{FF2B5EF4-FFF2-40B4-BE49-F238E27FC236}">
-                <a16:creationId xmlns:a16="http://schemas.microsoft.com/office/drawing/2014/main" id="{14F18DF2-38B0-4CD1-B964-DB64968836BA}"/>
+                <a16:creationId xmlns:a16="http://schemas.microsoft.com/office/drawing/2014/main" xmlns="" id="{14F18DF2-38B0-4CD1-B964-DB64968836BA}"/>
               </a:ext>
             </a:extLst>
           </p:cNvPr>
@@ -11108,7 +11243,7 @@
           <a:blip r:embed="rId5">
             <a:extLst>
               <a:ext uri="{96DAC541-7B7A-43D3-8B79-37D633B846F1}">
-                <asvg:svgBlip xmlns:asvg="http://schemas.microsoft.com/office/drawing/2016/SVG/main" r:embed="rId6"/>
+                <asvg:svgBlip xmlns:asvg="http://schemas.microsoft.com/office/drawing/2016/SVG/main" xmlns="" r:embed="rId6"/>
               </a:ext>
             </a:extLst>
           </a:blip>
@@ -11131,7 +11266,7 @@
           <p:cNvPr id="18" name="Graphic 17" descr="Checklist RTL">
             <a:extLst>
               <a:ext uri="{FF2B5EF4-FFF2-40B4-BE49-F238E27FC236}">
-                <a16:creationId xmlns:a16="http://schemas.microsoft.com/office/drawing/2014/main" id="{08B526E1-E252-4DAF-BEDF-5D1DF447F12E}"/>
+                <a16:creationId xmlns:a16="http://schemas.microsoft.com/office/drawing/2014/main" xmlns="" id="{08B526E1-E252-4DAF-BEDF-5D1DF447F12E}"/>
               </a:ext>
             </a:extLst>
           </p:cNvPr>
@@ -11144,7 +11279,7 @@
           <a:blip r:embed="rId7">
             <a:extLst>
               <a:ext uri="{96DAC541-7B7A-43D3-8B79-37D633B846F1}">
-                <asvg:svgBlip xmlns:asvg="http://schemas.microsoft.com/office/drawing/2016/SVG/main" r:embed="rId8"/>
+                <asvg:svgBlip xmlns:asvg="http://schemas.microsoft.com/office/drawing/2016/SVG/main" xmlns="" r:embed="rId8"/>
               </a:ext>
             </a:extLst>
           </a:blip>
@@ -11167,7 +11302,7 @@
           <p:cNvPr id="13" name="Graphic 12" descr="Venn diagram">
             <a:extLst>
               <a:ext uri="{FF2B5EF4-FFF2-40B4-BE49-F238E27FC236}">
-                <a16:creationId xmlns:a16="http://schemas.microsoft.com/office/drawing/2014/main" id="{3CA8221C-99E4-40BB-8AEF-433A7617F06A}"/>
+                <a16:creationId xmlns:a16="http://schemas.microsoft.com/office/drawing/2014/main" xmlns="" id="{3CA8221C-99E4-40BB-8AEF-433A7617F06A}"/>
               </a:ext>
             </a:extLst>
           </p:cNvPr>
@@ -11180,7 +11315,7 @@
           <a:blip r:embed="rId9">
             <a:extLst>
               <a:ext uri="{96DAC541-7B7A-43D3-8B79-37D633B846F1}">
-                <asvg:svgBlip xmlns:asvg="http://schemas.microsoft.com/office/drawing/2016/SVG/main" r:embed="rId10"/>
+                <asvg:svgBlip xmlns:asvg="http://schemas.microsoft.com/office/drawing/2016/SVG/main" xmlns="" r:embed="rId10"/>
               </a:ext>
             </a:extLst>
           </a:blip>
@@ -11203,7 +11338,7 @@
           <p:cNvPr id="7" name="Graphic 6" descr="Decision chart">
             <a:extLst>
               <a:ext uri="{FF2B5EF4-FFF2-40B4-BE49-F238E27FC236}">
-                <a16:creationId xmlns:a16="http://schemas.microsoft.com/office/drawing/2014/main" id="{F4AF76BE-9DDF-481B-958C-A6F4F5270DC6}"/>
+                <a16:creationId xmlns:a16="http://schemas.microsoft.com/office/drawing/2014/main" xmlns="" id="{F4AF76BE-9DDF-481B-958C-A6F4F5270DC6}"/>
               </a:ext>
             </a:extLst>
           </p:cNvPr>
@@ -11216,7 +11351,7 @@
           <a:blip r:embed="rId11">
             <a:extLst>
               <a:ext uri="{96DAC541-7B7A-43D3-8B79-37D633B846F1}">
-                <asvg:svgBlip xmlns:asvg="http://schemas.microsoft.com/office/drawing/2016/SVG/main" r:embed="rId12"/>
+                <asvg:svgBlip xmlns:asvg="http://schemas.microsoft.com/office/drawing/2016/SVG/main" xmlns="" r:embed="rId12"/>
               </a:ext>
             </a:extLst>
           </a:blip>
@@ -11239,7 +11374,7 @@
           <p:cNvPr id="17" name="TextBox 16">
             <a:extLst>
               <a:ext uri="{FF2B5EF4-FFF2-40B4-BE49-F238E27FC236}">
-                <a16:creationId xmlns:a16="http://schemas.microsoft.com/office/drawing/2014/main" id="{69CAAAFD-E50D-496E-B536-F485D1CB8585}"/>
+                <a16:creationId xmlns:a16="http://schemas.microsoft.com/office/drawing/2014/main" xmlns="" id="{69CAAAFD-E50D-496E-B536-F485D1CB8585}"/>
               </a:ext>
             </a:extLst>
           </p:cNvPr>
@@ -11312,7 +11447,7 @@
           <p:cNvPr id="3" name="Title 2">
             <a:extLst>
               <a:ext uri="{FF2B5EF4-FFF2-40B4-BE49-F238E27FC236}">
-                <a16:creationId xmlns:a16="http://schemas.microsoft.com/office/drawing/2014/main" id="{36B254F5-DC72-4562-8F86-48E0452A25E2}"/>
+                <a16:creationId xmlns:a16="http://schemas.microsoft.com/office/drawing/2014/main" xmlns="" id="{36B254F5-DC72-4562-8F86-48E0452A25E2}"/>
               </a:ext>
             </a:extLst>
           </p:cNvPr>
@@ -11340,7 +11475,7 @@
           <p:cNvPr id="4" name="Content Placeholder 3">
             <a:extLst>
               <a:ext uri="{FF2B5EF4-FFF2-40B4-BE49-F238E27FC236}">
-                <a16:creationId xmlns:a16="http://schemas.microsoft.com/office/drawing/2014/main" id="{0FC3FB72-4BB4-4F02-99C6-4D6420A04601}"/>
+                <a16:creationId xmlns:a16="http://schemas.microsoft.com/office/drawing/2014/main" xmlns="" id="{0FC3FB72-4BB4-4F02-99C6-4D6420A04601}"/>
               </a:ext>
             </a:extLst>
           </p:cNvPr>
@@ -11418,7 +11553,7 @@
           <p:cNvPr id="7" name="Graphic 6" descr="Filter">
             <a:extLst>
               <a:ext uri="{FF2B5EF4-FFF2-40B4-BE49-F238E27FC236}">
-                <a16:creationId xmlns:a16="http://schemas.microsoft.com/office/drawing/2014/main" id="{2CE85E56-D0C8-4C13-BC98-E286AF6B9355}"/>
+                <a16:creationId xmlns:a16="http://schemas.microsoft.com/office/drawing/2014/main" xmlns="" id="{2CE85E56-D0C8-4C13-BC98-E286AF6B9355}"/>
               </a:ext>
             </a:extLst>
           </p:cNvPr>
@@ -11431,7 +11566,7 @@
           <a:blip r:embed="rId3">
             <a:extLst>
               <a:ext uri="{96DAC541-7B7A-43D3-8B79-37D633B846F1}">
-                <asvg:svgBlip xmlns:asvg="http://schemas.microsoft.com/office/drawing/2016/SVG/main" r:embed="rId4"/>
+                <asvg:svgBlip xmlns:asvg="http://schemas.microsoft.com/office/drawing/2016/SVG/main" xmlns="" r:embed="rId4"/>
               </a:ext>
             </a:extLst>
           </a:blip>
@@ -11454,7 +11589,7 @@
           <p:cNvPr id="9" name="Content Placeholder 3">
             <a:extLst>
               <a:ext uri="{FF2B5EF4-FFF2-40B4-BE49-F238E27FC236}">
-                <a16:creationId xmlns:a16="http://schemas.microsoft.com/office/drawing/2014/main" id="{70488FF4-D98F-458D-9D44-65E2E0BC28E8}"/>
+                <a16:creationId xmlns:a16="http://schemas.microsoft.com/office/drawing/2014/main" xmlns="" id="{70488FF4-D98F-458D-9D44-65E2E0BC28E8}"/>
               </a:ext>
             </a:extLst>
           </p:cNvPr>
@@ -11663,7 +11798,7 @@
           <p:cNvPr id="17" name="TextBox 16">
             <a:extLst>
               <a:ext uri="{FF2B5EF4-FFF2-40B4-BE49-F238E27FC236}">
-                <a16:creationId xmlns:a16="http://schemas.microsoft.com/office/drawing/2014/main" id="{3BDAB8A6-09E9-4B41-AF1E-EF3621840919}"/>
+                <a16:creationId xmlns:a16="http://schemas.microsoft.com/office/drawing/2014/main" xmlns="" id="{3BDAB8A6-09E9-4B41-AF1E-EF3621840919}"/>
               </a:ext>
             </a:extLst>
           </p:cNvPr>
@@ -11704,7 +11839,7 @@
           <p:cNvPr id="18" name="TextBox 17">
             <a:extLst>
               <a:ext uri="{FF2B5EF4-FFF2-40B4-BE49-F238E27FC236}">
-                <a16:creationId xmlns:a16="http://schemas.microsoft.com/office/drawing/2014/main" id="{00662D91-4BF1-4CDB-887A-EAA3A1906B11}"/>
+                <a16:creationId xmlns:a16="http://schemas.microsoft.com/office/drawing/2014/main" xmlns="" id="{00662D91-4BF1-4CDB-887A-EAA3A1906B11}"/>
               </a:ext>
             </a:extLst>
           </p:cNvPr>
@@ -11745,7 +11880,7 @@
           <p:cNvPr id="19" name="TextBox 18">
             <a:extLst>
               <a:ext uri="{FF2B5EF4-FFF2-40B4-BE49-F238E27FC236}">
-                <a16:creationId xmlns:a16="http://schemas.microsoft.com/office/drawing/2014/main" id="{55B129DC-1A81-45AA-9234-5264D423F868}"/>
+                <a16:creationId xmlns:a16="http://schemas.microsoft.com/office/drawing/2014/main" xmlns="" id="{55B129DC-1A81-45AA-9234-5264D423F868}"/>
               </a:ext>
             </a:extLst>
           </p:cNvPr>
@@ -11786,7 +11921,7 @@
           <p:cNvPr id="20" name="TextBox 19">
             <a:extLst>
               <a:ext uri="{FF2B5EF4-FFF2-40B4-BE49-F238E27FC236}">
-                <a16:creationId xmlns:a16="http://schemas.microsoft.com/office/drawing/2014/main" id="{B55E523C-A88C-4153-94A4-DC6F685AE20B}"/>
+                <a16:creationId xmlns:a16="http://schemas.microsoft.com/office/drawing/2014/main" xmlns="" id="{B55E523C-A88C-4153-94A4-DC6F685AE20B}"/>
               </a:ext>
             </a:extLst>
           </p:cNvPr>
@@ -11827,7 +11962,7 @@
           <p:cNvPr id="21" name="TextBox 20">
             <a:extLst>
               <a:ext uri="{FF2B5EF4-FFF2-40B4-BE49-F238E27FC236}">
-                <a16:creationId xmlns:a16="http://schemas.microsoft.com/office/drawing/2014/main" id="{F90FDCA8-45CE-4C0E-AFB0-03DC9060B280}"/>
+                <a16:creationId xmlns:a16="http://schemas.microsoft.com/office/drawing/2014/main" xmlns="" id="{F90FDCA8-45CE-4C0E-AFB0-03DC9060B280}"/>
               </a:ext>
             </a:extLst>
           </p:cNvPr>
@@ -11862,7 +11997,7 @@
           <p:cNvPr id="22" name="TextBox 21">
             <a:extLst>
               <a:ext uri="{FF2B5EF4-FFF2-40B4-BE49-F238E27FC236}">
-                <a16:creationId xmlns:a16="http://schemas.microsoft.com/office/drawing/2014/main" id="{29F489E0-15EA-4B09-9CDC-C121253A18CD}"/>
+                <a16:creationId xmlns:a16="http://schemas.microsoft.com/office/drawing/2014/main" xmlns="" id="{29F489E0-15EA-4B09-9CDC-C121253A18CD}"/>
               </a:ext>
             </a:extLst>
           </p:cNvPr>
@@ -11901,7 +12036,7 @@
           <p:cNvPr id="23" name="TextBox 22">
             <a:extLst>
               <a:ext uri="{FF2B5EF4-FFF2-40B4-BE49-F238E27FC236}">
-                <a16:creationId xmlns:a16="http://schemas.microsoft.com/office/drawing/2014/main" id="{C1BA92E8-D4F5-4209-9BD5-0DDE7EB6B89B}"/>
+                <a16:creationId xmlns:a16="http://schemas.microsoft.com/office/drawing/2014/main" xmlns="" id="{C1BA92E8-D4F5-4209-9BD5-0DDE7EB6B89B}"/>
               </a:ext>
             </a:extLst>
           </p:cNvPr>
@@ -11936,7 +12071,7 @@
           <p:cNvPr id="24" name="TextBox 23">
             <a:extLst>
               <a:ext uri="{FF2B5EF4-FFF2-40B4-BE49-F238E27FC236}">
-                <a16:creationId xmlns:a16="http://schemas.microsoft.com/office/drawing/2014/main" id="{1281DA6C-65E1-410A-A62D-98348B5E99E2}"/>
+                <a16:creationId xmlns:a16="http://schemas.microsoft.com/office/drawing/2014/main" xmlns="" id="{1281DA6C-65E1-410A-A62D-98348B5E99E2}"/>
               </a:ext>
             </a:extLst>
           </p:cNvPr>
@@ -11971,7 +12106,7 @@
           <p:cNvPr id="33" name="Rectangle 32">
             <a:extLst>
               <a:ext uri="{FF2B5EF4-FFF2-40B4-BE49-F238E27FC236}">
-                <a16:creationId xmlns:a16="http://schemas.microsoft.com/office/drawing/2014/main" id="{A0714868-EDDE-4A16-A640-B9B688C2168C}"/>
+                <a16:creationId xmlns:a16="http://schemas.microsoft.com/office/drawing/2014/main" xmlns="" id="{A0714868-EDDE-4A16-A640-B9B688C2168C}"/>
               </a:ext>
             </a:extLst>
           </p:cNvPr>
@@ -12012,7 +12147,7 @@
           <p:cNvPr id="35" name="Graphic 34" descr="Upward trend">
             <a:extLst>
               <a:ext uri="{FF2B5EF4-FFF2-40B4-BE49-F238E27FC236}">
-                <a16:creationId xmlns:a16="http://schemas.microsoft.com/office/drawing/2014/main" id="{849DCB03-5C2F-47C8-825E-A0BACDAB3796}"/>
+                <a16:creationId xmlns:a16="http://schemas.microsoft.com/office/drawing/2014/main" xmlns="" id="{849DCB03-5C2F-47C8-825E-A0BACDAB3796}"/>
               </a:ext>
             </a:extLst>
           </p:cNvPr>
@@ -12025,7 +12160,7 @@
           <a:blip r:embed="rId5">
             <a:extLst>
               <a:ext uri="{96DAC541-7B7A-43D3-8B79-37D633B846F1}">
-                <asvg:svgBlip xmlns:asvg="http://schemas.microsoft.com/office/drawing/2016/SVG/main" r:embed="rId6"/>
+                <asvg:svgBlip xmlns:asvg="http://schemas.microsoft.com/office/drawing/2016/SVG/main" xmlns="" r:embed="rId6"/>
               </a:ext>
             </a:extLst>
           </a:blip>
@@ -12083,10 +12218,10 @@
       </p:grpSpPr>
       <p:sp>
         <p:nvSpPr>
-          <p:cNvPr id="5" name="Title 4">
+          <p:cNvPr id="2" name="Title 1">
             <a:extLst>
               <a:ext uri="{FF2B5EF4-FFF2-40B4-BE49-F238E27FC236}">
-                <a16:creationId xmlns:a16="http://schemas.microsoft.com/office/drawing/2014/main" id="{5BF6937D-FA03-419D-8AF1-687DA1ADB403}"/>
+                <a16:creationId xmlns:a16="http://schemas.microsoft.com/office/drawing/2014/main" xmlns="" id="{37F7B9A7-F1BA-40D8-AAD5-15C8D6C4F544}"/>
               </a:ext>
             </a:extLst>
           </p:cNvPr>
@@ -12097,53 +12232,73 @@
             <p:ph type="title"/>
           </p:nvPr>
         </p:nvSpPr>
-        <p:spPr/>
+        <p:spPr>
+          <a:xfrm>
+            <a:off x="315686" y="365126"/>
+            <a:ext cx="8386989" cy="1325563"/>
+          </a:xfrm>
+        </p:spPr>
         <p:txBody>
           <a:bodyPr/>
           <a:lstStyle/>
           <a:p>
             <a:r>
               <a:rPr lang="en-US" dirty="0"/>
-              <a:t>About the Data: Data Preprocessing</a:t>
-            </a:r>
-          </a:p>
-        </p:txBody>
-      </p:sp>
-      <p:pic>
-        <p:nvPicPr>
-          <p:cNvPr id="11" name="Content Placeholder 10" descr="A close up of a map&#10;&#10;Description automatically generated">
+              <a:t>Model Type and </a:t>
+            </a:r>
+            <a:r>
+              <a:rPr lang="en-US" dirty="0" smtClean="0"/>
+              <a:t>Properties: Data Preprocessing</a:t>
+            </a:r>
+            <a:endParaRPr lang="en-US" dirty="0"/>
+          </a:p>
+        </p:txBody>
+      </p:sp>
+      <p:sp>
+        <p:nvSpPr>
+          <p:cNvPr id="6" name="Text Placeholder 5">
             <a:extLst>
               <a:ext uri="{FF2B5EF4-FFF2-40B4-BE49-F238E27FC236}">
-                <a16:creationId xmlns:a16="http://schemas.microsoft.com/office/drawing/2014/main" id="{22C41C69-3208-4AC6-BE0A-4C3360370BB9}"/>
+                <a16:creationId xmlns:a16="http://schemas.microsoft.com/office/drawing/2014/main" xmlns="" id="{5EE670F9-63B2-4A30-82F1-A21CB25126C9}"/>
               </a:ext>
             </a:extLst>
           </p:cNvPr>
-          <p:cNvPicPr>
-            <a:picLocks noGrp="1" noChangeAspect="1"/>
-          </p:cNvPicPr>
+          <p:cNvSpPr>
+            <a:spLocks noGrp="1"/>
+          </p:cNvSpPr>
           <p:nvPr>
-            <p:ph sz="half" idx="2"/>
+            <p:ph type="body" idx="1"/>
           </p:nvPr>
-        </p:nvPicPr>
-        <p:blipFill>
-          <a:blip r:embed="rId3"/>
-          <a:stretch>
-            <a:fillRect/>
-          </a:stretch>
-        </p:blipFill>
+        </p:nvSpPr>
         <p:spPr>
           <a:xfrm>
-            <a:off x="325438" y="2380667"/>
-            <a:ext cx="4424741" cy="2844476"/>
+            <a:off x="420528" y="4017646"/>
+            <a:ext cx="3868340" cy="627697"/>
           </a:xfrm>
         </p:spPr>
-      </p:pic>
+        <p:txBody>
+          <a:bodyPr anchor="t">
+            <a:noAutofit/>
+          </a:bodyPr>
+          <a:lstStyle/>
+          <a:p>
+            <a:r>
+              <a:rPr lang="en-US" sz="2000" dirty="0">
+                <a:solidFill>
+                  <a:srgbClr val="002060"/>
+                </a:solidFill>
+              </a:rPr>
+              <a:t>Original Data Spectral Density and ACF</a:t>
+            </a:r>
+          </a:p>
+        </p:txBody>
+      </p:sp>
       <p:sp>
         <p:nvSpPr>
           <p:cNvPr id="8" name="Text Placeholder 7">
             <a:extLst>
               <a:ext uri="{FF2B5EF4-FFF2-40B4-BE49-F238E27FC236}">
-                <a16:creationId xmlns:a16="http://schemas.microsoft.com/office/drawing/2014/main" id="{0BA0A838-3481-43C2-8535-FA48BEA08A33}"/>
+                <a16:creationId xmlns:a16="http://schemas.microsoft.com/office/drawing/2014/main" xmlns="" id="{00FCA8AF-A1AF-4C36-BBAB-977C4EC38E30}"/>
               </a:ext>
             </a:extLst>
           </p:cNvPr>
@@ -12156,25 +12311,23 @@
         </p:nvSpPr>
         <p:spPr>
           <a:xfrm>
-            <a:off x="5082073" y="2340527"/>
-            <a:ext cx="3490451" cy="508421"/>
+            <a:off x="420528" y="1627347"/>
+            <a:ext cx="3887391" cy="627697"/>
           </a:xfrm>
         </p:spPr>
         <p:txBody>
-          <a:bodyPr>
-            <a:normAutofit fontScale="92500" lnSpcReduction="20000"/>
+          <a:bodyPr anchor="t">
+            <a:noAutofit/>
           </a:bodyPr>
           <a:lstStyle/>
           <a:p>
             <a:r>
-              <a:rPr lang="en-US" dirty="0">
+              <a:rPr lang="en-US" sz="2000" dirty="0">
                 <a:solidFill>
-                  <a:schemeClr val="accent1">
-                    <a:lumMod val="75000"/>
-                  </a:schemeClr>
+                  <a:srgbClr val="002060"/>
                 </a:solidFill>
               </a:rPr>
-              <a:t>Stock selection and feature engineering</a:t>
+              <a:t>Non-Stationary Model Selected to Model Data</a:t>
             </a:r>
           </a:p>
         </p:txBody>
@@ -12184,7 +12337,7 @@
           <p:cNvPr id="9" name="Content Placeholder 8">
             <a:extLst>
               <a:ext uri="{FF2B5EF4-FFF2-40B4-BE49-F238E27FC236}">
-                <a16:creationId xmlns:a16="http://schemas.microsoft.com/office/drawing/2014/main" id="{A720640E-8DB2-4C3B-9C72-311D5357D3ED}"/>
+                <a16:creationId xmlns:a16="http://schemas.microsoft.com/office/drawing/2014/main" xmlns="" id="{61897D86-FAD5-46ED-9675-9F4D2E6D682A}"/>
               </a:ext>
             </a:extLst>
           </p:cNvPr>
@@ -12197,201 +12350,6 @@
         </p:nvSpPr>
         <p:spPr>
           <a:xfrm>
-            <a:off x="5082073" y="2904931"/>
-            <a:ext cx="3490451" cy="3701142"/>
-          </a:xfrm>
-        </p:spPr>
-        <p:txBody>
-          <a:bodyPr>
-            <a:normAutofit/>
-          </a:bodyPr>
-          <a:lstStyle/>
-          <a:p>
-            <a:r>
-              <a:rPr lang="en-US" sz="1400" dirty="0"/>
-              <a:t>Stocks were iteratively selected by running a linear model on each stock</a:t>
-            </a:r>
-          </a:p>
-          <a:p>
-            <a:r>
-              <a:rPr lang="en-US" sz="1400" dirty="0"/>
-              <a:t>Stocks between $5 - $50 per share and displayed spectral densities with peaks at zero and no additional peaks thereafter were selected </a:t>
-            </a:r>
-          </a:p>
-          <a:p>
-            <a:r>
-              <a:rPr lang="en-US" sz="1400" dirty="0"/>
-              <a:t>Additionally spectral densities with exponentially damping behavior allowed us to identify ideal stocks for signal-plus-noise </a:t>
-            </a:r>
-          </a:p>
-          <a:p>
-            <a:r>
-              <a:rPr lang="en-US" sz="1400" dirty="0"/>
-              <a:t>Features were created to capture the variation between open/close and high/low prices</a:t>
-            </a:r>
-          </a:p>
-          <a:p>
-            <a:endParaRPr lang="en-US" dirty="0"/>
-          </a:p>
-          <a:p>
-            <a:endParaRPr lang="en-US" dirty="0"/>
-          </a:p>
-        </p:txBody>
-      </p:sp>
-    </p:spTree>
-    <p:extLst>
-      <p:ext uri="{BB962C8B-B14F-4D97-AF65-F5344CB8AC3E}">
-        <p14:creationId xmlns:p14="http://schemas.microsoft.com/office/powerpoint/2010/main" val="1435943376"/>
-      </p:ext>
-    </p:extLst>
-  </p:cSld>
-  <p:clrMapOvr>
-    <a:masterClrMapping/>
-  </p:clrMapOvr>
-</p:sld>
-</file>
-
-<file path=ppt/slides/slide5.xml><?xml version="1.0" encoding="utf-8"?>
-<p:sld xmlns:a="http://schemas.openxmlformats.org/drawingml/2006/main" xmlns:r="http://schemas.openxmlformats.org/officeDocument/2006/relationships" xmlns:p="http://schemas.openxmlformats.org/presentationml/2006/main">
-  <p:cSld>
-    <p:spTree>
-      <p:nvGrpSpPr>
-        <p:cNvPr id="1" name=""/>
-        <p:cNvGrpSpPr/>
-        <p:nvPr/>
-      </p:nvGrpSpPr>
-      <p:grpSpPr>
-        <a:xfrm>
-          <a:off x="0" y="0"/>
-          <a:ext cx="0" cy="0"/>
-          <a:chOff x="0" y="0"/>
-          <a:chExt cx="0" cy="0"/>
-        </a:xfrm>
-      </p:grpSpPr>
-      <p:sp>
-        <p:nvSpPr>
-          <p:cNvPr id="2" name="Title 1">
-            <a:extLst>
-              <a:ext uri="{FF2B5EF4-FFF2-40B4-BE49-F238E27FC236}">
-                <a16:creationId xmlns:a16="http://schemas.microsoft.com/office/drawing/2014/main" id="{37F7B9A7-F1BA-40D8-AAD5-15C8D6C4F544}"/>
-              </a:ext>
-            </a:extLst>
-          </p:cNvPr>
-          <p:cNvSpPr>
-            <a:spLocks noGrp="1"/>
-          </p:cNvSpPr>
-          <p:nvPr>
-            <p:ph type="title"/>
-          </p:nvPr>
-        </p:nvSpPr>
-        <p:spPr/>
-        <p:txBody>
-          <a:bodyPr/>
-          <a:lstStyle/>
-          <a:p>
-            <a:r>
-              <a:rPr lang="en-US" dirty="0"/>
-              <a:t>Model Type and Properties</a:t>
-            </a:r>
-          </a:p>
-        </p:txBody>
-      </p:sp>
-      <p:sp>
-        <p:nvSpPr>
-          <p:cNvPr id="6" name="Text Placeholder 5">
-            <a:extLst>
-              <a:ext uri="{FF2B5EF4-FFF2-40B4-BE49-F238E27FC236}">
-                <a16:creationId xmlns:a16="http://schemas.microsoft.com/office/drawing/2014/main" id="{5EE670F9-63B2-4A30-82F1-A21CB25126C9}"/>
-              </a:ext>
-            </a:extLst>
-          </p:cNvPr>
-          <p:cNvSpPr>
-            <a:spLocks noGrp="1"/>
-          </p:cNvSpPr>
-          <p:nvPr>
-            <p:ph type="body" idx="1"/>
-          </p:nvPr>
-        </p:nvSpPr>
-        <p:spPr>
-          <a:xfrm>
-            <a:off x="420528" y="4017646"/>
-            <a:ext cx="3868340" cy="627697"/>
-          </a:xfrm>
-        </p:spPr>
-        <p:txBody>
-          <a:bodyPr anchor="t">
-            <a:noAutofit/>
-          </a:bodyPr>
-          <a:lstStyle/>
-          <a:p>
-            <a:r>
-              <a:rPr lang="en-US" sz="2000" dirty="0">
-                <a:solidFill>
-                  <a:srgbClr val="002060"/>
-                </a:solidFill>
-              </a:rPr>
-              <a:t>Original Data Spectral Density and ACF</a:t>
-            </a:r>
-          </a:p>
-        </p:txBody>
-      </p:sp>
-      <p:sp>
-        <p:nvSpPr>
-          <p:cNvPr id="8" name="Text Placeholder 7">
-            <a:extLst>
-              <a:ext uri="{FF2B5EF4-FFF2-40B4-BE49-F238E27FC236}">
-                <a16:creationId xmlns:a16="http://schemas.microsoft.com/office/drawing/2014/main" id="{00FCA8AF-A1AF-4C36-BBAB-977C4EC38E30}"/>
-              </a:ext>
-            </a:extLst>
-          </p:cNvPr>
-          <p:cNvSpPr>
-            <a:spLocks noGrp="1"/>
-          </p:cNvSpPr>
-          <p:nvPr>
-            <p:ph type="body" sz="quarter" idx="3"/>
-          </p:nvPr>
-        </p:nvSpPr>
-        <p:spPr>
-          <a:xfrm>
-            <a:off x="420528" y="1627347"/>
-            <a:ext cx="3887391" cy="627697"/>
-          </a:xfrm>
-        </p:spPr>
-        <p:txBody>
-          <a:bodyPr anchor="t">
-            <a:noAutofit/>
-          </a:bodyPr>
-          <a:lstStyle/>
-          <a:p>
-            <a:r>
-              <a:rPr lang="en-US" sz="2000" dirty="0">
-                <a:solidFill>
-                  <a:srgbClr val="002060"/>
-                </a:solidFill>
-              </a:rPr>
-              <a:t>Non-Stationary Model Selected to Model Data</a:t>
-            </a:r>
-          </a:p>
-        </p:txBody>
-      </p:sp>
-      <p:sp>
-        <p:nvSpPr>
-          <p:cNvPr id="9" name="Content Placeholder 8">
-            <a:extLst>
-              <a:ext uri="{FF2B5EF4-FFF2-40B4-BE49-F238E27FC236}">
-                <a16:creationId xmlns:a16="http://schemas.microsoft.com/office/drawing/2014/main" id="{61897D86-FAD5-46ED-9675-9F4D2E6D682A}"/>
-              </a:ext>
-            </a:extLst>
-          </p:cNvPr>
-          <p:cNvSpPr>
-            <a:spLocks noGrp="1"/>
-          </p:cNvSpPr>
-          <p:nvPr>
-            <p:ph sz="quarter" idx="4"/>
-          </p:nvPr>
-        </p:nvSpPr>
-        <p:spPr>
-          <a:xfrm>
             <a:off x="422910" y="2255044"/>
             <a:ext cx="3887391" cy="1316036"/>
           </a:xfrm>
@@ -12426,7 +12384,7 @@
           <p:cNvPr id="11" name="Content Placeholder 8">
             <a:extLst>
               <a:ext uri="{FF2B5EF4-FFF2-40B4-BE49-F238E27FC236}">
-                <a16:creationId xmlns:a16="http://schemas.microsoft.com/office/drawing/2014/main" id="{7012AC7F-52F1-4F2E-A16B-723F2EA1012D}"/>
+                <a16:creationId xmlns:a16="http://schemas.microsoft.com/office/drawing/2014/main" xmlns="" id="{7012AC7F-52F1-4F2E-A16B-723F2EA1012D}"/>
               </a:ext>
             </a:extLst>
           </p:cNvPr>
@@ -12643,7 +12601,7 @@
           <p:cNvPr id="12" name="Content Placeholder 9">
             <a:extLst>
               <a:ext uri="{FF2B5EF4-FFF2-40B4-BE49-F238E27FC236}">
-                <a16:creationId xmlns:a16="http://schemas.microsoft.com/office/drawing/2014/main" id="{6277675D-EF7A-4281-983A-993972F3D502}"/>
+                <a16:creationId xmlns:a16="http://schemas.microsoft.com/office/drawing/2014/main" xmlns="" id="{6277675D-EF7A-4281-983A-993972F3D502}"/>
               </a:ext>
             </a:extLst>
           </p:cNvPr>
@@ -12721,6 +12679,198 @@
 </p:sld>
 </file>
 
+<file path=ppt/slides/slide5.xml><?xml version="1.0" encoding="utf-8"?>
+<p:sld xmlns:a="http://schemas.openxmlformats.org/drawingml/2006/main" xmlns:r="http://schemas.openxmlformats.org/officeDocument/2006/relationships" xmlns:p="http://schemas.openxmlformats.org/presentationml/2006/main">
+  <p:cSld>
+    <p:spTree>
+      <p:nvGrpSpPr>
+        <p:cNvPr id="1" name=""/>
+        <p:cNvGrpSpPr/>
+        <p:nvPr/>
+      </p:nvGrpSpPr>
+      <p:grpSpPr>
+        <a:xfrm>
+          <a:off x="0" y="0"/>
+          <a:ext cx="0" cy="0"/>
+          <a:chOff x="0" y="0"/>
+          <a:chExt cx="0" cy="0"/>
+        </a:xfrm>
+      </p:grpSpPr>
+      <p:sp>
+        <p:nvSpPr>
+          <p:cNvPr id="5" name="Title 4">
+            <a:extLst>
+              <a:ext uri="{FF2B5EF4-FFF2-40B4-BE49-F238E27FC236}">
+                <a16:creationId xmlns:a16="http://schemas.microsoft.com/office/drawing/2014/main" xmlns="" id="{5BF6937D-FA03-419D-8AF1-687DA1ADB403}"/>
+              </a:ext>
+            </a:extLst>
+          </p:cNvPr>
+          <p:cNvSpPr>
+            <a:spLocks noGrp="1"/>
+          </p:cNvSpPr>
+          <p:nvPr>
+            <p:ph type="title"/>
+          </p:nvPr>
+        </p:nvSpPr>
+        <p:spPr/>
+        <p:txBody>
+          <a:bodyPr/>
+          <a:lstStyle/>
+          <a:p>
+            <a:r>
+              <a:rPr lang="en-US" dirty="0"/>
+              <a:t>About the Data: </a:t>
+            </a:r>
+            <a:r>
+              <a:rPr lang="en-US" dirty="0" smtClean="0"/>
+              <a:t>Feature Engineering</a:t>
+            </a:r>
+            <a:endParaRPr lang="en-US" dirty="0"/>
+          </a:p>
+        </p:txBody>
+      </p:sp>
+      <p:pic>
+        <p:nvPicPr>
+          <p:cNvPr id="11" name="Content Placeholder 10" descr="A close up of a map&#10;&#10;Description automatically generated">
+            <a:extLst>
+              <a:ext uri="{FF2B5EF4-FFF2-40B4-BE49-F238E27FC236}">
+                <a16:creationId xmlns:a16="http://schemas.microsoft.com/office/drawing/2014/main" xmlns="" id="{22C41C69-3208-4AC6-BE0A-4C3360370BB9}"/>
+              </a:ext>
+            </a:extLst>
+          </p:cNvPr>
+          <p:cNvPicPr>
+            <a:picLocks noGrp="1" noChangeAspect="1"/>
+          </p:cNvPicPr>
+          <p:nvPr>
+            <p:ph sz="half" idx="2"/>
+          </p:nvPr>
+        </p:nvPicPr>
+        <p:blipFill>
+          <a:blip r:embed="rId3"/>
+          <a:stretch>
+            <a:fillRect/>
+          </a:stretch>
+        </p:blipFill>
+        <p:spPr>
+          <a:xfrm>
+            <a:off x="325438" y="2380667"/>
+            <a:ext cx="4424741" cy="2844476"/>
+          </a:xfrm>
+        </p:spPr>
+      </p:pic>
+      <p:sp>
+        <p:nvSpPr>
+          <p:cNvPr id="8" name="Text Placeholder 7">
+            <a:extLst>
+              <a:ext uri="{FF2B5EF4-FFF2-40B4-BE49-F238E27FC236}">
+                <a16:creationId xmlns:a16="http://schemas.microsoft.com/office/drawing/2014/main" xmlns="" id="{0BA0A838-3481-43C2-8535-FA48BEA08A33}"/>
+              </a:ext>
+            </a:extLst>
+          </p:cNvPr>
+          <p:cNvSpPr>
+            <a:spLocks noGrp="1"/>
+          </p:cNvSpPr>
+          <p:nvPr>
+            <p:ph type="body" sz="quarter" idx="3"/>
+          </p:nvPr>
+        </p:nvSpPr>
+        <p:spPr>
+          <a:xfrm>
+            <a:off x="5082073" y="2340527"/>
+            <a:ext cx="3490451" cy="508421"/>
+          </a:xfrm>
+        </p:spPr>
+        <p:txBody>
+          <a:bodyPr>
+            <a:normAutofit fontScale="92500" lnSpcReduction="10000"/>
+          </a:bodyPr>
+          <a:lstStyle/>
+          <a:p>
+            <a:r>
+              <a:rPr lang="en-US" dirty="0">
+                <a:solidFill>
+                  <a:schemeClr val="accent1">
+                    <a:lumMod val="75000"/>
+                  </a:schemeClr>
+                </a:solidFill>
+              </a:rPr>
+              <a:t>Stock selection and feature engineering</a:t>
+            </a:r>
+          </a:p>
+        </p:txBody>
+      </p:sp>
+      <p:sp>
+        <p:nvSpPr>
+          <p:cNvPr id="9" name="Content Placeholder 8">
+            <a:extLst>
+              <a:ext uri="{FF2B5EF4-FFF2-40B4-BE49-F238E27FC236}">
+                <a16:creationId xmlns:a16="http://schemas.microsoft.com/office/drawing/2014/main" xmlns="" id="{A720640E-8DB2-4C3B-9C72-311D5357D3ED}"/>
+              </a:ext>
+            </a:extLst>
+          </p:cNvPr>
+          <p:cNvSpPr>
+            <a:spLocks noGrp="1"/>
+          </p:cNvSpPr>
+          <p:nvPr>
+            <p:ph sz="quarter" idx="4"/>
+          </p:nvPr>
+        </p:nvSpPr>
+        <p:spPr>
+          <a:xfrm>
+            <a:off x="5082073" y="2904931"/>
+            <a:ext cx="3490451" cy="3701142"/>
+          </a:xfrm>
+        </p:spPr>
+        <p:txBody>
+          <a:bodyPr>
+            <a:normAutofit/>
+          </a:bodyPr>
+          <a:lstStyle/>
+          <a:p>
+            <a:r>
+              <a:rPr lang="en-US" sz="1400" dirty="0"/>
+              <a:t>Stocks were iteratively selected by running a linear model on each stock</a:t>
+            </a:r>
+          </a:p>
+          <a:p>
+            <a:r>
+              <a:rPr lang="en-US" sz="1400" dirty="0"/>
+              <a:t>Stocks between $5 - $50 per share and displayed spectral densities with peaks at zero and no additional peaks thereafter were selected </a:t>
+            </a:r>
+          </a:p>
+          <a:p>
+            <a:r>
+              <a:rPr lang="en-US" sz="1400" dirty="0"/>
+              <a:t>Additionally spectral densities with exponentially damping behavior allowed us to identify ideal stocks for signal-plus-noise </a:t>
+            </a:r>
+          </a:p>
+          <a:p>
+            <a:r>
+              <a:rPr lang="en-US" sz="1400" dirty="0"/>
+              <a:t>Features were created to capture the variation between open/close and high/low prices</a:t>
+            </a:r>
+          </a:p>
+          <a:p>
+            <a:endParaRPr lang="en-US" dirty="0"/>
+          </a:p>
+          <a:p>
+            <a:endParaRPr lang="en-US" dirty="0"/>
+          </a:p>
+        </p:txBody>
+      </p:sp>
+    </p:spTree>
+    <p:extLst>
+      <p:ext uri="{BB962C8B-B14F-4D97-AF65-F5344CB8AC3E}">
+        <p14:creationId xmlns:p14="http://schemas.microsoft.com/office/powerpoint/2010/main" val="1435943376"/>
+      </p:ext>
+    </p:extLst>
+  </p:cSld>
+  <p:clrMapOvr>
+    <a:masterClrMapping/>
+  </p:clrMapOvr>
+</p:sld>
+</file>
+
 <file path=ppt/slides/slide6.xml><?xml version="1.0" encoding="utf-8"?>
 <p:sld xmlns:a="http://schemas.openxmlformats.org/drawingml/2006/main" xmlns:r="http://schemas.openxmlformats.org/officeDocument/2006/relationships" xmlns:p="http://schemas.openxmlformats.org/presentationml/2006/main">
   <p:cSld>
@@ -12743,7 +12893,7 @@
           <p:cNvPr id="2" name="TextBox 1">
             <a:extLst>
               <a:ext uri="{FF2B5EF4-FFF2-40B4-BE49-F238E27FC236}">
-                <a16:creationId xmlns:a16="http://schemas.microsoft.com/office/drawing/2014/main" id="{584A9720-2FA1-426A-8DF9-D2B539518DE2}"/>
+                <a16:creationId xmlns:a16="http://schemas.microsoft.com/office/drawing/2014/main" xmlns="" id="{584A9720-2FA1-426A-8DF9-D2B539518DE2}"/>
               </a:ext>
             </a:extLst>
           </p:cNvPr>
@@ -12792,7 +12942,7 @@
           <p:cNvPr id="3" name="Title 2">
             <a:extLst>
               <a:ext uri="{FF2B5EF4-FFF2-40B4-BE49-F238E27FC236}">
-                <a16:creationId xmlns:a16="http://schemas.microsoft.com/office/drawing/2014/main" id="{36B254F5-DC72-4562-8F86-48E0452A25E2}"/>
+                <a16:creationId xmlns:a16="http://schemas.microsoft.com/office/drawing/2014/main" xmlns="" id="{36B254F5-DC72-4562-8F86-48E0452A25E2}"/>
               </a:ext>
             </a:extLst>
           </p:cNvPr>
@@ -12820,7 +12970,7 @@
           <p:cNvPr id="5" name="Table 5">
             <a:extLst>
               <a:ext uri="{FF2B5EF4-FFF2-40B4-BE49-F238E27FC236}">
-                <a16:creationId xmlns:a16="http://schemas.microsoft.com/office/drawing/2014/main" id="{75094937-6840-486D-ABDC-E998BCE66510}"/>
+                <a16:creationId xmlns:a16="http://schemas.microsoft.com/office/drawing/2014/main" xmlns="" id="{75094937-6840-486D-ABDC-E998BCE66510}"/>
               </a:ext>
             </a:extLst>
           </p:cNvPr>
@@ -12850,42 +13000,42 @@
                 <a:gridCol w="1095375">
                   <a:extLst>
                     <a:ext uri="{9D8B030D-6E8A-4147-A177-3AD203B41FA5}">
-                      <a16:colId xmlns:a16="http://schemas.microsoft.com/office/drawing/2014/main" val="3685785100"/>
+                      <a16:colId xmlns:a16="http://schemas.microsoft.com/office/drawing/2014/main" xmlns="" val="3685785100"/>
                     </a:ext>
                   </a:extLst>
                 </a:gridCol>
                 <a:gridCol w="1095375">
                   <a:extLst>
                     <a:ext uri="{9D8B030D-6E8A-4147-A177-3AD203B41FA5}">
-                      <a16:colId xmlns:a16="http://schemas.microsoft.com/office/drawing/2014/main" val="3097926865"/>
+                      <a16:colId xmlns:a16="http://schemas.microsoft.com/office/drawing/2014/main" xmlns="" val="3097926865"/>
                     </a:ext>
                   </a:extLst>
                 </a:gridCol>
                 <a:gridCol w="1095375">
                   <a:extLst>
                     <a:ext uri="{9D8B030D-6E8A-4147-A177-3AD203B41FA5}">
-                      <a16:colId xmlns:a16="http://schemas.microsoft.com/office/drawing/2014/main" val="167857884"/>
+                      <a16:colId xmlns:a16="http://schemas.microsoft.com/office/drawing/2014/main" xmlns="" val="167857884"/>
                     </a:ext>
                   </a:extLst>
                 </a:gridCol>
                 <a:gridCol w="1095375">
                   <a:extLst>
                     <a:ext uri="{9D8B030D-6E8A-4147-A177-3AD203B41FA5}">
-                      <a16:colId xmlns:a16="http://schemas.microsoft.com/office/drawing/2014/main" val="1669204363"/>
+                      <a16:colId xmlns:a16="http://schemas.microsoft.com/office/drawing/2014/main" xmlns="" val="1669204363"/>
                     </a:ext>
                   </a:extLst>
                 </a:gridCol>
                 <a:gridCol w="1095375">
                   <a:extLst>
                     <a:ext uri="{9D8B030D-6E8A-4147-A177-3AD203B41FA5}">
-                      <a16:colId xmlns:a16="http://schemas.microsoft.com/office/drawing/2014/main" val="317295960"/>
+                      <a16:colId xmlns:a16="http://schemas.microsoft.com/office/drawing/2014/main" xmlns="" val="317295960"/>
                     </a:ext>
                   </a:extLst>
                 </a:gridCol>
                 <a:gridCol w="1095375">
                   <a:extLst>
                     <a:ext uri="{9D8B030D-6E8A-4147-A177-3AD203B41FA5}">
-                      <a16:colId xmlns:a16="http://schemas.microsoft.com/office/drawing/2014/main" val="725248695"/>
+                      <a16:colId xmlns:a16="http://schemas.microsoft.com/office/drawing/2014/main" xmlns="" val="725248695"/>
                     </a:ext>
                   </a:extLst>
                 </a:gridCol>
@@ -13218,7 +13368,7 @@
                 </a:tc>
                 <a:extLst>
                   <a:ext uri="{0D108BD9-81ED-4DB2-BD59-A6C34878D82A}">
-                    <a16:rowId xmlns:a16="http://schemas.microsoft.com/office/drawing/2014/main" val="3869851288"/>
+                    <a16:rowId xmlns:a16="http://schemas.microsoft.com/office/drawing/2014/main" xmlns="" val="3869851288"/>
                   </a:ext>
                 </a:extLst>
               </a:tr>
@@ -13459,7 +13609,7 @@
                 </a:tc>
                 <a:extLst>
                   <a:ext uri="{0D108BD9-81ED-4DB2-BD59-A6C34878D82A}">
-                    <a16:rowId xmlns:a16="http://schemas.microsoft.com/office/drawing/2014/main" val="126189764"/>
+                    <a16:rowId xmlns:a16="http://schemas.microsoft.com/office/drawing/2014/main" xmlns="" val="126189764"/>
                   </a:ext>
                 </a:extLst>
               </a:tr>
@@ -13697,7 +13847,7 @@
                 </a:tc>
                 <a:extLst>
                   <a:ext uri="{0D108BD9-81ED-4DB2-BD59-A6C34878D82A}">
-                    <a16:rowId xmlns:a16="http://schemas.microsoft.com/office/drawing/2014/main" val="2792022408"/>
+                    <a16:rowId xmlns:a16="http://schemas.microsoft.com/office/drawing/2014/main" xmlns="" val="2792022408"/>
                   </a:ext>
                 </a:extLst>
               </a:tr>
@@ -13712,7 +13862,7 @@
               <p:cNvPr id="6" name="TextBox 5">
                 <a:extLst>
                   <a:ext uri="{FF2B5EF4-FFF2-40B4-BE49-F238E27FC236}">
-                    <a16:creationId xmlns:a16="http://schemas.microsoft.com/office/drawing/2014/main" id="{585634ED-C959-465E-A787-E0213EFB73EE}"/>
+                    <a16:creationId xmlns:a16="http://schemas.microsoft.com/office/drawing/2014/main" xmlns="" id="{585634ED-C959-465E-A787-E0213EFB73EE}"/>
                   </a:ext>
                 </a:extLst>
               </p:cNvPr>
@@ -14041,7 +14191,7 @@
               <p:cNvPr id="4" name="Table 3">
                 <a:extLst>
                   <a:ext uri="{FF2B5EF4-FFF2-40B4-BE49-F238E27FC236}">
-                    <a16:creationId xmlns:a16="http://schemas.microsoft.com/office/drawing/2014/main" id="{DE5DE65D-ED75-4953-B4EB-9A373B52B563}"/>
+                    <a16:creationId xmlns:a16="http://schemas.microsoft.com/office/drawing/2014/main" xmlns="" id="{DE5DE65D-ED75-4953-B4EB-9A373B52B563}"/>
                   </a:ext>
                 </a:extLst>
               </p:cNvPr>
@@ -14070,28 +14220,28 @@
                     <a:gridCol w="1095375">
                       <a:extLst>
                         <a:ext uri="{9D8B030D-6E8A-4147-A177-3AD203B41FA5}">
-                          <a16:colId xmlns:a16="http://schemas.microsoft.com/office/drawing/2014/main" val="3532746544"/>
+                          <a16:colId xmlns:a16="http://schemas.microsoft.com/office/drawing/2014/main" xmlns="" val="3532746544"/>
                         </a:ext>
                       </a:extLst>
                     </a:gridCol>
                     <a:gridCol w="1095375">
                       <a:extLst>
                         <a:ext uri="{9D8B030D-6E8A-4147-A177-3AD203B41FA5}">
-                          <a16:colId xmlns:a16="http://schemas.microsoft.com/office/drawing/2014/main" val="1706727873"/>
+                          <a16:colId xmlns:a16="http://schemas.microsoft.com/office/drawing/2014/main" xmlns="" val="1706727873"/>
                         </a:ext>
                       </a:extLst>
                     </a:gridCol>
                     <a:gridCol w="1095375">
                       <a:extLst>
                         <a:ext uri="{9D8B030D-6E8A-4147-A177-3AD203B41FA5}">
-                          <a16:colId xmlns:a16="http://schemas.microsoft.com/office/drawing/2014/main" val="283886444"/>
+                          <a16:colId xmlns:a16="http://schemas.microsoft.com/office/drawing/2014/main" xmlns="" val="283886444"/>
                         </a:ext>
                       </a:extLst>
                     </a:gridCol>
                     <a:gridCol w="1095375">
                       <a:extLst>
                         <a:ext uri="{9D8B030D-6E8A-4147-A177-3AD203B41FA5}">
-                          <a16:colId xmlns:a16="http://schemas.microsoft.com/office/drawing/2014/main" val="2793513210"/>
+                          <a16:colId xmlns:a16="http://schemas.microsoft.com/office/drawing/2014/main" xmlns="" val="2793513210"/>
                         </a:ext>
                       </a:extLst>
                     </a:gridCol>
@@ -14337,7 +14487,7 @@
                     </a:tc>
                     <a:extLst>
                       <a:ext uri="{0D108BD9-81ED-4DB2-BD59-A6C34878D82A}">
-                        <a16:rowId xmlns:a16="http://schemas.microsoft.com/office/drawing/2014/main" val="3297947004"/>
+                        <a16:rowId xmlns:a16="http://schemas.microsoft.com/office/drawing/2014/main" xmlns="" val="3297947004"/>
                       </a:ext>
                     </a:extLst>
                   </a:tr>
@@ -14523,7 +14673,7 @@
                     </a:tc>
                     <a:extLst>
                       <a:ext uri="{0D108BD9-81ED-4DB2-BD59-A6C34878D82A}">
-                        <a16:rowId xmlns:a16="http://schemas.microsoft.com/office/drawing/2014/main" val="3981636073"/>
+                        <a16:rowId xmlns:a16="http://schemas.microsoft.com/office/drawing/2014/main" xmlns="" val="3981636073"/>
                       </a:ext>
                     </a:extLst>
                   </a:tr>
@@ -14985,7 +15135,7 @@
           <p:cNvPr id="7" name="TextBox 6">
             <a:extLst>
               <a:ext uri="{FF2B5EF4-FFF2-40B4-BE49-F238E27FC236}">
-                <a16:creationId xmlns:a16="http://schemas.microsoft.com/office/drawing/2014/main" id="{2017A40A-F694-4351-9700-FAD367AF0898}"/>
+                <a16:creationId xmlns:a16="http://schemas.microsoft.com/office/drawing/2014/main" xmlns="" id="{2017A40A-F694-4351-9700-FAD367AF0898}"/>
               </a:ext>
             </a:extLst>
           </p:cNvPr>
@@ -15026,7 +15176,7 @@
           <p:cNvPr id="8" name="TextBox 7">
             <a:extLst>
               <a:ext uri="{FF2B5EF4-FFF2-40B4-BE49-F238E27FC236}">
-                <a16:creationId xmlns:a16="http://schemas.microsoft.com/office/drawing/2014/main" id="{935386F3-1344-4E54-AA4E-7B9A61B64E89}"/>
+                <a16:creationId xmlns:a16="http://schemas.microsoft.com/office/drawing/2014/main" xmlns="" id="{935386F3-1344-4E54-AA4E-7B9A61B64E89}"/>
               </a:ext>
             </a:extLst>
           </p:cNvPr>
@@ -15105,7 +15255,7 @@
           <p:cNvPr id="7" name="Title 6">
             <a:extLst>
               <a:ext uri="{FF2B5EF4-FFF2-40B4-BE49-F238E27FC236}">
-                <a16:creationId xmlns:a16="http://schemas.microsoft.com/office/drawing/2014/main" id="{580966E0-B910-493A-A936-DE1F47F53A14}"/>
+                <a16:creationId xmlns:a16="http://schemas.microsoft.com/office/drawing/2014/main" xmlns="" id="{580966E0-B910-493A-A936-DE1F47F53A14}"/>
               </a:ext>
             </a:extLst>
           </p:cNvPr>
@@ -15133,7 +15283,7 @@
           <p:cNvPr id="8" name="Text Placeholder 7">
             <a:extLst>
               <a:ext uri="{FF2B5EF4-FFF2-40B4-BE49-F238E27FC236}">
-                <a16:creationId xmlns:a16="http://schemas.microsoft.com/office/drawing/2014/main" id="{112BCD89-A140-49A7-BABD-61C56AFABDE6}"/>
+                <a16:creationId xmlns:a16="http://schemas.microsoft.com/office/drawing/2014/main" xmlns="" id="{112BCD89-A140-49A7-BABD-61C56AFABDE6}"/>
               </a:ext>
             </a:extLst>
           </p:cNvPr>
@@ -15174,7 +15324,7 @@
           <p:cNvPr id="13" name="Content Placeholder 12">
             <a:extLst>
               <a:ext uri="{FF2B5EF4-FFF2-40B4-BE49-F238E27FC236}">
-                <a16:creationId xmlns:a16="http://schemas.microsoft.com/office/drawing/2014/main" id="{C2C72000-A3ED-4D15-A859-94E8C2581C45}"/>
+                <a16:creationId xmlns:a16="http://schemas.microsoft.com/office/drawing/2014/main" xmlns="" id="{C2C72000-A3ED-4D15-A859-94E8C2581C45}"/>
               </a:ext>
             </a:extLst>
           </p:cNvPr>
@@ -15203,7 +15353,7 @@
           <p:cNvPr id="10" name="Text Placeholder 9">
             <a:extLst>
               <a:ext uri="{FF2B5EF4-FFF2-40B4-BE49-F238E27FC236}">
-                <a16:creationId xmlns:a16="http://schemas.microsoft.com/office/drawing/2014/main" id="{9EF8D5B9-3480-41D9-8A49-67AA2934B4F5}"/>
+                <a16:creationId xmlns:a16="http://schemas.microsoft.com/office/drawing/2014/main" xmlns="" id="{9EF8D5B9-3480-41D9-8A49-67AA2934B4F5}"/>
               </a:ext>
             </a:extLst>
           </p:cNvPr>
@@ -15222,7 +15372,7 @@
         </p:spPr>
         <p:txBody>
           <a:bodyPr>
-            <a:normAutofit fontScale="92500" lnSpcReduction="20000"/>
+            <a:normAutofit/>
           </a:bodyPr>
           <a:lstStyle/>
           <a:p>
@@ -15244,7 +15394,7 @@
           <p:cNvPr id="14" name="Text Placeholder 7">
             <a:extLst>
               <a:ext uri="{FF2B5EF4-FFF2-40B4-BE49-F238E27FC236}">
-                <a16:creationId xmlns:a16="http://schemas.microsoft.com/office/drawing/2014/main" id="{F6F9ABAA-7BD1-468A-96C3-D4FE556ABF71}"/>
+                <a16:creationId xmlns:a16="http://schemas.microsoft.com/office/drawing/2014/main" xmlns="" id="{F6F9ABAA-7BD1-468A-96C3-D4FE556ABF71}"/>
               </a:ext>
             </a:extLst>
           </p:cNvPr>
@@ -15449,7 +15599,7 @@
           <p:cNvPr id="21" name="Content Placeholder 20">
             <a:extLst>
               <a:ext uri="{FF2B5EF4-FFF2-40B4-BE49-F238E27FC236}">
-                <a16:creationId xmlns:a16="http://schemas.microsoft.com/office/drawing/2014/main" id="{837E7C69-9A77-4899-8F4B-00A299DFD7A2}"/>
+                <a16:creationId xmlns:a16="http://schemas.microsoft.com/office/drawing/2014/main" xmlns="" id="{837E7C69-9A77-4899-8F4B-00A299DFD7A2}"/>
               </a:ext>
             </a:extLst>
           </p:cNvPr>
@@ -15478,7 +15628,7 @@
           <p:cNvPr id="19" name="Content Placeholder 15">
             <a:extLst>
               <a:ext uri="{FF2B5EF4-FFF2-40B4-BE49-F238E27FC236}">
-                <a16:creationId xmlns:a16="http://schemas.microsoft.com/office/drawing/2014/main" id="{CDC1CF03-2E72-4079-AA5F-9269161319ED}"/>
+                <a16:creationId xmlns:a16="http://schemas.microsoft.com/office/drawing/2014/main" xmlns="" id="{CDC1CF03-2E72-4079-AA5F-9269161319ED}"/>
               </a:ext>
             </a:extLst>
           </p:cNvPr>
@@ -15508,7 +15658,7 @@
           <p:cNvPr id="23" name="Text Placeholder 9">
             <a:extLst>
               <a:ext uri="{FF2B5EF4-FFF2-40B4-BE49-F238E27FC236}">
-                <a16:creationId xmlns:a16="http://schemas.microsoft.com/office/drawing/2014/main" id="{D7BAA25A-D92F-49E1-B9BB-F3B42E9B9296}"/>
+                <a16:creationId xmlns:a16="http://schemas.microsoft.com/office/drawing/2014/main" xmlns="" id="{D7BAA25A-D92F-49E1-B9BB-F3B42E9B9296}"/>
               </a:ext>
             </a:extLst>
           </p:cNvPr>
@@ -15713,7 +15863,7 @@
           <p:cNvPr id="25" name="Picture 24">
             <a:extLst>
               <a:ext uri="{FF2B5EF4-FFF2-40B4-BE49-F238E27FC236}">
-                <a16:creationId xmlns:a16="http://schemas.microsoft.com/office/drawing/2014/main" id="{89E36B51-A543-4471-96D1-23296493FA13}"/>
+                <a16:creationId xmlns:a16="http://schemas.microsoft.com/office/drawing/2014/main" xmlns="" id="{89E36B51-A543-4471-96D1-23296493FA13}"/>
               </a:ext>
             </a:extLst>
           </p:cNvPr>
@@ -15781,7 +15931,7 @@
           <p:cNvPr id="3" name="Title 2">
             <a:extLst>
               <a:ext uri="{FF2B5EF4-FFF2-40B4-BE49-F238E27FC236}">
-                <a16:creationId xmlns:a16="http://schemas.microsoft.com/office/drawing/2014/main" id="{36B254F5-DC72-4562-8F86-48E0452A25E2}"/>
+                <a16:creationId xmlns:a16="http://schemas.microsoft.com/office/drawing/2014/main" xmlns="" id="{36B254F5-DC72-4562-8F86-48E0452A25E2}"/>
               </a:ext>
             </a:extLst>
           </p:cNvPr>
@@ -15809,7 +15959,7 @@
           <p:cNvPr id="20" name="Content Placeholder 19">
             <a:extLst>
               <a:ext uri="{FF2B5EF4-FFF2-40B4-BE49-F238E27FC236}">
-                <a16:creationId xmlns:a16="http://schemas.microsoft.com/office/drawing/2014/main" id="{E065D22F-007B-48A2-9B18-6FB4A54268BF}"/>
+                <a16:creationId xmlns:a16="http://schemas.microsoft.com/office/drawing/2014/main" xmlns="" id="{E065D22F-007B-48A2-9B18-6FB4A54268BF}"/>
               </a:ext>
             </a:extLst>
           </p:cNvPr>
@@ -15840,7 +15990,7 @@
               <p:cNvPr id="5" name="TextBox 4">
                 <a:extLst>
                   <a:ext uri="{FF2B5EF4-FFF2-40B4-BE49-F238E27FC236}">
-                    <a16:creationId xmlns:a16="http://schemas.microsoft.com/office/drawing/2014/main" id="{3474689A-2492-4977-8D08-62ECC552B6BC}"/>
+                    <a16:creationId xmlns:a16="http://schemas.microsoft.com/office/drawing/2014/main" xmlns="" id="{3474689A-2492-4977-8D08-62ECC552B6BC}"/>
                   </a:ext>
                 </a:extLst>
               </p:cNvPr>
@@ -16369,7 +16519,7 @@
           <p:cNvPr id="14" name="TextBox 13">
             <a:extLst>
               <a:ext uri="{FF2B5EF4-FFF2-40B4-BE49-F238E27FC236}">
-                <a16:creationId xmlns:a16="http://schemas.microsoft.com/office/drawing/2014/main" id="{870606B8-C12F-46AF-B9D8-9AF1EC6A42FD}"/>
+                <a16:creationId xmlns:a16="http://schemas.microsoft.com/office/drawing/2014/main" xmlns="" id="{870606B8-C12F-46AF-B9D8-9AF1EC6A42FD}"/>
               </a:ext>
             </a:extLst>
           </p:cNvPr>
@@ -16410,7 +16560,7 @@
           <p:cNvPr id="15" name="Content Placeholder 12">
             <a:extLst>
               <a:ext uri="{FF2B5EF4-FFF2-40B4-BE49-F238E27FC236}">
-                <a16:creationId xmlns:a16="http://schemas.microsoft.com/office/drawing/2014/main" id="{1CBC9CB4-64C3-46E6-988A-CBB4DD9966E0}"/>
+                <a16:creationId xmlns:a16="http://schemas.microsoft.com/office/drawing/2014/main" xmlns="" id="{1CBC9CB4-64C3-46E6-988A-CBB4DD9966E0}"/>
               </a:ext>
             </a:extLst>
           </p:cNvPr>
@@ -16440,7 +16590,7 @@
           <p:cNvPr id="16" name="TextBox 15">
             <a:extLst>
               <a:ext uri="{FF2B5EF4-FFF2-40B4-BE49-F238E27FC236}">
-                <a16:creationId xmlns:a16="http://schemas.microsoft.com/office/drawing/2014/main" id="{DA2B0F70-4708-4915-8448-AB68922AE50F}"/>
+                <a16:creationId xmlns:a16="http://schemas.microsoft.com/office/drawing/2014/main" xmlns="" id="{DA2B0F70-4708-4915-8448-AB68922AE50F}"/>
               </a:ext>
             </a:extLst>
           </p:cNvPr>
@@ -16481,7 +16631,7 @@
           <p:cNvPr id="21" name="TextBox 20">
             <a:extLst>
               <a:ext uri="{FF2B5EF4-FFF2-40B4-BE49-F238E27FC236}">
-                <a16:creationId xmlns:a16="http://schemas.microsoft.com/office/drawing/2014/main" id="{65B5E23A-65E7-4D94-B82E-5BAD8308D2E6}"/>
+                <a16:creationId xmlns:a16="http://schemas.microsoft.com/office/drawing/2014/main" xmlns="" id="{65B5E23A-65E7-4D94-B82E-5BAD8308D2E6}"/>
               </a:ext>
             </a:extLst>
           </p:cNvPr>
@@ -16522,7 +16672,7 @@
           <p:cNvPr id="23" name="Picture 22">
             <a:extLst>
               <a:ext uri="{FF2B5EF4-FFF2-40B4-BE49-F238E27FC236}">
-                <a16:creationId xmlns:a16="http://schemas.microsoft.com/office/drawing/2014/main" id="{E28582D7-57A5-4804-B589-134CA17D7A9E}"/>
+                <a16:creationId xmlns:a16="http://schemas.microsoft.com/office/drawing/2014/main" xmlns="" id="{E28582D7-57A5-4804-B589-134CA17D7A9E}"/>
               </a:ext>
             </a:extLst>
           </p:cNvPr>
@@ -16590,7 +16740,7 @@
           <p:cNvPr id="2" name="Title 1">
             <a:extLst>
               <a:ext uri="{FF2B5EF4-FFF2-40B4-BE49-F238E27FC236}">
-                <a16:creationId xmlns:a16="http://schemas.microsoft.com/office/drawing/2014/main" id="{D30D722C-C335-4C3D-899D-9CE0DC96BA4A}"/>
+                <a16:creationId xmlns:a16="http://schemas.microsoft.com/office/drawing/2014/main" xmlns="" id="{D30D722C-C335-4C3D-899D-9CE0DC96BA4A}"/>
               </a:ext>
             </a:extLst>
           </p:cNvPr>
@@ -16618,7 +16768,7 @@
           <p:cNvPr id="4" name="Content Placeholder 3">
             <a:extLst>
               <a:ext uri="{FF2B5EF4-FFF2-40B4-BE49-F238E27FC236}">
-                <a16:creationId xmlns:a16="http://schemas.microsoft.com/office/drawing/2014/main" id="{53B88FCD-A9E3-44A6-89F1-F8C4350B1344}"/>
+                <a16:creationId xmlns:a16="http://schemas.microsoft.com/office/drawing/2014/main" xmlns="" id="{53B88FCD-A9E3-44A6-89F1-F8C4350B1344}"/>
               </a:ext>
             </a:extLst>
           </p:cNvPr>
@@ -16676,7 +16826,7 @@
           <p:cNvPr id="5" name="Content Placeholder 4">
             <a:extLst>
               <a:ext uri="{FF2B5EF4-FFF2-40B4-BE49-F238E27FC236}">
-                <a16:creationId xmlns:a16="http://schemas.microsoft.com/office/drawing/2014/main" id="{ECA3F5A7-3262-493C-B9DD-84FAF6147F93}"/>
+                <a16:creationId xmlns:a16="http://schemas.microsoft.com/office/drawing/2014/main" xmlns="" id="{ECA3F5A7-3262-493C-B9DD-84FAF6147F93}"/>
               </a:ext>
             </a:extLst>
           </p:cNvPr>
@@ -16708,7 +16858,7 @@
           <p:cNvPr id="6" name="Oval 5">
             <a:extLst>
               <a:ext uri="{FF2B5EF4-FFF2-40B4-BE49-F238E27FC236}">
-                <a16:creationId xmlns:a16="http://schemas.microsoft.com/office/drawing/2014/main" id="{20A7F5F2-D7DB-4E2A-B9EE-EC6FE2C3A61D}"/>
+                <a16:creationId xmlns:a16="http://schemas.microsoft.com/office/drawing/2014/main" xmlns="" id="{20A7F5F2-D7DB-4E2A-B9EE-EC6FE2C3A61D}"/>
               </a:ext>
             </a:extLst>
           </p:cNvPr>
@@ -16761,7 +16911,7 @@
           <p:cNvPr id="7" name="TextBox 6">
             <a:extLst>
               <a:ext uri="{FF2B5EF4-FFF2-40B4-BE49-F238E27FC236}">
-                <a16:creationId xmlns:a16="http://schemas.microsoft.com/office/drawing/2014/main" id="{30D6E96C-0B81-4BD1-B85E-EAD1A1CFC245}"/>
+                <a16:creationId xmlns:a16="http://schemas.microsoft.com/office/drawing/2014/main" xmlns="" id="{30D6E96C-0B81-4BD1-B85E-EAD1A1CFC245}"/>
               </a:ext>
             </a:extLst>
           </p:cNvPr>

--- a/FinalPresentation.pptx
+++ b/FinalPresentation.pptx
@@ -6,7 +6,7 @@
     <p:sldMasterId id="2147483683" r:id="rId2"/>
   </p:sldMasterIdLst>
   <p:notesMasterIdLst>
-    <p:notesMasterId r:id="rId18"/>
+    <p:notesMasterId r:id="rId19"/>
   </p:notesMasterIdLst>
   <p:sldIdLst>
     <p:sldId id="580" r:id="rId3"/>
@@ -24,6 +24,7 @@
     <p:sldId id="616" r:id="rId15"/>
     <p:sldId id="619" r:id="rId16"/>
     <p:sldId id="620" r:id="rId17"/>
+    <p:sldId id="622" r:id="rId18"/>
   </p:sldIdLst>
   <p:sldSz cx="9144000" cy="6858000" type="screen4x3"/>
   <p:notesSz cx="6858000" cy="9144000"/>
@@ -675,30 +676,70 @@
           <a:bodyPr/>
           <a:lstStyle/>
           <a:p>
+            <a:pPr marL="0" indent="0">
+              <a:buFont typeface="Arial" panose="020B0604020202020204" pitchFamily="34" charset="0"/>
+              <a:buNone/>
+            </a:pPr>
             <a:r>
               <a:rPr lang="en-US" dirty="0"/>
-              <a:t>Our Multi-layered perceptron model contains:</a:t>
-            </a:r>
-          </a:p>
-          <a:p>
+              <a:t>A multi-layered perceptron model was also created</a:t>
+            </a:r>
+          </a:p>
+          <a:p>
+            <a:pPr marL="171450" indent="-171450">
+              <a:buFont typeface="Arial" panose="020B0604020202020204" pitchFamily="34" charset="0"/>
+              <a:buChar char="•"/>
+            </a:pPr>
             <a:r>
               <a:rPr lang="en-US" dirty="0"/>
-              <a:t>- 4 regressors (time, volume, </a:t>
-            </a:r>
-            <a:r>
-              <a:rPr lang="en-US" dirty="0" err="1"/>
-              <a:t>hilo</a:t>
-            </a:r>
+              <a:t>This model operates using a “feedforward” artificial neural network to pass forward information from the input nodes into a hidden layer of nodes that perform logical activation functions before processing into the output node. </a:t>
+            </a:r>
+          </a:p>
+          <a:p>
+            <a:pPr marL="171450" indent="-171450">
+              <a:buFont typeface="Arial" panose="020B0604020202020204" pitchFamily="34" charset="0"/>
+              <a:buChar char="•"/>
+            </a:pPr>
             <a:r>
               <a:rPr lang="en-US" dirty="0"/>
-              <a:t>, open/close) in blue</a:t>
-            </a:r>
-          </a:p>
-          <a:p>
+              <a:t>When adding additional predictors to the multivariate models, forecasts converge less toward the long-run mean and more toward the behavior of the realization itself. </a:t>
+            </a:r>
+          </a:p>
+          <a:p>
+            <a:pPr marL="171450" indent="-171450">
+              <a:buFont typeface="Arial" panose="020B0604020202020204" pitchFamily="34" charset="0"/>
+              <a:buChar char="•"/>
+            </a:pPr>
             <a:r>
               <a:rPr lang="en-US" dirty="0"/>
-              <a:t>- 2 lags in grey</a:t>
-            </a:r>
+              <a:t>With this said, the addition of further predictor variables - such as those through NLP of market sentiment analysis - can aid in stabilizing useful multivariate models.</a:t>
+            </a:r>
+          </a:p>
+          <a:p>
+            <a:pPr marL="0" marR="0" lvl="0" indent="0" algn="l" defTabSz="914400" rtl="0" eaLnBrk="1" fontAlgn="auto" latinLnBrk="0" hangingPunct="1">
+              <a:lnSpc>
+                <a:spcPct val="100000"/>
+              </a:lnSpc>
+              <a:spcBef>
+                <a:spcPts val="0"/>
+              </a:spcBef>
+              <a:spcAft>
+                <a:spcPts val="0"/>
+              </a:spcAft>
+              <a:buClrTx/>
+              <a:buSzTx/>
+              <a:buFontTx/>
+              <a:buNone/>
+              <a:tabLst/>
+              <a:defRPr/>
+            </a:pPr>
+            <a:endParaRPr lang="en-US" b="1" dirty="0"/>
+          </a:p>
+          <a:p>
+            <a:endParaRPr lang="en-US" dirty="0"/>
+          </a:p>
+          <a:p>
+            <a:endParaRPr lang="en-US" dirty="0"/>
           </a:p>
           <a:p>
             <a:endParaRPr lang="en-US" dirty="0"/>
@@ -785,30 +826,159 @@
           <a:bodyPr/>
           <a:lstStyle/>
           <a:p>
-            <a:r>
-              <a:rPr lang="en-US" dirty="0"/>
-              <a:t>This model combines our top two models</a:t>
-            </a:r>
-          </a:p>
-          <a:p>
-            <a:pPr marL="171450" indent="-171450">
-              <a:buFontTx/>
-              <a:buChar char="-"/>
+            <a:pPr marL="171450" marR="0" lvl="0" indent="-171450" algn="l" defTabSz="914400" rtl="0" eaLnBrk="1" fontAlgn="auto" latinLnBrk="0" hangingPunct="1">
+              <a:lnSpc>
+                <a:spcPct val="100000"/>
+              </a:lnSpc>
+              <a:spcBef>
+                <a:spcPts val="0"/>
+              </a:spcBef>
+              <a:spcAft>
+                <a:spcPts val="0"/>
+              </a:spcAft>
+              <a:buClrTx/>
+              <a:buSzTx/>
+              <a:buFont typeface="Arial" panose="020B0604020202020204" pitchFamily="34" charset="0"/>
+              <a:buChar char="•"/>
+              <a:tabLst/>
+              <a:defRPr/>
             </a:pPr>
             <a:r>
-              <a:rPr lang="en-US" dirty="0"/>
-              <a:t>The performance is slightly better than out Signal + Noise,</a:t>
-            </a:r>
-          </a:p>
-          <a:p>
-            <a:pPr marL="171450" indent="-171450">
-              <a:buFontTx/>
-              <a:buChar char="-"/>
+              <a:rPr lang="en-US" b="1" dirty="0">
+                <a:highlight>
+                  <a:srgbClr val="FFFF00"/>
+                </a:highlight>
+              </a:rPr>
+              <a:t>The ensemble model combined forecasts of the univariate Signal-Plus-Noise and the multivariate MLP model</a:t>
+            </a:r>
+          </a:p>
+          <a:p>
+            <a:pPr marL="171450" marR="0" lvl="0" indent="-171450" algn="l" defTabSz="914400" rtl="0" eaLnBrk="1" fontAlgn="auto" latinLnBrk="0" hangingPunct="1">
+              <a:lnSpc>
+                <a:spcPct val="100000"/>
+              </a:lnSpc>
+              <a:spcBef>
+                <a:spcPts val="0"/>
+              </a:spcBef>
+              <a:spcAft>
+                <a:spcPts val="0"/>
+              </a:spcAft>
+              <a:buClrTx/>
+              <a:buSzTx/>
+              <a:buFont typeface="Arial" panose="020B0604020202020204" pitchFamily="34" charset="0"/>
+              <a:buChar char="•"/>
+              <a:tabLst/>
+              <a:defRPr/>
             </a:pPr>
             <a:r>
-              <a:rPr lang="en-US" dirty="0"/>
-              <a:t>NN alone however still preforms best</a:t>
-            </a:r>
+              <a:rPr lang="en-US" b="1" dirty="0">
+                <a:highlight>
+                  <a:srgbClr val="FFFF00"/>
+                </a:highlight>
+              </a:rPr>
+              <a:t>Forecasts from both models were averaged to provide an ASE statistic to measure model performance</a:t>
+            </a:r>
+          </a:p>
+          <a:p>
+            <a:pPr marL="171450" marR="0" lvl="0" indent="-171450" algn="l" defTabSz="914400" rtl="0" eaLnBrk="1" fontAlgn="auto" latinLnBrk="0" hangingPunct="1">
+              <a:lnSpc>
+                <a:spcPct val="100000"/>
+              </a:lnSpc>
+              <a:spcBef>
+                <a:spcPts val="0"/>
+              </a:spcBef>
+              <a:spcAft>
+                <a:spcPts val="0"/>
+              </a:spcAft>
+              <a:buClrTx/>
+              <a:buSzTx/>
+              <a:buFont typeface="Arial" panose="020B0604020202020204" pitchFamily="34" charset="0"/>
+              <a:buChar char="•"/>
+              <a:tabLst/>
+              <a:defRPr/>
+            </a:pPr>
+            <a:r>
+              <a:rPr lang="en-US" b="1" dirty="0">
+                <a:highlight>
+                  <a:srgbClr val="FFFF00"/>
+                </a:highlight>
+              </a:rPr>
+              <a:t>This model guards against overfitting by using the univariate model to “temper” the multivariate model</a:t>
+            </a:r>
+          </a:p>
+          <a:p>
+            <a:pPr marL="628650" marR="0" lvl="1" indent="-171450" algn="l" defTabSz="914400" rtl="0" eaLnBrk="1" fontAlgn="auto" latinLnBrk="0" hangingPunct="1">
+              <a:lnSpc>
+                <a:spcPct val="100000"/>
+              </a:lnSpc>
+              <a:spcBef>
+                <a:spcPts val="0"/>
+              </a:spcBef>
+              <a:spcAft>
+                <a:spcPts val="0"/>
+              </a:spcAft>
+              <a:buClrTx/>
+              <a:buSzTx/>
+              <a:buFont typeface="Arial" panose="020B0604020202020204" pitchFamily="34" charset="0"/>
+              <a:buChar char="•"/>
+              <a:tabLst/>
+              <a:defRPr/>
+            </a:pPr>
+            <a:r>
+              <a:rPr lang="en-US" b="1" dirty="0">
+                <a:highlight>
+                  <a:srgbClr val="FFFF00"/>
+                </a:highlight>
+              </a:rPr>
+              <a:t>Additions of more variables to a multivariate model may lead to over fitting</a:t>
+            </a:r>
+          </a:p>
+          <a:p>
+            <a:pPr marL="628650" marR="0" lvl="1" indent="-171450" algn="l" defTabSz="914400" rtl="0" eaLnBrk="1" fontAlgn="auto" latinLnBrk="0" hangingPunct="1">
+              <a:lnSpc>
+                <a:spcPct val="100000"/>
+              </a:lnSpc>
+              <a:spcBef>
+                <a:spcPts val="0"/>
+              </a:spcBef>
+              <a:spcAft>
+                <a:spcPts val="0"/>
+              </a:spcAft>
+              <a:buClrTx/>
+              <a:buSzTx/>
+              <a:buFont typeface="Arial" panose="020B0604020202020204" pitchFamily="34" charset="0"/>
+              <a:buChar char="•"/>
+              <a:tabLst/>
+              <a:defRPr/>
+            </a:pPr>
+            <a:r>
+              <a:rPr lang="en-US" b="1" dirty="0">
+                <a:highlight>
+                  <a:srgbClr val="FFFF00"/>
+                </a:highlight>
+              </a:rPr>
+              <a:t>By creating an ensemble model with a univariate model, essential trends in the data are retained and help anchor the multivariate model</a:t>
+            </a:r>
+          </a:p>
+          <a:p>
+            <a:pPr marL="171450" marR="0" lvl="0" indent="-171450" algn="l" defTabSz="914400" rtl="0" eaLnBrk="1" fontAlgn="auto" latinLnBrk="0" hangingPunct="1">
+              <a:lnSpc>
+                <a:spcPct val="100000"/>
+              </a:lnSpc>
+              <a:spcBef>
+                <a:spcPts val="0"/>
+              </a:spcBef>
+              <a:spcAft>
+                <a:spcPts val="0"/>
+              </a:spcAft>
+              <a:buClrTx/>
+              <a:buSzTx/>
+              <a:buFont typeface="Arial" panose="020B0604020202020204" pitchFamily="34" charset="0"/>
+              <a:buChar char="•"/>
+              <a:tabLst/>
+              <a:defRPr/>
+            </a:pPr>
+            <a:endParaRPr lang="en-US" dirty="0"/>
           </a:p>
         </p:txBody>
       </p:sp>
@@ -892,66 +1062,196 @@
           <a:bodyPr/>
           <a:lstStyle/>
           <a:p>
-            <a:r>
-              <a:rPr lang="en-US" dirty="0"/>
-              <a:t>The multi-layer perceptron preformed the best followed by</a:t>
-            </a:r>
-          </a:p>
-          <a:p>
-            <a:pPr marL="171450" indent="-171450">
-              <a:buFontTx/>
-              <a:buChar char="-"/>
+            <a:pPr marL="0" marR="0" lvl="0" indent="0" algn="l" defTabSz="914400" rtl="0" eaLnBrk="1" fontAlgn="auto" latinLnBrk="0" hangingPunct="1">
+              <a:lnSpc>
+                <a:spcPct val="100000"/>
+              </a:lnSpc>
+              <a:spcBef>
+                <a:spcPts val="0"/>
+              </a:spcBef>
+              <a:spcAft>
+                <a:spcPts val="0"/>
+              </a:spcAft>
+              <a:buClrTx/>
+              <a:buSzTx/>
+              <a:buFont typeface="Arial" panose="020B0604020202020204" pitchFamily="34" charset="0"/>
+              <a:buNone/>
+              <a:tabLst/>
+              <a:defRPr/>
             </a:pPr>
             <a:r>
-              <a:rPr lang="en-US" dirty="0"/>
-              <a:t>Signal + Noise</a:t>
-            </a:r>
-          </a:p>
-          <a:p>
-            <a:pPr marL="171450" indent="-171450">
-              <a:buFontTx/>
-              <a:buChar char="-"/>
+              <a:rPr lang="en-US" b="1" dirty="0">
+                <a:highlight>
+                  <a:srgbClr val="FFFF00"/>
+                </a:highlight>
+              </a:rPr>
+              <a:t>Lets take a look at how our models preformed:</a:t>
+            </a:r>
+          </a:p>
+          <a:p>
+            <a:pPr marL="171450" marR="0" lvl="0" indent="-171450" algn="l" defTabSz="914400" rtl="0" eaLnBrk="1" fontAlgn="auto" latinLnBrk="0" hangingPunct="1">
+              <a:lnSpc>
+                <a:spcPct val="100000"/>
+              </a:lnSpc>
+              <a:spcBef>
+                <a:spcPts val="0"/>
+              </a:spcBef>
+              <a:spcAft>
+                <a:spcPts val="0"/>
+              </a:spcAft>
+              <a:buClrTx/>
+              <a:buSzTx/>
+              <a:buFont typeface="Arial" panose="020B0604020202020204" pitchFamily="34" charset="0"/>
+              <a:buChar char="•"/>
+              <a:tabLst/>
+              <a:defRPr/>
             </a:pPr>
             <a:r>
-              <a:rPr lang="en-US" dirty="0" smtClean="0"/>
-              <a:t>Ensemble</a:t>
-            </a:r>
+              <a:rPr lang="en-US" b="1" dirty="0">
+                <a:highlight>
+                  <a:srgbClr val="FFFF00"/>
+                </a:highlight>
+              </a:rPr>
+              <a:t>Our multivariate models include the VAR and MLP models</a:t>
+            </a:r>
+          </a:p>
+          <a:p>
+            <a:pPr marL="171450" marR="0" lvl="0" indent="-171450" algn="l" defTabSz="914400" rtl="0" eaLnBrk="1" fontAlgn="auto" latinLnBrk="0" hangingPunct="1">
+              <a:lnSpc>
+                <a:spcPct val="100000"/>
+              </a:lnSpc>
+              <a:spcBef>
+                <a:spcPts val="0"/>
+              </a:spcBef>
+              <a:spcAft>
+                <a:spcPts val="0"/>
+              </a:spcAft>
+              <a:buClrTx/>
+              <a:buSzTx/>
+              <a:buFont typeface="Arial" panose="020B0604020202020204" pitchFamily="34" charset="0"/>
+              <a:buChar char="•"/>
+              <a:tabLst/>
+              <a:defRPr/>
+            </a:pPr>
+            <a:r>
+              <a:rPr lang="en-US" b="1" dirty="0">
+                <a:highlight>
+                  <a:srgbClr val="FFFF00"/>
+                </a:highlight>
+              </a:rPr>
+              <a:t>While the signal plus noise and the ARIMA model were univariate</a:t>
+            </a:r>
+          </a:p>
+          <a:p>
+            <a:pPr marL="171450" marR="0" lvl="0" indent="-171450" algn="l" defTabSz="914400" rtl="0" eaLnBrk="1" fontAlgn="auto" latinLnBrk="0" hangingPunct="1">
+              <a:lnSpc>
+                <a:spcPct val="100000"/>
+              </a:lnSpc>
+              <a:spcBef>
+                <a:spcPts val="0"/>
+              </a:spcBef>
+              <a:spcAft>
+                <a:spcPts val="0"/>
+              </a:spcAft>
+              <a:buClrTx/>
+              <a:buSzTx/>
+              <a:buFont typeface="Arial" panose="020B0604020202020204" pitchFamily="34" charset="0"/>
+              <a:buChar char="•"/>
+              <a:tabLst/>
+              <a:defRPr/>
+            </a:pPr>
+            <a:r>
+              <a:rPr lang="en-US" b="1" dirty="0">
+                <a:highlight>
+                  <a:srgbClr val="FFFF00"/>
+                </a:highlight>
+              </a:rPr>
+              <a:t>The ASE scores for all multivariate models outperformed all univariate models. </a:t>
+            </a:r>
+          </a:p>
+          <a:p>
+            <a:pPr marL="171450" marR="0" lvl="0" indent="-171450" algn="l" defTabSz="914400" rtl="0" eaLnBrk="1" fontAlgn="auto" latinLnBrk="0" hangingPunct="1">
+              <a:lnSpc>
+                <a:spcPct val="100000"/>
+              </a:lnSpc>
+              <a:spcBef>
+                <a:spcPts val="0"/>
+              </a:spcBef>
+              <a:spcAft>
+                <a:spcPts val="0"/>
+              </a:spcAft>
+              <a:buClrTx/>
+              <a:buSzTx/>
+              <a:buFont typeface="Arial" panose="020B0604020202020204" pitchFamily="34" charset="0"/>
+              <a:buChar char="•"/>
+              <a:tabLst/>
+              <a:defRPr/>
+            </a:pPr>
+            <a:r>
+              <a:rPr lang="en-US" b="1" dirty="0"/>
+              <a:t>Rolling ASEs were also calculated for each model where ASEs were iteratively taken for a given training size.</a:t>
+            </a:r>
+          </a:p>
+          <a:p>
+            <a:pPr marL="171450" marR="0" lvl="0" indent="-171450" algn="l" defTabSz="914400" rtl="0" eaLnBrk="1" fontAlgn="auto" latinLnBrk="0" hangingPunct="1">
+              <a:lnSpc>
+                <a:spcPct val="100000"/>
+              </a:lnSpc>
+              <a:spcBef>
+                <a:spcPts val="0"/>
+              </a:spcBef>
+              <a:spcAft>
+                <a:spcPts val="0"/>
+              </a:spcAft>
+              <a:buClrTx/>
+              <a:buSzTx/>
+              <a:buFont typeface="Arial" panose="020B0604020202020204" pitchFamily="34" charset="0"/>
+              <a:buChar char="•"/>
+              <a:tabLst/>
+              <a:defRPr/>
+            </a:pPr>
+            <a:r>
+              <a:rPr lang="en-US" b="1" dirty="0"/>
+              <a:t>Our top preforming model is the Signal + Noise, with the Ensemble closely following.</a:t>
+            </a:r>
+          </a:p>
+          <a:p>
             <a:endParaRPr lang="en-US" dirty="0"/>
           </a:p>
           <a:p>
-            <a:pPr marL="171450" indent="-171450">
-              <a:buFontTx/>
-              <a:buChar char="-"/>
-            </a:pPr>
-            <a:endParaRPr lang="en-US" dirty="0"/>
-          </a:p>
-          <a:p>
-            <a:pPr marL="0" indent="0">
+            <a:pPr marL="0" marR="0" lvl="0" indent="0" algn="l" defTabSz="914400" rtl="0" eaLnBrk="1" fontAlgn="auto" latinLnBrk="0" hangingPunct="1">
+              <a:lnSpc>
+                <a:spcPct val="100000"/>
+              </a:lnSpc>
+              <a:spcBef>
+                <a:spcPts val="0"/>
+              </a:spcBef>
+              <a:spcAft>
+                <a:spcPts val="0"/>
+              </a:spcAft>
+              <a:buClrTx/>
+              <a:buSzTx/>
               <a:buFontTx/>
               <a:buNone/>
+              <a:tabLst/>
+              <a:defRPr/>
             </a:pPr>
             <a:r>
+              <a:rPr lang="en-US" dirty="0">
+                <a:highlight>
+                  <a:srgbClr val="FFFF00"/>
+                </a:highlight>
+              </a:rPr>
+              <a:t>To note: The Practical forecast horizon for these models was set to 5 days – which is the same as a NASDAQ trading week</a:t>
+            </a:r>
+          </a:p>
+          <a:p>
+            <a:endParaRPr lang="en-US" dirty="0"/>
+          </a:p>
+          <a:p>
+            <a:r>
               <a:rPr lang="en-US" dirty="0"/>
-              <a:t>Rolling ASEs were calculated for each model where ASEs were iteratively taken for a given training size.</a:t>
-            </a:r>
-          </a:p>
-          <a:p>
-            <a:pPr marL="0" indent="0">
-              <a:buFontTx/>
-              <a:buNone/>
-            </a:pPr>
-            <a:r>
-              <a:rPr lang="en-US" dirty="0"/>
-              <a:t>This allows for more accurate ASEs as they will </a:t>
-            </a:r>
-          </a:p>
-          <a:p>
-            <a:endParaRPr lang="en-US" dirty="0"/>
-          </a:p>
-          <a:p>
-            <a:r>
-              <a:rPr lang="en-US" dirty="0"/>
-              <a:t>The Practical forecast horizon for these models was set to 5 days – which is the same as a NASDAQ trading week</a:t>
+              <a:t>Let’s look at the forecasts for these models to see how closely their predictions follow the original data</a:t>
             </a:r>
           </a:p>
         </p:txBody>
@@ -1036,15 +1336,19 @@
           <a:bodyPr/>
           <a:lstStyle/>
           <a:p>
+            <a:pPr marL="171450" indent="-171450">
+              <a:buFont typeface="Arial" panose="020B0604020202020204" pitchFamily="34" charset="0"/>
+              <a:buChar char="•"/>
+            </a:pPr>
             <a:r>
               <a:rPr lang="en-US" dirty="0"/>
-              <a:t>-  ARIMA and VAR forecasts both show a downward trend, while the signal + noise model shows an upward trend</a:t>
+              <a:t>ARIMA and VAR forecasts both show a downward trend, while the signal + noise model shows an upward trend</a:t>
             </a:r>
           </a:p>
           <a:p>
             <a:pPr marL="171450" indent="-171450">
-              <a:buFontTx/>
-              <a:buChar char="-"/>
+              <a:buFont typeface="Arial" panose="020B0604020202020204" pitchFamily="34" charset="0"/>
+              <a:buChar char="•"/>
             </a:pPr>
             <a:r>
               <a:rPr lang="en-US" dirty="0"/>
@@ -1053,8 +1357,8 @@
           </a:p>
           <a:p>
             <a:pPr marL="171450" indent="-171450">
-              <a:buFontTx/>
-              <a:buChar char="-"/>
+              <a:buFont typeface="Arial" panose="020B0604020202020204" pitchFamily="34" charset="0"/>
+              <a:buChar char="•"/>
             </a:pPr>
             <a:r>
               <a:rPr lang="en-US" dirty="0"/>
@@ -1150,16 +1454,61 @@
           <a:bodyPr/>
           <a:lstStyle/>
           <a:p>
+            <a:pPr marL="0" indent="0">
+              <a:buFont typeface="Arial" panose="020B0604020202020204" pitchFamily="34" charset="0"/>
+              <a:buNone/>
+            </a:pPr>
             <a:r>
               <a:rPr lang="en-US" dirty="0"/>
-              <a:t>- When comparing the MLP and Ensemble forecasts we can see that the Ensemble forecasts better match the last 5 observations</a:t>
-            </a:r>
-          </a:p>
-          <a:p>
+              <a:t>For our top preforming models</a:t>
+            </a:r>
+          </a:p>
+          <a:p>
+            <a:pPr marL="171450" indent="-171450">
+              <a:buFont typeface="Arial" panose="020B0604020202020204" pitchFamily="34" charset="0"/>
+              <a:buChar char="•"/>
+            </a:pPr>
             <a:r>
               <a:rPr lang="en-US" dirty="0"/>
-              <a:t>- This is due to the model taking on some of the ARIMA(2,1,1) properties</a:t>
-            </a:r>
+              <a:t>The MLP forecast has a positive trend</a:t>
+            </a:r>
+          </a:p>
+          <a:p>
+            <a:pPr marL="171450" indent="-171450">
+              <a:buFont typeface="Arial" panose="020B0604020202020204" pitchFamily="34" charset="0"/>
+              <a:buChar char="•"/>
+            </a:pPr>
+            <a:r>
+              <a:rPr lang="en-US" dirty="0"/>
+              <a:t>While the Ensemble also has a positive trend</a:t>
+            </a:r>
+          </a:p>
+          <a:p>
+            <a:pPr marL="171450" indent="-171450">
+              <a:buFont typeface="Arial" panose="020B0604020202020204" pitchFamily="34" charset="0"/>
+              <a:buChar char="•"/>
+            </a:pPr>
+            <a:r>
+              <a:rPr lang="en-US" dirty="0"/>
+              <a:t>When comparing two forecasts we can see that the Ensemble forecasts better match the last 5 observations</a:t>
+            </a:r>
+          </a:p>
+          <a:p>
+            <a:pPr marL="171450" indent="-171450">
+              <a:buFont typeface="Arial" panose="020B0604020202020204" pitchFamily="34" charset="0"/>
+              <a:buChar char="•"/>
+            </a:pPr>
+            <a:r>
+              <a:rPr lang="en-US" dirty="0"/>
+              <a:t>This is due to the model taking on some of the ARIMA(2,1,1) properties</a:t>
+            </a:r>
+          </a:p>
+          <a:p>
+            <a:pPr marL="171450" indent="-171450">
+              <a:buFontTx/>
+              <a:buChar char="-"/>
+            </a:pPr>
+            <a:endParaRPr lang="en-US" dirty="0"/>
           </a:p>
         </p:txBody>
       </p:sp>
@@ -1190,6 +1539,334 @@
     <p:extLst>
       <p:ext uri="{BB962C8B-B14F-4D97-AF65-F5344CB8AC3E}">
         <p14:creationId xmlns:p14="http://schemas.microsoft.com/office/powerpoint/2010/main" val="1898429516"/>
+      </p:ext>
+    </p:extLst>
+  </p:cSld>
+  <p:clrMapOvr>
+    <a:masterClrMapping/>
+  </p:clrMapOvr>
+</p:notes>
+</file>
+
+<file path=ppt/notesSlides/notesSlide15.xml><?xml version="1.0" encoding="utf-8"?>
+<p:notes xmlns:a="http://schemas.openxmlformats.org/drawingml/2006/main" xmlns:r="http://schemas.openxmlformats.org/officeDocument/2006/relationships" xmlns:p="http://schemas.openxmlformats.org/presentationml/2006/main">
+  <p:cSld>
+    <p:spTree>
+      <p:nvGrpSpPr>
+        <p:cNvPr id="1" name=""/>
+        <p:cNvGrpSpPr/>
+        <p:nvPr/>
+      </p:nvGrpSpPr>
+      <p:grpSpPr>
+        <a:xfrm>
+          <a:off x="0" y="0"/>
+          <a:ext cx="0" cy="0"/>
+          <a:chOff x="0" y="0"/>
+          <a:chExt cx="0" cy="0"/>
+        </a:xfrm>
+      </p:grpSpPr>
+      <p:sp>
+        <p:nvSpPr>
+          <p:cNvPr id="2" name="Slide Image Placeholder 1"/>
+          <p:cNvSpPr>
+            <a:spLocks noGrp="1" noRot="1" noChangeAspect="1"/>
+          </p:cNvSpPr>
+          <p:nvPr>
+            <p:ph type="sldImg"/>
+          </p:nvPr>
+        </p:nvSpPr>
+        <p:spPr/>
+      </p:sp>
+      <p:sp>
+        <p:nvSpPr>
+          <p:cNvPr id="3" name="Notes Placeholder 2"/>
+          <p:cNvSpPr>
+            <a:spLocks noGrp="1"/>
+          </p:cNvSpPr>
+          <p:nvPr>
+            <p:ph type="body" idx="1"/>
+          </p:nvPr>
+        </p:nvSpPr>
+        <p:spPr/>
+        <p:txBody>
+          <a:bodyPr/>
+          <a:lstStyle/>
+          <a:p>
+            <a:pPr marL="0" marR="0" lvl="0" indent="0" algn="l" defTabSz="914400" rtl="0" eaLnBrk="1" fontAlgn="auto" latinLnBrk="0" hangingPunct="1">
+              <a:lnSpc>
+                <a:spcPct val="100000"/>
+              </a:lnSpc>
+              <a:spcBef>
+                <a:spcPts val="0"/>
+              </a:spcBef>
+              <a:spcAft>
+                <a:spcPts val="0"/>
+              </a:spcAft>
+              <a:buClrTx/>
+              <a:buSzTx/>
+              <a:buFontTx/>
+              <a:buNone/>
+              <a:tabLst/>
+              <a:defRPr/>
+            </a:pPr>
+            <a:r>
+              <a:rPr lang="en-US" dirty="0"/>
+              <a:t>To conclude</a:t>
+            </a:r>
+          </a:p>
+          <a:p>
+            <a:pPr marL="171450" marR="0" lvl="0" indent="-171450" algn="l" defTabSz="914400" rtl="0" eaLnBrk="1" fontAlgn="auto" latinLnBrk="0" hangingPunct="1">
+              <a:lnSpc>
+                <a:spcPct val="100000"/>
+              </a:lnSpc>
+              <a:spcBef>
+                <a:spcPts val="0"/>
+              </a:spcBef>
+              <a:spcAft>
+                <a:spcPts val="0"/>
+              </a:spcAft>
+              <a:buClrTx/>
+              <a:buSzTx/>
+              <a:buFont typeface="Arial" panose="020B0604020202020204" pitchFamily="34" charset="0"/>
+              <a:buChar char="•"/>
+              <a:tabLst/>
+              <a:defRPr/>
+            </a:pPr>
+            <a:r>
+              <a:rPr lang="en-US" dirty="0"/>
+              <a:t>The </a:t>
+            </a:r>
+            <a:r>
+              <a:rPr lang="en-US" dirty="0" err="1"/>
+              <a:t>Signal+Noise</a:t>
+            </a:r>
+            <a:r>
+              <a:rPr lang="en-US" dirty="0"/>
+              <a:t> Model preformed the best as it had the lowest ASE</a:t>
+            </a:r>
+          </a:p>
+          <a:p>
+            <a:pPr marL="171450" marR="0" lvl="0" indent="-171450" algn="l" defTabSz="914400" rtl="0" eaLnBrk="1" fontAlgn="auto" latinLnBrk="0" hangingPunct="1">
+              <a:lnSpc>
+                <a:spcPct val="100000"/>
+              </a:lnSpc>
+              <a:spcBef>
+                <a:spcPts val="0"/>
+              </a:spcBef>
+              <a:spcAft>
+                <a:spcPts val="0"/>
+              </a:spcAft>
+              <a:buClrTx/>
+              <a:buSzTx/>
+              <a:buFont typeface="Arial" panose="020B0604020202020204" pitchFamily="34" charset="0"/>
+              <a:buChar char="•"/>
+              <a:tabLst/>
+              <a:defRPr/>
+            </a:pPr>
+            <a:r>
+              <a:rPr lang="en-US" dirty="0"/>
+              <a:t>However, we recommend using the ensemble model </a:t>
+            </a:r>
+          </a:p>
+          <a:p>
+            <a:pPr marL="171450" marR="0" lvl="0" indent="-171450" algn="l" defTabSz="914400" rtl="0" eaLnBrk="1" fontAlgn="auto" latinLnBrk="0" hangingPunct="1">
+              <a:lnSpc>
+                <a:spcPct val="100000"/>
+              </a:lnSpc>
+              <a:spcBef>
+                <a:spcPts val="0"/>
+              </a:spcBef>
+              <a:spcAft>
+                <a:spcPts val="0"/>
+              </a:spcAft>
+              <a:buClrTx/>
+              <a:buSzTx/>
+              <a:buFont typeface="Arial" panose="020B0604020202020204" pitchFamily="34" charset="0"/>
+              <a:buChar char="•"/>
+              <a:tabLst/>
+              <a:defRPr/>
+            </a:pPr>
+            <a:r>
+              <a:rPr lang="en-US" dirty="0"/>
+              <a:t>As it’s rolling ASE is very close to the Signal + Noise model, its single realization ASE is also lower </a:t>
+            </a:r>
+          </a:p>
+          <a:p>
+            <a:pPr marL="171450" marR="0" lvl="0" indent="-171450" algn="l" defTabSz="914400" rtl="0" eaLnBrk="1" fontAlgn="auto" latinLnBrk="0" hangingPunct="1">
+              <a:lnSpc>
+                <a:spcPct val="100000"/>
+              </a:lnSpc>
+              <a:spcBef>
+                <a:spcPts val="0"/>
+              </a:spcBef>
+              <a:spcAft>
+                <a:spcPts val="0"/>
+              </a:spcAft>
+              <a:buClrTx/>
+              <a:buSzTx/>
+              <a:buFont typeface="Arial" panose="020B0604020202020204" pitchFamily="34" charset="0"/>
+              <a:buChar char="•"/>
+              <a:tabLst/>
+              <a:defRPr/>
+            </a:pPr>
+            <a:r>
+              <a:rPr lang="en-US" dirty="0"/>
+              <a:t>And it also has added protection from overfitting</a:t>
+            </a:r>
+          </a:p>
+          <a:p>
+            <a:pPr marL="171450" marR="0" lvl="0" indent="-171450" algn="l" defTabSz="914400" rtl="0" eaLnBrk="1" fontAlgn="auto" latinLnBrk="0" hangingPunct="1">
+              <a:lnSpc>
+                <a:spcPct val="100000"/>
+              </a:lnSpc>
+              <a:spcBef>
+                <a:spcPts val="0"/>
+              </a:spcBef>
+              <a:spcAft>
+                <a:spcPts val="0"/>
+              </a:spcAft>
+              <a:buClrTx/>
+              <a:buSzTx/>
+              <a:buFont typeface="Arial" panose="020B0604020202020204" pitchFamily="34" charset="0"/>
+              <a:buChar char="•"/>
+              <a:tabLst/>
+              <a:defRPr/>
+            </a:pPr>
+            <a:r>
+              <a:rPr lang="en-US" sz="1200" kern="1200" dirty="0">
+                <a:solidFill>
+                  <a:schemeClr val="tx1"/>
+                </a:solidFill>
+                <a:effectLst/>
+                <a:latin typeface="+mn-lt"/>
+                <a:ea typeface="+mn-ea"/>
+                <a:cs typeface="+mn-cs"/>
+              </a:rPr>
+              <a:t>For future models more features can be added to increase the forecast horizon</a:t>
+            </a:r>
+          </a:p>
+          <a:p>
+            <a:pPr marL="171450" marR="0" lvl="0" indent="-171450" algn="l" defTabSz="914400" rtl="0" eaLnBrk="1" fontAlgn="auto" latinLnBrk="0" hangingPunct="1">
+              <a:lnSpc>
+                <a:spcPct val="100000"/>
+              </a:lnSpc>
+              <a:spcBef>
+                <a:spcPts val="0"/>
+              </a:spcBef>
+              <a:spcAft>
+                <a:spcPts val="0"/>
+              </a:spcAft>
+              <a:buClrTx/>
+              <a:buSzTx/>
+              <a:buFont typeface="Arial" panose="020B0604020202020204" pitchFamily="34" charset="0"/>
+              <a:buChar char="•"/>
+              <a:tabLst/>
+              <a:defRPr/>
+            </a:pPr>
+            <a:endParaRPr lang="en-US" sz="1200" kern="1200" dirty="0">
+              <a:solidFill>
+                <a:schemeClr val="tx1"/>
+              </a:solidFill>
+              <a:effectLst/>
+              <a:latin typeface="+mn-lt"/>
+              <a:ea typeface="+mn-ea"/>
+              <a:cs typeface="+mn-cs"/>
+            </a:endParaRPr>
+          </a:p>
+          <a:p>
+            <a:pPr marL="0" marR="0" lvl="0" indent="0" algn="l" defTabSz="914400" rtl="0" eaLnBrk="1" fontAlgn="auto" latinLnBrk="0" hangingPunct="1">
+              <a:lnSpc>
+                <a:spcPct val="100000"/>
+              </a:lnSpc>
+              <a:spcBef>
+                <a:spcPts val="0"/>
+              </a:spcBef>
+              <a:spcAft>
+                <a:spcPts val="0"/>
+              </a:spcAft>
+              <a:buClrTx/>
+              <a:buSzTx/>
+              <a:buFont typeface="Arial" panose="020B0604020202020204" pitchFamily="34" charset="0"/>
+              <a:buNone/>
+              <a:tabLst/>
+              <a:defRPr/>
+            </a:pPr>
+            <a:r>
+              <a:rPr lang="en-US" sz="1200" kern="1200" dirty="0">
+                <a:solidFill>
+                  <a:schemeClr val="tx1"/>
+                </a:solidFill>
+                <a:effectLst/>
+                <a:latin typeface="+mn-lt"/>
+                <a:ea typeface="+mn-ea"/>
+                <a:cs typeface="+mn-cs"/>
+              </a:rPr>
+              <a:t>We appreciate the time you have taken to see how our models preform and hope that our models can help your investors pick affordable performant stocks. </a:t>
+            </a:r>
+          </a:p>
+          <a:p>
+            <a:pPr marL="0" marR="0" lvl="0" indent="0" algn="l" defTabSz="914400" rtl="0" eaLnBrk="1" fontAlgn="auto" latinLnBrk="0" hangingPunct="1">
+              <a:lnSpc>
+                <a:spcPct val="100000"/>
+              </a:lnSpc>
+              <a:spcBef>
+                <a:spcPts val="0"/>
+              </a:spcBef>
+              <a:spcAft>
+                <a:spcPts val="0"/>
+              </a:spcAft>
+              <a:buClrTx/>
+              <a:buSzTx/>
+              <a:buFontTx/>
+              <a:buNone/>
+              <a:tabLst/>
+              <a:defRPr/>
+            </a:pPr>
+            <a:r>
+              <a:rPr lang="en-US" sz="1200" kern="1200" dirty="0">
+                <a:solidFill>
+                  <a:schemeClr val="tx1"/>
+                </a:solidFill>
+                <a:effectLst/>
+                <a:latin typeface="+mn-lt"/>
+                <a:ea typeface="+mn-ea"/>
+                <a:cs typeface="+mn-cs"/>
+              </a:rPr>
+              <a:t>Thank you and have a nice afternoon!</a:t>
+            </a:r>
+          </a:p>
+          <a:p>
+            <a:endParaRPr lang="en-US" dirty="0"/>
+          </a:p>
+        </p:txBody>
+      </p:sp>
+      <p:sp>
+        <p:nvSpPr>
+          <p:cNvPr id="4" name="Slide Number Placeholder 3"/>
+          <p:cNvSpPr>
+            <a:spLocks noGrp="1"/>
+          </p:cNvSpPr>
+          <p:nvPr>
+            <p:ph type="sldNum" sz="quarter" idx="5"/>
+          </p:nvPr>
+        </p:nvSpPr>
+        <p:spPr/>
+        <p:txBody>
+          <a:bodyPr/>
+          <a:lstStyle/>
+          <a:p>
+            <a:fld id="{8E0C359D-B7CE-4A83-9D71-C7C736AE2F4F}" type="slidenum">
+              <a:rPr lang="en-US" smtClean="0"/>
+              <a:t>15</a:t>
+            </a:fld>
+            <a:endParaRPr lang="en-US"/>
+          </a:p>
+        </p:txBody>
+      </p:sp>
+    </p:spTree>
+    <p:extLst>
+      <p:ext uri="{BB962C8B-B14F-4D97-AF65-F5344CB8AC3E}">
+        <p14:creationId xmlns:p14="http://schemas.microsoft.com/office/powerpoint/2010/main" val="757281480"/>
       </p:ext>
     </p:extLst>
   </p:cSld>
@@ -1294,7 +1971,17 @@
             </a:pPr>
             <a:r>
               <a:rPr lang="en-US" dirty="0"/>
-              <a:t>And next steps</a:t>
+              <a:t>Model Comparison</a:t>
+            </a:r>
+          </a:p>
+          <a:p>
+            <a:pPr marL="171450" indent="-171450">
+              <a:buFontTx/>
+              <a:buChar char="-"/>
+            </a:pPr>
+            <a:r>
+              <a:rPr lang="en-US" dirty="0"/>
+              <a:t>An Conclusions</a:t>
             </a:r>
           </a:p>
           <a:p>
@@ -1607,7 +2294,7 @@
             </a:pPr>
             <a:r>
               <a:rPr lang="en-US" dirty="0"/>
-              <a:t>And Spectral Densities to confirm that the data was non-stationary</a:t>
+              <a:t>And Spectral Densities to see if data was non-stationary</a:t>
             </a:r>
           </a:p>
           <a:p>
@@ -1706,15 +2393,111 @@
           <a:bodyPr/>
           <a:lstStyle/>
           <a:p>
+            <a:pPr marL="171450" indent="-171450">
+              <a:buFont typeface="Arial" panose="020B0604020202020204" pitchFamily="34" charset="0"/>
+              <a:buChar char="•"/>
+            </a:pPr>
             <a:r>
               <a:rPr lang="en-US" dirty="0"/>
-              <a:t>Stocks that were between $5-$50 that had spectral densities with exponentially damping were selected as their serial correlation structures can be captured easily with signal plus noise models</a:t>
-            </a:r>
-          </a:p>
-          <a:p>
+              <a:t>We looked for stocks with slopes greater than 0.04</a:t>
+            </a:r>
+          </a:p>
+          <a:p>
+            <a:pPr marL="171450" indent="-171450">
+              <a:buFont typeface="Arial" panose="020B0604020202020204" pitchFamily="34" charset="0"/>
+              <a:buChar char="•"/>
+            </a:pPr>
             <a:r>
               <a:rPr lang="en-US" dirty="0"/>
-              <a:t>Additional features were created to capture the variation between open/close and high/low prices by subtracting the opening/high price from the close/low price</a:t>
+              <a:t>We then identified stocks that were between $5-$50 that with spectral densities that were exponentially damping as their serial correlation structures can be captured easily with signal plus noise models</a:t>
+            </a:r>
+          </a:p>
+          <a:p>
+            <a:pPr marL="171450" indent="-171450">
+              <a:buFont typeface="Arial" panose="020B0604020202020204" pitchFamily="34" charset="0"/>
+              <a:buChar char="•"/>
+            </a:pPr>
+            <a:r>
+              <a:rPr lang="en-US" dirty="0"/>
+              <a:t>Additional features were created to capture the variation between open/close and high/low prices by subtracting the opening/high price from their respective close/low price</a:t>
+            </a:r>
+          </a:p>
+          <a:p>
+            <a:pPr marL="171450" indent="-171450">
+              <a:buFont typeface="Arial" panose="020B0604020202020204" pitchFamily="34" charset="0"/>
+              <a:buChar char="•"/>
+            </a:pPr>
+            <a:endParaRPr lang="en-US" dirty="0"/>
+          </a:p>
+          <a:p>
+            <a:pPr marL="171450" indent="-171450">
+              <a:buFont typeface="Arial" panose="020B0604020202020204" pitchFamily="34" charset="0"/>
+              <a:buChar char="•"/>
+            </a:pPr>
+            <a:r>
+              <a:rPr lang="en-US" dirty="0"/>
+              <a:t>After analyzing the candlestick plot, we decided to use the low price as the target feature of the model. </a:t>
+            </a:r>
+          </a:p>
+          <a:p>
+            <a:pPr marL="171450" indent="-171450">
+              <a:buFont typeface="Arial" panose="020B0604020202020204" pitchFamily="34" charset="0"/>
+              <a:buChar char="•"/>
+            </a:pPr>
+            <a:r>
+              <a:rPr lang="en-US" dirty="0"/>
+              <a:t>The reason we chose this is because when a stock is trending up, the low price can quickly identify this trend </a:t>
+            </a:r>
+          </a:p>
+          <a:p>
+            <a:pPr marL="171450" indent="-171450">
+              <a:buFont typeface="Arial" panose="020B0604020202020204" pitchFamily="34" charset="0"/>
+              <a:buChar char="•"/>
+            </a:pPr>
+            <a:r>
+              <a:rPr lang="en-US" dirty="0"/>
+              <a:t>This occurs because moving average will often rise above the low price, especially for stronger </a:t>
+            </a:r>
+            <a:r>
+              <a:rPr lang="en-US" dirty="0" err="1"/>
+              <a:t>uptrending</a:t>
+            </a:r>
+            <a:r>
+              <a:rPr lang="en-US" dirty="0"/>
+              <a:t> behavior. </a:t>
+            </a:r>
+          </a:p>
+          <a:p>
+            <a:pPr marL="171450" indent="-171450">
+              <a:buFont typeface="Arial" panose="020B0604020202020204" pitchFamily="34" charset="0"/>
+              <a:buChar char="•"/>
+            </a:pPr>
+            <a:r>
+              <a:rPr lang="en-US" dirty="0"/>
+              <a:t>This further provides insight into potential investment profitability.</a:t>
+            </a:r>
+          </a:p>
+          <a:p>
+            <a:pPr marL="171450" marR="0" lvl="0" indent="-171450" algn="l" defTabSz="914400" rtl="0" eaLnBrk="1" fontAlgn="auto" latinLnBrk="0" hangingPunct="1">
+              <a:lnSpc>
+                <a:spcPct val="100000"/>
+              </a:lnSpc>
+              <a:spcBef>
+                <a:spcPts val="0"/>
+              </a:spcBef>
+              <a:spcAft>
+                <a:spcPts val="0"/>
+              </a:spcAft>
+              <a:buClrTx/>
+              <a:buSzTx/>
+              <a:buFont typeface="Arial" panose="020B0604020202020204" pitchFamily="34" charset="0"/>
+              <a:buChar char="•"/>
+              <a:tabLst/>
+              <a:defRPr/>
+            </a:pPr>
+            <a:r>
+              <a:rPr lang="en-US" dirty="0"/>
+              <a:t>This process resulted in 7 stocks</a:t>
             </a:r>
           </a:p>
         </p:txBody>
@@ -2283,7 +3066,7 @@
                 <a:ea typeface="+mn-ea"/>
                 <a:cs typeface="+mn-cs"/>
               </a:rPr>
-              <a:t>We identified the model by using a factor table that contains a significant (1-B) factor</a:t>
+              <a:t>We identified the model by using a factor table that contained a (1-B) factor that was one of the strongest roots</a:t>
             </a:r>
           </a:p>
           <a:p>
@@ -2292,16 +3075,117 @@
               <a:buChar char="•"/>
             </a:pPr>
             <a:r>
-              <a:rPr lang="en-US" sz="1200" kern="1200" dirty="0">
-                <a:solidFill>
-                  <a:schemeClr val="tx1"/>
-                </a:solidFill>
-                <a:effectLst/>
-                <a:latin typeface="+mn-lt"/>
-                <a:ea typeface="+mn-ea"/>
-                <a:cs typeface="+mn-cs"/>
-              </a:rPr>
-              <a:t>After applying the (1-B) difference, we were able to isolate a AR(5) model. </a:t>
+              <a:rPr lang="en-US" dirty="0"/>
+              <a:t>Data was then differenced once to </a:t>
+            </a:r>
+            <a:r>
+              <a:rPr lang="en-US" dirty="0" err="1"/>
+              <a:t>stationarize</a:t>
+            </a:r>
+            <a:r>
+              <a:rPr lang="en-US" dirty="0"/>
+              <a:t> the realization</a:t>
+            </a:r>
+          </a:p>
+          <a:p>
+            <a:pPr marL="171450" lvl="0" indent="-171450">
+              <a:buFont typeface="Arial" panose="020B0604020202020204" pitchFamily="34" charset="0"/>
+              <a:buChar char="•"/>
+            </a:pPr>
+            <a:r>
+              <a:rPr lang="en-US" dirty="0"/>
+              <a:t>Based on AIC scores we identified an AR(5) model that best represents the data</a:t>
+            </a:r>
+          </a:p>
+          <a:p>
+            <a:pPr marL="171450" marR="0" lvl="0" indent="-171450" algn="l" defTabSz="914400" rtl="0" eaLnBrk="1" fontAlgn="auto" latinLnBrk="0" hangingPunct="1">
+              <a:lnSpc>
+                <a:spcPct val="100000"/>
+              </a:lnSpc>
+              <a:spcBef>
+                <a:spcPts val="0"/>
+              </a:spcBef>
+              <a:spcAft>
+                <a:spcPts val="0"/>
+              </a:spcAft>
+              <a:buClrTx/>
+              <a:buSzTx/>
+              <a:buFont typeface="Arial" panose="020B0604020202020204" pitchFamily="34" charset="0"/>
+              <a:buChar char="•"/>
+              <a:tabLst/>
+              <a:defRPr/>
+            </a:pPr>
+            <a:r>
+              <a:rPr lang="en-US" dirty="0"/>
+              <a:t>Based on lag analysis we determined there was not enough noise to add an MA term </a:t>
+            </a:r>
+          </a:p>
+          <a:p>
+            <a:pPr marL="171450" lvl="0" indent="-171450">
+              <a:buFont typeface="Arial" panose="020B0604020202020204" pitchFamily="34" charset="0"/>
+              <a:buChar char="•"/>
+            </a:pPr>
+            <a:r>
+              <a:rPr lang="en-US" dirty="0"/>
+              <a:t>To test if the resulting model’s residuals no longer contained a signal the </a:t>
+            </a:r>
+            <a:r>
+              <a:rPr lang="en-US" dirty="0" err="1"/>
+              <a:t>Ljung</a:t>
+            </a:r>
+            <a:r>
+              <a:rPr lang="en-US" dirty="0"/>
+              <a:t>-box test was run</a:t>
+            </a:r>
+          </a:p>
+          <a:p>
+            <a:pPr marL="628650" lvl="1" indent="-171450">
+              <a:buFont typeface="Arial" panose="020B0604020202020204" pitchFamily="34" charset="0"/>
+              <a:buChar char="•"/>
+            </a:pPr>
+            <a:r>
+              <a:rPr lang="en-US" dirty="0"/>
+              <a:t>Base on k=24 and p-value=0.9405</a:t>
+            </a:r>
+          </a:p>
+          <a:p>
+            <a:pPr marL="628650" lvl="1" indent="-171450">
+              <a:buFont typeface="Arial" panose="020B0604020202020204" pitchFamily="34" charset="0"/>
+              <a:buChar char="•"/>
+            </a:pPr>
+            <a:r>
+              <a:rPr lang="en-US" dirty="0"/>
+              <a:t>We found that there was not enough evidence to say the residuals are not white noise</a:t>
+            </a:r>
+          </a:p>
+          <a:p>
+            <a:pPr marL="628650" lvl="1" indent="-171450">
+              <a:buFont typeface="Arial" panose="020B0604020202020204" pitchFamily="34" charset="0"/>
+              <a:buChar char="•"/>
+            </a:pPr>
+            <a:r>
+              <a:rPr lang="en-US" dirty="0"/>
+              <a:t>Additionally a low variance of 0.1173 suggests that the model describes the data well</a:t>
+            </a:r>
+          </a:p>
+          <a:p>
+            <a:pPr marL="171450" lvl="0" indent="-171450">
+              <a:buFont typeface="Arial" panose="020B0604020202020204" pitchFamily="34" charset="0"/>
+              <a:buChar char="•"/>
+            </a:pPr>
+            <a:r>
+              <a:rPr lang="en-US" dirty="0"/>
+              <a:t>After differencing realizations were then generated from 99 data points</a:t>
+            </a:r>
+          </a:p>
+          <a:p>
+            <a:pPr marL="171450" lvl="0" indent="-171450">
+              <a:buFont typeface="Arial" panose="020B0604020202020204" pitchFamily="34" charset="0"/>
+              <a:buChar char="•"/>
+            </a:pPr>
+            <a:r>
+              <a:rPr lang="en-US" dirty="0"/>
+              <a:t>The spectral density and ACF plots closely match the original realization</a:t>
             </a:r>
           </a:p>
           <a:p>
@@ -2323,16 +3207,7 @@
             </a:r>
           </a:p>
           <a:p>
-            <a:pPr lvl="0"/>
-            <a:endParaRPr lang="en-US" sz="1200" kern="1200" dirty="0">
-              <a:solidFill>
-                <a:schemeClr val="tx1"/>
-              </a:solidFill>
-              <a:effectLst/>
-              <a:latin typeface="+mn-lt"/>
-              <a:ea typeface="+mn-ea"/>
-              <a:cs typeface="+mn-cs"/>
-            </a:endParaRPr>
+            <a:endParaRPr lang="en-US" dirty="0"/>
           </a:p>
         </p:txBody>
       </p:sp>
@@ -2416,13 +3291,40 @@
           <a:bodyPr/>
           <a:lstStyle/>
           <a:p>
+            <a:pPr marL="171450" indent="-171450">
+              <a:buFont typeface="Arial" panose="020B0604020202020204" pitchFamily="34" charset="0"/>
+              <a:buChar char="•"/>
+            </a:pPr>
+            <a:r>
+              <a:rPr lang="en-US" dirty="0"/>
+              <a:t>A vector autoregressive model was created to enhance our univariate model with multivariate factors, both additive and multiplicative</a:t>
+            </a:r>
+          </a:p>
+          <a:p>
+            <a:pPr marL="171450" indent="-171450">
+              <a:buFont typeface="Arial" panose="020B0604020202020204" pitchFamily="34" charset="0"/>
+              <a:buChar char="•"/>
+            </a:pPr>
+            <a:r>
+              <a:rPr lang="en-US" dirty="0"/>
+              <a:t>This model takes into consideration the cross-correlation structures between features</a:t>
+            </a:r>
+          </a:p>
+          <a:p>
+            <a:pPr marL="171450" indent="-171450">
+              <a:buFont typeface="Arial" panose="020B0604020202020204" pitchFamily="34" charset="0"/>
+              <a:buChar char="•"/>
+            </a:pPr>
+            <a:r>
+              <a:rPr lang="en-US" dirty="0"/>
+              <a:t>As previously mentioned, based on the candlestick plot we created for exploratory data analysis, we were interested in exploring the relationship of the ranges of open to close and high to low prices as related to the low price. </a:t>
+            </a:r>
+          </a:p>
+          <a:p>
             <a:endParaRPr lang="en-US" dirty="0"/>
           </a:p>
           <a:p>
-            <a:r>
-              <a:rPr lang="en-US" dirty="0"/>
-              <a:t>A vector autoregressive model was created incorporate any correlation that occurs between the features potentially allowing for a more robust model</a:t>
-            </a:r>
+            <a:endParaRPr lang="en-US" dirty="0"/>
           </a:p>
           <a:p>
             <a:endParaRPr lang="en-US" dirty="0"/>
@@ -2819,7 +3721,7 @@
           <p:cNvPr id="2" name="Title 1">
             <a:extLst>
               <a:ext uri="{FF2B5EF4-FFF2-40B4-BE49-F238E27FC236}">
-                <a16:creationId xmlns:a16="http://schemas.microsoft.com/office/drawing/2014/main" xmlns="" id="{96E13C99-700B-4438-ABD5-1133F6AC2A81}"/>
+                <a16:creationId xmlns:a16="http://schemas.microsoft.com/office/drawing/2014/main" id="{96E13C99-700B-4438-ABD5-1133F6AC2A81}"/>
               </a:ext>
             </a:extLst>
           </p:cNvPr>
@@ -2856,7 +3758,7 @@
           <p:cNvPr id="3" name="Subtitle 2">
             <a:extLst>
               <a:ext uri="{FF2B5EF4-FFF2-40B4-BE49-F238E27FC236}">
-                <a16:creationId xmlns:a16="http://schemas.microsoft.com/office/drawing/2014/main" xmlns="" id="{A00A5ABD-AADB-45D0-B064-7926BD74465C}"/>
+                <a16:creationId xmlns:a16="http://schemas.microsoft.com/office/drawing/2014/main" id="{A00A5ABD-AADB-45D0-B064-7926BD74465C}"/>
               </a:ext>
             </a:extLst>
           </p:cNvPr>
@@ -2926,7 +3828,7 @@
           <p:cNvPr id="4" name="Date Placeholder 3">
             <a:extLst>
               <a:ext uri="{FF2B5EF4-FFF2-40B4-BE49-F238E27FC236}">
-                <a16:creationId xmlns:a16="http://schemas.microsoft.com/office/drawing/2014/main" xmlns="" id="{5E179944-20A4-4290-8F3C-2DD9B8A6E290}"/>
+                <a16:creationId xmlns:a16="http://schemas.microsoft.com/office/drawing/2014/main" id="{5E179944-20A4-4290-8F3C-2DD9B8A6E290}"/>
               </a:ext>
             </a:extLst>
           </p:cNvPr>
@@ -2955,7 +3857,7 @@
           <p:cNvPr id="5" name="Footer Placeholder 4">
             <a:extLst>
               <a:ext uri="{FF2B5EF4-FFF2-40B4-BE49-F238E27FC236}">
-                <a16:creationId xmlns:a16="http://schemas.microsoft.com/office/drawing/2014/main" xmlns="" id="{5B519308-76AF-4B54-8506-B03D3949262E}"/>
+                <a16:creationId xmlns:a16="http://schemas.microsoft.com/office/drawing/2014/main" id="{5B519308-76AF-4B54-8506-B03D3949262E}"/>
               </a:ext>
             </a:extLst>
           </p:cNvPr>
@@ -2980,7 +3882,7 @@
           <p:cNvPr id="6" name="Slide Number Placeholder 5">
             <a:extLst>
               <a:ext uri="{FF2B5EF4-FFF2-40B4-BE49-F238E27FC236}">
-                <a16:creationId xmlns:a16="http://schemas.microsoft.com/office/drawing/2014/main" xmlns="" id="{C43CAC2D-C9E1-4558-8DCE-EDD3EC0E544B}"/>
+                <a16:creationId xmlns:a16="http://schemas.microsoft.com/office/drawing/2014/main" id="{C43CAC2D-C9E1-4558-8DCE-EDD3EC0E544B}"/>
               </a:ext>
             </a:extLst>
           </p:cNvPr>
@@ -3009,7 +3911,7 @@
           <p:cNvPr id="7" name="Straight Connector 6">
             <a:extLst>
               <a:ext uri="{FF2B5EF4-FFF2-40B4-BE49-F238E27FC236}">
-                <a16:creationId xmlns:a16="http://schemas.microsoft.com/office/drawing/2014/main" xmlns="" id="{0EC62AA3-1D21-4324-A662-F148648192A0}"/>
+                <a16:creationId xmlns:a16="http://schemas.microsoft.com/office/drawing/2014/main" id="{0EC62AA3-1D21-4324-A662-F148648192A0}"/>
               </a:ext>
             </a:extLst>
           </p:cNvPr>
@@ -3050,7 +3952,7 @@
           <p:cNvPr id="8" name="Picture 2" descr="C:\Users\njones\Dropbox (2U)\Work\Designing Slides\SMU\Design Brief\logo\logo_datasci_SMU.png">
             <a:extLst>
               <a:ext uri="{FF2B5EF4-FFF2-40B4-BE49-F238E27FC236}">
-                <a16:creationId xmlns:a16="http://schemas.microsoft.com/office/drawing/2014/main" xmlns="" id="{3AE5E602-45DD-41AF-A5AE-5B60603FE5A1}"/>
+                <a16:creationId xmlns:a16="http://schemas.microsoft.com/office/drawing/2014/main" id="{3AE5E602-45DD-41AF-A5AE-5B60603FE5A1}"/>
               </a:ext>
             </a:extLst>
           </p:cNvPr>
@@ -3127,7 +4029,7 @@
           <p:cNvPr id="2" name="Title 1">
             <a:extLst>
               <a:ext uri="{FF2B5EF4-FFF2-40B4-BE49-F238E27FC236}">
-                <a16:creationId xmlns:a16="http://schemas.microsoft.com/office/drawing/2014/main" xmlns="" id="{62762E2A-B5CA-42B4-BF42-DC3370648494}"/>
+                <a16:creationId xmlns:a16="http://schemas.microsoft.com/office/drawing/2014/main" id="{62762E2A-B5CA-42B4-BF42-DC3370648494}"/>
               </a:ext>
             </a:extLst>
           </p:cNvPr>
@@ -3155,7 +4057,7 @@
           <p:cNvPr id="3" name="Content Placeholder 2">
             <a:extLst>
               <a:ext uri="{FF2B5EF4-FFF2-40B4-BE49-F238E27FC236}">
-                <a16:creationId xmlns:a16="http://schemas.microsoft.com/office/drawing/2014/main" xmlns="" id="{14797549-3E35-46D3-8E19-14B57BC0D0E2}"/>
+                <a16:creationId xmlns:a16="http://schemas.microsoft.com/office/drawing/2014/main" id="{14797549-3E35-46D3-8E19-14B57BC0D0E2}"/>
               </a:ext>
             </a:extLst>
           </p:cNvPr>
@@ -3212,7 +4114,7 @@
           <p:cNvPr id="4" name="Date Placeholder 3">
             <a:extLst>
               <a:ext uri="{FF2B5EF4-FFF2-40B4-BE49-F238E27FC236}">
-                <a16:creationId xmlns:a16="http://schemas.microsoft.com/office/drawing/2014/main" xmlns="" id="{8DB2B248-1A85-4FFE-8A2D-FC080CB6C3BA}"/>
+                <a16:creationId xmlns:a16="http://schemas.microsoft.com/office/drawing/2014/main" id="{8DB2B248-1A85-4FFE-8A2D-FC080CB6C3BA}"/>
               </a:ext>
             </a:extLst>
           </p:cNvPr>
@@ -3241,7 +4143,7 @@
           <p:cNvPr id="5" name="Footer Placeholder 4">
             <a:extLst>
               <a:ext uri="{FF2B5EF4-FFF2-40B4-BE49-F238E27FC236}">
-                <a16:creationId xmlns:a16="http://schemas.microsoft.com/office/drawing/2014/main" xmlns="" id="{24A12DB7-FDB3-446D-AD35-5BAD38B70BCD}"/>
+                <a16:creationId xmlns:a16="http://schemas.microsoft.com/office/drawing/2014/main" id="{24A12DB7-FDB3-446D-AD35-5BAD38B70BCD}"/>
               </a:ext>
             </a:extLst>
           </p:cNvPr>
@@ -3266,7 +4168,7 @@
           <p:cNvPr id="6" name="Slide Number Placeholder 5">
             <a:extLst>
               <a:ext uri="{FF2B5EF4-FFF2-40B4-BE49-F238E27FC236}">
-                <a16:creationId xmlns:a16="http://schemas.microsoft.com/office/drawing/2014/main" xmlns="" id="{51A84FAD-99F7-4AE0-BA7D-0091A660B553}"/>
+                <a16:creationId xmlns:a16="http://schemas.microsoft.com/office/drawing/2014/main" id="{51A84FAD-99F7-4AE0-BA7D-0091A660B553}"/>
               </a:ext>
             </a:extLst>
           </p:cNvPr>
@@ -3295,7 +4197,7 @@
           <p:cNvPr id="7" name="Straight Connector 6">
             <a:extLst>
               <a:ext uri="{FF2B5EF4-FFF2-40B4-BE49-F238E27FC236}">
-                <a16:creationId xmlns:a16="http://schemas.microsoft.com/office/drawing/2014/main" xmlns="" id="{D2E47137-8587-46AF-9FD1-E3C0CBF87382}"/>
+                <a16:creationId xmlns:a16="http://schemas.microsoft.com/office/drawing/2014/main" id="{D2E47137-8587-46AF-9FD1-E3C0CBF87382}"/>
               </a:ext>
             </a:extLst>
           </p:cNvPr>
@@ -3366,7 +4268,7 @@
           <p:cNvPr id="2" name="Title 1">
             <a:extLst>
               <a:ext uri="{FF2B5EF4-FFF2-40B4-BE49-F238E27FC236}">
-                <a16:creationId xmlns:a16="http://schemas.microsoft.com/office/drawing/2014/main" xmlns="" id="{C017A7B2-5DCA-4838-895A-842DDB1AD45E}"/>
+                <a16:creationId xmlns:a16="http://schemas.microsoft.com/office/drawing/2014/main" id="{C017A7B2-5DCA-4838-895A-842DDB1AD45E}"/>
               </a:ext>
             </a:extLst>
           </p:cNvPr>
@@ -3403,7 +4305,7 @@
           <p:cNvPr id="3" name="Text Placeholder 2">
             <a:extLst>
               <a:ext uri="{FF2B5EF4-FFF2-40B4-BE49-F238E27FC236}">
-                <a16:creationId xmlns:a16="http://schemas.microsoft.com/office/drawing/2014/main" xmlns="" id="{DF559FE1-0C55-447D-B6C7-9D1F874F5C09}"/>
+                <a16:creationId xmlns:a16="http://schemas.microsoft.com/office/drawing/2014/main" id="{DF559FE1-0C55-447D-B6C7-9D1F874F5C09}"/>
               </a:ext>
             </a:extLst>
           </p:cNvPr>
@@ -3528,7 +4430,7 @@
           <p:cNvPr id="4" name="Date Placeholder 3">
             <a:extLst>
               <a:ext uri="{FF2B5EF4-FFF2-40B4-BE49-F238E27FC236}">
-                <a16:creationId xmlns:a16="http://schemas.microsoft.com/office/drawing/2014/main" xmlns="" id="{F1B7C85C-1BF1-4950-B43A-59AD5269A9F0}"/>
+                <a16:creationId xmlns:a16="http://schemas.microsoft.com/office/drawing/2014/main" id="{F1B7C85C-1BF1-4950-B43A-59AD5269A9F0}"/>
               </a:ext>
             </a:extLst>
           </p:cNvPr>
@@ -3557,7 +4459,7 @@
           <p:cNvPr id="5" name="Footer Placeholder 4">
             <a:extLst>
               <a:ext uri="{FF2B5EF4-FFF2-40B4-BE49-F238E27FC236}">
-                <a16:creationId xmlns:a16="http://schemas.microsoft.com/office/drawing/2014/main" xmlns="" id="{568F2E04-3CB8-4938-AF27-5931DF06D740}"/>
+                <a16:creationId xmlns:a16="http://schemas.microsoft.com/office/drawing/2014/main" id="{568F2E04-3CB8-4938-AF27-5931DF06D740}"/>
               </a:ext>
             </a:extLst>
           </p:cNvPr>
@@ -3582,7 +4484,7 @@
           <p:cNvPr id="6" name="Slide Number Placeholder 5">
             <a:extLst>
               <a:ext uri="{FF2B5EF4-FFF2-40B4-BE49-F238E27FC236}">
-                <a16:creationId xmlns:a16="http://schemas.microsoft.com/office/drawing/2014/main" xmlns="" id="{293CBD6E-211B-4A03-AF4D-6181280D8199}"/>
+                <a16:creationId xmlns:a16="http://schemas.microsoft.com/office/drawing/2014/main" id="{293CBD6E-211B-4A03-AF4D-6181280D8199}"/>
               </a:ext>
             </a:extLst>
           </p:cNvPr>
@@ -3642,7 +4544,7 @@
           <p:cNvPr id="2" name="Title 1">
             <a:extLst>
               <a:ext uri="{FF2B5EF4-FFF2-40B4-BE49-F238E27FC236}">
-                <a16:creationId xmlns:a16="http://schemas.microsoft.com/office/drawing/2014/main" xmlns="" id="{3C4CF13E-51F4-4B90-8092-1994733A6395}"/>
+                <a16:creationId xmlns:a16="http://schemas.microsoft.com/office/drawing/2014/main" id="{3C4CF13E-51F4-4B90-8092-1994733A6395}"/>
               </a:ext>
             </a:extLst>
           </p:cNvPr>
@@ -3670,7 +4572,7 @@
           <p:cNvPr id="3" name="Content Placeholder 2">
             <a:extLst>
               <a:ext uri="{FF2B5EF4-FFF2-40B4-BE49-F238E27FC236}">
-                <a16:creationId xmlns:a16="http://schemas.microsoft.com/office/drawing/2014/main" xmlns="" id="{DF22BCDD-C476-4DA0-973D-B2CAB9467A5F}"/>
+                <a16:creationId xmlns:a16="http://schemas.microsoft.com/office/drawing/2014/main" id="{DF22BCDD-C476-4DA0-973D-B2CAB9467A5F}"/>
               </a:ext>
             </a:extLst>
           </p:cNvPr>
@@ -3732,7 +4634,7 @@
           <p:cNvPr id="4" name="Content Placeholder 3">
             <a:extLst>
               <a:ext uri="{FF2B5EF4-FFF2-40B4-BE49-F238E27FC236}">
-                <a16:creationId xmlns:a16="http://schemas.microsoft.com/office/drawing/2014/main" xmlns="" id="{C9405961-7FE0-4A2E-86ED-2FE8BE9AA1A0}"/>
+                <a16:creationId xmlns:a16="http://schemas.microsoft.com/office/drawing/2014/main" id="{C9405961-7FE0-4A2E-86ED-2FE8BE9AA1A0}"/>
               </a:ext>
             </a:extLst>
           </p:cNvPr>
@@ -3794,7 +4696,7 @@
           <p:cNvPr id="5" name="Date Placeholder 4">
             <a:extLst>
               <a:ext uri="{FF2B5EF4-FFF2-40B4-BE49-F238E27FC236}">
-                <a16:creationId xmlns:a16="http://schemas.microsoft.com/office/drawing/2014/main" xmlns="" id="{485BD408-AF47-4882-97A4-F63E724B77FC}"/>
+                <a16:creationId xmlns:a16="http://schemas.microsoft.com/office/drawing/2014/main" id="{485BD408-AF47-4882-97A4-F63E724B77FC}"/>
               </a:ext>
             </a:extLst>
           </p:cNvPr>
@@ -3823,7 +4725,7 @@
           <p:cNvPr id="6" name="Footer Placeholder 5">
             <a:extLst>
               <a:ext uri="{FF2B5EF4-FFF2-40B4-BE49-F238E27FC236}">
-                <a16:creationId xmlns:a16="http://schemas.microsoft.com/office/drawing/2014/main" xmlns="" id="{D0693D62-073D-4844-8649-2A5910B15359}"/>
+                <a16:creationId xmlns:a16="http://schemas.microsoft.com/office/drawing/2014/main" id="{D0693D62-073D-4844-8649-2A5910B15359}"/>
               </a:ext>
             </a:extLst>
           </p:cNvPr>
@@ -3848,7 +4750,7 @@
           <p:cNvPr id="7" name="Slide Number Placeholder 6">
             <a:extLst>
               <a:ext uri="{FF2B5EF4-FFF2-40B4-BE49-F238E27FC236}">
-                <a16:creationId xmlns:a16="http://schemas.microsoft.com/office/drawing/2014/main" xmlns="" id="{7F2AB4B2-7B06-4F2F-AA1F-0B481AA8C360}"/>
+                <a16:creationId xmlns:a16="http://schemas.microsoft.com/office/drawing/2014/main" id="{7F2AB4B2-7B06-4F2F-AA1F-0B481AA8C360}"/>
               </a:ext>
             </a:extLst>
           </p:cNvPr>
@@ -3877,7 +4779,7 @@
           <p:cNvPr id="8" name="Straight Connector 7">
             <a:extLst>
               <a:ext uri="{FF2B5EF4-FFF2-40B4-BE49-F238E27FC236}">
-                <a16:creationId xmlns:a16="http://schemas.microsoft.com/office/drawing/2014/main" xmlns="" id="{6130423A-8A35-4D2F-859E-5DF2142AEB4D}"/>
+                <a16:creationId xmlns:a16="http://schemas.microsoft.com/office/drawing/2014/main" id="{6130423A-8A35-4D2F-859E-5DF2142AEB4D}"/>
               </a:ext>
             </a:extLst>
           </p:cNvPr>
@@ -3948,7 +4850,7 @@
           <p:cNvPr id="2" name="Title 1">
             <a:extLst>
               <a:ext uri="{FF2B5EF4-FFF2-40B4-BE49-F238E27FC236}">
-                <a16:creationId xmlns:a16="http://schemas.microsoft.com/office/drawing/2014/main" xmlns="" id="{7144F659-6DA8-409E-8B64-1F77EF8562BF}"/>
+                <a16:creationId xmlns:a16="http://schemas.microsoft.com/office/drawing/2014/main" id="{7144F659-6DA8-409E-8B64-1F77EF8562BF}"/>
               </a:ext>
             </a:extLst>
           </p:cNvPr>
@@ -3981,7 +4883,7 @@
           <p:cNvPr id="3" name="Text Placeholder 2">
             <a:extLst>
               <a:ext uri="{FF2B5EF4-FFF2-40B4-BE49-F238E27FC236}">
-                <a16:creationId xmlns:a16="http://schemas.microsoft.com/office/drawing/2014/main" xmlns="" id="{C358C77B-FE05-48CC-9BDF-0D5BF396C5F0}"/>
+                <a16:creationId xmlns:a16="http://schemas.microsoft.com/office/drawing/2014/main" id="{C358C77B-FE05-48CC-9BDF-0D5BF396C5F0}"/>
               </a:ext>
             </a:extLst>
           </p:cNvPr>
@@ -4052,7 +4954,7 @@
           <p:cNvPr id="4" name="Content Placeholder 3">
             <a:extLst>
               <a:ext uri="{FF2B5EF4-FFF2-40B4-BE49-F238E27FC236}">
-                <a16:creationId xmlns:a16="http://schemas.microsoft.com/office/drawing/2014/main" xmlns="" id="{E41F2205-FC3B-4060-80E0-DA742A0BA989}"/>
+                <a16:creationId xmlns:a16="http://schemas.microsoft.com/office/drawing/2014/main" id="{E41F2205-FC3B-4060-80E0-DA742A0BA989}"/>
               </a:ext>
             </a:extLst>
           </p:cNvPr>
@@ -4114,7 +5016,7 @@
           <p:cNvPr id="5" name="Text Placeholder 4">
             <a:extLst>
               <a:ext uri="{FF2B5EF4-FFF2-40B4-BE49-F238E27FC236}">
-                <a16:creationId xmlns:a16="http://schemas.microsoft.com/office/drawing/2014/main" xmlns="" id="{C4E4CA06-C864-46EF-B8F0-236C8E63CE3E}"/>
+                <a16:creationId xmlns:a16="http://schemas.microsoft.com/office/drawing/2014/main" id="{C4E4CA06-C864-46EF-B8F0-236C8E63CE3E}"/>
               </a:ext>
             </a:extLst>
           </p:cNvPr>
@@ -4185,7 +5087,7 @@
           <p:cNvPr id="6" name="Content Placeholder 5">
             <a:extLst>
               <a:ext uri="{FF2B5EF4-FFF2-40B4-BE49-F238E27FC236}">
-                <a16:creationId xmlns:a16="http://schemas.microsoft.com/office/drawing/2014/main" xmlns="" id="{634CA3E9-B83C-400E-A4F9-1F7E0FE1A724}"/>
+                <a16:creationId xmlns:a16="http://schemas.microsoft.com/office/drawing/2014/main" id="{634CA3E9-B83C-400E-A4F9-1F7E0FE1A724}"/>
               </a:ext>
             </a:extLst>
           </p:cNvPr>
@@ -4247,7 +5149,7 @@
           <p:cNvPr id="7" name="Date Placeholder 6">
             <a:extLst>
               <a:ext uri="{FF2B5EF4-FFF2-40B4-BE49-F238E27FC236}">
-                <a16:creationId xmlns:a16="http://schemas.microsoft.com/office/drawing/2014/main" xmlns="" id="{416B7495-F980-4E4F-A1AA-BEA448EBC5BB}"/>
+                <a16:creationId xmlns:a16="http://schemas.microsoft.com/office/drawing/2014/main" id="{416B7495-F980-4E4F-A1AA-BEA448EBC5BB}"/>
               </a:ext>
             </a:extLst>
           </p:cNvPr>
@@ -4276,7 +5178,7 @@
           <p:cNvPr id="8" name="Footer Placeholder 7">
             <a:extLst>
               <a:ext uri="{FF2B5EF4-FFF2-40B4-BE49-F238E27FC236}">
-                <a16:creationId xmlns:a16="http://schemas.microsoft.com/office/drawing/2014/main" xmlns="" id="{2A41ABE2-6179-4E88-B875-6A3C6A0CF2CF}"/>
+                <a16:creationId xmlns:a16="http://schemas.microsoft.com/office/drawing/2014/main" id="{2A41ABE2-6179-4E88-B875-6A3C6A0CF2CF}"/>
               </a:ext>
             </a:extLst>
           </p:cNvPr>
@@ -4301,7 +5203,7 @@
           <p:cNvPr id="9" name="Slide Number Placeholder 8">
             <a:extLst>
               <a:ext uri="{FF2B5EF4-FFF2-40B4-BE49-F238E27FC236}">
-                <a16:creationId xmlns:a16="http://schemas.microsoft.com/office/drawing/2014/main" xmlns="" id="{CDD045FA-1884-4059-9051-E53A8607DE2E}"/>
+                <a16:creationId xmlns:a16="http://schemas.microsoft.com/office/drawing/2014/main" id="{CDD045FA-1884-4059-9051-E53A8607DE2E}"/>
               </a:ext>
             </a:extLst>
           </p:cNvPr>
@@ -4330,7 +5232,7 @@
           <p:cNvPr id="10" name="Straight Connector 9">
             <a:extLst>
               <a:ext uri="{FF2B5EF4-FFF2-40B4-BE49-F238E27FC236}">
-                <a16:creationId xmlns:a16="http://schemas.microsoft.com/office/drawing/2014/main" xmlns="" id="{1D4E4AE4-42BB-4247-9A9A-B642E6994745}"/>
+                <a16:creationId xmlns:a16="http://schemas.microsoft.com/office/drawing/2014/main" id="{1D4E4AE4-42BB-4247-9A9A-B642E6994745}"/>
               </a:ext>
             </a:extLst>
           </p:cNvPr>
@@ -4401,7 +5303,7 @@
           <p:cNvPr id="2" name="Title 1">
             <a:extLst>
               <a:ext uri="{FF2B5EF4-FFF2-40B4-BE49-F238E27FC236}">
-                <a16:creationId xmlns:a16="http://schemas.microsoft.com/office/drawing/2014/main" xmlns="" id="{6F7EB8E5-A929-4F2E-87F8-B1BF4055C3DC}"/>
+                <a16:creationId xmlns:a16="http://schemas.microsoft.com/office/drawing/2014/main" id="{6F7EB8E5-A929-4F2E-87F8-B1BF4055C3DC}"/>
               </a:ext>
             </a:extLst>
           </p:cNvPr>
@@ -4429,7 +5331,7 @@
           <p:cNvPr id="3" name="Date Placeholder 2">
             <a:extLst>
               <a:ext uri="{FF2B5EF4-FFF2-40B4-BE49-F238E27FC236}">
-                <a16:creationId xmlns:a16="http://schemas.microsoft.com/office/drawing/2014/main" xmlns="" id="{B9B4D636-CFD1-408F-BB1C-F8F56960EF73}"/>
+                <a16:creationId xmlns:a16="http://schemas.microsoft.com/office/drawing/2014/main" id="{B9B4D636-CFD1-408F-BB1C-F8F56960EF73}"/>
               </a:ext>
             </a:extLst>
           </p:cNvPr>
@@ -4458,7 +5360,7 @@
           <p:cNvPr id="4" name="Footer Placeholder 3">
             <a:extLst>
               <a:ext uri="{FF2B5EF4-FFF2-40B4-BE49-F238E27FC236}">
-                <a16:creationId xmlns:a16="http://schemas.microsoft.com/office/drawing/2014/main" xmlns="" id="{9D1B00F6-1555-48FA-80AB-DFFE7122BCD6}"/>
+                <a16:creationId xmlns:a16="http://schemas.microsoft.com/office/drawing/2014/main" id="{9D1B00F6-1555-48FA-80AB-DFFE7122BCD6}"/>
               </a:ext>
             </a:extLst>
           </p:cNvPr>
@@ -4483,7 +5385,7 @@
           <p:cNvPr id="5" name="Slide Number Placeholder 4">
             <a:extLst>
               <a:ext uri="{FF2B5EF4-FFF2-40B4-BE49-F238E27FC236}">
-                <a16:creationId xmlns:a16="http://schemas.microsoft.com/office/drawing/2014/main" xmlns="" id="{CC6C2D28-2E3C-4475-922E-9E6E3F7B81EF}"/>
+                <a16:creationId xmlns:a16="http://schemas.microsoft.com/office/drawing/2014/main" id="{CC6C2D28-2E3C-4475-922E-9E6E3F7B81EF}"/>
               </a:ext>
             </a:extLst>
           </p:cNvPr>
@@ -4542,7 +5444,7 @@
           <p:cNvPr id="2" name="Date Placeholder 1">
             <a:extLst>
               <a:ext uri="{FF2B5EF4-FFF2-40B4-BE49-F238E27FC236}">
-                <a16:creationId xmlns:a16="http://schemas.microsoft.com/office/drawing/2014/main" xmlns="" id="{FF033503-9E53-412D-B439-820FCB965B16}"/>
+                <a16:creationId xmlns:a16="http://schemas.microsoft.com/office/drawing/2014/main" id="{FF033503-9E53-412D-B439-820FCB965B16}"/>
               </a:ext>
             </a:extLst>
           </p:cNvPr>
@@ -4571,7 +5473,7 @@
           <p:cNvPr id="3" name="Footer Placeholder 2">
             <a:extLst>
               <a:ext uri="{FF2B5EF4-FFF2-40B4-BE49-F238E27FC236}">
-                <a16:creationId xmlns:a16="http://schemas.microsoft.com/office/drawing/2014/main" xmlns="" id="{5661269A-6A46-4710-9D0E-82E244722132}"/>
+                <a16:creationId xmlns:a16="http://schemas.microsoft.com/office/drawing/2014/main" id="{5661269A-6A46-4710-9D0E-82E244722132}"/>
               </a:ext>
             </a:extLst>
           </p:cNvPr>
@@ -4596,7 +5498,7 @@
           <p:cNvPr id="4" name="Slide Number Placeholder 3">
             <a:extLst>
               <a:ext uri="{FF2B5EF4-FFF2-40B4-BE49-F238E27FC236}">
-                <a16:creationId xmlns:a16="http://schemas.microsoft.com/office/drawing/2014/main" xmlns="" id="{ADBE1E59-5C51-42CE-A8C0-83A6ECA72292}"/>
+                <a16:creationId xmlns:a16="http://schemas.microsoft.com/office/drawing/2014/main" id="{ADBE1E59-5C51-42CE-A8C0-83A6ECA72292}"/>
               </a:ext>
             </a:extLst>
           </p:cNvPr>
@@ -4625,7 +5527,7 @@
           <p:cNvPr id="5" name="Picture 2" descr="C:\Users\njones\Dropbox (2U)\Work\Designing Slides\SMU\Design Brief\logo\logo_datasci_SMU.png">
             <a:extLst>
               <a:ext uri="{FF2B5EF4-FFF2-40B4-BE49-F238E27FC236}">
-                <a16:creationId xmlns:a16="http://schemas.microsoft.com/office/drawing/2014/main" xmlns="" id="{CAB93218-3890-43BA-AC23-AD4892919D43}"/>
+                <a16:creationId xmlns:a16="http://schemas.microsoft.com/office/drawing/2014/main" id="{CAB93218-3890-43BA-AC23-AD4892919D43}"/>
               </a:ext>
             </a:extLst>
           </p:cNvPr>
@@ -4702,7 +5604,7 @@
           <p:cNvPr id="2" name="Title 1">
             <a:extLst>
               <a:ext uri="{FF2B5EF4-FFF2-40B4-BE49-F238E27FC236}">
-                <a16:creationId xmlns:a16="http://schemas.microsoft.com/office/drawing/2014/main" xmlns="" id="{9573BD60-4815-46DA-A10F-BC3CEC304006}"/>
+                <a16:creationId xmlns:a16="http://schemas.microsoft.com/office/drawing/2014/main" id="{9573BD60-4815-46DA-A10F-BC3CEC304006}"/>
               </a:ext>
             </a:extLst>
           </p:cNvPr>
@@ -4739,7 +5641,7 @@
           <p:cNvPr id="3" name="Content Placeholder 2">
             <a:extLst>
               <a:ext uri="{FF2B5EF4-FFF2-40B4-BE49-F238E27FC236}">
-                <a16:creationId xmlns:a16="http://schemas.microsoft.com/office/drawing/2014/main" xmlns="" id="{71D465B9-7198-4E83-BE88-50835B2C5C07}"/>
+                <a16:creationId xmlns:a16="http://schemas.microsoft.com/office/drawing/2014/main" id="{71D465B9-7198-4E83-BE88-50835B2C5C07}"/>
               </a:ext>
             </a:extLst>
           </p:cNvPr>
@@ -4829,7 +5731,7 @@
           <p:cNvPr id="4" name="Text Placeholder 3">
             <a:extLst>
               <a:ext uri="{FF2B5EF4-FFF2-40B4-BE49-F238E27FC236}">
-                <a16:creationId xmlns:a16="http://schemas.microsoft.com/office/drawing/2014/main" xmlns="" id="{C642147F-9934-4613-B8FD-60859FC5F452}"/>
+                <a16:creationId xmlns:a16="http://schemas.microsoft.com/office/drawing/2014/main" id="{C642147F-9934-4613-B8FD-60859FC5F452}"/>
               </a:ext>
             </a:extLst>
           </p:cNvPr>
@@ -4900,7 +5802,7 @@
           <p:cNvPr id="5" name="Date Placeholder 4">
             <a:extLst>
               <a:ext uri="{FF2B5EF4-FFF2-40B4-BE49-F238E27FC236}">
-                <a16:creationId xmlns:a16="http://schemas.microsoft.com/office/drawing/2014/main" xmlns="" id="{110D8999-2373-432C-A3F1-9DD328941D40}"/>
+                <a16:creationId xmlns:a16="http://schemas.microsoft.com/office/drawing/2014/main" id="{110D8999-2373-432C-A3F1-9DD328941D40}"/>
               </a:ext>
             </a:extLst>
           </p:cNvPr>
@@ -4929,7 +5831,7 @@
           <p:cNvPr id="6" name="Footer Placeholder 5">
             <a:extLst>
               <a:ext uri="{FF2B5EF4-FFF2-40B4-BE49-F238E27FC236}">
-                <a16:creationId xmlns:a16="http://schemas.microsoft.com/office/drawing/2014/main" xmlns="" id="{3B0C47CF-EFEC-4439-BAAF-E5E5F16BC9E1}"/>
+                <a16:creationId xmlns:a16="http://schemas.microsoft.com/office/drawing/2014/main" id="{3B0C47CF-EFEC-4439-BAAF-E5E5F16BC9E1}"/>
               </a:ext>
             </a:extLst>
           </p:cNvPr>
@@ -4954,7 +5856,7 @@
           <p:cNvPr id="7" name="Slide Number Placeholder 6">
             <a:extLst>
               <a:ext uri="{FF2B5EF4-FFF2-40B4-BE49-F238E27FC236}">
-                <a16:creationId xmlns:a16="http://schemas.microsoft.com/office/drawing/2014/main" xmlns="" id="{94CD92CB-45E7-4B48-BBBC-02927AA80F7F}"/>
+                <a16:creationId xmlns:a16="http://schemas.microsoft.com/office/drawing/2014/main" id="{94CD92CB-45E7-4B48-BBBC-02927AA80F7F}"/>
               </a:ext>
             </a:extLst>
           </p:cNvPr>
@@ -5014,7 +5916,7 @@
           <p:cNvPr id="2" name="Title 1">
             <a:extLst>
               <a:ext uri="{FF2B5EF4-FFF2-40B4-BE49-F238E27FC236}">
-                <a16:creationId xmlns:a16="http://schemas.microsoft.com/office/drawing/2014/main" xmlns="" id="{26915001-53DE-4A30-998C-24CBE25E97BF}"/>
+                <a16:creationId xmlns:a16="http://schemas.microsoft.com/office/drawing/2014/main" id="{26915001-53DE-4A30-998C-24CBE25E97BF}"/>
               </a:ext>
             </a:extLst>
           </p:cNvPr>
@@ -5051,7 +5953,7 @@
           <p:cNvPr id="3" name="Picture Placeholder 2">
             <a:extLst>
               <a:ext uri="{FF2B5EF4-FFF2-40B4-BE49-F238E27FC236}">
-                <a16:creationId xmlns:a16="http://schemas.microsoft.com/office/drawing/2014/main" xmlns="" id="{172169E9-E64D-48A6-AA98-7101F22F3980}"/>
+                <a16:creationId xmlns:a16="http://schemas.microsoft.com/office/drawing/2014/main" id="{172169E9-E64D-48A6-AA98-7101F22F3980}"/>
               </a:ext>
             </a:extLst>
           </p:cNvPr>
@@ -5118,7 +6020,7 @@
           <p:cNvPr id="4" name="Text Placeholder 3">
             <a:extLst>
               <a:ext uri="{FF2B5EF4-FFF2-40B4-BE49-F238E27FC236}">
-                <a16:creationId xmlns:a16="http://schemas.microsoft.com/office/drawing/2014/main" xmlns="" id="{7FD77A60-F242-4108-9478-EB9DF7BA2910}"/>
+                <a16:creationId xmlns:a16="http://schemas.microsoft.com/office/drawing/2014/main" id="{7FD77A60-F242-4108-9478-EB9DF7BA2910}"/>
               </a:ext>
             </a:extLst>
           </p:cNvPr>
@@ -5189,7 +6091,7 @@
           <p:cNvPr id="5" name="Date Placeholder 4">
             <a:extLst>
               <a:ext uri="{FF2B5EF4-FFF2-40B4-BE49-F238E27FC236}">
-                <a16:creationId xmlns:a16="http://schemas.microsoft.com/office/drawing/2014/main" xmlns="" id="{625B6853-EBC4-4762-9AA2-AE81A41E507F}"/>
+                <a16:creationId xmlns:a16="http://schemas.microsoft.com/office/drawing/2014/main" id="{625B6853-EBC4-4762-9AA2-AE81A41E507F}"/>
               </a:ext>
             </a:extLst>
           </p:cNvPr>
@@ -5218,7 +6120,7 @@
           <p:cNvPr id="6" name="Footer Placeholder 5">
             <a:extLst>
               <a:ext uri="{FF2B5EF4-FFF2-40B4-BE49-F238E27FC236}">
-                <a16:creationId xmlns:a16="http://schemas.microsoft.com/office/drawing/2014/main" xmlns="" id="{E2A2A058-73DA-4FDD-AC4A-4915D297ABFA}"/>
+                <a16:creationId xmlns:a16="http://schemas.microsoft.com/office/drawing/2014/main" id="{E2A2A058-73DA-4FDD-AC4A-4915D297ABFA}"/>
               </a:ext>
             </a:extLst>
           </p:cNvPr>
@@ -5243,7 +6145,7 @@
           <p:cNvPr id="7" name="Slide Number Placeholder 6">
             <a:extLst>
               <a:ext uri="{FF2B5EF4-FFF2-40B4-BE49-F238E27FC236}">
-                <a16:creationId xmlns:a16="http://schemas.microsoft.com/office/drawing/2014/main" xmlns="" id="{D3B7569D-CD12-4DBC-9165-688CD7CD8A00}"/>
+                <a16:creationId xmlns:a16="http://schemas.microsoft.com/office/drawing/2014/main" id="{D3B7569D-CD12-4DBC-9165-688CD7CD8A00}"/>
               </a:ext>
             </a:extLst>
           </p:cNvPr>
@@ -5441,7 +6343,7 @@
           <p:cNvPr id="2" name="Title 1">
             <a:extLst>
               <a:ext uri="{FF2B5EF4-FFF2-40B4-BE49-F238E27FC236}">
-                <a16:creationId xmlns:a16="http://schemas.microsoft.com/office/drawing/2014/main" xmlns="" id="{3D2A5C66-BD54-4A52-AF54-2608618BF659}"/>
+                <a16:creationId xmlns:a16="http://schemas.microsoft.com/office/drawing/2014/main" id="{3D2A5C66-BD54-4A52-AF54-2608618BF659}"/>
               </a:ext>
             </a:extLst>
           </p:cNvPr>
@@ -5469,7 +6371,7 @@
           <p:cNvPr id="3" name="Vertical Text Placeholder 2">
             <a:extLst>
               <a:ext uri="{FF2B5EF4-FFF2-40B4-BE49-F238E27FC236}">
-                <a16:creationId xmlns:a16="http://schemas.microsoft.com/office/drawing/2014/main" xmlns="" id="{0E69D13B-2CE3-439F-8A73-2189BC181B17}"/>
+                <a16:creationId xmlns:a16="http://schemas.microsoft.com/office/drawing/2014/main" id="{0E69D13B-2CE3-439F-8A73-2189BC181B17}"/>
               </a:ext>
             </a:extLst>
           </p:cNvPr>
@@ -5526,7 +6428,7 @@
           <p:cNvPr id="4" name="Date Placeholder 3">
             <a:extLst>
               <a:ext uri="{FF2B5EF4-FFF2-40B4-BE49-F238E27FC236}">
-                <a16:creationId xmlns:a16="http://schemas.microsoft.com/office/drawing/2014/main" xmlns="" id="{3DB0E91A-0699-4658-99EF-C95E38F1A62D}"/>
+                <a16:creationId xmlns:a16="http://schemas.microsoft.com/office/drawing/2014/main" id="{3DB0E91A-0699-4658-99EF-C95E38F1A62D}"/>
               </a:ext>
             </a:extLst>
           </p:cNvPr>
@@ -5555,7 +6457,7 @@
           <p:cNvPr id="5" name="Footer Placeholder 4">
             <a:extLst>
               <a:ext uri="{FF2B5EF4-FFF2-40B4-BE49-F238E27FC236}">
-                <a16:creationId xmlns:a16="http://schemas.microsoft.com/office/drawing/2014/main" xmlns="" id="{9498F090-EE59-46FD-B1FE-AB64D31AEFF1}"/>
+                <a16:creationId xmlns:a16="http://schemas.microsoft.com/office/drawing/2014/main" id="{9498F090-EE59-46FD-B1FE-AB64D31AEFF1}"/>
               </a:ext>
             </a:extLst>
           </p:cNvPr>
@@ -5580,7 +6482,7 @@
           <p:cNvPr id="6" name="Slide Number Placeholder 5">
             <a:extLst>
               <a:ext uri="{FF2B5EF4-FFF2-40B4-BE49-F238E27FC236}">
-                <a16:creationId xmlns:a16="http://schemas.microsoft.com/office/drawing/2014/main" xmlns="" id="{21EC4754-AD1B-4E50-BF97-709F2F9726A6}"/>
+                <a16:creationId xmlns:a16="http://schemas.microsoft.com/office/drawing/2014/main" id="{21EC4754-AD1B-4E50-BF97-709F2F9726A6}"/>
               </a:ext>
             </a:extLst>
           </p:cNvPr>
@@ -5640,7 +6542,7 @@
           <p:cNvPr id="2" name="Vertical Title 1">
             <a:extLst>
               <a:ext uri="{FF2B5EF4-FFF2-40B4-BE49-F238E27FC236}">
-                <a16:creationId xmlns:a16="http://schemas.microsoft.com/office/drawing/2014/main" xmlns="" id="{325E064C-BB38-4CB8-B44D-6D8A27B86DFA}"/>
+                <a16:creationId xmlns:a16="http://schemas.microsoft.com/office/drawing/2014/main" id="{325E064C-BB38-4CB8-B44D-6D8A27B86DFA}"/>
               </a:ext>
             </a:extLst>
           </p:cNvPr>
@@ -5673,7 +6575,7 @@
           <p:cNvPr id="3" name="Vertical Text Placeholder 2">
             <a:extLst>
               <a:ext uri="{FF2B5EF4-FFF2-40B4-BE49-F238E27FC236}">
-                <a16:creationId xmlns:a16="http://schemas.microsoft.com/office/drawing/2014/main" xmlns="" id="{498DCB24-0599-415D-92BA-60F26AC5C9E9}"/>
+                <a16:creationId xmlns:a16="http://schemas.microsoft.com/office/drawing/2014/main" id="{498DCB24-0599-415D-92BA-60F26AC5C9E9}"/>
               </a:ext>
             </a:extLst>
           </p:cNvPr>
@@ -5735,7 +6637,7 @@
           <p:cNvPr id="4" name="Date Placeholder 3">
             <a:extLst>
               <a:ext uri="{FF2B5EF4-FFF2-40B4-BE49-F238E27FC236}">
-                <a16:creationId xmlns:a16="http://schemas.microsoft.com/office/drawing/2014/main" xmlns="" id="{02236383-1701-4F8A-9085-1738E079AA0F}"/>
+                <a16:creationId xmlns:a16="http://schemas.microsoft.com/office/drawing/2014/main" id="{02236383-1701-4F8A-9085-1738E079AA0F}"/>
               </a:ext>
             </a:extLst>
           </p:cNvPr>
@@ -5764,7 +6666,7 @@
           <p:cNvPr id="5" name="Footer Placeholder 4">
             <a:extLst>
               <a:ext uri="{FF2B5EF4-FFF2-40B4-BE49-F238E27FC236}">
-                <a16:creationId xmlns:a16="http://schemas.microsoft.com/office/drawing/2014/main" xmlns="" id="{3A440648-90BE-4647-8C47-20DB553BC392}"/>
+                <a16:creationId xmlns:a16="http://schemas.microsoft.com/office/drawing/2014/main" id="{3A440648-90BE-4647-8C47-20DB553BC392}"/>
               </a:ext>
             </a:extLst>
           </p:cNvPr>
@@ -5789,7 +6691,7 @@
           <p:cNvPr id="6" name="Slide Number Placeholder 5">
             <a:extLst>
               <a:ext uri="{FF2B5EF4-FFF2-40B4-BE49-F238E27FC236}">
-                <a16:creationId xmlns:a16="http://schemas.microsoft.com/office/drawing/2014/main" xmlns="" id="{977B9881-7621-4848-8B79-4DACBFACC92F}"/>
+                <a16:creationId xmlns:a16="http://schemas.microsoft.com/office/drawing/2014/main" id="{977B9881-7621-4848-8B79-4DACBFACC92F}"/>
               </a:ext>
             </a:extLst>
           </p:cNvPr>
@@ -7510,7 +8412,7 @@
           <p:cNvPr id="2" name="Title Placeholder 1">
             <a:extLst>
               <a:ext uri="{FF2B5EF4-FFF2-40B4-BE49-F238E27FC236}">
-                <a16:creationId xmlns:a16="http://schemas.microsoft.com/office/drawing/2014/main" xmlns="" id="{0D542255-984A-411B-8206-B6A43FF677D3}"/>
+                <a16:creationId xmlns:a16="http://schemas.microsoft.com/office/drawing/2014/main" id="{0D542255-984A-411B-8206-B6A43FF677D3}"/>
               </a:ext>
             </a:extLst>
           </p:cNvPr>
@@ -7548,7 +8450,7 @@
           <p:cNvPr id="3" name="Text Placeholder 2">
             <a:extLst>
               <a:ext uri="{FF2B5EF4-FFF2-40B4-BE49-F238E27FC236}">
-                <a16:creationId xmlns:a16="http://schemas.microsoft.com/office/drawing/2014/main" xmlns="" id="{016234EA-EB5E-4A6A-90BD-9C1FE1FD8D0C}"/>
+                <a16:creationId xmlns:a16="http://schemas.microsoft.com/office/drawing/2014/main" id="{016234EA-EB5E-4A6A-90BD-9C1FE1FD8D0C}"/>
               </a:ext>
             </a:extLst>
           </p:cNvPr>
@@ -7615,7 +8517,7 @@
           <p:cNvPr id="4" name="Date Placeholder 3">
             <a:extLst>
               <a:ext uri="{FF2B5EF4-FFF2-40B4-BE49-F238E27FC236}">
-                <a16:creationId xmlns:a16="http://schemas.microsoft.com/office/drawing/2014/main" xmlns="" id="{9B966B8B-C053-4C75-9465-DD9D0ADE44FD}"/>
+                <a16:creationId xmlns:a16="http://schemas.microsoft.com/office/drawing/2014/main" id="{9B966B8B-C053-4C75-9465-DD9D0ADE44FD}"/>
               </a:ext>
             </a:extLst>
           </p:cNvPr>
@@ -7662,7 +8564,7 @@
           <p:cNvPr id="5" name="Footer Placeholder 4">
             <a:extLst>
               <a:ext uri="{FF2B5EF4-FFF2-40B4-BE49-F238E27FC236}">
-                <a16:creationId xmlns:a16="http://schemas.microsoft.com/office/drawing/2014/main" xmlns="" id="{FB5E2A8D-E1E3-4EC8-A675-F4B69202AA4B}"/>
+                <a16:creationId xmlns:a16="http://schemas.microsoft.com/office/drawing/2014/main" id="{FB5E2A8D-E1E3-4EC8-A675-F4B69202AA4B}"/>
               </a:ext>
             </a:extLst>
           </p:cNvPr>
@@ -7705,7 +8607,7 @@
           <p:cNvPr id="6" name="Slide Number Placeholder 5">
             <a:extLst>
               <a:ext uri="{FF2B5EF4-FFF2-40B4-BE49-F238E27FC236}">
-                <a16:creationId xmlns:a16="http://schemas.microsoft.com/office/drawing/2014/main" xmlns="" id="{91F26CB0-E05A-4E9B-BDDD-2DDD382CE575}"/>
+                <a16:creationId xmlns:a16="http://schemas.microsoft.com/office/drawing/2014/main" id="{91F26CB0-E05A-4E9B-BDDD-2DDD382CE575}"/>
               </a:ext>
             </a:extLst>
           </p:cNvPr>
@@ -7752,7 +8654,7 @@
           <p:cNvPr id="7" name="Rectangle 6">
             <a:extLst>
               <a:ext uri="{FF2B5EF4-FFF2-40B4-BE49-F238E27FC236}">
-                <a16:creationId xmlns:a16="http://schemas.microsoft.com/office/drawing/2014/main" xmlns="" id="{BE0AD535-A34F-4B45-A2C9-B967B1057F6C}"/>
+                <a16:creationId xmlns:a16="http://schemas.microsoft.com/office/drawing/2014/main" id="{BE0AD535-A34F-4B45-A2C9-B967B1057F6C}"/>
               </a:ext>
             </a:extLst>
           </p:cNvPr>
@@ -7806,7 +8708,7 @@
           <p:cNvPr id="8" name="Rectangle 7">
             <a:extLst>
               <a:ext uri="{FF2B5EF4-FFF2-40B4-BE49-F238E27FC236}">
-                <a16:creationId xmlns:a16="http://schemas.microsoft.com/office/drawing/2014/main" xmlns="" id="{CFCA9BB1-D63A-4E13-9B3D-57C9E8B4D423}"/>
+                <a16:creationId xmlns:a16="http://schemas.microsoft.com/office/drawing/2014/main" id="{CFCA9BB1-D63A-4E13-9B3D-57C9E8B4D423}"/>
               </a:ext>
             </a:extLst>
           </p:cNvPr>
@@ -8182,7 +9084,7 @@
           <p:cNvPr id="2" name="Title 1">
             <a:extLst>
               <a:ext uri="{FF2B5EF4-FFF2-40B4-BE49-F238E27FC236}">
-                <a16:creationId xmlns:a16="http://schemas.microsoft.com/office/drawing/2014/main" xmlns="" id="{415649E1-0182-6342-BE54-103E4D478F60}"/>
+                <a16:creationId xmlns:a16="http://schemas.microsoft.com/office/drawing/2014/main" id="{415649E1-0182-6342-BE54-103E4D478F60}"/>
               </a:ext>
             </a:extLst>
           </p:cNvPr>
@@ -8250,12 +9152,12 @@
   <p:clrMapOvr>
     <a:masterClrMapping/>
   </p:clrMapOvr>
-  <mc:AlternateContent xmlns:mc="http://schemas.openxmlformats.org/markup-compatibility/2006" xmlns:p14="http://schemas.microsoft.com/office/powerpoint/2010/main">
-    <mc:Choice Requires="p14">
-      <p:transition spd="slow" p14:dur="2000" advTm="10676"/>
+  <mc:AlternateContent xmlns:mc="http://schemas.openxmlformats.org/markup-compatibility/2006">
+    <mc:Choice xmlns:p14="http://schemas.microsoft.com/office/powerpoint/2010/main" Requires="p14">
+      <p:transition spd="slow" p14:dur="2000" advTm="12891"/>
     </mc:Choice>
-    <mc:Fallback xmlns="">
-      <p:transition spd="slow" advTm="10676"/>
+    <mc:Fallback>
+      <p:transition spd="slow" advTm="12891"/>
     </mc:Fallback>
   </mc:AlternateContent>
 </p:sld>
@@ -8283,7 +9185,7 @@
           <p:cNvPr id="2" name="Title 1">
             <a:extLst>
               <a:ext uri="{FF2B5EF4-FFF2-40B4-BE49-F238E27FC236}">
-                <a16:creationId xmlns:a16="http://schemas.microsoft.com/office/drawing/2014/main" xmlns="" id="{FDEBE078-1C38-49CE-8E97-43A8D563A5D8}"/>
+                <a16:creationId xmlns:a16="http://schemas.microsoft.com/office/drawing/2014/main" id="{FDEBE078-1C38-49CE-8E97-43A8D563A5D8}"/>
               </a:ext>
             </a:extLst>
           </p:cNvPr>
@@ -8311,7 +9213,7 @@
           <p:cNvPr id="24" name="Content Placeholder 23">
             <a:extLst>
               <a:ext uri="{FF2B5EF4-FFF2-40B4-BE49-F238E27FC236}">
-                <a16:creationId xmlns:a16="http://schemas.microsoft.com/office/drawing/2014/main" xmlns="" id="{04476466-D3B3-4652-9ED3-2F6B3E113B7E}"/>
+                <a16:creationId xmlns:a16="http://schemas.microsoft.com/office/drawing/2014/main" id="{04476466-D3B3-4652-9ED3-2F6B3E113B7E}"/>
               </a:ext>
             </a:extLst>
           </p:cNvPr>
@@ -8330,9 +9232,29 @@
         </p:spPr>
         <p:txBody>
           <a:bodyPr>
-            <a:normAutofit/>
+            <a:normAutofit fontScale="77500" lnSpcReduction="20000"/>
           </a:bodyPr>
           <a:lstStyle/>
+          <a:p>
+            <a:r>
+              <a:rPr lang="en-US" dirty="0"/>
+              <a:t>4 regressors (time, volume, </a:t>
+            </a:r>
+            <a:r>
+              <a:rPr lang="en-US" dirty="0" err="1"/>
+              <a:t>hilo</a:t>
+            </a:r>
+            <a:r>
+              <a:rPr lang="en-US" dirty="0"/>
+              <a:t>, open/close) in blue</a:t>
+            </a:r>
+          </a:p>
+          <a:p>
+            <a:r>
+              <a:rPr lang="en-US" dirty="0"/>
+              <a:t>2 lags in grey</a:t>
+            </a:r>
+          </a:p>
           <a:p>
             <a:r>
               <a:rPr lang="en-US" dirty="0"/>
@@ -8355,7 +9277,7 @@
           <p:cNvPr id="25" name="Content Placeholder 4">
             <a:extLst>
               <a:ext uri="{FF2B5EF4-FFF2-40B4-BE49-F238E27FC236}">
-                <a16:creationId xmlns:a16="http://schemas.microsoft.com/office/drawing/2014/main" xmlns="" id="{F75CF71A-6B34-4679-AD9E-4876F2A64D87}"/>
+                <a16:creationId xmlns:a16="http://schemas.microsoft.com/office/drawing/2014/main" id="{F75CF71A-6B34-4679-AD9E-4876F2A64D87}"/>
               </a:ext>
             </a:extLst>
           </p:cNvPr>
@@ -8385,7 +9307,7 @@
           <p:cNvPr id="26" name="Content Placeholder 19" descr="A picture containing table, bird&#10;&#10;Description automatically generated">
             <a:extLst>
               <a:ext uri="{FF2B5EF4-FFF2-40B4-BE49-F238E27FC236}">
-                <a16:creationId xmlns:a16="http://schemas.microsoft.com/office/drawing/2014/main" xmlns="" id="{3FD9897A-2BC4-4F91-ABCB-4ED24A4643E0}"/>
+                <a16:creationId xmlns:a16="http://schemas.microsoft.com/office/drawing/2014/main" id="{3FD9897A-2BC4-4F91-ABCB-4ED24A4643E0}"/>
               </a:ext>
             </a:extLst>
           </p:cNvPr>
@@ -8415,7 +9337,7 @@
           <p:cNvPr id="27" name="TextBox 26">
             <a:extLst>
               <a:ext uri="{FF2B5EF4-FFF2-40B4-BE49-F238E27FC236}">
-                <a16:creationId xmlns:a16="http://schemas.microsoft.com/office/drawing/2014/main" xmlns="" id="{7E39D82B-7C13-415E-BFC5-AED29E5D07DD}"/>
+                <a16:creationId xmlns:a16="http://schemas.microsoft.com/office/drawing/2014/main" id="{7E39D82B-7C13-415E-BFC5-AED29E5D07DD}"/>
               </a:ext>
             </a:extLst>
           </p:cNvPr>
@@ -8461,6 +9383,14 @@
   <p:clrMapOvr>
     <a:masterClrMapping/>
   </p:clrMapOvr>
+  <mc:AlternateContent xmlns:mc="http://schemas.openxmlformats.org/markup-compatibility/2006">
+    <mc:Choice xmlns:p14="http://schemas.microsoft.com/office/powerpoint/2010/main" Requires="p14">
+      <p:transition spd="slow" p14:dur="2000" advTm="31780"/>
+    </mc:Choice>
+    <mc:Fallback>
+      <p:transition spd="slow" advTm="31780"/>
+    </mc:Fallback>
+  </mc:AlternateContent>
 </p:sld>
 </file>
 
@@ -8486,7 +9416,7 @@
           <p:cNvPr id="2" name="Title 1">
             <a:extLst>
               <a:ext uri="{FF2B5EF4-FFF2-40B4-BE49-F238E27FC236}">
-                <a16:creationId xmlns:a16="http://schemas.microsoft.com/office/drawing/2014/main" xmlns="" id="{7AE7E75F-E5D0-4D7E-A151-0938E8483110}"/>
+                <a16:creationId xmlns:a16="http://schemas.microsoft.com/office/drawing/2014/main" id="{7AE7E75F-E5D0-4D7E-A151-0938E8483110}"/>
               </a:ext>
             </a:extLst>
           </p:cNvPr>
@@ -8514,7 +9444,7 @@
           <p:cNvPr id="4" name="Content Placeholder 3">
             <a:extLst>
               <a:ext uri="{FF2B5EF4-FFF2-40B4-BE49-F238E27FC236}">
-                <a16:creationId xmlns:a16="http://schemas.microsoft.com/office/drawing/2014/main" xmlns="" id="{C524D586-9BA9-4A57-B217-9DE56CA9FACB}"/>
+                <a16:creationId xmlns:a16="http://schemas.microsoft.com/office/drawing/2014/main" id="{C524D586-9BA9-4A57-B217-9DE56CA9FACB}"/>
               </a:ext>
             </a:extLst>
           </p:cNvPr>
@@ -8558,7 +9488,7 @@
           <p:cNvPr id="8" name="Content Placeholder 4">
             <a:extLst>
               <a:ext uri="{FF2B5EF4-FFF2-40B4-BE49-F238E27FC236}">
-                <a16:creationId xmlns:a16="http://schemas.microsoft.com/office/drawing/2014/main" xmlns="" id="{29B27657-3457-4BAC-A548-F63216B62298}"/>
+                <a16:creationId xmlns:a16="http://schemas.microsoft.com/office/drawing/2014/main" id="{29B27657-3457-4BAC-A548-F63216B62298}"/>
               </a:ext>
             </a:extLst>
           </p:cNvPr>
@@ -8590,7 +9520,7 @@
           <p:cNvPr id="9" name="TextBox 8">
             <a:extLst>
               <a:ext uri="{FF2B5EF4-FFF2-40B4-BE49-F238E27FC236}">
-                <a16:creationId xmlns:a16="http://schemas.microsoft.com/office/drawing/2014/main" xmlns="" id="{8AD713BD-B152-4CE4-8AC3-2BD741AB17AC}"/>
+                <a16:creationId xmlns:a16="http://schemas.microsoft.com/office/drawing/2014/main" id="{8AD713BD-B152-4CE4-8AC3-2BD741AB17AC}"/>
               </a:ext>
             </a:extLst>
           </p:cNvPr>
@@ -8633,7 +9563,7 @@
               <p:cNvPr id="10" name="Rectangle 9">
                 <a:extLst>
                   <a:ext uri="{FF2B5EF4-FFF2-40B4-BE49-F238E27FC236}">
-                    <a16:creationId xmlns:a16="http://schemas.microsoft.com/office/drawing/2014/main" xmlns="" id="{F6FF6F98-D5ED-4298-A490-03FBEB6CF1BC}"/>
+                    <a16:creationId xmlns:a16="http://schemas.microsoft.com/office/drawing/2014/main" id="{F6FF6F98-D5ED-4298-A490-03FBEB6CF1BC}"/>
                   </a:ext>
                 </a:extLst>
               </p:cNvPr>
@@ -9050,7 +9980,7 @@
           <p:cNvPr id="11" name="Rectangle 10">
             <a:extLst>
               <a:ext uri="{FF2B5EF4-FFF2-40B4-BE49-F238E27FC236}">
-                <a16:creationId xmlns:a16="http://schemas.microsoft.com/office/drawing/2014/main" xmlns="" id="{44FC85B3-FD68-4E12-99DB-F0E1101D6599}"/>
+                <a16:creationId xmlns:a16="http://schemas.microsoft.com/office/drawing/2014/main" id="{44FC85B3-FD68-4E12-99DB-F0E1101D6599}"/>
               </a:ext>
             </a:extLst>
           </p:cNvPr>
@@ -9085,7 +10015,7 @@
           <p:cNvPr id="12" name="Rectangle 11">
             <a:extLst>
               <a:ext uri="{FF2B5EF4-FFF2-40B4-BE49-F238E27FC236}">
-                <a16:creationId xmlns:a16="http://schemas.microsoft.com/office/drawing/2014/main" xmlns="" id="{A2DE9F2D-08F2-4AE4-AF7E-CA9C1AEE02CF}"/>
+                <a16:creationId xmlns:a16="http://schemas.microsoft.com/office/drawing/2014/main" id="{A2DE9F2D-08F2-4AE4-AF7E-CA9C1AEE02CF}"/>
               </a:ext>
             </a:extLst>
           </p:cNvPr>
@@ -9124,6 +10054,14 @@
   <p:clrMapOvr>
     <a:masterClrMapping/>
   </p:clrMapOvr>
+  <mc:AlternateContent xmlns:mc="http://schemas.openxmlformats.org/markup-compatibility/2006">
+    <mc:Choice xmlns:p14="http://schemas.microsoft.com/office/powerpoint/2010/main" Requires="p14">
+      <p:transition spd="slow" p14:dur="2000" advTm="26471"/>
+    </mc:Choice>
+    <mc:Fallback>
+      <p:transition spd="slow" advTm="26471"/>
+    </mc:Fallback>
+  </mc:AlternateContent>
 </p:sld>
 </file>
 
@@ -9149,7 +10087,7 @@
           <p:cNvPr id="2" name="Title 1">
             <a:extLst>
               <a:ext uri="{FF2B5EF4-FFF2-40B4-BE49-F238E27FC236}">
-                <a16:creationId xmlns:a16="http://schemas.microsoft.com/office/drawing/2014/main" xmlns="" id="{35AF407F-225A-4172-B3D9-88A68FDB32F8}"/>
+                <a16:creationId xmlns:a16="http://schemas.microsoft.com/office/drawing/2014/main" id="{35AF407F-225A-4172-B3D9-88A68FDB32F8}"/>
               </a:ext>
             </a:extLst>
           </p:cNvPr>
@@ -9177,7 +10115,7 @@
           <p:cNvPr id="4" name="Table 5">
             <a:extLst>
               <a:ext uri="{FF2B5EF4-FFF2-40B4-BE49-F238E27FC236}">
-                <a16:creationId xmlns:a16="http://schemas.microsoft.com/office/drawing/2014/main" xmlns="" id="{3A315912-E693-4369-A3C8-9B67BF129049}"/>
+                <a16:creationId xmlns:a16="http://schemas.microsoft.com/office/drawing/2014/main" id="{3A315912-E693-4369-A3C8-9B67BF129049}"/>
               </a:ext>
             </a:extLst>
           </p:cNvPr>
@@ -9188,7 +10126,7 @@
             <p:ph idx="1"/>
             <p:extLst>
               <p:ext uri="{D42A27DB-BD31-4B8C-83A1-F6EECF244321}">
-                <p14:modId xmlns:p14="http://schemas.microsoft.com/office/powerpoint/2010/main" val="2608959252"/>
+                <p14:modId xmlns:p14="http://schemas.microsoft.com/office/powerpoint/2010/main" val="393306147"/>
               </p:ext>
             </p:extLst>
           </p:nvPr>
@@ -9207,28 +10145,28 @@
                 <a:gridCol w="1189355">
                   <a:extLst>
                     <a:ext uri="{9D8B030D-6E8A-4147-A177-3AD203B41FA5}">
-                      <a16:colId xmlns:a16="http://schemas.microsoft.com/office/drawing/2014/main" xmlns="" val="3685785100"/>
+                      <a16:colId xmlns:a16="http://schemas.microsoft.com/office/drawing/2014/main" val="3685785100"/>
                     </a:ext>
                   </a:extLst>
                 </a:gridCol>
                 <a:gridCol w="1179946">
                   <a:extLst>
                     <a:ext uri="{9D8B030D-6E8A-4147-A177-3AD203B41FA5}">
-                      <a16:colId xmlns:a16="http://schemas.microsoft.com/office/drawing/2014/main" xmlns="" val="3097926865"/>
+                      <a16:colId xmlns:a16="http://schemas.microsoft.com/office/drawing/2014/main" val="3097926865"/>
                     </a:ext>
                   </a:extLst>
                 </a:gridCol>
                 <a:gridCol w="1179946">
                   <a:extLst>
                     <a:ext uri="{9D8B030D-6E8A-4147-A177-3AD203B41FA5}">
-                      <a16:colId xmlns:a16="http://schemas.microsoft.com/office/drawing/2014/main" xmlns="" val="167857884"/>
+                      <a16:colId xmlns:a16="http://schemas.microsoft.com/office/drawing/2014/main" val="167857884"/>
                     </a:ext>
                   </a:extLst>
                 </a:gridCol>
                 <a:gridCol w="1179946">
                   <a:extLst>
                     <a:ext uri="{9D8B030D-6E8A-4147-A177-3AD203B41FA5}">
-                      <a16:colId xmlns:a16="http://schemas.microsoft.com/office/drawing/2014/main" xmlns="" val="3538674640"/>
+                      <a16:colId xmlns:a16="http://schemas.microsoft.com/office/drawing/2014/main" val="3538674640"/>
                     </a:ext>
                   </a:extLst>
                 </a:gridCol>
@@ -9431,367 +10369,7 @@
                 </a:tc>
                 <a:extLst>
                   <a:ext uri="{0D108BD9-81ED-4DB2-BD59-A6C34878D82A}">
-                    <a16:rowId xmlns:a16="http://schemas.microsoft.com/office/drawing/2014/main" xmlns="" val="3869851288"/>
-                  </a:ext>
-                </a:extLst>
-              </a:tr>
-              <a:tr h="370840">
-                <a:tc>
-                  <a:txBody>
-                    <a:bodyPr/>
-                    <a:lstStyle/>
-                    <a:p>
-                      <a:pPr algn="ctr" rtl="0" fontAlgn="ctr"/>
-                      <a:r>
-                        <a:rPr lang="en-US" sz="1350" b="0" i="0" u="none" strike="noStrike">
-                          <a:solidFill>
-                            <a:srgbClr val="000000"/>
-                          </a:solidFill>
-                          <a:effectLst/>
-                          <a:latin typeface="Calibri" panose="020F0502020204030204" pitchFamily="34" charset="0"/>
-                        </a:rPr>
-                        <a:t>Ensemble</a:t>
-                      </a:r>
-                    </a:p>
-                  </a:txBody>
-                  <a:tcPr marL="7620" marR="7620" marT="7620" marB="0" anchor="ctr">
-                    <a:lnR w="3175" cap="flat" cmpd="sng" algn="ctr">
-                      <a:solidFill>
-                        <a:schemeClr val="tx1"/>
-                      </a:solidFill>
-                      <a:prstDash val="solid"/>
-                      <a:round/>
-                      <a:headEnd type="none" w="med" len="med"/>
-                      <a:tailEnd type="none" w="med" len="med"/>
-                    </a:lnR>
-                    <a:lnT w="12700" cap="flat" cmpd="sng" algn="ctr">
-                      <a:solidFill>
-                        <a:schemeClr val="tx1"/>
-                      </a:solidFill>
-                      <a:prstDash val="solid"/>
-                      <a:round/>
-                      <a:headEnd type="none" w="med" len="med"/>
-                      <a:tailEnd type="none" w="med" len="med"/>
-                    </a:lnT>
-                    <a:noFill/>
-                  </a:tcPr>
-                </a:tc>
-                <a:tc>
-                  <a:txBody>
-                    <a:bodyPr/>
-                    <a:lstStyle/>
-                    <a:p>
-                      <a:pPr algn="ctr" rtl="0" fontAlgn="ctr"/>
-                      <a:r>
-                        <a:rPr lang="en-US" sz="1350" b="0" i="0" u="none" strike="noStrike">
-                          <a:solidFill>
-                            <a:srgbClr val="000000"/>
-                          </a:solidFill>
-                          <a:effectLst/>
-                          <a:latin typeface="Calibri" panose="020F0502020204030204" pitchFamily="34" charset="0"/>
-                        </a:rPr>
-                        <a:t>N/A</a:t>
-                      </a:r>
-                    </a:p>
-                  </a:txBody>
-                  <a:tcPr marL="7620" marR="7620" marT="7620" marB="0" anchor="ctr">
-                    <a:lnL w="3175" cap="flat" cmpd="sng" algn="ctr">
-                      <a:solidFill>
-                        <a:schemeClr val="tx1"/>
-                      </a:solidFill>
-                      <a:prstDash val="solid"/>
-                      <a:round/>
-                      <a:headEnd type="none" w="med" len="med"/>
-                      <a:tailEnd type="none" w="med" len="med"/>
-                    </a:lnL>
-                    <a:lnR w="3175" cap="flat" cmpd="sng" algn="ctr">
-                      <a:solidFill>
-                        <a:schemeClr val="tx1"/>
-                      </a:solidFill>
-                      <a:prstDash val="solid"/>
-                      <a:round/>
-                      <a:headEnd type="none" w="med" len="med"/>
-                      <a:tailEnd type="none" w="med" len="med"/>
-                    </a:lnR>
-                    <a:lnT w="12700" cap="flat" cmpd="sng" algn="ctr">
-                      <a:solidFill>
-                        <a:schemeClr val="tx1"/>
-                      </a:solidFill>
-                      <a:prstDash val="solid"/>
-                      <a:round/>
-                      <a:headEnd type="none" w="med" len="med"/>
-                      <a:tailEnd type="none" w="med" len="med"/>
-                    </a:lnT>
-                    <a:noFill/>
-                  </a:tcPr>
-                </a:tc>
-                <a:tc>
-                  <a:txBody>
-                    <a:bodyPr/>
-                    <a:lstStyle/>
-                    <a:p>
-                      <a:pPr algn="ctr" rtl="0" fontAlgn="ctr"/>
-                      <a:r>
-                        <a:rPr lang="en-US" sz="1350" b="0" i="0" u="none" strike="noStrike">
-                          <a:solidFill>
-                            <a:srgbClr val="000000"/>
-                          </a:solidFill>
-                          <a:effectLst/>
-                          <a:latin typeface="Calibri" panose="020F0502020204030204" pitchFamily="34" charset="0"/>
-                        </a:rPr>
-                        <a:t>0.07</a:t>
-                      </a:r>
-                    </a:p>
-                  </a:txBody>
-                  <a:tcPr marL="7620" marR="7620" marT="7620" marB="0" anchor="ctr">
-                    <a:lnL w="3175" cap="flat" cmpd="sng" algn="ctr">
-                      <a:solidFill>
-                        <a:schemeClr val="tx1"/>
-                      </a:solidFill>
-                      <a:prstDash val="solid"/>
-                      <a:round/>
-                      <a:headEnd type="none" w="med" len="med"/>
-                      <a:tailEnd type="none" w="med" len="med"/>
-                    </a:lnL>
-                    <a:lnR w="3175" cap="flat" cmpd="sng" algn="ctr">
-                      <a:solidFill>
-                        <a:schemeClr val="tx1"/>
-                      </a:solidFill>
-                      <a:prstDash val="solid"/>
-                      <a:round/>
-                      <a:headEnd type="none" w="med" len="med"/>
-                      <a:tailEnd type="none" w="med" len="med"/>
-                    </a:lnR>
-                    <a:lnT w="12700" cap="flat" cmpd="sng" algn="ctr">
-                      <a:solidFill>
-                        <a:schemeClr val="tx1"/>
-                      </a:solidFill>
-                      <a:prstDash val="solid"/>
-                      <a:round/>
-                      <a:headEnd type="none" w="med" len="med"/>
-                      <a:tailEnd type="none" w="med" len="med"/>
-                    </a:lnT>
-                    <a:noFill/>
-                  </a:tcPr>
-                </a:tc>
-                <a:tc>
-                  <a:txBody>
-                    <a:bodyPr/>
-                    <a:lstStyle/>
-                    <a:p>
-                      <a:pPr algn="ctr" rtl="0" fontAlgn="ctr"/>
-                      <a:r>
-                        <a:rPr lang="en-US" sz="1350" b="0" i="0" u="none" strike="noStrike">
-                          <a:solidFill>
-                            <a:srgbClr val="000000"/>
-                          </a:solidFill>
-                          <a:effectLst/>
-                          <a:latin typeface="Calibri" panose="020F0502020204030204" pitchFamily="34" charset="0"/>
-                        </a:rPr>
-                        <a:t>0.138</a:t>
-                      </a:r>
-                    </a:p>
-                  </a:txBody>
-                  <a:tcPr marL="7620" marR="7620" marT="7620" marB="0" anchor="ctr">
-                    <a:lnL w="3175" cap="flat" cmpd="sng" algn="ctr">
-                      <a:solidFill>
-                        <a:schemeClr val="tx1"/>
-                      </a:solidFill>
-                      <a:prstDash val="solid"/>
-                      <a:round/>
-                      <a:headEnd type="none" w="med" len="med"/>
-                      <a:tailEnd type="none" w="med" len="med"/>
-                    </a:lnL>
-                    <a:lnR w="3175" cap="flat" cmpd="sng" algn="ctr">
-                      <a:solidFill>
-                        <a:schemeClr val="tx1"/>
-                      </a:solidFill>
-                      <a:prstDash val="solid"/>
-                      <a:round/>
-                      <a:headEnd type="none" w="med" len="med"/>
-                      <a:tailEnd type="none" w="med" len="med"/>
-                    </a:lnR>
-                    <a:lnT w="12700" cap="flat" cmpd="sng" algn="ctr">
-                      <a:solidFill>
-                        <a:schemeClr val="tx1"/>
-                      </a:solidFill>
-                      <a:prstDash val="solid"/>
-                      <a:round/>
-                      <a:headEnd type="none" w="med" len="med"/>
-                      <a:tailEnd type="none" w="med" len="med"/>
-                    </a:lnT>
-                    <a:noFill/>
-                  </a:tcPr>
-                </a:tc>
-                <a:extLst>
-                  <a:ext uri="{0D108BD9-81ED-4DB2-BD59-A6C34878D82A}">
-                    <a16:rowId xmlns:a16="http://schemas.microsoft.com/office/drawing/2014/main" xmlns="" val="3200255482"/>
-                  </a:ext>
-                </a:extLst>
-              </a:tr>
-              <a:tr h="370840">
-                <a:tc>
-                  <a:txBody>
-                    <a:bodyPr/>
-                    <a:lstStyle/>
-                    <a:p>
-                      <a:pPr algn="ctr" rtl="0" fontAlgn="ctr"/>
-                      <a:r>
-                        <a:rPr lang="en-US" sz="1350" b="0" i="0" u="none" strike="noStrike">
-                          <a:solidFill>
-                            <a:srgbClr val="000000"/>
-                          </a:solidFill>
-                          <a:effectLst/>
-                          <a:latin typeface="Calibri" panose="020F0502020204030204" pitchFamily="34" charset="0"/>
-                        </a:rPr>
-                        <a:t>NN</a:t>
-                      </a:r>
-                    </a:p>
-                  </a:txBody>
-                  <a:tcPr marL="7620" marR="7620" marT="7620" marB="0" anchor="ctr">
-                    <a:lnR w="3175" cap="flat" cmpd="sng" algn="ctr">
-                      <a:solidFill>
-                        <a:schemeClr val="tx1"/>
-                      </a:solidFill>
-                      <a:prstDash val="solid"/>
-                      <a:round/>
-                      <a:headEnd type="none" w="med" len="med"/>
-                      <a:tailEnd type="none" w="med" len="med"/>
-                    </a:lnR>
-                    <a:solidFill>
-                      <a:schemeClr val="bg2"/>
-                    </a:solidFill>
-                  </a:tcPr>
-                </a:tc>
-                <a:tc>
-                  <a:txBody>
-                    <a:bodyPr/>
-                    <a:lstStyle/>
-                    <a:p>
-                      <a:pPr algn="ctr" rtl="0" fontAlgn="ctr"/>
-                      <a:r>
-                        <a:rPr lang="en-US" sz="1350" b="0" i="0" u="none" strike="noStrike">
-                          <a:solidFill>
-                            <a:srgbClr val="000000"/>
-                          </a:solidFill>
-                          <a:effectLst/>
-                          <a:latin typeface="Calibri" panose="020F0502020204030204" pitchFamily="34" charset="0"/>
-                        </a:rPr>
-                        <a:t>N/A</a:t>
-                      </a:r>
-                    </a:p>
-                  </a:txBody>
-                  <a:tcPr marL="7620" marR="7620" marT="7620" marB="0" anchor="ctr">
-                    <a:lnL w="3175" cap="flat" cmpd="sng" algn="ctr">
-                      <a:solidFill>
-                        <a:schemeClr val="tx1"/>
-                      </a:solidFill>
-                      <a:prstDash val="solid"/>
-                      <a:round/>
-                      <a:headEnd type="none" w="med" len="med"/>
-                      <a:tailEnd type="none" w="med" len="med"/>
-                    </a:lnL>
-                    <a:lnR w="3175" cap="flat" cmpd="sng" algn="ctr">
-                      <a:solidFill>
-                        <a:schemeClr val="tx1"/>
-                      </a:solidFill>
-                      <a:prstDash val="solid"/>
-                      <a:round/>
-                      <a:headEnd type="none" w="med" len="med"/>
-                      <a:tailEnd type="none" w="med" len="med"/>
-                    </a:lnR>
-                    <a:solidFill>
-                      <a:schemeClr val="bg2"/>
-                    </a:solidFill>
-                  </a:tcPr>
-                </a:tc>
-                <a:tc>
-                  <a:txBody>
-                    <a:bodyPr/>
-                    <a:lstStyle/>
-                    <a:p>
-                      <a:pPr algn="ctr" rtl="0" fontAlgn="ctr"/>
-                      <a:r>
-                        <a:rPr lang="en-US" sz="1350" b="0" i="0" u="none" strike="noStrike">
-                          <a:solidFill>
-                            <a:srgbClr val="000000"/>
-                          </a:solidFill>
-                          <a:effectLst/>
-                          <a:latin typeface="Calibri" panose="020F0502020204030204" pitchFamily="34" charset="0"/>
-                        </a:rPr>
-                        <a:t>0.063</a:t>
-                      </a:r>
-                    </a:p>
-                  </a:txBody>
-                  <a:tcPr marL="7620" marR="7620" marT="7620" marB="0" anchor="ctr">
-                    <a:lnL w="3175" cap="flat" cmpd="sng" algn="ctr">
-                      <a:solidFill>
-                        <a:schemeClr val="tx1"/>
-                      </a:solidFill>
-                      <a:prstDash val="solid"/>
-                      <a:round/>
-                      <a:headEnd type="none" w="med" len="med"/>
-                      <a:tailEnd type="none" w="med" len="med"/>
-                    </a:lnL>
-                    <a:lnR w="3175" cap="flat" cmpd="sng" algn="ctr">
-                      <a:solidFill>
-                        <a:schemeClr val="tx1"/>
-                      </a:solidFill>
-                      <a:prstDash val="solid"/>
-                      <a:round/>
-                      <a:headEnd type="none" w="med" len="med"/>
-                      <a:tailEnd type="none" w="med" len="med"/>
-                    </a:lnR>
-                    <a:solidFill>
-                      <a:schemeClr val="bg2"/>
-                    </a:solidFill>
-                  </a:tcPr>
-                </a:tc>
-                <a:tc>
-                  <a:txBody>
-                    <a:bodyPr/>
-                    <a:lstStyle/>
-                    <a:p>
-                      <a:pPr algn="ctr" rtl="0" fontAlgn="ctr"/>
-                      <a:r>
-                        <a:rPr lang="en-US" sz="1350" b="0" i="0" u="none" strike="noStrike">
-                          <a:solidFill>
-                            <a:srgbClr val="000000"/>
-                          </a:solidFill>
-                          <a:effectLst/>
-                          <a:latin typeface="Calibri" panose="020F0502020204030204" pitchFamily="34" charset="0"/>
-                        </a:rPr>
-                        <a:t>0.142</a:t>
-                      </a:r>
-                    </a:p>
-                  </a:txBody>
-                  <a:tcPr marL="7620" marR="7620" marT="7620" marB="0" anchor="ctr">
-                    <a:lnL w="3175" cap="flat" cmpd="sng" algn="ctr">
-                      <a:solidFill>
-                        <a:schemeClr val="tx1"/>
-                      </a:solidFill>
-                      <a:prstDash val="solid"/>
-                      <a:round/>
-                      <a:headEnd type="none" w="med" len="med"/>
-                      <a:tailEnd type="none" w="med" len="med"/>
-                    </a:lnL>
-                    <a:lnR w="3175" cap="flat" cmpd="sng" algn="ctr">
-                      <a:solidFill>
-                        <a:schemeClr val="tx1"/>
-                      </a:solidFill>
-                      <a:prstDash val="solid"/>
-                      <a:round/>
-                      <a:headEnd type="none" w="med" len="med"/>
-                      <a:tailEnd type="none" w="med" len="med"/>
-                    </a:lnR>
-                    <a:solidFill>
-                      <a:schemeClr val="bg2"/>
-                    </a:solidFill>
-                  </a:tcPr>
-                </a:tc>
-                <a:extLst>
-                  <a:ext uri="{0D108BD9-81ED-4DB2-BD59-A6C34878D82A}">
-                    <a16:rowId xmlns:a16="http://schemas.microsoft.com/office/drawing/2014/main" xmlns="" val="3226780701"/>
+                    <a16:rowId xmlns:a16="http://schemas.microsoft.com/office/drawing/2014/main" val="3869851288"/>
                   </a:ext>
                 </a:extLst>
               </a:tr>
@@ -9843,6 +10421,15 @@
                       <a:headEnd type="none" w="med" len="med"/>
                       <a:tailEnd type="none" w="med" len="med"/>
                     </a:lnR>
+                    <a:lnT w="12700" cap="flat" cmpd="sng" algn="ctr">
+                      <a:solidFill>
+                        <a:schemeClr val="tx1"/>
+                      </a:solidFill>
+                      <a:prstDash val="solid"/>
+                      <a:round/>
+                      <a:headEnd type="none" w="med" len="med"/>
+                      <a:tailEnd type="none" w="med" len="med"/>
+                    </a:lnT>
                     <a:noFill/>
                   </a:tcPr>
                 </a:tc>
@@ -9883,6 +10470,15 @@
                       <a:headEnd type="none" w="med" len="med"/>
                       <a:tailEnd type="none" w="med" len="med"/>
                     </a:lnR>
+                    <a:lnT w="12700" cap="flat" cmpd="sng" algn="ctr">
+                      <a:solidFill>
+                        <a:schemeClr val="tx1"/>
+                      </a:solidFill>
+                      <a:prstDash val="solid"/>
+                      <a:round/>
+                      <a:headEnd type="none" w="med" len="med"/>
+                      <a:tailEnd type="none" w="med" len="med"/>
+                    </a:lnT>
                     <a:noFill/>
                   </a:tcPr>
                 </a:tc>
@@ -9923,6 +10519,15 @@
                       <a:headEnd type="none" w="med" len="med"/>
                       <a:tailEnd type="none" w="med" len="med"/>
                     </a:lnR>
+                    <a:lnT w="12700" cap="flat" cmpd="sng" algn="ctr">
+                      <a:solidFill>
+                        <a:schemeClr val="tx1"/>
+                      </a:solidFill>
+                      <a:prstDash val="solid"/>
+                      <a:round/>
+                      <a:headEnd type="none" w="med" len="med"/>
+                      <a:tailEnd type="none" w="med" len="med"/>
+                    </a:lnT>
                     <a:noFill/>
                   </a:tcPr>
                 </a:tc>
@@ -9963,12 +10568,21 @@
                       <a:headEnd type="none" w="med" len="med"/>
                       <a:tailEnd type="none" w="med" len="med"/>
                     </a:lnR>
+                    <a:lnT w="12700" cap="flat" cmpd="sng" algn="ctr">
+                      <a:solidFill>
+                        <a:schemeClr val="tx1"/>
+                      </a:solidFill>
+                      <a:prstDash val="solid"/>
+                      <a:round/>
+                      <a:headEnd type="none" w="med" len="med"/>
+                      <a:tailEnd type="none" w="med" len="med"/>
+                    </a:lnT>
                     <a:noFill/>
                   </a:tcPr>
                 </a:tc>
                 <a:extLst>
                   <a:ext uri="{0D108BD9-81ED-4DB2-BD59-A6C34878D82A}">
-                    <a16:rowId xmlns:a16="http://schemas.microsoft.com/office/drawing/2014/main" xmlns="" val="312971248"/>
+                    <a16:rowId xmlns:a16="http://schemas.microsoft.com/office/drawing/2014/main" val="3200255482"/>
                   </a:ext>
                 </a:extLst>
               </a:tr>
@@ -9980,7 +10594,331 @@
                     <a:p>
                       <a:pPr algn="ctr" rtl="0" fontAlgn="ctr"/>
                       <a:r>
-                        <a:rPr lang="en-US" sz="1350" b="0" i="0" u="none" strike="noStrike">
+                        <a:rPr lang="en-US" sz="1350" b="0" i="0" u="none" strike="noStrike" dirty="0">
+                          <a:solidFill>
+                            <a:srgbClr val="000000"/>
+                          </a:solidFill>
+                          <a:effectLst/>
+                          <a:latin typeface="Calibri" panose="020F0502020204030204" pitchFamily="34" charset="0"/>
+                        </a:rPr>
+                        <a:t>Ensemble</a:t>
+                      </a:r>
+                    </a:p>
+                  </a:txBody>
+                  <a:tcPr marL="7620" marR="7620" marT="7620" marB="0" anchor="ctr">
+                    <a:lnR w="3175" cap="flat" cmpd="sng" algn="ctr">
+                      <a:solidFill>
+                        <a:schemeClr val="tx1"/>
+                      </a:solidFill>
+                      <a:prstDash val="solid"/>
+                      <a:round/>
+                      <a:headEnd type="none" w="med" len="med"/>
+                      <a:tailEnd type="none" w="med" len="med"/>
+                    </a:lnR>
+                    <a:solidFill>
+                      <a:schemeClr val="bg2"/>
+                    </a:solidFill>
+                  </a:tcPr>
+                </a:tc>
+                <a:tc>
+                  <a:txBody>
+                    <a:bodyPr/>
+                    <a:lstStyle/>
+                    <a:p>
+                      <a:pPr algn="ctr" rtl="0" fontAlgn="ctr"/>
+                      <a:r>
+                        <a:rPr lang="en-US" sz="1350" b="0" i="0" u="none" strike="noStrike" dirty="0">
+                          <a:solidFill>
+                            <a:srgbClr val="000000"/>
+                          </a:solidFill>
+                          <a:effectLst/>
+                          <a:latin typeface="Calibri" panose="020F0502020204030204" pitchFamily="34" charset="0"/>
+                        </a:rPr>
+                        <a:t>N/A</a:t>
+                      </a:r>
+                    </a:p>
+                  </a:txBody>
+                  <a:tcPr marL="7620" marR="7620" marT="7620" marB="0" anchor="ctr">
+                    <a:lnL w="3175" cap="flat" cmpd="sng" algn="ctr">
+                      <a:solidFill>
+                        <a:schemeClr val="tx1"/>
+                      </a:solidFill>
+                      <a:prstDash val="solid"/>
+                      <a:round/>
+                      <a:headEnd type="none" w="med" len="med"/>
+                      <a:tailEnd type="none" w="med" len="med"/>
+                    </a:lnL>
+                    <a:lnR w="3175" cap="flat" cmpd="sng" algn="ctr">
+                      <a:solidFill>
+                        <a:schemeClr val="tx1"/>
+                      </a:solidFill>
+                      <a:prstDash val="solid"/>
+                      <a:round/>
+                      <a:headEnd type="none" w="med" len="med"/>
+                      <a:tailEnd type="none" w="med" len="med"/>
+                    </a:lnR>
+                    <a:solidFill>
+                      <a:schemeClr val="bg2"/>
+                    </a:solidFill>
+                  </a:tcPr>
+                </a:tc>
+                <a:tc>
+                  <a:txBody>
+                    <a:bodyPr/>
+                    <a:lstStyle/>
+                    <a:p>
+                      <a:pPr algn="ctr" rtl="0" fontAlgn="ctr"/>
+                      <a:r>
+                        <a:rPr lang="en-US" sz="1350" b="0" i="0" u="none" strike="noStrike" dirty="0">
+                          <a:solidFill>
+                            <a:srgbClr val="000000"/>
+                          </a:solidFill>
+                          <a:effectLst/>
+                          <a:latin typeface="Calibri" panose="020F0502020204030204" pitchFamily="34" charset="0"/>
+                        </a:rPr>
+                        <a:t>0.07</a:t>
+                      </a:r>
+                    </a:p>
+                  </a:txBody>
+                  <a:tcPr marL="7620" marR="7620" marT="7620" marB="0" anchor="ctr">
+                    <a:lnL w="3175" cap="flat" cmpd="sng" algn="ctr">
+                      <a:solidFill>
+                        <a:schemeClr val="tx1"/>
+                      </a:solidFill>
+                      <a:prstDash val="solid"/>
+                      <a:round/>
+                      <a:headEnd type="none" w="med" len="med"/>
+                      <a:tailEnd type="none" w="med" len="med"/>
+                    </a:lnL>
+                    <a:lnR w="3175" cap="flat" cmpd="sng" algn="ctr">
+                      <a:solidFill>
+                        <a:schemeClr val="tx1"/>
+                      </a:solidFill>
+                      <a:prstDash val="solid"/>
+                      <a:round/>
+                      <a:headEnd type="none" w="med" len="med"/>
+                      <a:tailEnd type="none" w="med" len="med"/>
+                    </a:lnR>
+                    <a:solidFill>
+                      <a:schemeClr val="bg2"/>
+                    </a:solidFill>
+                  </a:tcPr>
+                </a:tc>
+                <a:tc>
+                  <a:txBody>
+                    <a:bodyPr/>
+                    <a:lstStyle/>
+                    <a:p>
+                      <a:pPr algn="ctr" rtl="0" fontAlgn="ctr"/>
+                      <a:r>
+                        <a:rPr lang="en-US" sz="1350" b="0" i="0" u="none" strike="noStrike" dirty="0">
+                          <a:solidFill>
+                            <a:srgbClr val="000000"/>
+                          </a:solidFill>
+                          <a:effectLst/>
+                          <a:latin typeface="Calibri" panose="020F0502020204030204" pitchFamily="34" charset="0"/>
+                        </a:rPr>
+                        <a:t>0.138</a:t>
+                      </a:r>
+                    </a:p>
+                  </a:txBody>
+                  <a:tcPr marL="7620" marR="7620" marT="7620" marB="0" anchor="ctr">
+                    <a:lnL w="3175" cap="flat" cmpd="sng" algn="ctr">
+                      <a:solidFill>
+                        <a:schemeClr val="tx1"/>
+                      </a:solidFill>
+                      <a:prstDash val="solid"/>
+                      <a:round/>
+                      <a:headEnd type="none" w="med" len="med"/>
+                      <a:tailEnd type="none" w="med" len="med"/>
+                    </a:lnL>
+                    <a:lnR w="3175" cap="flat" cmpd="sng" algn="ctr">
+                      <a:solidFill>
+                        <a:schemeClr val="tx1"/>
+                      </a:solidFill>
+                      <a:prstDash val="solid"/>
+                      <a:round/>
+                      <a:headEnd type="none" w="med" len="med"/>
+                      <a:tailEnd type="none" w="med" len="med"/>
+                    </a:lnR>
+                    <a:solidFill>
+                      <a:schemeClr val="bg2"/>
+                    </a:solidFill>
+                  </a:tcPr>
+                </a:tc>
+                <a:extLst>
+                  <a:ext uri="{0D108BD9-81ED-4DB2-BD59-A6C34878D82A}">
+                    <a16:rowId xmlns:a16="http://schemas.microsoft.com/office/drawing/2014/main" val="2239019651"/>
+                  </a:ext>
+                </a:extLst>
+              </a:tr>
+              <a:tr h="370840">
+                <a:tc>
+                  <a:txBody>
+                    <a:bodyPr/>
+                    <a:lstStyle/>
+                    <a:p>
+                      <a:pPr algn="ctr" rtl="0" fontAlgn="ctr"/>
+                      <a:r>
+                        <a:rPr lang="en-US" sz="1350" b="0" i="0" u="none" strike="noStrike" dirty="0">
+                          <a:solidFill>
+                            <a:srgbClr val="000000"/>
+                          </a:solidFill>
+                          <a:effectLst/>
+                          <a:latin typeface="Calibri" panose="020F0502020204030204" pitchFamily="34" charset="0"/>
+                        </a:rPr>
+                        <a:t>NN</a:t>
+                      </a:r>
+                    </a:p>
+                  </a:txBody>
+                  <a:tcPr marL="7620" marR="7620" marT="7620" marB="0" anchor="ctr">
+                    <a:lnR w="3175" cap="flat" cmpd="sng" algn="ctr">
+                      <a:solidFill>
+                        <a:schemeClr val="tx1"/>
+                      </a:solidFill>
+                      <a:prstDash val="solid"/>
+                      <a:round/>
+                      <a:headEnd type="none" w="med" len="med"/>
+                      <a:tailEnd type="none" w="med" len="med"/>
+                    </a:lnR>
+                    <a:noFill/>
+                  </a:tcPr>
+                </a:tc>
+                <a:tc>
+                  <a:txBody>
+                    <a:bodyPr/>
+                    <a:lstStyle/>
+                    <a:p>
+                      <a:pPr algn="ctr" rtl="0" fontAlgn="ctr"/>
+                      <a:r>
+                        <a:rPr lang="en-US" sz="1350" b="0" i="0" u="none" strike="noStrike" dirty="0">
+                          <a:solidFill>
+                            <a:srgbClr val="000000"/>
+                          </a:solidFill>
+                          <a:effectLst/>
+                          <a:latin typeface="Calibri" panose="020F0502020204030204" pitchFamily="34" charset="0"/>
+                        </a:rPr>
+                        <a:t>N/A</a:t>
+                      </a:r>
+                    </a:p>
+                  </a:txBody>
+                  <a:tcPr marL="7620" marR="7620" marT="7620" marB="0" anchor="ctr">
+                    <a:lnL w="3175" cap="flat" cmpd="sng" algn="ctr">
+                      <a:solidFill>
+                        <a:schemeClr val="tx1"/>
+                      </a:solidFill>
+                      <a:prstDash val="solid"/>
+                      <a:round/>
+                      <a:headEnd type="none" w="med" len="med"/>
+                      <a:tailEnd type="none" w="med" len="med"/>
+                    </a:lnL>
+                    <a:lnR w="3175" cap="flat" cmpd="sng" algn="ctr">
+                      <a:solidFill>
+                        <a:schemeClr val="tx1"/>
+                      </a:solidFill>
+                      <a:prstDash val="solid"/>
+                      <a:round/>
+                      <a:headEnd type="none" w="med" len="med"/>
+                      <a:tailEnd type="none" w="med" len="med"/>
+                    </a:lnR>
+                    <a:noFill/>
+                  </a:tcPr>
+                </a:tc>
+                <a:tc>
+                  <a:txBody>
+                    <a:bodyPr/>
+                    <a:lstStyle/>
+                    <a:p>
+                      <a:pPr algn="ctr" rtl="0" fontAlgn="ctr"/>
+                      <a:r>
+                        <a:rPr lang="en-US" sz="1350" b="0" i="0" u="none" strike="noStrike" dirty="0">
+                          <a:solidFill>
+                            <a:srgbClr val="000000"/>
+                          </a:solidFill>
+                          <a:effectLst/>
+                          <a:latin typeface="Calibri" panose="020F0502020204030204" pitchFamily="34" charset="0"/>
+                        </a:rPr>
+                        <a:t>0.063</a:t>
+                      </a:r>
+                    </a:p>
+                  </a:txBody>
+                  <a:tcPr marL="7620" marR="7620" marT="7620" marB="0" anchor="ctr">
+                    <a:lnL w="3175" cap="flat" cmpd="sng" algn="ctr">
+                      <a:solidFill>
+                        <a:schemeClr val="tx1"/>
+                      </a:solidFill>
+                      <a:prstDash val="solid"/>
+                      <a:round/>
+                      <a:headEnd type="none" w="med" len="med"/>
+                      <a:tailEnd type="none" w="med" len="med"/>
+                    </a:lnL>
+                    <a:lnR w="3175" cap="flat" cmpd="sng" algn="ctr">
+                      <a:solidFill>
+                        <a:schemeClr val="tx1"/>
+                      </a:solidFill>
+                      <a:prstDash val="solid"/>
+                      <a:round/>
+                      <a:headEnd type="none" w="med" len="med"/>
+                      <a:tailEnd type="none" w="med" len="med"/>
+                    </a:lnR>
+                    <a:noFill/>
+                  </a:tcPr>
+                </a:tc>
+                <a:tc>
+                  <a:txBody>
+                    <a:bodyPr/>
+                    <a:lstStyle/>
+                    <a:p>
+                      <a:pPr algn="ctr" rtl="0" fontAlgn="ctr"/>
+                      <a:r>
+                        <a:rPr lang="en-US" sz="1350" b="0" i="0" u="none" strike="noStrike" dirty="0">
+                          <a:solidFill>
+                            <a:srgbClr val="000000"/>
+                          </a:solidFill>
+                          <a:effectLst/>
+                          <a:latin typeface="Calibri" panose="020F0502020204030204" pitchFamily="34" charset="0"/>
+                        </a:rPr>
+                        <a:t>0.142</a:t>
+                      </a:r>
+                    </a:p>
+                  </a:txBody>
+                  <a:tcPr marL="7620" marR="7620" marT="7620" marB="0" anchor="ctr">
+                    <a:lnL w="3175" cap="flat" cmpd="sng" algn="ctr">
+                      <a:solidFill>
+                        <a:schemeClr val="tx1"/>
+                      </a:solidFill>
+                      <a:prstDash val="solid"/>
+                      <a:round/>
+                      <a:headEnd type="none" w="med" len="med"/>
+                      <a:tailEnd type="none" w="med" len="med"/>
+                    </a:lnL>
+                    <a:lnR w="3175" cap="flat" cmpd="sng" algn="ctr">
+                      <a:solidFill>
+                        <a:schemeClr val="tx1"/>
+                      </a:solidFill>
+                      <a:prstDash val="solid"/>
+                      <a:round/>
+                      <a:headEnd type="none" w="med" len="med"/>
+                      <a:tailEnd type="none" w="med" len="med"/>
+                    </a:lnR>
+                    <a:noFill/>
+                  </a:tcPr>
+                </a:tc>
+                <a:extLst>
+                  <a:ext uri="{0D108BD9-81ED-4DB2-BD59-A6C34878D82A}">
+                    <a16:rowId xmlns:a16="http://schemas.microsoft.com/office/drawing/2014/main" val="3226780701"/>
+                  </a:ext>
+                </a:extLst>
+              </a:tr>
+              <a:tr h="370840">
+                <a:tc>
+                  <a:txBody>
+                    <a:bodyPr/>
+                    <a:lstStyle/>
+                    <a:p>
+                      <a:pPr algn="ctr" rtl="0" fontAlgn="ctr"/>
+                      <a:r>
+                        <a:rPr lang="en-US" sz="1350" b="0" i="0" u="none" strike="noStrike" dirty="0">
                           <a:solidFill>
                             <a:srgbClr val="000000"/>
                           </a:solidFill>
@@ -10013,7 +10951,7 @@
                     <a:p>
                       <a:pPr algn="ctr" rtl="0" fontAlgn="ctr"/>
                       <a:r>
-                        <a:rPr lang="en-US" sz="1350" b="0" i="0" u="none" strike="noStrike">
+                        <a:rPr lang="en-US" sz="1350" b="0" i="0" u="none" strike="noStrike" dirty="0">
                           <a:solidFill>
                             <a:srgbClr val="000000"/>
                           </a:solidFill>
@@ -10097,7 +11035,7 @@
                     <a:p>
                       <a:pPr algn="ctr" rtl="0" fontAlgn="ctr"/>
                       <a:r>
-                        <a:rPr lang="en-US" sz="1350" b="0" i="0" u="none" strike="noStrike">
+                        <a:rPr lang="en-US" sz="1350" b="0" i="0" u="none" strike="noStrike" dirty="0">
                           <a:solidFill>
                             <a:srgbClr val="000000"/>
                           </a:solidFill>
@@ -10134,7 +11072,7 @@
                 </a:tc>
                 <a:extLst>
                   <a:ext uri="{0D108BD9-81ED-4DB2-BD59-A6C34878D82A}">
-                    <a16:rowId xmlns:a16="http://schemas.microsoft.com/office/drawing/2014/main" xmlns="" val="191879003"/>
+                    <a16:rowId xmlns:a16="http://schemas.microsoft.com/office/drawing/2014/main" val="191879003"/>
                   </a:ext>
                 </a:extLst>
               </a:tr>
@@ -10292,7 +11230,7 @@
                 </a:tc>
                 <a:extLst>
                   <a:ext uri="{0D108BD9-81ED-4DB2-BD59-A6C34878D82A}">
-                    <a16:rowId xmlns:a16="http://schemas.microsoft.com/office/drawing/2014/main" xmlns="" val="2562414764"/>
+                    <a16:rowId xmlns:a16="http://schemas.microsoft.com/office/drawing/2014/main" val="2562414764"/>
                   </a:ext>
                 </a:extLst>
               </a:tr>
@@ -10305,7 +11243,7 @@
           <p:cNvPr id="5" name="TextBox 4">
             <a:extLst>
               <a:ext uri="{FF2B5EF4-FFF2-40B4-BE49-F238E27FC236}">
-                <a16:creationId xmlns:a16="http://schemas.microsoft.com/office/drawing/2014/main" xmlns="" id="{BE7A8CB2-192E-4525-8763-FC5AB9C2D432}"/>
+                <a16:creationId xmlns:a16="http://schemas.microsoft.com/office/drawing/2014/main" id="{BE7A8CB2-192E-4525-8763-FC5AB9C2D432}"/>
               </a:ext>
             </a:extLst>
           </p:cNvPr>
@@ -10340,7 +11278,7 @@
           <p:cNvPr id="11" name="TextBox 10">
             <a:extLst>
               <a:ext uri="{FF2B5EF4-FFF2-40B4-BE49-F238E27FC236}">
-                <a16:creationId xmlns:a16="http://schemas.microsoft.com/office/drawing/2014/main" xmlns="" id="{88680CFF-5F04-44CE-9A64-4414B7233E89}"/>
+                <a16:creationId xmlns:a16="http://schemas.microsoft.com/office/drawing/2014/main" id="{88680CFF-5F04-44CE-9A64-4414B7233E89}"/>
               </a:ext>
             </a:extLst>
           </p:cNvPr>
@@ -10386,12 +11324,12 @@
   <p:clrMapOvr>
     <a:masterClrMapping/>
   </p:clrMapOvr>
-  <mc:AlternateContent xmlns:mc="http://schemas.openxmlformats.org/markup-compatibility/2006" xmlns:p14="http://schemas.microsoft.com/office/powerpoint/2010/main">
-    <mc:Choice Requires="p14">
-      <p:transition spd="slow" p14:dur="2000" advTm="18673"/>
+  <mc:AlternateContent xmlns:mc="http://schemas.openxmlformats.org/markup-compatibility/2006">
+    <mc:Choice xmlns:p14="http://schemas.microsoft.com/office/powerpoint/2010/main" Requires="p14">
+      <p:transition spd="slow" p14:dur="2000" advTm="36897"/>
     </mc:Choice>
-    <mc:Fallback xmlns="">
-      <p:transition spd="slow" advTm="18673"/>
+    <mc:Fallback>
+      <p:transition spd="slow" advTm="36897"/>
     </mc:Fallback>
   </mc:AlternateContent>
 </p:sld>
@@ -10419,7 +11357,7 @@
           <p:cNvPr id="2" name="Title 1">
             <a:extLst>
               <a:ext uri="{FF2B5EF4-FFF2-40B4-BE49-F238E27FC236}">
-                <a16:creationId xmlns:a16="http://schemas.microsoft.com/office/drawing/2014/main" xmlns="" id="{35AF407F-225A-4172-B3D9-88A68FDB32F8}"/>
+                <a16:creationId xmlns:a16="http://schemas.microsoft.com/office/drawing/2014/main" id="{35AF407F-225A-4172-B3D9-88A68FDB32F8}"/>
               </a:ext>
             </a:extLst>
           </p:cNvPr>
@@ -10447,7 +11385,7 @@
           <p:cNvPr id="7" name="TextBox 6">
             <a:extLst>
               <a:ext uri="{FF2B5EF4-FFF2-40B4-BE49-F238E27FC236}">
-                <a16:creationId xmlns:a16="http://schemas.microsoft.com/office/drawing/2014/main" xmlns="" id="{049991B8-0F7A-43D4-868B-CB72E066B2A6}"/>
+                <a16:creationId xmlns:a16="http://schemas.microsoft.com/office/drawing/2014/main" id="{049991B8-0F7A-43D4-868B-CB72E066B2A6}"/>
               </a:ext>
             </a:extLst>
           </p:cNvPr>
@@ -10488,7 +11426,7 @@
           <p:cNvPr id="6" name="Picture 5">
             <a:extLst>
               <a:ext uri="{FF2B5EF4-FFF2-40B4-BE49-F238E27FC236}">
-                <a16:creationId xmlns:a16="http://schemas.microsoft.com/office/drawing/2014/main" xmlns="" id="{20712D6C-C9E1-43B1-A8D2-B44E9187BD27}"/>
+                <a16:creationId xmlns:a16="http://schemas.microsoft.com/office/drawing/2014/main" id="{20712D6C-C9E1-43B1-A8D2-B44E9187BD27}"/>
               </a:ext>
             </a:extLst>
           </p:cNvPr>
@@ -10518,7 +11456,7 @@
           <p:cNvPr id="8" name="TextBox 7">
             <a:extLst>
               <a:ext uri="{FF2B5EF4-FFF2-40B4-BE49-F238E27FC236}">
-                <a16:creationId xmlns:a16="http://schemas.microsoft.com/office/drawing/2014/main" xmlns="" id="{A738AA6E-AA86-45DC-B995-F3282AE8BCD8}"/>
+                <a16:creationId xmlns:a16="http://schemas.microsoft.com/office/drawing/2014/main" id="{A738AA6E-AA86-45DC-B995-F3282AE8BCD8}"/>
               </a:ext>
             </a:extLst>
           </p:cNvPr>
@@ -10559,7 +11497,7 @@
           <p:cNvPr id="10" name="Picture 9">
             <a:extLst>
               <a:ext uri="{FF2B5EF4-FFF2-40B4-BE49-F238E27FC236}">
-                <a16:creationId xmlns:a16="http://schemas.microsoft.com/office/drawing/2014/main" xmlns="" id="{9F933DFF-4D95-4FA7-B4AD-C10B1458679B}"/>
+                <a16:creationId xmlns:a16="http://schemas.microsoft.com/office/drawing/2014/main" id="{9F933DFF-4D95-4FA7-B4AD-C10B1458679B}"/>
               </a:ext>
             </a:extLst>
           </p:cNvPr>
@@ -10589,7 +11527,7 @@
           <p:cNvPr id="11" name="Picture 10">
             <a:extLst>
               <a:ext uri="{FF2B5EF4-FFF2-40B4-BE49-F238E27FC236}">
-                <a16:creationId xmlns:a16="http://schemas.microsoft.com/office/drawing/2014/main" xmlns="" id="{C132A209-8528-4560-BF30-16EFDE28AAEA}"/>
+                <a16:creationId xmlns:a16="http://schemas.microsoft.com/office/drawing/2014/main" id="{C132A209-8528-4560-BF30-16EFDE28AAEA}"/>
               </a:ext>
             </a:extLst>
           </p:cNvPr>
@@ -10619,7 +11557,7 @@
           <p:cNvPr id="12" name="TextBox 11">
             <a:extLst>
               <a:ext uri="{FF2B5EF4-FFF2-40B4-BE49-F238E27FC236}">
-                <a16:creationId xmlns:a16="http://schemas.microsoft.com/office/drawing/2014/main" xmlns="" id="{9711FA6D-AA16-4DE5-A48A-ACED9D875198}"/>
+                <a16:creationId xmlns:a16="http://schemas.microsoft.com/office/drawing/2014/main" id="{9711FA6D-AA16-4DE5-A48A-ACED9D875198}"/>
               </a:ext>
             </a:extLst>
           </p:cNvPr>
@@ -10689,12 +11627,12 @@
   <p:clrMapOvr>
     <a:masterClrMapping/>
   </p:clrMapOvr>
-  <mc:AlternateContent xmlns:mc="http://schemas.openxmlformats.org/markup-compatibility/2006" xmlns:p14="http://schemas.microsoft.com/office/powerpoint/2010/main">
-    <mc:Choice Requires="p14">
-      <p:transition spd="slow" p14:dur="2000" advTm="18673"/>
+  <mc:AlternateContent xmlns:mc="http://schemas.openxmlformats.org/markup-compatibility/2006">
+    <mc:Choice xmlns:p14="http://schemas.microsoft.com/office/powerpoint/2010/main" Requires="p14">
+      <p:transition spd="slow" p14:dur="2000" advTm="15926"/>
     </mc:Choice>
-    <mc:Fallback xmlns="">
-      <p:transition spd="slow" advTm="18673"/>
+    <mc:Fallback>
+      <p:transition spd="slow" advTm="15926"/>
     </mc:Fallback>
   </mc:AlternateContent>
 </p:sld>
@@ -10722,7 +11660,7 @@
           <p:cNvPr id="2" name="Title 1">
             <a:extLst>
               <a:ext uri="{FF2B5EF4-FFF2-40B4-BE49-F238E27FC236}">
-                <a16:creationId xmlns:a16="http://schemas.microsoft.com/office/drawing/2014/main" xmlns="" id="{35AF407F-225A-4172-B3D9-88A68FDB32F8}"/>
+                <a16:creationId xmlns:a16="http://schemas.microsoft.com/office/drawing/2014/main" id="{35AF407F-225A-4172-B3D9-88A68FDB32F8}"/>
               </a:ext>
             </a:extLst>
           </p:cNvPr>
@@ -10750,7 +11688,7 @@
           <p:cNvPr id="7" name="TextBox 6">
             <a:extLst>
               <a:ext uri="{FF2B5EF4-FFF2-40B4-BE49-F238E27FC236}">
-                <a16:creationId xmlns:a16="http://schemas.microsoft.com/office/drawing/2014/main" xmlns="" id="{049991B8-0F7A-43D4-868B-CB72E066B2A6}"/>
+                <a16:creationId xmlns:a16="http://schemas.microsoft.com/office/drawing/2014/main" id="{049991B8-0F7A-43D4-868B-CB72E066B2A6}"/>
               </a:ext>
             </a:extLst>
           </p:cNvPr>
@@ -10791,7 +11729,7 @@
           <p:cNvPr id="8" name="TextBox 7">
             <a:extLst>
               <a:ext uri="{FF2B5EF4-FFF2-40B4-BE49-F238E27FC236}">
-                <a16:creationId xmlns:a16="http://schemas.microsoft.com/office/drawing/2014/main" xmlns="" id="{A738AA6E-AA86-45DC-B995-F3282AE8BCD8}"/>
+                <a16:creationId xmlns:a16="http://schemas.microsoft.com/office/drawing/2014/main" id="{A738AA6E-AA86-45DC-B995-F3282AE8BCD8}"/>
               </a:ext>
             </a:extLst>
           </p:cNvPr>
@@ -10832,7 +11770,7 @@
           <p:cNvPr id="16" name="Content Placeholder 15">
             <a:extLst>
               <a:ext uri="{FF2B5EF4-FFF2-40B4-BE49-F238E27FC236}">
-                <a16:creationId xmlns:a16="http://schemas.microsoft.com/office/drawing/2014/main" xmlns="" id="{D22B554A-C587-49D2-96E2-B4D8923D1862}"/>
+                <a16:creationId xmlns:a16="http://schemas.microsoft.com/office/drawing/2014/main" id="{D22B554A-C587-49D2-96E2-B4D8923D1862}"/>
               </a:ext>
             </a:extLst>
           </p:cNvPr>
@@ -10864,7 +11802,7 @@
           <p:cNvPr id="6" name="Content Placeholder 5">
             <a:extLst>
               <a:ext uri="{FF2B5EF4-FFF2-40B4-BE49-F238E27FC236}">
-                <a16:creationId xmlns:a16="http://schemas.microsoft.com/office/drawing/2014/main" xmlns="" id="{7F95BA3B-4788-43C9-8827-DDDFAC652316}"/>
+                <a16:creationId xmlns:a16="http://schemas.microsoft.com/office/drawing/2014/main" id="{7F95BA3B-4788-43C9-8827-DDDFAC652316}"/>
               </a:ext>
             </a:extLst>
           </p:cNvPr>
@@ -10901,12 +11839,12 @@
   <p:clrMapOvr>
     <a:masterClrMapping/>
   </p:clrMapOvr>
-  <mc:AlternateContent xmlns:mc="http://schemas.openxmlformats.org/markup-compatibility/2006" xmlns:p14="http://schemas.microsoft.com/office/powerpoint/2010/main">
-    <mc:Choice Requires="p14">
-      <p:transition spd="slow" p14:dur="2000" advTm="18673"/>
+  <mc:AlternateContent xmlns:mc="http://schemas.openxmlformats.org/markup-compatibility/2006">
+    <mc:Choice xmlns:p14="http://schemas.microsoft.com/office/powerpoint/2010/main" Requires="p14">
+      <p:transition spd="slow" p14:dur="2000" advTm="18613"/>
     </mc:Choice>
-    <mc:Fallback xmlns="">
-      <p:transition spd="slow" advTm="18673"/>
+    <mc:Fallback>
+      <p:transition spd="slow" advTm="18613"/>
     </mc:Fallback>
   </mc:AlternateContent>
 </p:sld>
@@ -10934,7 +11872,7 @@
           <p:cNvPr id="5" name="Title 4">
             <a:extLst>
               <a:ext uri="{FF2B5EF4-FFF2-40B4-BE49-F238E27FC236}">
-                <a16:creationId xmlns:a16="http://schemas.microsoft.com/office/drawing/2014/main" xmlns="" id="{0B94A83C-3031-4E46-8370-8A64014F2000}"/>
+                <a16:creationId xmlns:a16="http://schemas.microsoft.com/office/drawing/2014/main" id="{0B94A83C-3031-4E46-8370-8A64014F2000}"/>
               </a:ext>
             </a:extLst>
           </p:cNvPr>
@@ -10962,7 +11900,7 @@
           <p:cNvPr id="6" name="Content Placeholder 5">
             <a:extLst>
               <a:ext uri="{FF2B5EF4-FFF2-40B4-BE49-F238E27FC236}">
-                <a16:creationId xmlns:a16="http://schemas.microsoft.com/office/drawing/2014/main" xmlns="" id="{195F6A7F-CBC3-4950-8263-2E25C6ACEA11}"/>
+                <a16:creationId xmlns:a16="http://schemas.microsoft.com/office/drawing/2014/main" id="{195F6A7F-CBC3-4950-8263-2E25C6ACEA11}"/>
               </a:ext>
             </a:extLst>
           </p:cNvPr>
@@ -10980,7 +11918,21 @@
           <a:p>
             <a:r>
               <a:rPr lang="en-US" dirty="0"/>
-              <a:t>The Ensemble Model preformed the best as it had the lowest ASE</a:t>
+              <a:t>The </a:t>
+            </a:r>
+            <a:r>
+              <a:rPr lang="en-US" dirty="0" err="1"/>
+              <a:t>Signal+Noise</a:t>
+            </a:r>
+            <a:r>
+              <a:rPr lang="en-US" dirty="0"/>
+              <a:t> Model preformed the best as it had the lowest ASE</a:t>
+            </a:r>
+          </a:p>
+          <a:p>
+            <a:r>
+              <a:rPr lang="en-US" dirty="0"/>
+              <a:t>However we recommend the use of the ensemble model </a:t>
             </a:r>
           </a:p>
           <a:p>
@@ -10995,6 +11947,131 @@
     <p:extLst>
       <p:ext uri="{BB962C8B-B14F-4D97-AF65-F5344CB8AC3E}">
         <p14:creationId xmlns:p14="http://schemas.microsoft.com/office/powerpoint/2010/main" val="3775068460"/>
+      </p:ext>
+    </p:extLst>
+  </p:cSld>
+  <p:clrMapOvr>
+    <a:masterClrMapping/>
+  </p:clrMapOvr>
+  <mc:AlternateContent xmlns:mc="http://schemas.openxmlformats.org/markup-compatibility/2006">
+    <mc:Choice xmlns:p14="http://schemas.microsoft.com/office/powerpoint/2010/main" Requires="p14">
+      <p:transition spd="slow" p14:dur="2000" advTm="31482"/>
+    </mc:Choice>
+    <mc:Fallback>
+      <p:transition spd="slow" advTm="31482"/>
+    </mc:Fallback>
+  </mc:AlternateContent>
+</p:sld>
+</file>
+
+<file path=ppt/slides/slide16.xml><?xml version="1.0" encoding="utf-8"?>
+<p:sld xmlns:a="http://schemas.openxmlformats.org/drawingml/2006/main" xmlns:r="http://schemas.openxmlformats.org/officeDocument/2006/relationships" xmlns:p="http://schemas.openxmlformats.org/presentationml/2006/main">
+  <p:cSld>
+    <p:spTree>
+      <p:nvGrpSpPr>
+        <p:cNvPr id="1" name=""/>
+        <p:cNvGrpSpPr/>
+        <p:nvPr/>
+      </p:nvGrpSpPr>
+      <p:grpSpPr>
+        <a:xfrm>
+          <a:off x="0" y="0"/>
+          <a:ext cx="0" cy="0"/>
+          <a:chOff x="0" y="0"/>
+          <a:chExt cx="0" cy="0"/>
+        </a:xfrm>
+      </p:grpSpPr>
+      <p:sp>
+        <p:nvSpPr>
+          <p:cNvPr id="2" name="Title 1">
+            <a:extLst>
+              <a:ext uri="{FF2B5EF4-FFF2-40B4-BE49-F238E27FC236}">
+                <a16:creationId xmlns:a16="http://schemas.microsoft.com/office/drawing/2014/main" id="{71DE2037-DDE4-4968-958E-73C8340A459A}"/>
+              </a:ext>
+            </a:extLst>
+          </p:cNvPr>
+          <p:cNvSpPr>
+            <a:spLocks noGrp="1"/>
+          </p:cNvSpPr>
+          <p:nvPr>
+            <p:ph type="title"/>
+          </p:nvPr>
+        </p:nvSpPr>
+        <p:spPr/>
+        <p:txBody>
+          <a:bodyPr/>
+          <a:lstStyle/>
+          <a:p>
+            <a:r>
+              <a:rPr lang="en-US" dirty="0"/>
+              <a:t>Appendix</a:t>
+            </a:r>
+          </a:p>
+        </p:txBody>
+      </p:sp>
+      <p:sp>
+        <p:nvSpPr>
+          <p:cNvPr id="3" name="Content Placeholder 2">
+            <a:extLst>
+              <a:ext uri="{FF2B5EF4-FFF2-40B4-BE49-F238E27FC236}">
+                <a16:creationId xmlns:a16="http://schemas.microsoft.com/office/drawing/2014/main" id="{8BD88A9A-60DA-4C60-85C1-D8EBDFE98787}"/>
+              </a:ext>
+            </a:extLst>
+          </p:cNvPr>
+          <p:cNvSpPr>
+            <a:spLocks noGrp="1"/>
+          </p:cNvSpPr>
+          <p:nvPr>
+            <p:ph idx="1"/>
+          </p:nvPr>
+        </p:nvSpPr>
+        <p:spPr/>
+        <p:txBody>
+          <a:bodyPr/>
+          <a:lstStyle/>
+          <a:p>
+            <a:pPr marL="0" indent="0">
+              <a:buNone/>
+            </a:pPr>
+            <a:r>
+              <a:rPr lang="en-US" b="1" dirty="0">
+                <a:solidFill>
+                  <a:schemeClr val="accent1">
+                    <a:lumMod val="75000"/>
+                  </a:schemeClr>
+                </a:solidFill>
+              </a:rPr>
+              <a:t>Presentation Link</a:t>
+            </a:r>
+          </a:p>
+          <a:p>
+            <a:pPr marL="0" indent="0">
+              <a:buNone/>
+            </a:pPr>
+            <a:r>
+              <a:rPr lang="en-US" dirty="0"/>
+              <a:t>Jeff Nguyen: </a:t>
+            </a:r>
+            <a:r>
+              <a:rPr lang="en-US" dirty="0">
+                <a:hlinkClick r:id="rId2"/>
+              </a:rPr>
+              <a:t>https://youtu.be/rNtp4fHCWhw</a:t>
+            </a:r>
+            <a:endParaRPr lang="en-US" dirty="0"/>
+          </a:p>
+          <a:p>
+            <a:pPr marL="0" indent="0">
+              <a:buNone/>
+            </a:pPr>
+            <a:endParaRPr lang="en-US" dirty="0"/>
+          </a:p>
+        </p:txBody>
+      </p:sp>
+    </p:spTree>
+    <p:extLst>
+      <p:ext uri="{BB962C8B-B14F-4D97-AF65-F5344CB8AC3E}">
+        <p14:creationId xmlns:p14="http://schemas.microsoft.com/office/powerpoint/2010/main" val="2653928800"/>
       </p:ext>
     </p:extLst>
   </p:cSld>
@@ -11026,7 +12103,7 @@
           <p:cNvPr id="2" name="Title 1">
             <a:extLst>
               <a:ext uri="{FF2B5EF4-FFF2-40B4-BE49-F238E27FC236}">
-                <a16:creationId xmlns:a16="http://schemas.microsoft.com/office/drawing/2014/main" xmlns="" id="{5B931770-76C9-F749-9B7D-08A4A1F13896}"/>
+                <a16:creationId xmlns:a16="http://schemas.microsoft.com/office/drawing/2014/main" id="{5B931770-76C9-F749-9B7D-08A4A1F13896}"/>
               </a:ext>
             </a:extLst>
           </p:cNvPr>
@@ -11054,7 +12131,7 @@
           <p:cNvPr id="30" name="TextBox 29">
             <a:extLst>
               <a:ext uri="{FF2B5EF4-FFF2-40B4-BE49-F238E27FC236}">
-                <a16:creationId xmlns:a16="http://schemas.microsoft.com/office/drawing/2014/main" xmlns="" id="{43A13C87-2B73-4493-9185-1D2D5B834571}"/>
+                <a16:creationId xmlns:a16="http://schemas.microsoft.com/office/drawing/2014/main" id="{43A13C87-2B73-4493-9185-1D2D5B834571}"/>
               </a:ext>
             </a:extLst>
           </p:cNvPr>
@@ -11089,7 +12166,7 @@
           <p:cNvPr id="31" name="TextBox 30">
             <a:extLst>
               <a:ext uri="{FF2B5EF4-FFF2-40B4-BE49-F238E27FC236}">
-                <a16:creationId xmlns:a16="http://schemas.microsoft.com/office/drawing/2014/main" xmlns="" id="{781EAA0D-ECA2-42B0-8DB9-97F33B55C9FE}"/>
+                <a16:creationId xmlns:a16="http://schemas.microsoft.com/office/drawing/2014/main" id="{781EAA0D-ECA2-42B0-8DB9-97F33B55C9FE}"/>
               </a:ext>
             </a:extLst>
           </p:cNvPr>
@@ -11124,7 +12201,7 @@
           <p:cNvPr id="33" name="TextBox 32">
             <a:extLst>
               <a:ext uri="{FF2B5EF4-FFF2-40B4-BE49-F238E27FC236}">
-                <a16:creationId xmlns:a16="http://schemas.microsoft.com/office/drawing/2014/main" xmlns="" id="{EC2EA415-AFEF-434C-A691-8BCD28411A91}"/>
+                <a16:creationId xmlns:a16="http://schemas.microsoft.com/office/drawing/2014/main" id="{EC2EA415-AFEF-434C-A691-8BCD28411A91}"/>
               </a:ext>
             </a:extLst>
           </p:cNvPr>
@@ -11159,7 +12236,7 @@
           <p:cNvPr id="4" name="Graphic 3" descr="Magnifying glass">
             <a:extLst>
               <a:ext uri="{FF2B5EF4-FFF2-40B4-BE49-F238E27FC236}">
-                <a16:creationId xmlns:a16="http://schemas.microsoft.com/office/drawing/2014/main" xmlns="" id="{396C3828-42E6-41FF-B176-5EB81CF5EC90}"/>
+                <a16:creationId xmlns:a16="http://schemas.microsoft.com/office/drawing/2014/main" id="{396C3828-42E6-41FF-B176-5EB81CF5EC90}"/>
               </a:ext>
             </a:extLst>
           </p:cNvPr>
@@ -11172,7 +12249,7 @@
           <a:blip r:embed="rId3">
             <a:extLst>
               <a:ext uri="{96DAC541-7B7A-43D3-8B79-37D633B846F1}">
-                <asvg:svgBlip xmlns:asvg="http://schemas.microsoft.com/office/drawing/2016/SVG/main" xmlns="" r:embed="rId4"/>
+                <asvg:svgBlip xmlns:asvg="http://schemas.microsoft.com/office/drawing/2016/SVG/main" r:embed="rId4"/>
               </a:ext>
             </a:extLst>
           </a:blip>
@@ -11195,7 +12272,7 @@
           <p:cNvPr id="22" name="TextBox 21">
             <a:extLst>
               <a:ext uri="{FF2B5EF4-FFF2-40B4-BE49-F238E27FC236}">
-                <a16:creationId xmlns:a16="http://schemas.microsoft.com/office/drawing/2014/main" xmlns="" id="{D408EBB5-8E36-4986-833F-FEF2D86F3F9D}"/>
+                <a16:creationId xmlns:a16="http://schemas.microsoft.com/office/drawing/2014/main" id="{D408EBB5-8E36-4986-833F-FEF2D86F3F9D}"/>
               </a:ext>
             </a:extLst>
           </p:cNvPr>
@@ -11230,7 +12307,7 @@
           <p:cNvPr id="16" name="Graphic 15" descr="Presentation with pie chart">
             <a:extLst>
               <a:ext uri="{FF2B5EF4-FFF2-40B4-BE49-F238E27FC236}">
-                <a16:creationId xmlns:a16="http://schemas.microsoft.com/office/drawing/2014/main" xmlns="" id="{14F18DF2-38B0-4CD1-B964-DB64968836BA}"/>
+                <a16:creationId xmlns:a16="http://schemas.microsoft.com/office/drawing/2014/main" id="{14F18DF2-38B0-4CD1-B964-DB64968836BA}"/>
               </a:ext>
             </a:extLst>
           </p:cNvPr>
@@ -11243,7 +12320,7 @@
           <a:blip r:embed="rId5">
             <a:extLst>
               <a:ext uri="{96DAC541-7B7A-43D3-8B79-37D633B846F1}">
-                <asvg:svgBlip xmlns:asvg="http://schemas.microsoft.com/office/drawing/2016/SVG/main" xmlns="" r:embed="rId6"/>
+                <asvg:svgBlip xmlns:asvg="http://schemas.microsoft.com/office/drawing/2016/SVG/main" r:embed="rId6"/>
               </a:ext>
             </a:extLst>
           </a:blip>
@@ -11266,7 +12343,7 @@
           <p:cNvPr id="18" name="Graphic 17" descr="Checklist RTL">
             <a:extLst>
               <a:ext uri="{FF2B5EF4-FFF2-40B4-BE49-F238E27FC236}">
-                <a16:creationId xmlns:a16="http://schemas.microsoft.com/office/drawing/2014/main" xmlns="" id="{08B526E1-E252-4DAF-BEDF-5D1DF447F12E}"/>
+                <a16:creationId xmlns:a16="http://schemas.microsoft.com/office/drawing/2014/main" id="{08B526E1-E252-4DAF-BEDF-5D1DF447F12E}"/>
               </a:ext>
             </a:extLst>
           </p:cNvPr>
@@ -11279,7 +12356,7 @@
           <a:blip r:embed="rId7">
             <a:extLst>
               <a:ext uri="{96DAC541-7B7A-43D3-8B79-37D633B846F1}">
-                <asvg:svgBlip xmlns:asvg="http://schemas.microsoft.com/office/drawing/2016/SVG/main" xmlns="" r:embed="rId8"/>
+                <asvg:svgBlip xmlns:asvg="http://schemas.microsoft.com/office/drawing/2016/SVG/main" r:embed="rId8"/>
               </a:ext>
             </a:extLst>
           </a:blip>
@@ -11302,7 +12379,7 @@
           <p:cNvPr id="13" name="Graphic 12" descr="Venn diagram">
             <a:extLst>
               <a:ext uri="{FF2B5EF4-FFF2-40B4-BE49-F238E27FC236}">
-                <a16:creationId xmlns:a16="http://schemas.microsoft.com/office/drawing/2014/main" xmlns="" id="{3CA8221C-99E4-40BB-8AEF-433A7617F06A}"/>
+                <a16:creationId xmlns:a16="http://schemas.microsoft.com/office/drawing/2014/main" id="{3CA8221C-99E4-40BB-8AEF-433A7617F06A}"/>
               </a:ext>
             </a:extLst>
           </p:cNvPr>
@@ -11315,7 +12392,7 @@
           <a:blip r:embed="rId9">
             <a:extLst>
               <a:ext uri="{96DAC541-7B7A-43D3-8B79-37D633B846F1}">
-                <asvg:svgBlip xmlns:asvg="http://schemas.microsoft.com/office/drawing/2016/SVG/main" xmlns="" r:embed="rId10"/>
+                <asvg:svgBlip xmlns:asvg="http://schemas.microsoft.com/office/drawing/2016/SVG/main" r:embed="rId10"/>
               </a:ext>
             </a:extLst>
           </a:blip>
@@ -11338,7 +12415,7 @@
           <p:cNvPr id="7" name="Graphic 6" descr="Decision chart">
             <a:extLst>
               <a:ext uri="{FF2B5EF4-FFF2-40B4-BE49-F238E27FC236}">
-                <a16:creationId xmlns:a16="http://schemas.microsoft.com/office/drawing/2014/main" xmlns="" id="{F4AF76BE-9DDF-481B-958C-A6F4F5270DC6}"/>
+                <a16:creationId xmlns:a16="http://schemas.microsoft.com/office/drawing/2014/main" id="{F4AF76BE-9DDF-481B-958C-A6F4F5270DC6}"/>
               </a:ext>
             </a:extLst>
           </p:cNvPr>
@@ -11351,7 +12428,7 @@
           <a:blip r:embed="rId11">
             <a:extLst>
               <a:ext uri="{96DAC541-7B7A-43D3-8B79-37D633B846F1}">
-                <asvg:svgBlip xmlns:asvg="http://schemas.microsoft.com/office/drawing/2016/SVG/main" xmlns="" r:embed="rId12"/>
+                <asvg:svgBlip xmlns:asvg="http://schemas.microsoft.com/office/drawing/2016/SVG/main" r:embed="rId12"/>
               </a:ext>
             </a:extLst>
           </a:blip>
@@ -11374,7 +12451,7 @@
           <p:cNvPr id="17" name="TextBox 16">
             <a:extLst>
               <a:ext uri="{FF2B5EF4-FFF2-40B4-BE49-F238E27FC236}">
-                <a16:creationId xmlns:a16="http://schemas.microsoft.com/office/drawing/2014/main" xmlns="" id="{69CAAAFD-E50D-496E-B536-F485D1CB8585}"/>
+                <a16:creationId xmlns:a16="http://schemas.microsoft.com/office/drawing/2014/main" id="{69CAAAFD-E50D-496E-B536-F485D1CB8585}"/>
               </a:ext>
             </a:extLst>
           </p:cNvPr>
@@ -11414,12 +12491,12 @@
   <p:clrMapOvr>
     <a:masterClrMapping/>
   </p:clrMapOvr>
-  <mc:AlternateContent xmlns:mc="http://schemas.openxmlformats.org/markup-compatibility/2006" xmlns:p14="http://schemas.microsoft.com/office/powerpoint/2010/main">
-    <mc:Choice Requires="p14">
-      <p:transition spd="slow" p14:dur="2000" advTm="20555"/>
+  <mc:AlternateContent xmlns:mc="http://schemas.openxmlformats.org/markup-compatibility/2006">
+    <mc:Choice xmlns:p14="http://schemas.microsoft.com/office/powerpoint/2010/main" Requires="p14">
+      <p:transition spd="slow" p14:dur="2000" advTm="22569"/>
     </mc:Choice>
-    <mc:Fallback xmlns="">
-      <p:transition spd="slow" advTm="20555"/>
+    <mc:Fallback>
+      <p:transition spd="slow" advTm="22569"/>
     </mc:Fallback>
   </mc:AlternateContent>
 </p:sld>
@@ -11447,7 +12524,7 @@
           <p:cNvPr id="3" name="Title 2">
             <a:extLst>
               <a:ext uri="{FF2B5EF4-FFF2-40B4-BE49-F238E27FC236}">
-                <a16:creationId xmlns:a16="http://schemas.microsoft.com/office/drawing/2014/main" xmlns="" id="{36B254F5-DC72-4562-8F86-48E0452A25E2}"/>
+                <a16:creationId xmlns:a16="http://schemas.microsoft.com/office/drawing/2014/main" id="{36B254F5-DC72-4562-8F86-48E0452A25E2}"/>
               </a:ext>
             </a:extLst>
           </p:cNvPr>
@@ -11475,7 +12552,7 @@
           <p:cNvPr id="4" name="Content Placeholder 3">
             <a:extLst>
               <a:ext uri="{FF2B5EF4-FFF2-40B4-BE49-F238E27FC236}">
-                <a16:creationId xmlns:a16="http://schemas.microsoft.com/office/drawing/2014/main" xmlns="" id="{0FC3FB72-4BB4-4F02-99C6-4D6420A04601}"/>
+                <a16:creationId xmlns:a16="http://schemas.microsoft.com/office/drawing/2014/main" id="{0FC3FB72-4BB4-4F02-99C6-4D6420A04601}"/>
               </a:ext>
             </a:extLst>
           </p:cNvPr>
@@ -11553,7 +12630,7 @@
           <p:cNvPr id="7" name="Graphic 6" descr="Filter">
             <a:extLst>
               <a:ext uri="{FF2B5EF4-FFF2-40B4-BE49-F238E27FC236}">
-                <a16:creationId xmlns:a16="http://schemas.microsoft.com/office/drawing/2014/main" xmlns="" id="{2CE85E56-D0C8-4C13-BC98-E286AF6B9355}"/>
+                <a16:creationId xmlns:a16="http://schemas.microsoft.com/office/drawing/2014/main" id="{2CE85E56-D0C8-4C13-BC98-E286AF6B9355}"/>
               </a:ext>
             </a:extLst>
           </p:cNvPr>
@@ -11566,7 +12643,7 @@
           <a:blip r:embed="rId3">
             <a:extLst>
               <a:ext uri="{96DAC541-7B7A-43D3-8B79-37D633B846F1}">
-                <asvg:svgBlip xmlns:asvg="http://schemas.microsoft.com/office/drawing/2016/SVG/main" xmlns="" r:embed="rId4"/>
+                <asvg:svgBlip xmlns:asvg="http://schemas.microsoft.com/office/drawing/2016/SVG/main" r:embed="rId4"/>
               </a:ext>
             </a:extLst>
           </a:blip>
@@ -11589,7 +12666,7 @@
           <p:cNvPr id="9" name="Content Placeholder 3">
             <a:extLst>
               <a:ext uri="{FF2B5EF4-FFF2-40B4-BE49-F238E27FC236}">
-                <a16:creationId xmlns:a16="http://schemas.microsoft.com/office/drawing/2014/main" xmlns="" id="{70488FF4-D98F-458D-9D44-65E2E0BC28E8}"/>
+                <a16:creationId xmlns:a16="http://schemas.microsoft.com/office/drawing/2014/main" id="{70488FF4-D98F-458D-9D44-65E2E0BC28E8}"/>
               </a:ext>
             </a:extLst>
           </p:cNvPr>
@@ -11798,7 +12875,7 @@
           <p:cNvPr id="17" name="TextBox 16">
             <a:extLst>
               <a:ext uri="{FF2B5EF4-FFF2-40B4-BE49-F238E27FC236}">
-                <a16:creationId xmlns:a16="http://schemas.microsoft.com/office/drawing/2014/main" xmlns="" id="{3BDAB8A6-09E9-4B41-AF1E-EF3621840919}"/>
+                <a16:creationId xmlns:a16="http://schemas.microsoft.com/office/drawing/2014/main" id="{3BDAB8A6-09E9-4B41-AF1E-EF3621840919}"/>
               </a:ext>
             </a:extLst>
           </p:cNvPr>
@@ -11839,7 +12916,7 @@
           <p:cNvPr id="18" name="TextBox 17">
             <a:extLst>
               <a:ext uri="{FF2B5EF4-FFF2-40B4-BE49-F238E27FC236}">
-                <a16:creationId xmlns:a16="http://schemas.microsoft.com/office/drawing/2014/main" xmlns="" id="{00662D91-4BF1-4CDB-887A-EAA3A1906B11}"/>
+                <a16:creationId xmlns:a16="http://schemas.microsoft.com/office/drawing/2014/main" id="{00662D91-4BF1-4CDB-887A-EAA3A1906B11}"/>
               </a:ext>
             </a:extLst>
           </p:cNvPr>
@@ -11880,7 +12957,7 @@
           <p:cNvPr id="19" name="TextBox 18">
             <a:extLst>
               <a:ext uri="{FF2B5EF4-FFF2-40B4-BE49-F238E27FC236}">
-                <a16:creationId xmlns:a16="http://schemas.microsoft.com/office/drawing/2014/main" xmlns="" id="{55B129DC-1A81-45AA-9234-5264D423F868}"/>
+                <a16:creationId xmlns:a16="http://schemas.microsoft.com/office/drawing/2014/main" id="{55B129DC-1A81-45AA-9234-5264D423F868}"/>
               </a:ext>
             </a:extLst>
           </p:cNvPr>
@@ -11921,7 +12998,7 @@
           <p:cNvPr id="20" name="TextBox 19">
             <a:extLst>
               <a:ext uri="{FF2B5EF4-FFF2-40B4-BE49-F238E27FC236}">
-                <a16:creationId xmlns:a16="http://schemas.microsoft.com/office/drawing/2014/main" xmlns="" id="{B55E523C-A88C-4153-94A4-DC6F685AE20B}"/>
+                <a16:creationId xmlns:a16="http://schemas.microsoft.com/office/drawing/2014/main" id="{B55E523C-A88C-4153-94A4-DC6F685AE20B}"/>
               </a:ext>
             </a:extLst>
           </p:cNvPr>
@@ -11962,7 +13039,7 @@
           <p:cNvPr id="21" name="TextBox 20">
             <a:extLst>
               <a:ext uri="{FF2B5EF4-FFF2-40B4-BE49-F238E27FC236}">
-                <a16:creationId xmlns:a16="http://schemas.microsoft.com/office/drawing/2014/main" xmlns="" id="{F90FDCA8-45CE-4C0E-AFB0-03DC9060B280}"/>
+                <a16:creationId xmlns:a16="http://schemas.microsoft.com/office/drawing/2014/main" id="{F90FDCA8-45CE-4C0E-AFB0-03DC9060B280}"/>
               </a:ext>
             </a:extLst>
           </p:cNvPr>
@@ -11997,7 +13074,7 @@
           <p:cNvPr id="22" name="TextBox 21">
             <a:extLst>
               <a:ext uri="{FF2B5EF4-FFF2-40B4-BE49-F238E27FC236}">
-                <a16:creationId xmlns:a16="http://schemas.microsoft.com/office/drawing/2014/main" xmlns="" id="{29F489E0-15EA-4B09-9CDC-C121253A18CD}"/>
+                <a16:creationId xmlns:a16="http://schemas.microsoft.com/office/drawing/2014/main" id="{29F489E0-15EA-4B09-9CDC-C121253A18CD}"/>
               </a:ext>
             </a:extLst>
           </p:cNvPr>
@@ -12036,7 +13113,7 @@
           <p:cNvPr id="23" name="TextBox 22">
             <a:extLst>
               <a:ext uri="{FF2B5EF4-FFF2-40B4-BE49-F238E27FC236}">
-                <a16:creationId xmlns:a16="http://schemas.microsoft.com/office/drawing/2014/main" xmlns="" id="{C1BA92E8-D4F5-4209-9BD5-0DDE7EB6B89B}"/>
+                <a16:creationId xmlns:a16="http://schemas.microsoft.com/office/drawing/2014/main" id="{C1BA92E8-D4F5-4209-9BD5-0DDE7EB6B89B}"/>
               </a:ext>
             </a:extLst>
           </p:cNvPr>
@@ -12071,7 +13148,7 @@
           <p:cNvPr id="24" name="TextBox 23">
             <a:extLst>
               <a:ext uri="{FF2B5EF4-FFF2-40B4-BE49-F238E27FC236}">
-                <a16:creationId xmlns:a16="http://schemas.microsoft.com/office/drawing/2014/main" xmlns="" id="{1281DA6C-65E1-410A-A62D-98348B5E99E2}"/>
+                <a16:creationId xmlns:a16="http://schemas.microsoft.com/office/drawing/2014/main" id="{1281DA6C-65E1-410A-A62D-98348B5E99E2}"/>
               </a:ext>
             </a:extLst>
           </p:cNvPr>
@@ -12106,7 +13183,7 @@
           <p:cNvPr id="33" name="Rectangle 32">
             <a:extLst>
               <a:ext uri="{FF2B5EF4-FFF2-40B4-BE49-F238E27FC236}">
-                <a16:creationId xmlns:a16="http://schemas.microsoft.com/office/drawing/2014/main" xmlns="" id="{A0714868-EDDE-4A16-A640-B9B688C2168C}"/>
+                <a16:creationId xmlns:a16="http://schemas.microsoft.com/office/drawing/2014/main" id="{A0714868-EDDE-4A16-A640-B9B688C2168C}"/>
               </a:ext>
             </a:extLst>
           </p:cNvPr>
@@ -12147,7 +13224,7 @@
           <p:cNvPr id="35" name="Graphic 34" descr="Upward trend">
             <a:extLst>
               <a:ext uri="{FF2B5EF4-FFF2-40B4-BE49-F238E27FC236}">
-                <a16:creationId xmlns:a16="http://schemas.microsoft.com/office/drawing/2014/main" xmlns="" id="{849DCB03-5C2F-47C8-825E-A0BACDAB3796}"/>
+                <a16:creationId xmlns:a16="http://schemas.microsoft.com/office/drawing/2014/main" id="{849DCB03-5C2F-47C8-825E-A0BACDAB3796}"/>
               </a:ext>
             </a:extLst>
           </p:cNvPr>
@@ -12160,7 +13237,7 @@
           <a:blip r:embed="rId5">
             <a:extLst>
               <a:ext uri="{96DAC541-7B7A-43D3-8B79-37D633B846F1}">
-                <asvg:svgBlip xmlns:asvg="http://schemas.microsoft.com/office/drawing/2016/SVG/main" xmlns="" r:embed="rId6"/>
+                <asvg:svgBlip xmlns:asvg="http://schemas.microsoft.com/office/drawing/2016/SVG/main" r:embed="rId6"/>
               </a:ext>
             </a:extLst>
           </a:blip>
@@ -12188,12 +13265,12 @@
   <p:clrMapOvr>
     <a:masterClrMapping/>
   </p:clrMapOvr>
-  <mc:AlternateContent xmlns:mc="http://schemas.openxmlformats.org/markup-compatibility/2006" xmlns:p14="http://schemas.microsoft.com/office/powerpoint/2010/main">
-    <mc:Choice Requires="p14">
-      <p:transition spd="slow" p14:dur="2000" advTm="14048"/>
+  <mc:AlternateContent xmlns:mc="http://schemas.openxmlformats.org/markup-compatibility/2006">
+    <mc:Choice xmlns:p14="http://schemas.microsoft.com/office/powerpoint/2010/main" Requires="p14">
+      <p:transition spd="slow" p14:dur="2000" advTm="15989"/>
     </mc:Choice>
-    <mc:Fallback xmlns="">
-      <p:transition spd="slow" advTm="14048"/>
+    <mc:Fallback>
+      <p:transition spd="slow" advTm="15989"/>
     </mc:Fallback>
   </mc:AlternateContent>
 </p:sld>
@@ -12221,7 +13298,7 @@
           <p:cNvPr id="2" name="Title 1">
             <a:extLst>
               <a:ext uri="{FF2B5EF4-FFF2-40B4-BE49-F238E27FC236}">
-                <a16:creationId xmlns:a16="http://schemas.microsoft.com/office/drawing/2014/main" xmlns="" id="{37F7B9A7-F1BA-40D8-AAD5-15C8D6C4F544}"/>
+                <a16:creationId xmlns:a16="http://schemas.microsoft.com/office/drawing/2014/main" id="{37F7B9A7-F1BA-40D8-AAD5-15C8D6C4F544}"/>
               </a:ext>
             </a:extLst>
           </p:cNvPr>
@@ -12244,13 +13321,8 @@
           <a:p>
             <a:r>
               <a:rPr lang="en-US" dirty="0"/>
-              <a:t>Model Type and </a:t>
-            </a:r>
-            <a:r>
-              <a:rPr lang="en-US" dirty="0" smtClean="0"/>
-              <a:t>Properties: Data Preprocessing</a:t>
-            </a:r>
-            <a:endParaRPr lang="en-US" dirty="0"/>
+              <a:t>Model Type and Properties: Data Preprocessing</a:t>
+            </a:r>
           </a:p>
         </p:txBody>
       </p:sp>
@@ -12259,7 +13331,7 @@
           <p:cNvPr id="6" name="Text Placeholder 5">
             <a:extLst>
               <a:ext uri="{FF2B5EF4-FFF2-40B4-BE49-F238E27FC236}">
-                <a16:creationId xmlns:a16="http://schemas.microsoft.com/office/drawing/2014/main" xmlns="" id="{5EE670F9-63B2-4A30-82F1-A21CB25126C9}"/>
+                <a16:creationId xmlns:a16="http://schemas.microsoft.com/office/drawing/2014/main" id="{5EE670F9-63B2-4A30-82F1-A21CB25126C9}"/>
               </a:ext>
             </a:extLst>
           </p:cNvPr>
@@ -12298,7 +13370,7 @@
           <p:cNvPr id="8" name="Text Placeholder 7">
             <a:extLst>
               <a:ext uri="{FF2B5EF4-FFF2-40B4-BE49-F238E27FC236}">
-                <a16:creationId xmlns:a16="http://schemas.microsoft.com/office/drawing/2014/main" xmlns="" id="{00FCA8AF-A1AF-4C36-BBAB-977C4EC38E30}"/>
+                <a16:creationId xmlns:a16="http://schemas.microsoft.com/office/drawing/2014/main" id="{00FCA8AF-A1AF-4C36-BBAB-977C4EC38E30}"/>
               </a:ext>
             </a:extLst>
           </p:cNvPr>
@@ -12337,7 +13409,7 @@
           <p:cNvPr id="9" name="Content Placeholder 8">
             <a:extLst>
               <a:ext uri="{FF2B5EF4-FFF2-40B4-BE49-F238E27FC236}">
-                <a16:creationId xmlns:a16="http://schemas.microsoft.com/office/drawing/2014/main" xmlns="" id="{61897D86-FAD5-46ED-9675-9F4D2E6D682A}"/>
+                <a16:creationId xmlns:a16="http://schemas.microsoft.com/office/drawing/2014/main" id="{61897D86-FAD5-46ED-9675-9F4D2E6D682A}"/>
               </a:ext>
             </a:extLst>
           </p:cNvPr>
@@ -12384,7 +13456,7 @@
           <p:cNvPr id="11" name="Content Placeholder 8">
             <a:extLst>
               <a:ext uri="{FF2B5EF4-FFF2-40B4-BE49-F238E27FC236}">
-                <a16:creationId xmlns:a16="http://schemas.microsoft.com/office/drawing/2014/main" xmlns="" id="{7012AC7F-52F1-4F2E-A16B-723F2EA1012D}"/>
+                <a16:creationId xmlns:a16="http://schemas.microsoft.com/office/drawing/2014/main" id="{7012AC7F-52F1-4F2E-A16B-723F2EA1012D}"/>
               </a:ext>
             </a:extLst>
           </p:cNvPr>
@@ -12601,7 +13673,7 @@
           <p:cNvPr id="12" name="Content Placeholder 9">
             <a:extLst>
               <a:ext uri="{FF2B5EF4-FFF2-40B4-BE49-F238E27FC236}">
-                <a16:creationId xmlns:a16="http://schemas.microsoft.com/office/drawing/2014/main" xmlns="" id="{6277675D-EF7A-4281-983A-993972F3D502}"/>
+                <a16:creationId xmlns:a16="http://schemas.microsoft.com/office/drawing/2014/main" id="{6277675D-EF7A-4281-983A-993972F3D502}"/>
               </a:ext>
             </a:extLst>
           </p:cNvPr>
@@ -12668,12 +13740,12 @@
   <p:clrMapOvr>
     <a:masterClrMapping/>
   </p:clrMapOvr>
-  <mc:AlternateContent xmlns:mc="http://schemas.openxmlformats.org/markup-compatibility/2006" xmlns:p14="http://schemas.microsoft.com/office/powerpoint/2010/main">
-    <mc:Choice Requires="p14">
-      <p:transition spd="slow" p14:dur="2000" advTm="19817"/>
+  <mc:AlternateContent xmlns:mc="http://schemas.openxmlformats.org/markup-compatibility/2006">
+    <mc:Choice xmlns:p14="http://schemas.microsoft.com/office/powerpoint/2010/main" Requires="p14">
+      <p:transition spd="slow" p14:dur="2000" advTm="20775"/>
     </mc:Choice>
-    <mc:Fallback xmlns="">
-      <p:transition spd="slow" advTm="19817"/>
+    <mc:Fallback>
+      <p:transition spd="slow" advTm="20775"/>
     </mc:Fallback>
   </mc:AlternateContent>
 </p:sld>
@@ -12701,7 +13773,7 @@
           <p:cNvPr id="5" name="Title 4">
             <a:extLst>
               <a:ext uri="{FF2B5EF4-FFF2-40B4-BE49-F238E27FC236}">
-                <a16:creationId xmlns:a16="http://schemas.microsoft.com/office/drawing/2014/main" xmlns="" id="{5BF6937D-FA03-419D-8AF1-687DA1ADB403}"/>
+                <a16:creationId xmlns:a16="http://schemas.microsoft.com/office/drawing/2014/main" id="{5BF6937D-FA03-419D-8AF1-687DA1ADB403}"/>
               </a:ext>
             </a:extLst>
           </p:cNvPr>
@@ -12719,13 +13791,8 @@
           <a:p>
             <a:r>
               <a:rPr lang="en-US" dirty="0"/>
-              <a:t>About the Data: </a:t>
-            </a:r>
-            <a:r>
-              <a:rPr lang="en-US" dirty="0" smtClean="0"/>
-              <a:t>Feature Engineering</a:t>
-            </a:r>
-            <a:endParaRPr lang="en-US" dirty="0"/>
+              <a:t>About the Data: Feature Engineering</a:t>
+            </a:r>
           </a:p>
         </p:txBody>
       </p:sp>
@@ -12734,7 +13801,7 @@
           <p:cNvPr id="11" name="Content Placeholder 10" descr="A close up of a map&#10;&#10;Description automatically generated">
             <a:extLst>
               <a:ext uri="{FF2B5EF4-FFF2-40B4-BE49-F238E27FC236}">
-                <a16:creationId xmlns:a16="http://schemas.microsoft.com/office/drawing/2014/main" xmlns="" id="{22C41C69-3208-4AC6-BE0A-4C3360370BB9}"/>
+                <a16:creationId xmlns:a16="http://schemas.microsoft.com/office/drawing/2014/main" id="{22C41C69-3208-4AC6-BE0A-4C3360370BB9}"/>
               </a:ext>
             </a:extLst>
           </p:cNvPr>
@@ -12763,7 +13830,7 @@
           <p:cNvPr id="8" name="Text Placeholder 7">
             <a:extLst>
               <a:ext uri="{FF2B5EF4-FFF2-40B4-BE49-F238E27FC236}">
-                <a16:creationId xmlns:a16="http://schemas.microsoft.com/office/drawing/2014/main" xmlns="" id="{0BA0A838-3481-43C2-8535-FA48BEA08A33}"/>
+                <a16:creationId xmlns:a16="http://schemas.microsoft.com/office/drawing/2014/main" id="{0BA0A838-3481-43C2-8535-FA48BEA08A33}"/>
               </a:ext>
             </a:extLst>
           </p:cNvPr>
@@ -12782,7 +13849,7 @@
         </p:spPr>
         <p:txBody>
           <a:bodyPr>
-            <a:normAutofit fontScale="92500" lnSpcReduction="10000"/>
+            <a:normAutofit fontScale="92500" lnSpcReduction="20000"/>
           </a:bodyPr>
           <a:lstStyle/>
           <a:p>
@@ -12804,7 +13871,7 @@
           <p:cNvPr id="9" name="Content Placeholder 8">
             <a:extLst>
               <a:ext uri="{FF2B5EF4-FFF2-40B4-BE49-F238E27FC236}">
-                <a16:creationId xmlns:a16="http://schemas.microsoft.com/office/drawing/2014/main" xmlns="" id="{A720640E-8DB2-4C3B-9C72-311D5357D3ED}"/>
+                <a16:creationId xmlns:a16="http://schemas.microsoft.com/office/drawing/2014/main" id="{A720640E-8DB2-4C3B-9C72-311D5357D3ED}"/>
               </a:ext>
             </a:extLst>
           </p:cNvPr>
@@ -12868,6 +13935,14 @@
   <p:clrMapOvr>
     <a:masterClrMapping/>
   </p:clrMapOvr>
+  <mc:AlternateContent xmlns:mc="http://schemas.openxmlformats.org/markup-compatibility/2006">
+    <mc:Choice xmlns:p14="http://schemas.microsoft.com/office/powerpoint/2010/main" Requires="p14">
+      <p:transition spd="slow" p14:dur="2000" advTm="47815"/>
+    </mc:Choice>
+    <mc:Fallback>
+      <p:transition spd="slow" advTm="47815"/>
+    </mc:Fallback>
+  </mc:AlternateContent>
 </p:sld>
 </file>
 
@@ -12893,7 +13968,7 @@
           <p:cNvPr id="2" name="TextBox 1">
             <a:extLst>
               <a:ext uri="{FF2B5EF4-FFF2-40B4-BE49-F238E27FC236}">
-                <a16:creationId xmlns:a16="http://schemas.microsoft.com/office/drawing/2014/main" xmlns="" id="{584A9720-2FA1-426A-8DF9-D2B539518DE2}"/>
+                <a16:creationId xmlns:a16="http://schemas.microsoft.com/office/drawing/2014/main" id="{584A9720-2FA1-426A-8DF9-D2B539518DE2}"/>
               </a:ext>
             </a:extLst>
           </p:cNvPr>
@@ -12942,7 +14017,7 @@
           <p:cNvPr id="3" name="Title 2">
             <a:extLst>
               <a:ext uri="{FF2B5EF4-FFF2-40B4-BE49-F238E27FC236}">
-                <a16:creationId xmlns:a16="http://schemas.microsoft.com/office/drawing/2014/main" xmlns="" id="{36B254F5-DC72-4562-8F86-48E0452A25E2}"/>
+                <a16:creationId xmlns:a16="http://schemas.microsoft.com/office/drawing/2014/main" id="{36B254F5-DC72-4562-8F86-48E0452A25E2}"/>
               </a:ext>
             </a:extLst>
           </p:cNvPr>
@@ -12970,7 +14045,7 @@
           <p:cNvPr id="5" name="Table 5">
             <a:extLst>
               <a:ext uri="{FF2B5EF4-FFF2-40B4-BE49-F238E27FC236}">
-                <a16:creationId xmlns:a16="http://schemas.microsoft.com/office/drawing/2014/main" xmlns="" id="{75094937-6840-486D-ABDC-E998BCE66510}"/>
+                <a16:creationId xmlns:a16="http://schemas.microsoft.com/office/drawing/2014/main" id="{75094937-6840-486D-ABDC-E998BCE66510}"/>
               </a:ext>
             </a:extLst>
           </p:cNvPr>
@@ -13000,42 +14075,42 @@
                 <a:gridCol w="1095375">
                   <a:extLst>
                     <a:ext uri="{9D8B030D-6E8A-4147-A177-3AD203B41FA5}">
-                      <a16:colId xmlns:a16="http://schemas.microsoft.com/office/drawing/2014/main" xmlns="" val="3685785100"/>
+                      <a16:colId xmlns:a16="http://schemas.microsoft.com/office/drawing/2014/main" val="3685785100"/>
                     </a:ext>
                   </a:extLst>
                 </a:gridCol>
                 <a:gridCol w="1095375">
                   <a:extLst>
                     <a:ext uri="{9D8B030D-6E8A-4147-A177-3AD203B41FA5}">
-                      <a16:colId xmlns:a16="http://schemas.microsoft.com/office/drawing/2014/main" xmlns="" val="3097926865"/>
+                      <a16:colId xmlns:a16="http://schemas.microsoft.com/office/drawing/2014/main" val="3097926865"/>
                     </a:ext>
                   </a:extLst>
                 </a:gridCol>
                 <a:gridCol w="1095375">
                   <a:extLst>
                     <a:ext uri="{9D8B030D-6E8A-4147-A177-3AD203B41FA5}">
-                      <a16:colId xmlns:a16="http://schemas.microsoft.com/office/drawing/2014/main" xmlns="" val="167857884"/>
+                      <a16:colId xmlns:a16="http://schemas.microsoft.com/office/drawing/2014/main" val="167857884"/>
                     </a:ext>
                   </a:extLst>
                 </a:gridCol>
                 <a:gridCol w="1095375">
                   <a:extLst>
                     <a:ext uri="{9D8B030D-6E8A-4147-A177-3AD203B41FA5}">
-                      <a16:colId xmlns:a16="http://schemas.microsoft.com/office/drawing/2014/main" xmlns="" val="1669204363"/>
+                      <a16:colId xmlns:a16="http://schemas.microsoft.com/office/drawing/2014/main" val="1669204363"/>
                     </a:ext>
                   </a:extLst>
                 </a:gridCol>
                 <a:gridCol w="1095375">
                   <a:extLst>
                     <a:ext uri="{9D8B030D-6E8A-4147-A177-3AD203B41FA5}">
-                      <a16:colId xmlns:a16="http://schemas.microsoft.com/office/drawing/2014/main" xmlns="" val="317295960"/>
+                      <a16:colId xmlns:a16="http://schemas.microsoft.com/office/drawing/2014/main" val="317295960"/>
                     </a:ext>
                   </a:extLst>
                 </a:gridCol>
                 <a:gridCol w="1095375">
                   <a:extLst>
                     <a:ext uri="{9D8B030D-6E8A-4147-A177-3AD203B41FA5}">
-                      <a16:colId xmlns:a16="http://schemas.microsoft.com/office/drawing/2014/main" xmlns="" val="725248695"/>
+                      <a16:colId xmlns:a16="http://schemas.microsoft.com/office/drawing/2014/main" val="725248695"/>
                     </a:ext>
                   </a:extLst>
                 </a:gridCol>
@@ -13368,7 +14443,7 @@
                 </a:tc>
                 <a:extLst>
                   <a:ext uri="{0D108BD9-81ED-4DB2-BD59-A6C34878D82A}">
-                    <a16:rowId xmlns:a16="http://schemas.microsoft.com/office/drawing/2014/main" xmlns="" val="3869851288"/>
+                    <a16:rowId xmlns:a16="http://schemas.microsoft.com/office/drawing/2014/main" val="3869851288"/>
                   </a:ext>
                 </a:extLst>
               </a:tr>
@@ -13609,7 +14684,7 @@
                 </a:tc>
                 <a:extLst>
                   <a:ext uri="{0D108BD9-81ED-4DB2-BD59-A6C34878D82A}">
-                    <a16:rowId xmlns:a16="http://schemas.microsoft.com/office/drawing/2014/main" xmlns="" val="126189764"/>
+                    <a16:rowId xmlns:a16="http://schemas.microsoft.com/office/drawing/2014/main" val="126189764"/>
                   </a:ext>
                 </a:extLst>
               </a:tr>
@@ -13847,7 +14922,7 @@
                 </a:tc>
                 <a:extLst>
                   <a:ext uri="{0D108BD9-81ED-4DB2-BD59-A6C34878D82A}">
-                    <a16:rowId xmlns:a16="http://schemas.microsoft.com/office/drawing/2014/main" xmlns="" val="2792022408"/>
+                    <a16:rowId xmlns:a16="http://schemas.microsoft.com/office/drawing/2014/main" val="2792022408"/>
                   </a:ext>
                 </a:extLst>
               </a:tr>
@@ -13862,7 +14937,7 @@
               <p:cNvPr id="6" name="TextBox 5">
                 <a:extLst>
                   <a:ext uri="{FF2B5EF4-FFF2-40B4-BE49-F238E27FC236}">
-                    <a16:creationId xmlns:a16="http://schemas.microsoft.com/office/drawing/2014/main" xmlns="" id="{585634ED-C959-465E-A787-E0213EFB73EE}"/>
+                    <a16:creationId xmlns:a16="http://schemas.microsoft.com/office/drawing/2014/main" id="{585634ED-C959-465E-A787-E0213EFB73EE}"/>
                   </a:ext>
                 </a:extLst>
               </p:cNvPr>
@@ -14191,7 +15266,7 @@
               <p:cNvPr id="4" name="Table 3">
                 <a:extLst>
                   <a:ext uri="{FF2B5EF4-FFF2-40B4-BE49-F238E27FC236}">
-                    <a16:creationId xmlns:a16="http://schemas.microsoft.com/office/drawing/2014/main" xmlns="" id="{DE5DE65D-ED75-4953-B4EB-9A373B52B563}"/>
+                    <a16:creationId xmlns:a16="http://schemas.microsoft.com/office/drawing/2014/main" id="{DE5DE65D-ED75-4953-B4EB-9A373B52B563}"/>
                   </a:ext>
                 </a:extLst>
               </p:cNvPr>
@@ -14220,28 +15295,28 @@
                     <a:gridCol w="1095375">
                       <a:extLst>
                         <a:ext uri="{9D8B030D-6E8A-4147-A177-3AD203B41FA5}">
-                          <a16:colId xmlns:a16="http://schemas.microsoft.com/office/drawing/2014/main" xmlns="" val="3532746544"/>
+                          <a16:colId xmlns:a16="http://schemas.microsoft.com/office/drawing/2014/main" val="3532746544"/>
                         </a:ext>
                       </a:extLst>
                     </a:gridCol>
                     <a:gridCol w="1095375">
                       <a:extLst>
                         <a:ext uri="{9D8B030D-6E8A-4147-A177-3AD203B41FA5}">
-                          <a16:colId xmlns:a16="http://schemas.microsoft.com/office/drawing/2014/main" xmlns="" val="1706727873"/>
+                          <a16:colId xmlns:a16="http://schemas.microsoft.com/office/drawing/2014/main" val="1706727873"/>
                         </a:ext>
                       </a:extLst>
                     </a:gridCol>
                     <a:gridCol w="1095375">
                       <a:extLst>
                         <a:ext uri="{9D8B030D-6E8A-4147-A177-3AD203B41FA5}">
-                          <a16:colId xmlns:a16="http://schemas.microsoft.com/office/drawing/2014/main" xmlns="" val="283886444"/>
+                          <a16:colId xmlns:a16="http://schemas.microsoft.com/office/drawing/2014/main" val="283886444"/>
                         </a:ext>
                       </a:extLst>
                     </a:gridCol>
                     <a:gridCol w="1095375">
                       <a:extLst>
                         <a:ext uri="{9D8B030D-6E8A-4147-A177-3AD203B41FA5}">
-                          <a16:colId xmlns:a16="http://schemas.microsoft.com/office/drawing/2014/main" xmlns="" val="2793513210"/>
+                          <a16:colId xmlns:a16="http://schemas.microsoft.com/office/drawing/2014/main" val="2793513210"/>
                         </a:ext>
                       </a:extLst>
                     </a:gridCol>
@@ -14487,7 +15562,7 @@
                     </a:tc>
                     <a:extLst>
                       <a:ext uri="{0D108BD9-81ED-4DB2-BD59-A6C34878D82A}">
-                        <a16:rowId xmlns:a16="http://schemas.microsoft.com/office/drawing/2014/main" xmlns="" val="3297947004"/>
+                        <a16:rowId xmlns:a16="http://schemas.microsoft.com/office/drawing/2014/main" val="3297947004"/>
                       </a:ext>
                     </a:extLst>
                   </a:tr>
@@ -14673,7 +15748,7 @@
                     </a:tc>
                     <a:extLst>
                       <a:ext uri="{0D108BD9-81ED-4DB2-BD59-A6C34878D82A}">
-                        <a16:rowId xmlns:a16="http://schemas.microsoft.com/office/drawing/2014/main" xmlns="" val="3981636073"/>
+                        <a16:rowId xmlns:a16="http://schemas.microsoft.com/office/drawing/2014/main" val="3981636073"/>
                       </a:ext>
                     </a:extLst>
                   </a:tr>
@@ -15135,7 +16210,7 @@
           <p:cNvPr id="7" name="TextBox 6">
             <a:extLst>
               <a:ext uri="{FF2B5EF4-FFF2-40B4-BE49-F238E27FC236}">
-                <a16:creationId xmlns:a16="http://schemas.microsoft.com/office/drawing/2014/main" xmlns="" id="{2017A40A-F694-4351-9700-FAD367AF0898}"/>
+                <a16:creationId xmlns:a16="http://schemas.microsoft.com/office/drawing/2014/main" id="{2017A40A-F694-4351-9700-FAD367AF0898}"/>
               </a:ext>
             </a:extLst>
           </p:cNvPr>
@@ -15176,7 +16251,7 @@
           <p:cNvPr id="8" name="TextBox 7">
             <a:extLst>
               <a:ext uri="{FF2B5EF4-FFF2-40B4-BE49-F238E27FC236}">
-                <a16:creationId xmlns:a16="http://schemas.microsoft.com/office/drawing/2014/main" xmlns="" id="{935386F3-1344-4E54-AA4E-7B9A61B64E89}"/>
+                <a16:creationId xmlns:a16="http://schemas.microsoft.com/office/drawing/2014/main" id="{935386F3-1344-4E54-AA4E-7B9A61B64E89}"/>
               </a:ext>
             </a:extLst>
           </p:cNvPr>
@@ -15222,12 +16297,12 @@
   <p:clrMapOvr>
     <a:masterClrMapping/>
   </p:clrMapOvr>
-  <mc:AlternateContent xmlns:mc="http://schemas.openxmlformats.org/markup-compatibility/2006" xmlns:p14="http://schemas.microsoft.com/office/powerpoint/2010/main">
-    <mc:Choice Requires="p14">
-      <p:transition spd="slow" p14:dur="2000" advTm="26425"/>
+  <mc:AlternateContent xmlns:mc="http://schemas.openxmlformats.org/markup-compatibility/2006">
+    <mc:Choice xmlns:p14="http://schemas.microsoft.com/office/powerpoint/2010/main" Requires="p14">
+      <p:transition spd="slow" p14:dur="2000" advTm="26423"/>
     </mc:Choice>
-    <mc:Fallback xmlns="">
-      <p:transition spd="slow" advTm="26425"/>
+    <mc:Fallback>
+      <p:transition spd="slow" advTm="26423"/>
     </mc:Fallback>
   </mc:AlternateContent>
 </p:sld>
@@ -15255,7 +16330,7 @@
           <p:cNvPr id="7" name="Title 6">
             <a:extLst>
               <a:ext uri="{FF2B5EF4-FFF2-40B4-BE49-F238E27FC236}">
-                <a16:creationId xmlns:a16="http://schemas.microsoft.com/office/drawing/2014/main" xmlns="" id="{580966E0-B910-493A-A936-DE1F47F53A14}"/>
+                <a16:creationId xmlns:a16="http://schemas.microsoft.com/office/drawing/2014/main" id="{580966E0-B910-493A-A936-DE1F47F53A14}"/>
               </a:ext>
             </a:extLst>
           </p:cNvPr>
@@ -15283,7 +16358,7 @@
           <p:cNvPr id="8" name="Text Placeholder 7">
             <a:extLst>
               <a:ext uri="{FF2B5EF4-FFF2-40B4-BE49-F238E27FC236}">
-                <a16:creationId xmlns:a16="http://schemas.microsoft.com/office/drawing/2014/main" xmlns="" id="{112BCD89-A140-49A7-BABD-61C56AFABDE6}"/>
+                <a16:creationId xmlns:a16="http://schemas.microsoft.com/office/drawing/2014/main" id="{112BCD89-A140-49A7-BABD-61C56AFABDE6}"/>
               </a:ext>
             </a:extLst>
           </p:cNvPr>
@@ -15324,7 +16399,7 @@
           <p:cNvPr id="13" name="Content Placeholder 12">
             <a:extLst>
               <a:ext uri="{FF2B5EF4-FFF2-40B4-BE49-F238E27FC236}">
-                <a16:creationId xmlns:a16="http://schemas.microsoft.com/office/drawing/2014/main" xmlns="" id="{C2C72000-A3ED-4D15-A859-94E8C2581C45}"/>
+                <a16:creationId xmlns:a16="http://schemas.microsoft.com/office/drawing/2014/main" id="{C2C72000-A3ED-4D15-A859-94E8C2581C45}"/>
               </a:ext>
             </a:extLst>
           </p:cNvPr>
@@ -15353,7 +16428,7 @@
           <p:cNvPr id="10" name="Text Placeholder 9">
             <a:extLst>
               <a:ext uri="{FF2B5EF4-FFF2-40B4-BE49-F238E27FC236}">
-                <a16:creationId xmlns:a16="http://schemas.microsoft.com/office/drawing/2014/main" xmlns="" id="{9EF8D5B9-3480-41D9-8A49-67AA2934B4F5}"/>
+                <a16:creationId xmlns:a16="http://schemas.microsoft.com/office/drawing/2014/main" id="{9EF8D5B9-3480-41D9-8A49-67AA2934B4F5}"/>
               </a:ext>
             </a:extLst>
           </p:cNvPr>
@@ -15394,7 +16469,7 @@
           <p:cNvPr id="14" name="Text Placeholder 7">
             <a:extLst>
               <a:ext uri="{FF2B5EF4-FFF2-40B4-BE49-F238E27FC236}">
-                <a16:creationId xmlns:a16="http://schemas.microsoft.com/office/drawing/2014/main" xmlns="" id="{F6F9ABAA-7BD1-468A-96C3-D4FE556ABF71}"/>
+                <a16:creationId xmlns:a16="http://schemas.microsoft.com/office/drawing/2014/main" id="{F6F9ABAA-7BD1-468A-96C3-D4FE556ABF71}"/>
               </a:ext>
             </a:extLst>
           </p:cNvPr>
@@ -15599,7 +16674,7 @@
           <p:cNvPr id="21" name="Content Placeholder 20">
             <a:extLst>
               <a:ext uri="{FF2B5EF4-FFF2-40B4-BE49-F238E27FC236}">
-                <a16:creationId xmlns:a16="http://schemas.microsoft.com/office/drawing/2014/main" xmlns="" id="{837E7C69-9A77-4899-8F4B-00A299DFD7A2}"/>
+                <a16:creationId xmlns:a16="http://schemas.microsoft.com/office/drawing/2014/main" id="{837E7C69-9A77-4899-8F4B-00A299DFD7A2}"/>
               </a:ext>
             </a:extLst>
           </p:cNvPr>
@@ -15628,7 +16703,7 @@
           <p:cNvPr id="19" name="Content Placeholder 15">
             <a:extLst>
               <a:ext uri="{FF2B5EF4-FFF2-40B4-BE49-F238E27FC236}">
-                <a16:creationId xmlns:a16="http://schemas.microsoft.com/office/drawing/2014/main" xmlns="" id="{CDC1CF03-2E72-4079-AA5F-9269161319ED}"/>
+                <a16:creationId xmlns:a16="http://schemas.microsoft.com/office/drawing/2014/main" id="{CDC1CF03-2E72-4079-AA5F-9269161319ED}"/>
               </a:ext>
             </a:extLst>
           </p:cNvPr>
@@ -15658,7 +16733,7 @@
           <p:cNvPr id="23" name="Text Placeholder 9">
             <a:extLst>
               <a:ext uri="{FF2B5EF4-FFF2-40B4-BE49-F238E27FC236}">
-                <a16:creationId xmlns:a16="http://schemas.microsoft.com/office/drawing/2014/main" xmlns="" id="{D7BAA25A-D92F-49E1-B9BB-F3B42E9B9296}"/>
+                <a16:creationId xmlns:a16="http://schemas.microsoft.com/office/drawing/2014/main" id="{D7BAA25A-D92F-49E1-B9BB-F3B42E9B9296}"/>
               </a:ext>
             </a:extLst>
           </p:cNvPr>
@@ -15863,7 +16938,7 @@
           <p:cNvPr id="25" name="Picture 24">
             <a:extLst>
               <a:ext uri="{FF2B5EF4-FFF2-40B4-BE49-F238E27FC236}">
-                <a16:creationId xmlns:a16="http://schemas.microsoft.com/office/drawing/2014/main" xmlns="" id="{89E36B51-A543-4471-96D1-23296493FA13}"/>
+                <a16:creationId xmlns:a16="http://schemas.microsoft.com/office/drawing/2014/main" id="{89E36B51-A543-4471-96D1-23296493FA13}"/>
               </a:ext>
             </a:extLst>
           </p:cNvPr>
@@ -15898,12 +16973,12 @@
   <p:clrMapOvr>
     <a:masterClrMapping/>
   </p:clrMapOvr>
-  <mc:AlternateContent xmlns:mc="http://schemas.openxmlformats.org/markup-compatibility/2006" xmlns:p14="http://schemas.microsoft.com/office/powerpoint/2010/main">
-    <mc:Choice Requires="p14">
-      <p:transition spd="slow" p14:dur="2000" advTm="19647"/>
+  <mc:AlternateContent xmlns:mc="http://schemas.openxmlformats.org/markup-compatibility/2006">
+    <mc:Choice xmlns:p14="http://schemas.microsoft.com/office/powerpoint/2010/main" Requires="p14">
+      <p:transition spd="slow" p14:dur="2000" advTm="17083"/>
     </mc:Choice>
-    <mc:Fallback xmlns="">
-      <p:transition spd="slow" advTm="19647"/>
+    <mc:Fallback>
+      <p:transition spd="slow" advTm="17083"/>
     </mc:Fallback>
   </mc:AlternateContent>
 </p:sld>
@@ -15931,7 +17006,7 @@
           <p:cNvPr id="3" name="Title 2">
             <a:extLst>
               <a:ext uri="{FF2B5EF4-FFF2-40B4-BE49-F238E27FC236}">
-                <a16:creationId xmlns:a16="http://schemas.microsoft.com/office/drawing/2014/main" xmlns="" id="{36B254F5-DC72-4562-8F86-48E0452A25E2}"/>
+                <a16:creationId xmlns:a16="http://schemas.microsoft.com/office/drawing/2014/main" id="{36B254F5-DC72-4562-8F86-48E0452A25E2}"/>
               </a:ext>
             </a:extLst>
           </p:cNvPr>
@@ -15959,7 +17034,7 @@
           <p:cNvPr id="20" name="Content Placeholder 19">
             <a:extLst>
               <a:ext uri="{FF2B5EF4-FFF2-40B4-BE49-F238E27FC236}">
-                <a16:creationId xmlns:a16="http://schemas.microsoft.com/office/drawing/2014/main" xmlns="" id="{E065D22F-007B-48A2-9B18-6FB4A54268BF}"/>
+                <a16:creationId xmlns:a16="http://schemas.microsoft.com/office/drawing/2014/main" id="{E065D22F-007B-48A2-9B18-6FB4A54268BF}"/>
               </a:ext>
             </a:extLst>
           </p:cNvPr>
@@ -15990,7 +17065,7 @@
               <p:cNvPr id="5" name="TextBox 4">
                 <a:extLst>
                   <a:ext uri="{FF2B5EF4-FFF2-40B4-BE49-F238E27FC236}">
-                    <a16:creationId xmlns:a16="http://schemas.microsoft.com/office/drawing/2014/main" xmlns="" id="{3474689A-2492-4977-8D08-62ECC552B6BC}"/>
+                    <a16:creationId xmlns:a16="http://schemas.microsoft.com/office/drawing/2014/main" id="{3474689A-2492-4977-8D08-62ECC552B6BC}"/>
                   </a:ext>
                 </a:extLst>
               </p:cNvPr>
@@ -16519,7 +17594,7 @@
           <p:cNvPr id="14" name="TextBox 13">
             <a:extLst>
               <a:ext uri="{FF2B5EF4-FFF2-40B4-BE49-F238E27FC236}">
-                <a16:creationId xmlns:a16="http://schemas.microsoft.com/office/drawing/2014/main" xmlns="" id="{870606B8-C12F-46AF-B9D8-9AF1EC6A42FD}"/>
+                <a16:creationId xmlns:a16="http://schemas.microsoft.com/office/drawing/2014/main" id="{870606B8-C12F-46AF-B9D8-9AF1EC6A42FD}"/>
               </a:ext>
             </a:extLst>
           </p:cNvPr>
@@ -16560,7 +17635,7 @@
           <p:cNvPr id="15" name="Content Placeholder 12">
             <a:extLst>
               <a:ext uri="{FF2B5EF4-FFF2-40B4-BE49-F238E27FC236}">
-                <a16:creationId xmlns:a16="http://schemas.microsoft.com/office/drawing/2014/main" xmlns="" id="{1CBC9CB4-64C3-46E6-988A-CBB4DD9966E0}"/>
+                <a16:creationId xmlns:a16="http://schemas.microsoft.com/office/drawing/2014/main" id="{1CBC9CB4-64C3-46E6-988A-CBB4DD9966E0}"/>
               </a:ext>
             </a:extLst>
           </p:cNvPr>
@@ -16590,7 +17665,7 @@
           <p:cNvPr id="16" name="TextBox 15">
             <a:extLst>
               <a:ext uri="{FF2B5EF4-FFF2-40B4-BE49-F238E27FC236}">
-                <a16:creationId xmlns:a16="http://schemas.microsoft.com/office/drawing/2014/main" xmlns="" id="{DA2B0F70-4708-4915-8448-AB68922AE50F}"/>
+                <a16:creationId xmlns:a16="http://schemas.microsoft.com/office/drawing/2014/main" id="{DA2B0F70-4708-4915-8448-AB68922AE50F}"/>
               </a:ext>
             </a:extLst>
           </p:cNvPr>
@@ -16631,7 +17706,7 @@
           <p:cNvPr id="21" name="TextBox 20">
             <a:extLst>
               <a:ext uri="{FF2B5EF4-FFF2-40B4-BE49-F238E27FC236}">
-                <a16:creationId xmlns:a16="http://schemas.microsoft.com/office/drawing/2014/main" xmlns="" id="{65B5E23A-65E7-4D94-B82E-5BAD8308D2E6}"/>
+                <a16:creationId xmlns:a16="http://schemas.microsoft.com/office/drawing/2014/main" id="{65B5E23A-65E7-4D94-B82E-5BAD8308D2E6}"/>
               </a:ext>
             </a:extLst>
           </p:cNvPr>
@@ -16672,7 +17747,7 @@
           <p:cNvPr id="23" name="Picture 22">
             <a:extLst>
               <a:ext uri="{FF2B5EF4-FFF2-40B4-BE49-F238E27FC236}">
-                <a16:creationId xmlns:a16="http://schemas.microsoft.com/office/drawing/2014/main" xmlns="" id="{E28582D7-57A5-4804-B589-134CA17D7A9E}"/>
+                <a16:creationId xmlns:a16="http://schemas.microsoft.com/office/drawing/2014/main" id="{E28582D7-57A5-4804-B589-134CA17D7A9E}"/>
               </a:ext>
             </a:extLst>
           </p:cNvPr>
@@ -16707,12 +17782,12 @@
   <p:clrMapOvr>
     <a:masterClrMapping/>
   </p:clrMapOvr>
-  <mc:AlternateContent xmlns:mc="http://schemas.openxmlformats.org/markup-compatibility/2006" xmlns:p14="http://schemas.microsoft.com/office/powerpoint/2010/main">
-    <mc:Choice Requires="p14">
-      <p:transition spd="slow" p14:dur="2000" advTm="18990"/>
+  <mc:AlternateContent xmlns:mc="http://schemas.openxmlformats.org/markup-compatibility/2006">
+    <mc:Choice xmlns:p14="http://schemas.microsoft.com/office/powerpoint/2010/main" Requires="p14">
+      <p:transition spd="slow" p14:dur="2000" advTm="50709"/>
     </mc:Choice>
-    <mc:Fallback xmlns="">
-      <p:transition spd="slow" advTm="18990"/>
+    <mc:Fallback>
+      <p:transition spd="slow" advTm="50709"/>
     </mc:Fallback>
   </mc:AlternateContent>
 </p:sld>
@@ -16740,7 +17815,7 @@
           <p:cNvPr id="2" name="Title 1">
             <a:extLst>
               <a:ext uri="{FF2B5EF4-FFF2-40B4-BE49-F238E27FC236}">
-                <a16:creationId xmlns:a16="http://schemas.microsoft.com/office/drawing/2014/main" xmlns="" id="{D30D722C-C335-4C3D-899D-9CE0DC96BA4A}"/>
+                <a16:creationId xmlns:a16="http://schemas.microsoft.com/office/drawing/2014/main" id="{D30D722C-C335-4C3D-899D-9CE0DC96BA4A}"/>
               </a:ext>
             </a:extLst>
           </p:cNvPr>
@@ -16768,7 +17843,7 @@
           <p:cNvPr id="4" name="Content Placeholder 3">
             <a:extLst>
               <a:ext uri="{FF2B5EF4-FFF2-40B4-BE49-F238E27FC236}">
-                <a16:creationId xmlns:a16="http://schemas.microsoft.com/office/drawing/2014/main" xmlns="" id="{53B88FCD-A9E3-44A6-89F1-F8C4350B1344}"/>
+                <a16:creationId xmlns:a16="http://schemas.microsoft.com/office/drawing/2014/main" id="{53B88FCD-A9E3-44A6-89F1-F8C4350B1344}"/>
               </a:ext>
             </a:extLst>
           </p:cNvPr>
@@ -16826,7 +17901,7 @@
           <p:cNvPr id="5" name="Content Placeholder 4">
             <a:extLst>
               <a:ext uri="{FF2B5EF4-FFF2-40B4-BE49-F238E27FC236}">
-                <a16:creationId xmlns:a16="http://schemas.microsoft.com/office/drawing/2014/main" xmlns="" id="{ECA3F5A7-3262-493C-B9DD-84FAF6147F93}"/>
+                <a16:creationId xmlns:a16="http://schemas.microsoft.com/office/drawing/2014/main" id="{ECA3F5A7-3262-493C-B9DD-84FAF6147F93}"/>
               </a:ext>
             </a:extLst>
           </p:cNvPr>
@@ -16858,7 +17933,7 @@
           <p:cNvPr id="6" name="Oval 5">
             <a:extLst>
               <a:ext uri="{FF2B5EF4-FFF2-40B4-BE49-F238E27FC236}">
-                <a16:creationId xmlns:a16="http://schemas.microsoft.com/office/drawing/2014/main" xmlns="" id="{20A7F5F2-D7DB-4E2A-B9EE-EC6FE2C3A61D}"/>
+                <a16:creationId xmlns:a16="http://schemas.microsoft.com/office/drawing/2014/main" id="{20A7F5F2-D7DB-4E2A-B9EE-EC6FE2C3A61D}"/>
               </a:ext>
             </a:extLst>
           </p:cNvPr>
@@ -16911,7 +17986,7 @@
           <p:cNvPr id="7" name="TextBox 6">
             <a:extLst>
               <a:ext uri="{FF2B5EF4-FFF2-40B4-BE49-F238E27FC236}">
-                <a16:creationId xmlns:a16="http://schemas.microsoft.com/office/drawing/2014/main" xmlns="" id="{30D6E96C-0B81-4BD1-B85E-EAD1A1CFC245}"/>
+                <a16:creationId xmlns:a16="http://schemas.microsoft.com/office/drawing/2014/main" id="{30D6E96C-0B81-4BD1-B85E-EAD1A1CFC245}"/>
               </a:ext>
             </a:extLst>
           </p:cNvPr>
@@ -16957,6 +18032,14 @@
   <p:clrMapOvr>
     <a:masterClrMapping/>
   </p:clrMapOvr>
+  <mc:AlternateContent xmlns:mc="http://schemas.openxmlformats.org/markup-compatibility/2006">
+    <mc:Choice xmlns:p14="http://schemas.microsoft.com/office/powerpoint/2010/main" Requires="p14">
+      <p:transition spd="slow" p14:dur="2000" advTm="22156"/>
+    </mc:Choice>
+    <mc:Fallback>
+      <p:transition spd="slow" advTm="22156"/>
+    </mc:Fallback>
+  </mc:AlternateContent>
 </p:sld>
 </file>
 
